--- a/slides/AAS_talk.pptx
+++ b/slides/AAS_talk.pptx
@@ -5,30 +5,40 @@
     <p:sldMasterId id="2147483648" r:id="rId1"/>
   </p:sldMasterIdLst>
   <p:notesMasterIdLst>
-    <p:notesMasterId r:id="rId20"/>
+    <p:notesMasterId r:id="rId30"/>
   </p:notesMasterIdLst>
   <p:handoutMasterIdLst>
-    <p:handoutMasterId r:id="rId21"/>
+    <p:handoutMasterId r:id="rId31"/>
   </p:handoutMasterIdLst>
   <p:sldIdLst>
     <p:sldId id="256" r:id="rId2"/>
     <p:sldId id="311" r:id="rId3"/>
-    <p:sldId id="315" r:id="rId4"/>
-    <p:sldId id="316" r:id="rId5"/>
-    <p:sldId id="317" r:id="rId6"/>
-    <p:sldId id="318" r:id="rId7"/>
-    <p:sldId id="331" r:id="rId8"/>
-    <p:sldId id="319" r:id="rId9"/>
-    <p:sldId id="320" r:id="rId10"/>
-    <p:sldId id="332" r:id="rId11"/>
-    <p:sldId id="322" r:id="rId12"/>
-    <p:sldId id="323" r:id="rId13"/>
-    <p:sldId id="330" r:id="rId14"/>
-    <p:sldId id="324" r:id="rId15"/>
-    <p:sldId id="325" r:id="rId16"/>
-    <p:sldId id="333" r:id="rId17"/>
-    <p:sldId id="326" r:id="rId18"/>
-    <p:sldId id="327" r:id="rId19"/>
+    <p:sldId id="348" r:id="rId4"/>
+    <p:sldId id="342" r:id="rId5"/>
+    <p:sldId id="335" r:id="rId6"/>
+    <p:sldId id="336" r:id="rId7"/>
+    <p:sldId id="337" r:id="rId8"/>
+    <p:sldId id="341" r:id="rId9"/>
+    <p:sldId id="350" r:id="rId10"/>
+    <p:sldId id="315" r:id="rId11"/>
+    <p:sldId id="316" r:id="rId12"/>
+    <p:sldId id="353" r:id="rId13"/>
+    <p:sldId id="331" r:id="rId14"/>
+    <p:sldId id="320" r:id="rId15"/>
+    <p:sldId id="332" r:id="rId16"/>
+    <p:sldId id="322" r:id="rId17"/>
+    <p:sldId id="323" r:id="rId18"/>
+    <p:sldId id="324" r:id="rId19"/>
+    <p:sldId id="340" r:id="rId20"/>
+    <p:sldId id="333" r:id="rId21"/>
+    <p:sldId id="326" r:id="rId22"/>
+    <p:sldId id="352" r:id="rId23"/>
+    <p:sldId id="339" r:id="rId24"/>
+    <p:sldId id="345" r:id="rId25"/>
+    <p:sldId id="346" r:id="rId26"/>
+    <p:sldId id="347" r:id="rId27"/>
+    <p:sldId id="349" r:id="rId28"/>
+    <p:sldId id="351" r:id="rId29"/>
   </p:sldIdLst>
   <p:sldSz cx="9144000" cy="6858000" type="screen4x3"/>
   <p:notesSz cx="6858000" cy="9144000"/>
@@ -134,26 +144,36 @@
           <p14:sldIdLst>
             <p14:sldId id="256"/>
             <p14:sldId id="311"/>
+            <p14:sldId id="348"/>
+            <p14:sldId id="342"/>
+            <p14:sldId id="335"/>
+            <p14:sldId id="336"/>
+            <p14:sldId id="337"/>
+            <p14:sldId id="341"/>
+            <p14:sldId id="350"/>
           </p14:sldIdLst>
         </p14:section>
         <p14:section name="Untitled Section" id="{E95DD4B7-C620-3B47-BD4C-68460915B0CF}">
           <p14:sldIdLst>
             <p14:sldId id="315"/>
             <p14:sldId id="316"/>
-            <p14:sldId id="317"/>
-            <p14:sldId id="318"/>
+            <p14:sldId id="353"/>
             <p14:sldId id="331"/>
-            <p14:sldId id="319"/>
             <p14:sldId id="320"/>
             <p14:sldId id="332"/>
             <p14:sldId id="322"/>
             <p14:sldId id="323"/>
-            <p14:sldId id="330"/>
             <p14:sldId id="324"/>
-            <p14:sldId id="325"/>
+            <p14:sldId id="340"/>
             <p14:sldId id="333"/>
             <p14:sldId id="326"/>
-            <p14:sldId id="327"/>
+            <p14:sldId id="352"/>
+            <p14:sldId id="339"/>
+            <p14:sldId id="345"/>
+            <p14:sldId id="346"/>
+            <p14:sldId id="347"/>
+            <p14:sldId id="349"/>
+            <p14:sldId id="351"/>
           </p14:sldIdLst>
         </p14:section>
       </p14:sectionLst>
@@ -250,7 +270,7 @@
           <a:p>
             <a:fld id="{7E37B48D-A559-6F41-A85D-9198382D8E74}" type="datetime1">
               <a:rPr lang="en-US" smtClean="0"/>
-              <a:t>12/30/15</a:t>
+              <a:t>1/4/16</a:t>
             </a:fld>
             <a:endParaRPr lang="en-US"/>
           </a:p>
@@ -416,7 +436,7 @@
           <a:p>
             <a:fld id="{A07269D8-8511-224D-9EC2-608B032B74D9}" type="datetime1">
               <a:rPr lang="en-US" smtClean="0"/>
-              <a:t>12/30/15</a:t>
+              <a:t>1/4/16</a:t>
             </a:fld>
             <a:endParaRPr lang="en-US"/>
           </a:p>
@@ -813,18 +833,6 @@
           <a:bodyPr/>
           <a:lstStyle/>
           <a:p>
-            <a:r>
-              <a:rPr lang="en-US" dirty="0" smtClean="0"/>
-              <a:t>Remove the while and make the</a:t>
-            </a:r>
-            <a:r>
-              <a:rPr lang="en-US" baseline="0" dirty="0" smtClean="0"/>
-              <a:t> figure </a:t>
-            </a:r>
-            <a:r>
-              <a:rPr lang="en-US" dirty="0" smtClean="0"/>
-              <a:t>bigger.</a:t>
-            </a:r>
             <a:endParaRPr lang="en-US" dirty="0"/>
           </a:p>
         </p:txBody>
@@ -855,7 +863,7 @@
     </p:spTree>
     <p:extLst>
       <p:ext uri="{BB962C8B-B14F-4D97-AF65-F5344CB8AC3E}">
-        <p14:creationId xmlns:p14="http://schemas.microsoft.com/office/powerpoint/2010/main" val="812486749"/>
+        <p14:creationId xmlns:p14="http://schemas.microsoft.com/office/powerpoint/2010/main" val="975297577"/>
       </p:ext>
     </p:extLst>
   </p:cSld>
@@ -909,22 +917,6 @@
           <a:bodyPr/>
           <a:lstStyle/>
           <a:p>
-            <a:r>
-              <a:rPr lang="en-US" dirty="0" smtClean="0"/>
-              <a:t>Replace</a:t>
-            </a:r>
-            <a:r>
-              <a:rPr lang="en-US" baseline="0" dirty="0" smtClean="0"/>
-              <a:t> with </a:t>
-            </a:r>
-            <a:r>
-              <a:rPr lang="en-US" baseline="0" dirty="0" err="1" smtClean="0"/>
-              <a:t>spitzer</a:t>
-            </a:r>
-            <a:r>
-              <a:rPr lang="en-US" baseline="0" dirty="0" smtClean="0"/>
-              <a:t> water in disks spectrum image and  DCO+ image. </a:t>
-            </a:r>
             <a:endParaRPr lang="en-US" dirty="0"/>
           </a:p>
         </p:txBody>
@@ -955,7 +947,7 @@
     </p:spTree>
     <p:extLst>
       <p:ext uri="{BB962C8B-B14F-4D97-AF65-F5344CB8AC3E}">
-        <p14:creationId xmlns:p14="http://schemas.microsoft.com/office/powerpoint/2010/main" val="1098661459"/>
+        <p14:creationId xmlns:p14="http://schemas.microsoft.com/office/powerpoint/2010/main" val="975297577"/>
       </p:ext>
     </p:extLst>
   </p:cSld>
@@ -1011,23 +1003,15 @@
           <a:p>
             <a:r>
               <a:rPr lang="en-US" dirty="0" smtClean="0"/>
-              <a:t>Show a slide before this with model predictions. </a:t>
+              <a:t>Put the green </a:t>
             </a:r>
             <a:r>
               <a:rPr lang="en-US" dirty="0" err="1" smtClean="0"/>
-              <a:t>Arxiv</a:t>
+              <a:t>TWHya</a:t>
             </a:r>
             <a:r>
               <a:rPr lang="en-US" dirty="0" smtClean="0"/>
-              <a:t> paper by </a:t>
-            </a:r>
-            <a:r>
-              <a:rPr lang="en-US" dirty="0" err="1" smtClean="0"/>
-              <a:t>katherine</a:t>
-            </a:r>
-            <a:r>
-              <a:rPr lang="en-US" dirty="0" smtClean="0"/>
-              <a:t> lodders.2009 figure 1.8</a:t>
+              <a:t> figure instead.</a:t>
             </a:r>
             <a:endParaRPr lang="en-US" dirty="0"/>
           </a:p>
@@ -1050,7 +1034,7 @@
           <a:p>
             <a:fld id="{08B4712D-D2CB-8747-9EC4-89869EAABFB2}" type="slidenum">
               <a:rPr lang="en-US" smtClean="0"/>
-              <a:t>8</a:t>
+              <a:t>9</a:t>
             </a:fld>
             <a:endParaRPr lang="en-US"/>
           </a:p>
@@ -1059,7 +1043,7 @@
     </p:spTree>
     <p:extLst>
       <p:ext uri="{BB962C8B-B14F-4D97-AF65-F5344CB8AC3E}">
-        <p14:creationId xmlns:p14="http://schemas.microsoft.com/office/powerpoint/2010/main" val="24019049"/>
+        <p14:creationId xmlns:p14="http://schemas.microsoft.com/office/powerpoint/2010/main" val="4139224217"/>
       </p:ext>
     </p:extLst>
   </p:cSld>
@@ -1115,15 +1099,15 @@
           <a:p>
             <a:r>
               <a:rPr lang="en-US" dirty="0" smtClean="0"/>
-              <a:t>Cite </a:t>
-            </a:r>
-            <a:r>
-              <a:rPr lang="en-US" dirty="0" err="1" smtClean="0"/>
-              <a:t>TWHya</a:t>
+              <a:t>Remove the while and make the</a:t>
+            </a:r>
+            <a:r>
+              <a:rPr lang="en-US" baseline="0" dirty="0" smtClean="0"/>
+              <a:t> figure </a:t>
             </a:r>
             <a:r>
               <a:rPr lang="en-US" dirty="0" smtClean="0"/>
-              <a:t> paper</a:t>
+              <a:t>bigger.</a:t>
             </a:r>
             <a:endParaRPr lang="en-US" dirty="0"/>
           </a:p>
@@ -1146,7 +1130,7 @@
           <a:p>
             <a:fld id="{08B4712D-D2CB-8747-9EC4-89869EAABFB2}" type="slidenum">
               <a:rPr lang="en-US" smtClean="0"/>
-              <a:t>15</a:t>
+              <a:t>11</a:t>
             </a:fld>
             <a:endParaRPr lang="en-US"/>
           </a:p>
@@ -1155,7 +1139,7 @@
     </p:spTree>
     <p:extLst>
       <p:ext uri="{BB962C8B-B14F-4D97-AF65-F5344CB8AC3E}">
-        <p14:creationId xmlns:p14="http://schemas.microsoft.com/office/powerpoint/2010/main" val="3741690119"/>
+        <p14:creationId xmlns:p14="http://schemas.microsoft.com/office/powerpoint/2010/main" val="812486749"/>
       </p:ext>
     </p:extLst>
   </p:cSld>
@@ -1211,11 +1195,15 @@
           <a:p>
             <a:r>
               <a:rPr lang="en-US" dirty="0" smtClean="0"/>
-              <a:t>Add one slides</a:t>
-            </a:r>
-            <a:r>
-              <a:rPr lang="en-US" baseline="0" dirty="0" smtClean="0"/>
-              <a:t> 20, 21, 31 before this.</a:t>
+              <a:t>Cite </a:t>
+            </a:r>
+            <a:r>
+              <a:rPr lang="en-US" dirty="0" err="1" smtClean="0"/>
+              <a:t>TWHya</a:t>
+            </a:r>
+            <a:r>
+              <a:rPr lang="en-US" dirty="0" smtClean="0"/>
+              <a:t> paper</a:t>
             </a:r>
             <a:endParaRPr lang="en-US" dirty="0"/>
           </a:p>
@@ -1238,7 +1226,7 @@
           <a:p>
             <a:fld id="{08B4712D-D2CB-8747-9EC4-89869EAABFB2}" type="slidenum">
               <a:rPr lang="en-US" smtClean="0"/>
-              <a:t>18</a:t>
+              <a:t>23</a:t>
             </a:fld>
             <a:endParaRPr lang="en-US"/>
           </a:p>
@@ -1247,7 +1235,211 @@
     </p:spTree>
     <p:extLst>
       <p:ext uri="{BB962C8B-B14F-4D97-AF65-F5344CB8AC3E}">
-        <p14:creationId xmlns:p14="http://schemas.microsoft.com/office/powerpoint/2010/main" val="1270680920"/>
+        <p14:creationId xmlns:p14="http://schemas.microsoft.com/office/powerpoint/2010/main" val="3741690119"/>
+      </p:ext>
+    </p:extLst>
+  </p:cSld>
+  <p:clrMapOvr>
+    <a:masterClrMapping/>
+  </p:clrMapOvr>
+</p:notes>
+</file>
+
+<file path=ppt/notesSlides/notesSlide7.xml><?xml version="1.0" encoding="utf-8"?>
+<p:notes xmlns:a="http://schemas.openxmlformats.org/drawingml/2006/main" xmlns:r="http://schemas.openxmlformats.org/officeDocument/2006/relationships" xmlns:p="http://schemas.openxmlformats.org/presentationml/2006/main">
+  <p:cSld>
+    <p:spTree>
+      <p:nvGrpSpPr>
+        <p:cNvPr id="1" name=""/>
+        <p:cNvGrpSpPr/>
+        <p:nvPr/>
+      </p:nvGrpSpPr>
+      <p:grpSpPr>
+        <a:xfrm>
+          <a:off x="0" y="0"/>
+          <a:ext cx="0" cy="0"/>
+          <a:chOff x="0" y="0"/>
+          <a:chExt cx="0" cy="0"/>
+        </a:xfrm>
+      </p:grpSpPr>
+      <p:sp>
+        <p:nvSpPr>
+          <p:cNvPr id="2" name="Slide Image Placeholder 1"/>
+          <p:cNvSpPr>
+            <a:spLocks noGrp="1" noRot="1" noChangeAspect="1"/>
+          </p:cNvSpPr>
+          <p:nvPr>
+            <p:ph type="sldImg"/>
+          </p:nvPr>
+        </p:nvSpPr>
+        <p:spPr/>
+      </p:sp>
+      <p:sp>
+        <p:nvSpPr>
+          <p:cNvPr id="3" name="Notes Placeholder 2"/>
+          <p:cNvSpPr>
+            <a:spLocks noGrp="1"/>
+          </p:cNvSpPr>
+          <p:nvPr>
+            <p:ph type="body" idx="1"/>
+          </p:nvPr>
+        </p:nvSpPr>
+        <p:spPr/>
+        <p:txBody>
+          <a:bodyPr/>
+          <a:lstStyle/>
+          <a:p>
+            <a:r>
+              <a:rPr lang="en-US" dirty="0" smtClean="0"/>
+              <a:t>Replace</a:t>
+            </a:r>
+            <a:r>
+              <a:rPr lang="en-US" baseline="0" dirty="0" smtClean="0"/>
+              <a:t> with </a:t>
+            </a:r>
+            <a:r>
+              <a:rPr lang="en-US" baseline="0" dirty="0" err="1" smtClean="0"/>
+              <a:t>spitzer</a:t>
+            </a:r>
+            <a:r>
+              <a:rPr lang="en-US" baseline="0" dirty="0" smtClean="0"/>
+              <a:t> water in disks spectrum image and  DCO+ image. </a:t>
+            </a:r>
+            <a:endParaRPr lang="en-US" dirty="0"/>
+          </a:p>
+        </p:txBody>
+      </p:sp>
+      <p:sp>
+        <p:nvSpPr>
+          <p:cNvPr id="4" name="Slide Number Placeholder 3"/>
+          <p:cNvSpPr>
+            <a:spLocks noGrp="1"/>
+          </p:cNvSpPr>
+          <p:nvPr>
+            <p:ph type="sldNum" sz="quarter" idx="10"/>
+          </p:nvPr>
+        </p:nvSpPr>
+        <p:spPr/>
+        <p:txBody>
+          <a:bodyPr/>
+          <a:lstStyle/>
+          <a:p>
+            <a:fld id="{08B4712D-D2CB-8747-9EC4-89869EAABFB2}" type="slidenum">
+              <a:rPr lang="en-US" smtClean="0"/>
+              <a:t>24</a:t>
+            </a:fld>
+            <a:endParaRPr lang="en-US"/>
+          </a:p>
+        </p:txBody>
+      </p:sp>
+    </p:spTree>
+    <p:extLst>
+      <p:ext uri="{BB962C8B-B14F-4D97-AF65-F5344CB8AC3E}">
+        <p14:creationId xmlns:p14="http://schemas.microsoft.com/office/powerpoint/2010/main" val="1098661459"/>
+      </p:ext>
+    </p:extLst>
+  </p:cSld>
+  <p:clrMapOvr>
+    <a:masterClrMapping/>
+  </p:clrMapOvr>
+</p:notes>
+</file>
+
+<file path=ppt/notesSlides/notesSlide8.xml><?xml version="1.0" encoding="utf-8"?>
+<p:notes xmlns:a="http://schemas.openxmlformats.org/drawingml/2006/main" xmlns:r="http://schemas.openxmlformats.org/officeDocument/2006/relationships" xmlns:p="http://schemas.openxmlformats.org/presentationml/2006/main">
+  <p:cSld>
+    <p:spTree>
+      <p:nvGrpSpPr>
+        <p:cNvPr id="1" name=""/>
+        <p:cNvGrpSpPr/>
+        <p:nvPr/>
+      </p:nvGrpSpPr>
+      <p:grpSpPr>
+        <a:xfrm>
+          <a:off x="0" y="0"/>
+          <a:ext cx="0" cy="0"/>
+          <a:chOff x="0" y="0"/>
+          <a:chExt cx="0" cy="0"/>
+        </a:xfrm>
+      </p:grpSpPr>
+      <p:sp>
+        <p:nvSpPr>
+          <p:cNvPr id="2" name="Slide Image Placeholder 1"/>
+          <p:cNvSpPr>
+            <a:spLocks noGrp="1" noRot="1" noChangeAspect="1"/>
+          </p:cNvSpPr>
+          <p:nvPr>
+            <p:ph type="sldImg"/>
+          </p:nvPr>
+        </p:nvSpPr>
+        <p:spPr/>
+      </p:sp>
+      <p:sp>
+        <p:nvSpPr>
+          <p:cNvPr id="3" name="Notes Placeholder 2"/>
+          <p:cNvSpPr>
+            <a:spLocks noGrp="1"/>
+          </p:cNvSpPr>
+          <p:nvPr>
+            <p:ph type="body" idx="1"/>
+          </p:nvPr>
+        </p:nvSpPr>
+        <p:spPr/>
+        <p:txBody>
+          <a:bodyPr/>
+          <a:lstStyle/>
+          <a:p>
+            <a:r>
+              <a:rPr lang="en-US" dirty="0" smtClean="0"/>
+              <a:t>Show a slide before this with model predictions. </a:t>
+            </a:r>
+            <a:r>
+              <a:rPr lang="en-US" dirty="0" err="1" smtClean="0"/>
+              <a:t>Arxiv</a:t>
+            </a:r>
+            <a:r>
+              <a:rPr lang="en-US" dirty="0" smtClean="0"/>
+              <a:t> paper by </a:t>
+            </a:r>
+            <a:r>
+              <a:rPr lang="en-US" dirty="0" err="1" smtClean="0"/>
+              <a:t>katherine</a:t>
+            </a:r>
+            <a:r>
+              <a:rPr lang="en-US" dirty="0" smtClean="0"/>
+              <a:t> lodders.2009 figure 1.8</a:t>
+            </a:r>
+            <a:endParaRPr lang="en-US" dirty="0"/>
+          </a:p>
+        </p:txBody>
+      </p:sp>
+      <p:sp>
+        <p:nvSpPr>
+          <p:cNvPr id="4" name="Slide Number Placeholder 3"/>
+          <p:cNvSpPr>
+            <a:spLocks noGrp="1"/>
+          </p:cNvSpPr>
+          <p:nvPr>
+            <p:ph type="sldNum" sz="quarter" idx="10"/>
+          </p:nvPr>
+        </p:nvSpPr>
+        <p:spPr/>
+        <p:txBody>
+          <a:bodyPr/>
+          <a:lstStyle/>
+          <a:p>
+            <a:fld id="{08B4712D-D2CB-8747-9EC4-89869EAABFB2}" type="slidenum">
+              <a:rPr lang="en-US" smtClean="0"/>
+              <a:t>26</a:t>
+            </a:fld>
+            <a:endParaRPr lang="en-US"/>
+          </a:p>
+        </p:txBody>
+      </p:sp>
+    </p:spTree>
+    <p:extLst>
+      <p:ext uri="{BB962C8B-B14F-4D97-AF65-F5344CB8AC3E}">
+        <p14:creationId xmlns:p14="http://schemas.microsoft.com/office/powerpoint/2010/main" val="24019049"/>
       </p:ext>
     </p:extLst>
   </p:cSld>
@@ -1438,7 +1630,7 @@
           <a:p>
             <a:fld id="{6BFECD78-3C8E-49F2-8FAB-59489D168ABB}" type="datetimeFigureOut">
               <a:rPr lang="en-US" smtClean="0"/>
-              <a:t>12/30/15</a:t>
+              <a:t>1/4/16</a:t>
             </a:fld>
             <a:endParaRPr lang="en-US"/>
           </a:p>
@@ -1608,7 +1800,7 @@
           <a:p>
             <a:fld id="{6BFECD78-3C8E-49F2-8FAB-59489D168ABB}" type="datetimeFigureOut">
               <a:rPr lang="en-US" smtClean="0"/>
-              <a:t>12/30/15</a:t>
+              <a:t>1/4/16</a:t>
             </a:fld>
             <a:endParaRPr lang="en-US"/>
           </a:p>
@@ -1788,7 +1980,7 @@
           <a:p>
             <a:fld id="{6BFECD78-3C8E-49F2-8FAB-59489D168ABB}" type="datetimeFigureOut">
               <a:rPr lang="en-US" smtClean="0"/>
-              <a:t>12/30/15</a:t>
+              <a:t>1/4/16</a:t>
             </a:fld>
             <a:endParaRPr lang="en-US"/>
           </a:p>
@@ -1958,7 +2150,7 @@
           <a:p>
             <a:fld id="{6BFECD78-3C8E-49F2-8FAB-59489D168ABB}" type="datetimeFigureOut">
               <a:rPr lang="en-US" smtClean="0"/>
-              <a:t>12/30/15</a:t>
+              <a:t>1/4/16</a:t>
             </a:fld>
             <a:endParaRPr lang="en-US"/>
           </a:p>
@@ -2204,7 +2396,7 @@
           <a:p>
             <a:fld id="{6BFECD78-3C8E-49F2-8FAB-59489D168ABB}" type="datetimeFigureOut">
               <a:rPr lang="en-US" smtClean="0"/>
-              <a:t>12/30/15</a:t>
+              <a:t>1/4/16</a:t>
             </a:fld>
             <a:endParaRPr lang="en-US"/>
           </a:p>
@@ -2492,7 +2684,7 @@
           <a:p>
             <a:fld id="{6BFECD78-3C8E-49F2-8FAB-59489D168ABB}" type="datetimeFigureOut">
               <a:rPr lang="en-US" smtClean="0"/>
-              <a:t>12/30/15</a:t>
+              <a:t>1/4/16</a:t>
             </a:fld>
             <a:endParaRPr lang="en-US"/>
           </a:p>
@@ -2914,7 +3106,7 @@
           <a:p>
             <a:fld id="{6BFECD78-3C8E-49F2-8FAB-59489D168ABB}" type="datetimeFigureOut">
               <a:rPr lang="en-US" smtClean="0"/>
-              <a:t>12/30/15</a:t>
+              <a:t>1/4/16</a:t>
             </a:fld>
             <a:endParaRPr lang="en-US"/>
           </a:p>
@@ -3032,7 +3224,7 @@
           <a:p>
             <a:fld id="{6BFECD78-3C8E-49F2-8FAB-59489D168ABB}" type="datetimeFigureOut">
               <a:rPr lang="en-US" smtClean="0"/>
-              <a:t>12/30/15</a:t>
+              <a:t>1/4/16</a:t>
             </a:fld>
             <a:endParaRPr lang="en-US"/>
           </a:p>
@@ -3127,7 +3319,7 @@
           <a:p>
             <a:fld id="{6BFECD78-3C8E-49F2-8FAB-59489D168ABB}" type="datetimeFigureOut">
               <a:rPr lang="en-US" smtClean="0"/>
-              <a:t>12/30/15</a:t>
+              <a:t>1/4/16</a:t>
             </a:fld>
             <a:endParaRPr lang="en-US"/>
           </a:p>
@@ -3404,7 +3596,7 @@
           <a:p>
             <a:fld id="{6BFECD78-3C8E-49F2-8FAB-59489D168ABB}" type="datetimeFigureOut">
               <a:rPr lang="en-US" smtClean="0"/>
-              <a:t>12/30/15</a:t>
+              <a:t>1/4/16</a:t>
             </a:fld>
             <a:endParaRPr lang="en-US"/>
           </a:p>
@@ -3661,7 +3853,7 @@
           <a:p>
             <a:fld id="{6BFECD78-3C8E-49F2-8FAB-59489D168ABB}" type="datetimeFigureOut">
               <a:rPr lang="en-US" smtClean="0"/>
-              <a:t>12/30/15</a:t>
+              <a:t>1/4/16</a:t>
             </a:fld>
             <a:endParaRPr lang="en-US"/>
           </a:p>
@@ -3874,7 +4066,7 @@
           <a:p>
             <a:fld id="{6BFECD78-3C8E-49F2-8FAB-59489D168ABB}" type="datetimeFigureOut">
               <a:rPr lang="en-US" smtClean="0"/>
-              <a:t>12/30/15</a:t>
+              <a:t>1/4/16</a:t>
             </a:fld>
             <a:endParaRPr lang="en-US"/>
           </a:p>
@@ -4328,7 +4520,11 @@
           <a:p>
             <a:r>
               <a:rPr lang="en-US" sz="2600" dirty="0" smtClean="0"/>
-              <a:t>Karin Öberg</a:t>
+              <a:t>Karin </a:t>
+            </a:r>
+            <a:r>
+              <a:rPr lang="en-US" sz="2600" dirty="0" smtClean="0"/>
+              <a:t>Öberg</a:t>
             </a:r>
             <a:r>
               <a:rPr lang="en-US" sz="2600" baseline="30000" dirty="0" smtClean="0"/>
@@ -4339,6 +4535,26 @@
               <a:t>, </a:t>
             </a:r>
             <a:r>
+              <a:rPr lang="en-US" sz="2600" dirty="0" smtClean="0"/>
+              <a:t>Ruth </a:t>
+            </a:r>
+            <a:r>
+              <a:rPr lang="en-US" sz="2600" dirty="0"/>
+              <a:t>Murray-</a:t>
+            </a:r>
+            <a:r>
+              <a:rPr lang="en-US" sz="2600" dirty="0" smtClean="0"/>
+              <a:t>Clay</a:t>
+            </a:r>
+            <a:r>
+              <a:rPr lang="en-US" sz="2600" baseline="30000" dirty="0"/>
+              <a:t>2</a:t>
+            </a:r>
+            <a:r>
+              <a:rPr lang="en-US" sz="2600" dirty="0"/>
+              <a:t>, </a:t>
+            </a:r>
+            <a:r>
               <a:rPr lang="en-US" sz="2600" dirty="0" err="1"/>
               <a:t>Til</a:t>
             </a:r>
@@ -4352,23 +4568,19 @@
             </a:r>
             <a:r>
               <a:rPr lang="en-US" sz="2600" baseline="30000" dirty="0" smtClean="0"/>
-              <a:t>1,2</a:t>
+              <a:t>1,3</a:t>
             </a:r>
             <a:r>
               <a:rPr lang="en-US" sz="2600" dirty="0" smtClean="0"/>
-              <a:t>, Ruth </a:t>
-            </a:r>
-            <a:r>
-              <a:rPr lang="en-US" sz="2600" dirty="0"/>
-              <a:t>Murray-</a:t>
+              <a:t>, </a:t>
             </a:r>
             <a:r>
               <a:rPr lang="en-US" sz="2600" dirty="0" smtClean="0"/>
-              <a:t>Clay</a:t>
-            </a:r>
-            <a:r>
-              <a:rPr lang="en-US" sz="2600" baseline="30000" dirty="0"/>
-              <a:t>3</a:t>
+              <a:t>Andrew Youdin</a:t>
+            </a:r>
+            <a:r>
+              <a:rPr lang="en-US" sz="2600" baseline="30000" dirty="0" smtClean="0"/>
+              <a:t>4</a:t>
             </a:r>
             <a:endParaRPr lang="en-US" sz="3000" u="sng" dirty="0" smtClean="0"/>
           </a:p>
@@ -4385,8 +4597,8 @@
         </p:nvSpPr>
         <p:spPr>
           <a:xfrm>
-            <a:off x="2106706" y="5582448"/>
-            <a:ext cx="4900706" cy="1107996"/>
+            <a:off x="2106706" y="5501388"/>
+            <a:ext cx="4900706" cy="1384995"/>
           </a:xfrm>
           <a:prstGeom prst="rect">
             <a:avLst/>
@@ -4420,8 +4632,27 @@
           <a:p>
             <a:pPr algn="ctr"/>
             <a:r>
+              <a:rPr lang="en-US" baseline="30000" dirty="0"/>
+              <a:t>2</a:t>
+            </a:r>
+            <a:r>
+              <a:rPr lang="en-US" dirty="0" smtClean="0"/>
+              <a:t>University </a:t>
+            </a:r>
+            <a:r>
+              <a:rPr lang="en-US" dirty="0" smtClean="0"/>
+              <a:t>of California Santa </a:t>
+            </a:r>
+            <a:r>
+              <a:rPr lang="en-US" dirty="0" smtClean="0"/>
+              <a:t>Barbara</a:t>
+            </a:r>
+          </a:p>
+          <a:p>
+            <a:pPr algn="ctr"/>
+            <a:r>
               <a:rPr lang="en-US" baseline="30000" dirty="0" smtClean="0"/>
-              <a:t>2</a:t>
+              <a:t>3</a:t>
             </a:r>
             <a:r>
               <a:rPr lang="en-US" dirty="0" smtClean="0"/>
@@ -4429,20 +4660,25 @@
             </a:r>
             <a:r>
               <a:rPr lang="en-US" dirty="0"/>
-              <a:t>, Heidelberg</a:t>
-            </a:r>
-            <a:endParaRPr lang="en-US" baseline="30000" dirty="0"/>
+              <a:t>, </a:t>
+            </a:r>
+            <a:r>
+              <a:rPr lang="en-US" dirty="0" smtClean="0"/>
+              <a:t>Heidelberg</a:t>
+            </a:r>
+            <a:endParaRPr lang="en-US" dirty="0" smtClean="0"/>
           </a:p>
           <a:p>
             <a:pPr algn="ctr"/>
             <a:r>
-              <a:rPr lang="en-US" baseline="30000" dirty="0"/>
-              <a:t>3</a:t>
+              <a:rPr lang="en-US" baseline="30000" dirty="0" smtClean="0"/>
+              <a:t>4</a:t>
             </a:r>
             <a:r>
               <a:rPr lang="en-US" dirty="0" smtClean="0"/>
-              <a:t>University of California Santa Barbara</a:t>
-            </a:r>
+              <a:t>University of Arizona</a:t>
+            </a:r>
+            <a:endParaRPr lang="en-US" baseline="30000" dirty="0" smtClean="0"/>
           </a:p>
           <a:p>
             <a:pPr algn="ctr"/>
@@ -4526,6 +4762,981 @@
 </file>
 
 <file path=ppt/slides/slide10.xml><?xml version="1.0" encoding="utf-8"?>
+<p:sld xmlns:a="http://schemas.openxmlformats.org/drawingml/2006/main" xmlns:r="http://schemas.openxmlformats.org/officeDocument/2006/relationships" xmlns:p="http://schemas.openxmlformats.org/presentationml/2006/main">
+  <p:cSld>
+    <p:spTree>
+      <p:nvGrpSpPr>
+        <p:cNvPr id="1" name=""/>
+        <p:cNvGrpSpPr/>
+        <p:nvPr/>
+      </p:nvGrpSpPr>
+      <p:grpSpPr>
+        <a:xfrm>
+          <a:off x="0" y="0"/>
+          <a:ext cx="0" cy="0"/>
+          <a:chOff x="0" y="0"/>
+          <a:chExt cx="0" cy="0"/>
+        </a:xfrm>
+      </p:grpSpPr>
+      <p:sp>
+        <p:nvSpPr>
+          <p:cNvPr id="2" name="Title 1"/>
+          <p:cNvSpPr>
+            <a:spLocks noGrp="1"/>
+          </p:cNvSpPr>
+          <p:nvPr>
+            <p:ph type="title"/>
+          </p:nvPr>
+        </p:nvSpPr>
+        <p:spPr>
+          <a:xfrm>
+            <a:off x="457200" y="355698"/>
+            <a:ext cx="8229600" cy="1143000"/>
+          </a:xfrm>
+        </p:spPr>
+        <p:txBody>
+          <a:bodyPr>
+            <a:normAutofit fontScale="90000"/>
+          </a:bodyPr>
+          <a:lstStyle/>
+          <a:p>
+            <a:r>
+              <a:rPr lang="en-US" sz="5000" dirty="0" smtClean="0">
+                <a:solidFill>
+                  <a:srgbClr val="FFFF00"/>
+                </a:solidFill>
+              </a:rPr>
+              <a:t>Disk Compositions </a:t>
+            </a:r>
+            <a:r>
+              <a:rPr lang="en-US" sz="5000" dirty="0" smtClean="0"/>
+              <a:t>Regulate</a:t>
+            </a:r>
+            <a:r>
+              <a:rPr lang="en-US" sz="5000" dirty="0" smtClean="0">
+                <a:solidFill>
+                  <a:srgbClr val="FFFF00"/>
+                </a:solidFill>
+              </a:rPr>
+              <a:t> Planet Compositions</a:t>
+            </a:r>
+            <a:endParaRPr lang="en-US" sz="5000" dirty="0">
+              <a:solidFill>
+                <a:srgbClr val="FFFF00"/>
+              </a:solidFill>
+            </a:endParaRPr>
+          </a:p>
+        </p:txBody>
+      </p:sp>
+      <p:sp>
+        <p:nvSpPr>
+          <p:cNvPr id="3" name="Content Placeholder 2"/>
+          <p:cNvSpPr>
+            <a:spLocks noGrp="1"/>
+          </p:cNvSpPr>
+          <p:nvPr>
+            <p:ph idx="1"/>
+          </p:nvPr>
+        </p:nvSpPr>
+        <p:spPr>
+          <a:xfrm>
+            <a:off x="457200" y="2122308"/>
+            <a:ext cx="8094133" cy="3818469"/>
+          </a:xfrm>
+          <a:solidFill>
+            <a:srgbClr val="FFFF00"/>
+          </a:solidFill>
+          <a:ln w="63500">
+            <a:solidFill>
+              <a:srgbClr val="0000FF"/>
+            </a:solidFill>
+          </a:ln>
+        </p:spPr>
+        <p:txBody>
+          <a:bodyPr>
+            <a:normAutofit/>
+          </a:bodyPr>
+          <a:lstStyle/>
+          <a:p>
+            <a:pPr marL="0" indent="0" algn="ctr">
+              <a:buNone/>
+            </a:pPr>
+            <a:r>
+              <a:rPr lang="en-US" dirty="0" smtClean="0">
+                <a:solidFill>
+                  <a:schemeClr val="bg1"/>
+                </a:solidFill>
+              </a:rPr>
+              <a:t>Understand the disk well enough to:</a:t>
+            </a:r>
+          </a:p>
+          <a:p>
+            <a:pPr marL="514350" indent="-514350" algn="ctr">
+              <a:buAutoNum type="arabicPeriod"/>
+            </a:pPr>
+            <a:r>
+              <a:rPr lang="en-US" dirty="0" smtClean="0">
+                <a:solidFill>
+                  <a:schemeClr val="bg1"/>
+                </a:solidFill>
+              </a:rPr>
+              <a:t>Predict what kind of planet compositions result from planet formation in different parts of the disk</a:t>
+            </a:r>
+          </a:p>
+          <a:p>
+            <a:pPr marL="514350" indent="-514350" algn="ctr">
+              <a:buAutoNum type="arabicPeriod"/>
+            </a:pPr>
+            <a:r>
+              <a:rPr lang="en-US" dirty="0" smtClean="0">
+                <a:solidFill>
+                  <a:schemeClr val="bg1"/>
+                </a:solidFill>
+              </a:rPr>
+              <a:t>Back-track the planet formation location based on the planet composition</a:t>
+            </a:r>
+          </a:p>
+          <a:p>
+            <a:pPr marL="0" indent="0" algn="ctr">
+              <a:buNone/>
+            </a:pPr>
+            <a:endParaRPr lang="en-US" dirty="0" smtClean="0">
+              <a:solidFill>
+                <a:schemeClr val="bg1"/>
+              </a:solidFill>
+            </a:endParaRPr>
+          </a:p>
+        </p:txBody>
+      </p:sp>
+    </p:spTree>
+    <p:extLst>
+      <p:ext uri="{BB962C8B-B14F-4D97-AF65-F5344CB8AC3E}">
+        <p14:creationId xmlns:p14="http://schemas.microsoft.com/office/powerpoint/2010/main" val="145592411"/>
+      </p:ext>
+    </p:extLst>
+  </p:cSld>
+  <p:clrMapOvr>
+    <a:masterClrMapping/>
+  </p:clrMapOvr>
+  <p:timing>
+    <p:tnLst>
+      <p:par>
+        <p:cTn xmlns:p14="http://schemas.microsoft.com/office/powerpoint/2010/main" id="1" dur="indefinite" restart="never" nodeType="tmRoot"/>
+      </p:par>
+    </p:tnLst>
+  </p:timing>
+</p:sld>
+</file>
+
+<file path=ppt/slides/slide11.xml><?xml version="1.0" encoding="utf-8"?>
+<p:sld xmlns:a="http://schemas.openxmlformats.org/drawingml/2006/main" xmlns:r="http://schemas.openxmlformats.org/officeDocument/2006/relationships" xmlns:p="http://schemas.openxmlformats.org/presentationml/2006/main">
+  <p:cSld>
+    <p:spTree>
+      <p:nvGrpSpPr>
+        <p:cNvPr id="1" name=""/>
+        <p:cNvGrpSpPr/>
+        <p:nvPr/>
+      </p:nvGrpSpPr>
+      <p:grpSpPr>
+        <a:xfrm>
+          <a:off x="0" y="0"/>
+          <a:ext cx="0" cy="0"/>
+          <a:chOff x="0" y="0"/>
+          <a:chExt cx="0" cy="0"/>
+        </a:xfrm>
+      </p:grpSpPr>
+      <p:sp>
+        <p:nvSpPr>
+          <p:cNvPr id="2" name="Title 1"/>
+          <p:cNvSpPr>
+            <a:spLocks noGrp="1"/>
+          </p:cNvSpPr>
+          <p:nvPr>
+            <p:ph type="title"/>
+          </p:nvPr>
+        </p:nvSpPr>
+        <p:spPr>
+          <a:xfrm>
+            <a:off x="457200" y="-158769"/>
+            <a:ext cx="8229600" cy="1143000"/>
+          </a:xfrm>
+        </p:spPr>
+        <p:txBody>
+          <a:bodyPr/>
+          <a:lstStyle/>
+          <a:p>
+            <a:r>
+              <a:rPr lang="en-US" dirty="0" smtClean="0"/>
+              <a:t>Disk structure is </a:t>
+            </a:r>
+            <a:r>
+              <a:rPr lang="en-US" dirty="0" smtClean="0">
+                <a:solidFill>
+                  <a:srgbClr val="FFFF00"/>
+                </a:solidFill>
+              </a:rPr>
+              <a:t>complex</a:t>
+            </a:r>
+            <a:r>
+              <a:rPr lang="en-US" dirty="0" smtClean="0"/>
+              <a:t>!</a:t>
+            </a:r>
+            <a:endParaRPr lang="en-US" dirty="0"/>
+          </a:p>
+        </p:txBody>
+      </p:sp>
+      <p:sp>
+        <p:nvSpPr>
+          <p:cNvPr id="6" name="TextBox 5"/>
+          <p:cNvSpPr txBox="1"/>
+          <p:nvPr/>
+        </p:nvSpPr>
+        <p:spPr>
+          <a:xfrm>
+            <a:off x="6637474" y="6208221"/>
+            <a:ext cx="2492023" cy="307777"/>
+          </a:xfrm>
+          <a:prstGeom prst="rect">
+            <a:avLst/>
+          </a:prstGeom>
+          <a:noFill/>
+        </p:spPr>
+        <p:txBody>
+          <a:bodyPr wrap="square" rtlCol="0">
+            <a:spAutoFit/>
+          </a:bodyPr>
+          <a:lstStyle/>
+          <a:p>
+            <a:r>
+              <a:rPr lang="en-US" sz="1400" dirty="0" err="1" smtClean="0"/>
+              <a:t>Henning&amp;Semenov</a:t>
+            </a:r>
+            <a:r>
+              <a:rPr lang="en-US" sz="1400" dirty="0" smtClean="0"/>
+              <a:t> (2013)</a:t>
+            </a:r>
+            <a:endParaRPr lang="en-US" sz="1400" dirty="0"/>
+          </a:p>
+        </p:txBody>
+      </p:sp>
+      <p:pic>
+        <p:nvPicPr>
+          <p:cNvPr id="4" name="Picture 3" descr="disk_semenov.png"/>
+          <p:cNvPicPr>
+            <a:picLocks noChangeAspect="1"/>
+          </p:cNvPicPr>
+          <p:nvPr/>
+        </p:nvPicPr>
+        <p:blipFill>
+          <a:blip r:embed="rId3">
+            <a:extLst>
+              <a:ext uri="{28A0092B-C50C-407E-A947-70E740481C1C}">
+                <a14:useLocalDpi xmlns:a14="http://schemas.microsoft.com/office/drawing/2010/main" val="0"/>
+              </a:ext>
+            </a:extLst>
+          </a:blip>
+          <a:stretch>
+            <a:fillRect/>
+          </a:stretch>
+        </p:blipFill>
+        <p:spPr>
+          <a:xfrm>
+            <a:off x="157325" y="702334"/>
+            <a:ext cx="8972172" cy="5154892"/>
+          </a:xfrm>
+          <a:prstGeom prst="rect">
+            <a:avLst/>
+          </a:prstGeom>
+        </p:spPr>
+      </p:pic>
+      <p:sp>
+        <p:nvSpPr>
+          <p:cNvPr id="3" name="Rectangle 2"/>
+          <p:cNvSpPr/>
+          <p:nvPr/>
+        </p:nvSpPr>
+        <p:spPr>
+          <a:xfrm>
+            <a:off x="2066619" y="3037044"/>
+            <a:ext cx="930767" cy="433863"/>
+          </a:xfrm>
+          <a:prstGeom prst="rect">
+            <a:avLst/>
+          </a:prstGeom>
+          <a:noFill/>
+          <a:ln w="38100">
+            <a:solidFill>
+              <a:srgbClr val="FFFF00"/>
+            </a:solidFill>
+          </a:ln>
+          <a:effectLst/>
+        </p:spPr>
+        <p:style>
+          <a:lnRef idx="1">
+            <a:schemeClr val="accent1"/>
+          </a:lnRef>
+          <a:fillRef idx="3">
+            <a:schemeClr val="accent1"/>
+          </a:fillRef>
+          <a:effectRef idx="2">
+            <a:schemeClr val="accent1"/>
+          </a:effectRef>
+          <a:fontRef idx="minor">
+            <a:schemeClr val="lt1"/>
+          </a:fontRef>
+        </p:style>
+        <p:txBody>
+          <a:bodyPr rtlCol="0" anchor="ctr"/>
+          <a:lstStyle/>
+          <a:p>
+            <a:pPr algn="ctr"/>
+            <a:endParaRPr lang="en-US"/>
+          </a:p>
+        </p:txBody>
+      </p:sp>
+      <p:sp>
+        <p:nvSpPr>
+          <p:cNvPr id="7" name="Rectangle 6"/>
+          <p:cNvSpPr/>
+          <p:nvPr/>
+        </p:nvSpPr>
+        <p:spPr>
+          <a:xfrm>
+            <a:off x="1467368" y="4476804"/>
+            <a:ext cx="1012214" cy="433863"/>
+          </a:xfrm>
+          <a:prstGeom prst="rect">
+            <a:avLst/>
+          </a:prstGeom>
+          <a:noFill/>
+          <a:ln w="38100">
+            <a:solidFill>
+              <a:srgbClr val="FFFF00"/>
+            </a:solidFill>
+          </a:ln>
+          <a:effectLst/>
+        </p:spPr>
+        <p:style>
+          <a:lnRef idx="1">
+            <a:schemeClr val="accent1"/>
+          </a:lnRef>
+          <a:fillRef idx="3">
+            <a:schemeClr val="accent1"/>
+          </a:fillRef>
+          <a:effectRef idx="2">
+            <a:schemeClr val="accent1"/>
+          </a:effectRef>
+          <a:fontRef idx="minor">
+            <a:schemeClr val="lt1"/>
+          </a:fontRef>
+        </p:style>
+        <p:txBody>
+          <a:bodyPr rtlCol="0" anchor="ctr"/>
+          <a:lstStyle/>
+          <a:p>
+            <a:pPr algn="ctr"/>
+            <a:endParaRPr lang="en-US"/>
+          </a:p>
+        </p:txBody>
+      </p:sp>
+      <p:sp>
+        <p:nvSpPr>
+          <p:cNvPr id="8" name="Rectangle 7"/>
+          <p:cNvSpPr/>
+          <p:nvPr/>
+        </p:nvSpPr>
+        <p:spPr>
+          <a:xfrm>
+            <a:off x="4275259" y="2820113"/>
+            <a:ext cx="813502" cy="298928"/>
+          </a:xfrm>
+          <a:prstGeom prst="rect">
+            <a:avLst/>
+          </a:prstGeom>
+          <a:noFill/>
+          <a:ln w="38100">
+            <a:solidFill>
+              <a:srgbClr val="FFFF00"/>
+            </a:solidFill>
+          </a:ln>
+          <a:effectLst/>
+        </p:spPr>
+        <p:style>
+          <a:lnRef idx="1">
+            <a:schemeClr val="accent1"/>
+          </a:lnRef>
+          <a:fillRef idx="3">
+            <a:schemeClr val="accent1"/>
+          </a:fillRef>
+          <a:effectRef idx="2">
+            <a:schemeClr val="accent1"/>
+          </a:effectRef>
+          <a:fontRef idx="minor">
+            <a:schemeClr val="lt1"/>
+          </a:fontRef>
+        </p:style>
+        <p:txBody>
+          <a:bodyPr rtlCol="0" anchor="ctr"/>
+          <a:lstStyle/>
+          <a:p>
+            <a:pPr algn="ctr"/>
+            <a:endParaRPr lang="en-US"/>
+          </a:p>
+        </p:txBody>
+      </p:sp>
+    </p:spTree>
+    <p:extLst>
+      <p:ext uri="{BB962C8B-B14F-4D97-AF65-F5344CB8AC3E}">
+        <p14:creationId xmlns:p14="http://schemas.microsoft.com/office/powerpoint/2010/main" val="1161060238"/>
+      </p:ext>
+    </p:extLst>
+  </p:cSld>
+  <p:clrMapOvr>
+    <a:masterClrMapping/>
+  </p:clrMapOvr>
+  <p:timing>
+    <p:tnLst>
+      <p:par>
+        <p:cTn xmlns:p14="http://schemas.microsoft.com/office/powerpoint/2010/main" id="1" dur="indefinite" restart="never" nodeType="tmRoot"/>
+      </p:par>
+    </p:tnLst>
+  </p:timing>
+</p:sld>
+</file>
+
+<file path=ppt/slides/slide12.xml><?xml version="1.0" encoding="utf-8"?>
+<p:sld xmlns:a="http://schemas.openxmlformats.org/drawingml/2006/main" xmlns:r="http://schemas.openxmlformats.org/officeDocument/2006/relationships" xmlns:p="http://schemas.openxmlformats.org/presentationml/2006/main">
+  <p:cSld>
+    <p:spTree>
+      <p:nvGrpSpPr>
+        <p:cNvPr id="1" name=""/>
+        <p:cNvGrpSpPr/>
+        <p:nvPr/>
+      </p:nvGrpSpPr>
+      <p:grpSpPr>
+        <a:xfrm>
+          <a:off x="0" y="0"/>
+          <a:ext cx="0" cy="0"/>
+          <a:chOff x="0" y="0"/>
+          <a:chExt cx="0" cy="0"/>
+        </a:xfrm>
+      </p:grpSpPr>
+      <p:sp>
+        <p:nvSpPr>
+          <p:cNvPr id="2" name="Title 1"/>
+          <p:cNvSpPr>
+            <a:spLocks noGrp="1"/>
+          </p:cNvSpPr>
+          <p:nvPr>
+            <p:ph type="title"/>
+          </p:nvPr>
+        </p:nvSpPr>
+        <p:spPr>
+          <a:xfrm>
+            <a:off x="127000" y="155222"/>
+            <a:ext cx="9017000" cy="1693334"/>
+          </a:xfrm>
+        </p:spPr>
+        <p:txBody>
+          <a:bodyPr>
+            <a:noAutofit/>
+          </a:bodyPr>
+          <a:lstStyle/>
+          <a:p>
+            <a:r>
+              <a:rPr lang="en-US" sz="3400" dirty="0" smtClean="0">
+                <a:solidFill>
+                  <a:srgbClr val="FFFF00"/>
+                </a:solidFill>
+              </a:rPr>
+              <a:t>Snowlines</a:t>
+            </a:r>
+            <a:r>
+              <a:rPr lang="en-US" sz="3400" dirty="0" smtClean="0"/>
+              <a:t> of </a:t>
+            </a:r>
+            <a:r>
+              <a:rPr lang="en-US" sz="3400" dirty="0" smtClean="0">
+                <a:solidFill>
+                  <a:srgbClr val="FFFF00"/>
+                </a:solidFill>
+              </a:rPr>
+              <a:t>volatile molecules </a:t>
+            </a:r>
+            <a:r>
+              <a:rPr lang="en-US" sz="3400" dirty="0" smtClean="0"/>
+              <a:t>have been detected in disks</a:t>
+            </a:r>
+            <a:endParaRPr lang="en-US" sz="3400" dirty="0"/>
+          </a:p>
+        </p:txBody>
+      </p:sp>
+      <p:pic>
+        <p:nvPicPr>
+          <p:cNvPr id="3" name="Picture 2"/>
+          <p:cNvPicPr>
+            <a:picLocks noChangeAspect="1"/>
+          </p:cNvPicPr>
+          <p:nvPr/>
+        </p:nvPicPr>
+        <p:blipFill>
+          <a:blip r:embed="rId2"/>
+          <a:stretch>
+            <a:fillRect/>
+          </a:stretch>
+        </p:blipFill>
+        <p:spPr>
+          <a:xfrm>
+            <a:off x="239889" y="2408767"/>
+            <a:ext cx="8753010" cy="3560234"/>
+          </a:xfrm>
+          <a:prstGeom prst="rect">
+            <a:avLst/>
+          </a:prstGeom>
+        </p:spPr>
+      </p:pic>
+      <p:sp>
+        <p:nvSpPr>
+          <p:cNvPr id="6" name="TextBox 5"/>
+          <p:cNvSpPr txBox="1"/>
+          <p:nvPr/>
+        </p:nvSpPr>
+        <p:spPr>
+          <a:xfrm>
+            <a:off x="8309119" y="5678004"/>
+            <a:ext cx="933659" cy="307777"/>
+          </a:xfrm>
+          <a:prstGeom prst="rect">
+            <a:avLst/>
+          </a:prstGeom>
+          <a:noFill/>
+        </p:spPr>
+        <p:txBody>
+          <a:bodyPr wrap="square" rtlCol="0">
+            <a:spAutoFit/>
+          </a:bodyPr>
+          <a:lstStyle/>
+          <a:p>
+            <a:r>
+              <a:rPr lang="en-US" sz="1400" dirty="0" smtClean="0">
+                <a:solidFill>
+                  <a:srgbClr val="000000"/>
+                </a:solidFill>
+              </a:rPr>
+              <a:t>Qi+13</a:t>
+            </a:r>
+            <a:endParaRPr lang="en-US" sz="1400" dirty="0">
+              <a:solidFill>
+                <a:srgbClr val="000000"/>
+              </a:solidFill>
+            </a:endParaRPr>
+          </a:p>
+        </p:txBody>
+      </p:sp>
+    </p:spTree>
+    <p:extLst>
+      <p:ext uri="{BB962C8B-B14F-4D97-AF65-F5344CB8AC3E}">
+        <p14:creationId xmlns:p14="http://schemas.microsoft.com/office/powerpoint/2010/main" val="2269919837"/>
+      </p:ext>
+    </p:extLst>
+  </p:cSld>
+  <p:clrMapOvr>
+    <a:masterClrMapping/>
+  </p:clrMapOvr>
+  <p:timing>
+    <p:tnLst>
+      <p:par>
+        <p:cTn xmlns:p14="http://schemas.microsoft.com/office/powerpoint/2010/main" id="1" dur="indefinite" restart="never" nodeType="tmRoot"/>
+      </p:par>
+    </p:tnLst>
+  </p:timing>
+</p:sld>
+</file>
+
+<file path=ppt/slides/slide13.xml><?xml version="1.0" encoding="utf-8"?>
+<p:sld xmlns:a="http://schemas.openxmlformats.org/drawingml/2006/main" xmlns:r="http://schemas.openxmlformats.org/officeDocument/2006/relationships" xmlns:p="http://schemas.openxmlformats.org/presentationml/2006/main">
+  <p:cSld>
+    <p:spTree>
+      <p:nvGrpSpPr>
+        <p:cNvPr id="1" name=""/>
+        <p:cNvGrpSpPr/>
+        <p:nvPr/>
+      </p:nvGrpSpPr>
+      <p:grpSpPr>
+        <a:xfrm>
+          <a:off x="0" y="0"/>
+          <a:ext cx="0" cy="0"/>
+          <a:chOff x="0" y="0"/>
+          <a:chExt cx="0" cy="0"/>
+        </a:xfrm>
+      </p:grpSpPr>
+      <p:sp>
+        <p:nvSpPr>
+          <p:cNvPr id="4" name="Title 1"/>
+          <p:cNvSpPr>
+            <a:spLocks noGrp="1"/>
+          </p:cNvSpPr>
+          <p:nvPr>
+            <p:ph type="title"/>
+          </p:nvPr>
+        </p:nvSpPr>
+        <p:spPr>
+          <a:xfrm>
+            <a:off x="457200" y="45303"/>
+            <a:ext cx="8229600" cy="1143000"/>
+          </a:xfrm>
+        </p:spPr>
+        <p:txBody>
+          <a:bodyPr>
+            <a:normAutofit/>
+          </a:bodyPr>
+          <a:lstStyle/>
+          <a:p>
+            <a:r>
+              <a:rPr lang="en-US" sz="3400" dirty="0" smtClean="0">
+                <a:solidFill>
+                  <a:srgbClr val="FFFF00"/>
+                </a:solidFill>
+              </a:rPr>
+              <a:t>C/O ratio </a:t>
+            </a:r>
+            <a:r>
+              <a:rPr lang="en-US" sz="3400" dirty="0" smtClean="0"/>
+              <a:t>is an important signature of </a:t>
+            </a:r>
+            <a:r>
+              <a:rPr lang="en-US" sz="3400" dirty="0" smtClean="0">
+                <a:solidFill>
+                  <a:srgbClr val="FFFF00"/>
+                </a:solidFill>
+              </a:rPr>
+              <a:t>atmospheric chemistry </a:t>
+            </a:r>
+            <a:endParaRPr lang="en-US" sz="3400" dirty="0">
+              <a:solidFill>
+                <a:srgbClr val="FFFF00"/>
+              </a:solidFill>
+            </a:endParaRPr>
+          </a:p>
+        </p:txBody>
+      </p:sp>
+      <p:pic>
+        <p:nvPicPr>
+          <p:cNvPr id="2" name="Picture 1" descr="CO_abundances.png"/>
+          <p:cNvPicPr>
+            <a:picLocks noChangeAspect="1"/>
+          </p:cNvPicPr>
+          <p:nvPr/>
+        </p:nvPicPr>
+        <p:blipFill>
+          <a:blip r:embed="rId2">
+            <a:extLst>
+              <a:ext uri="{28A0092B-C50C-407E-A947-70E740481C1C}">
+                <a14:useLocalDpi xmlns:a14="http://schemas.microsoft.com/office/drawing/2010/main" val="0"/>
+              </a:ext>
+            </a:extLst>
+          </a:blip>
+          <a:stretch>
+            <a:fillRect/>
+          </a:stretch>
+        </p:blipFill>
+        <p:spPr>
+          <a:xfrm>
+            <a:off x="931333" y="1361688"/>
+            <a:ext cx="7295445" cy="5259747"/>
+          </a:xfrm>
+          <a:prstGeom prst="rect">
+            <a:avLst/>
+          </a:prstGeom>
+        </p:spPr>
+      </p:pic>
+      <p:sp>
+        <p:nvSpPr>
+          <p:cNvPr id="7" name="TextBox 6"/>
+          <p:cNvSpPr txBox="1"/>
+          <p:nvPr/>
+        </p:nvSpPr>
+        <p:spPr>
+          <a:xfrm>
+            <a:off x="7196661" y="6297247"/>
+            <a:ext cx="1533878" cy="307777"/>
+          </a:xfrm>
+          <a:prstGeom prst="rect">
+            <a:avLst/>
+          </a:prstGeom>
+          <a:noFill/>
+        </p:spPr>
+        <p:txBody>
+          <a:bodyPr wrap="square" rtlCol="0">
+            <a:spAutoFit/>
+          </a:bodyPr>
+          <a:lstStyle/>
+          <a:p>
+            <a:r>
+              <a:rPr lang="en-US" sz="1400" dirty="0" smtClean="0">
+                <a:solidFill>
+                  <a:srgbClr val="000000"/>
+                </a:solidFill>
+              </a:rPr>
+              <a:t>Molliere</a:t>
+            </a:r>
+            <a:r>
+              <a:rPr lang="en-US" sz="1400" dirty="0" smtClean="0">
+                <a:solidFill>
+                  <a:srgbClr val="000000"/>
+                </a:solidFill>
+              </a:rPr>
+              <a:t>+15</a:t>
+            </a:r>
+            <a:endParaRPr lang="en-US" sz="1400" dirty="0">
+              <a:solidFill>
+                <a:srgbClr val="000000"/>
+              </a:solidFill>
+            </a:endParaRPr>
+          </a:p>
+        </p:txBody>
+      </p:sp>
+    </p:spTree>
+    <p:extLst>
+      <p:ext uri="{BB962C8B-B14F-4D97-AF65-F5344CB8AC3E}">
+        <p14:creationId xmlns:p14="http://schemas.microsoft.com/office/powerpoint/2010/main" val="505830353"/>
+      </p:ext>
+    </p:extLst>
+  </p:cSld>
+  <p:clrMapOvr>
+    <a:masterClrMapping/>
+  </p:clrMapOvr>
+  <p:timing>
+    <p:tnLst>
+      <p:par>
+        <p:cTn xmlns:p14="http://schemas.microsoft.com/office/powerpoint/2010/main" id="1" dur="indefinite" restart="never" nodeType="tmRoot"/>
+      </p:par>
+    </p:tnLst>
+  </p:timing>
+</p:sld>
+</file>
+
+<file path=ppt/slides/slide14.xml><?xml version="1.0" encoding="utf-8"?>
+<p:sld xmlns:a="http://schemas.openxmlformats.org/drawingml/2006/main" xmlns:r="http://schemas.openxmlformats.org/officeDocument/2006/relationships" xmlns:p="http://schemas.openxmlformats.org/presentationml/2006/main">
+  <p:cSld>
+    <p:spTree>
+      <p:nvGrpSpPr>
+        <p:cNvPr id="1" name=""/>
+        <p:cNvGrpSpPr/>
+        <p:nvPr/>
+      </p:nvGrpSpPr>
+      <p:grpSpPr>
+        <a:xfrm>
+          <a:off x="0" y="0"/>
+          <a:ext cx="0" cy="0"/>
+          <a:chOff x="0" y="0"/>
+          <a:chExt cx="0" cy="0"/>
+        </a:xfrm>
+      </p:grpSpPr>
+      <p:sp>
+        <p:nvSpPr>
+          <p:cNvPr id="3" name="Content Placeholder 2"/>
+          <p:cNvSpPr>
+            <a:spLocks noGrp="1"/>
+          </p:cNvSpPr>
+          <p:nvPr>
+            <p:ph idx="1"/>
+          </p:nvPr>
+        </p:nvSpPr>
+        <p:spPr>
+          <a:xfrm>
+            <a:off x="457200" y="2475059"/>
+            <a:ext cx="8404578" cy="2307471"/>
+          </a:xfrm>
+          <a:solidFill>
+            <a:srgbClr val="FFFF00"/>
+          </a:solidFill>
+          <a:ln w="63500">
+            <a:solidFill>
+              <a:srgbClr val="3366FF"/>
+            </a:solidFill>
+          </a:ln>
+        </p:spPr>
+        <p:txBody>
+          <a:bodyPr>
+            <a:normAutofit/>
+          </a:bodyPr>
+          <a:lstStyle/>
+          <a:p>
+            <a:pPr marL="0" indent="0" algn="ctr">
+              <a:buNone/>
+            </a:pPr>
+            <a:r>
+              <a:rPr lang="en-US" dirty="0" smtClean="0">
+                <a:solidFill>
+                  <a:schemeClr val="bg1"/>
+                </a:solidFill>
+              </a:rPr>
+              <a:t>Main carriers </a:t>
+            </a:r>
+            <a:r>
+              <a:rPr lang="en-US" dirty="0" smtClean="0">
+                <a:solidFill>
+                  <a:schemeClr val="bg1"/>
+                </a:solidFill>
+              </a:rPr>
+              <a:t>of C and O, i.e. H</a:t>
+            </a:r>
+            <a:r>
+              <a:rPr lang="en-US" baseline="-25000" dirty="0" smtClean="0">
+                <a:solidFill>
+                  <a:schemeClr val="bg1"/>
+                </a:solidFill>
+              </a:rPr>
+              <a:t>2</a:t>
+            </a:r>
+            <a:r>
+              <a:rPr lang="en-US" dirty="0" smtClean="0">
+                <a:solidFill>
+                  <a:schemeClr val="bg1"/>
+                </a:solidFill>
+              </a:rPr>
+              <a:t>O, CO</a:t>
+            </a:r>
+            <a:r>
+              <a:rPr lang="en-US" baseline="-25000" dirty="0" smtClean="0">
+                <a:solidFill>
+                  <a:schemeClr val="bg1"/>
+                </a:solidFill>
+              </a:rPr>
+              <a:t>2</a:t>
+            </a:r>
+            <a:r>
+              <a:rPr lang="en-US" dirty="0" smtClean="0">
+                <a:solidFill>
+                  <a:schemeClr val="bg1"/>
+                </a:solidFill>
+              </a:rPr>
+              <a:t> and CO, have different condensation temperatures =&gt; </a:t>
+            </a:r>
+            <a:r>
+              <a:rPr lang="en-US" dirty="0">
+                <a:solidFill>
+                  <a:schemeClr val="bg1"/>
+                </a:solidFill>
+              </a:rPr>
+              <a:t>variations in the abundances of C and O </a:t>
+            </a:r>
+            <a:r>
+              <a:rPr lang="en-US" dirty="0" smtClean="0">
+                <a:solidFill>
+                  <a:schemeClr val="bg1"/>
+                </a:solidFill>
+              </a:rPr>
+              <a:t>in solids </a:t>
+            </a:r>
+            <a:r>
+              <a:rPr lang="en-US" dirty="0">
+                <a:solidFill>
+                  <a:schemeClr val="bg1"/>
+                </a:solidFill>
+              </a:rPr>
+              <a:t>and gas between the snow lines of </a:t>
+            </a:r>
+            <a:r>
+              <a:rPr lang="en-US" dirty="0" smtClean="0">
+                <a:solidFill>
+                  <a:schemeClr val="bg1"/>
+                </a:solidFill>
+              </a:rPr>
+              <a:t>these volatiles</a:t>
+            </a:r>
+            <a:endParaRPr lang="en-US" dirty="0">
+              <a:solidFill>
+                <a:schemeClr val="bg1"/>
+              </a:solidFill>
+            </a:endParaRPr>
+          </a:p>
+        </p:txBody>
+      </p:sp>
+      <p:sp>
+        <p:nvSpPr>
+          <p:cNvPr id="4" name="Title 1"/>
+          <p:cNvSpPr>
+            <a:spLocks noGrp="1"/>
+          </p:cNvSpPr>
+          <p:nvPr>
+            <p:ph type="title"/>
+          </p:nvPr>
+        </p:nvSpPr>
+        <p:spPr>
+          <a:xfrm>
+            <a:off x="457200" y="571858"/>
+            <a:ext cx="8229600" cy="1143000"/>
+          </a:xfrm>
+        </p:spPr>
+        <p:txBody>
+          <a:bodyPr>
+            <a:normAutofit fontScale="90000"/>
+          </a:bodyPr>
+          <a:lstStyle/>
+          <a:p>
+            <a:r>
+              <a:rPr lang="en-US" dirty="0" smtClean="0">
+                <a:solidFill>
+                  <a:srgbClr val="FFFF00"/>
+                </a:solidFill>
+              </a:rPr>
+              <a:t>C/O ratios </a:t>
+            </a:r>
+            <a:r>
+              <a:rPr lang="en-US" dirty="0" smtClean="0"/>
+              <a:t>in </a:t>
+            </a:r>
+            <a:r>
+              <a:rPr lang="en-US" dirty="0" smtClean="0">
+                <a:solidFill>
+                  <a:srgbClr val="FFFF00"/>
+                </a:solidFill>
+              </a:rPr>
+              <a:t>gas</a:t>
+            </a:r>
+            <a:r>
+              <a:rPr lang="en-US" dirty="0" smtClean="0"/>
+              <a:t> and </a:t>
+            </a:r>
+            <a:r>
+              <a:rPr lang="en-US" dirty="0" smtClean="0">
+                <a:solidFill>
+                  <a:srgbClr val="FFFF00"/>
+                </a:solidFill>
+              </a:rPr>
+              <a:t>dust</a:t>
+            </a:r>
+            <a:r>
+              <a:rPr lang="en-US" dirty="0" smtClean="0"/>
+              <a:t> are different at different radii</a:t>
+            </a:r>
+            <a:endParaRPr lang="en-US" dirty="0"/>
+          </a:p>
+        </p:txBody>
+      </p:sp>
+    </p:spTree>
+    <p:extLst>
+      <p:ext uri="{BB962C8B-B14F-4D97-AF65-F5344CB8AC3E}">
+        <p14:creationId xmlns:p14="http://schemas.microsoft.com/office/powerpoint/2010/main" val="2530690195"/>
+      </p:ext>
+    </p:extLst>
+  </p:cSld>
+  <p:clrMapOvr>
+    <a:masterClrMapping/>
+  </p:clrMapOvr>
+  <p:timing>
+    <p:tnLst>
+      <p:par>
+        <p:cTn xmlns:p14="http://schemas.microsoft.com/office/powerpoint/2010/main" id="1" dur="indefinite" restart="never" nodeType="tmRoot"/>
+      </p:par>
+    </p:tnLst>
+  </p:timing>
+</p:sld>
+</file>
+
+<file path=ppt/slides/slide15.xml><?xml version="1.0" encoding="utf-8"?>
 <p:sld xmlns:a="http://schemas.openxmlformats.org/drawingml/2006/main" xmlns:r="http://schemas.openxmlformats.org/officeDocument/2006/relationships" xmlns:p="http://schemas.openxmlformats.org/presentationml/2006/main">
   <p:cSld>
     <p:spTree>
@@ -4791,7 +6002,7 @@
 </p:sld>
 </file>
 
-<file path=ppt/slides/slide11.xml><?xml version="1.0" encoding="utf-8"?>
+<file path=ppt/slides/slide16.xml><?xml version="1.0" encoding="utf-8"?>
 <p:sld xmlns:a="http://schemas.openxmlformats.org/drawingml/2006/main" xmlns:r="http://schemas.openxmlformats.org/officeDocument/2006/relationships" xmlns:p="http://schemas.openxmlformats.org/presentationml/2006/main">
   <p:cSld>
     <p:spTree>
@@ -4928,7 +6139,7 @@
 </p:sld>
 </file>
 
-<file path=ppt/slides/slide12.xml><?xml version="1.0" encoding="utf-8"?>
+<file path=ppt/slides/slide17.xml><?xml version="1.0" encoding="utf-8"?>
 <p:sld xmlns:a="http://schemas.openxmlformats.org/drawingml/2006/main" xmlns:r="http://schemas.openxmlformats.org/officeDocument/2006/relationships" xmlns:p="http://schemas.openxmlformats.org/presentationml/2006/main">
   <p:cSld>
     <p:spTree>
@@ -5156,178 +6367,7 @@
 </p:sld>
 </file>
 
-<file path=ppt/slides/slide13.xml><?xml version="1.0" encoding="utf-8"?>
-<p:sld xmlns:a="http://schemas.openxmlformats.org/drawingml/2006/main" xmlns:r="http://schemas.openxmlformats.org/officeDocument/2006/relationships" xmlns:p="http://schemas.openxmlformats.org/presentationml/2006/main">
-  <p:cSld>
-    <p:spTree>
-      <p:nvGrpSpPr>
-        <p:cNvPr id="1" name=""/>
-        <p:cNvGrpSpPr/>
-        <p:nvPr/>
-      </p:nvGrpSpPr>
-      <p:grpSpPr>
-        <a:xfrm>
-          <a:off x="0" y="0"/>
-          <a:ext cx="0" cy="0"/>
-          <a:chOff x="0" y="0"/>
-          <a:chExt cx="0" cy="0"/>
-        </a:xfrm>
-      </p:grpSpPr>
-      <p:sp>
-        <p:nvSpPr>
-          <p:cNvPr id="2" name="Title 1"/>
-          <p:cNvSpPr>
-            <a:spLocks noGrp="1"/>
-          </p:cNvSpPr>
-          <p:nvPr>
-            <p:ph type="title"/>
-          </p:nvPr>
-        </p:nvSpPr>
-        <p:spPr>
-          <a:xfrm>
-            <a:off x="457200" y="-253998"/>
-            <a:ext cx="8229600" cy="1143000"/>
-          </a:xfrm>
-        </p:spPr>
-        <p:txBody>
-          <a:bodyPr>
-            <a:normAutofit fontScale="90000"/>
-          </a:bodyPr>
-          <a:lstStyle/>
-          <a:p>
-            <a:r>
-              <a:rPr lang="en-US" dirty="0" smtClean="0">
-                <a:solidFill>
-                  <a:srgbClr val="FFFF00"/>
-                </a:solidFill>
-              </a:rPr>
-              <a:t>Radial drift </a:t>
-            </a:r>
-            <a:r>
-              <a:rPr lang="en-US" dirty="0" smtClean="0"/>
-              <a:t>affects </a:t>
-            </a:r>
-            <a:r>
-              <a:rPr lang="en-US" dirty="0" smtClean="0">
-                <a:solidFill>
-                  <a:srgbClr val="FFFF00"/>
-                </a:solidFill>
-              </a:rPr>
-              <a:t>snowline location</a:t>
-            </a:r>
-            <a:endParaRPr lang="en-US" dirty="0">
-              <a:solidFill>
-                <a:srgbClr val="FFFF00"/>
-              </a:solidFill>
-            </a:endParaRPr>
-          </a:p>
-        </p:txBody>
-      </p:sp>
-      <p:pic>
-        <p:nvPicPr>
-          <p:cNvPr id="6" name="Picture 5" descr="desorption_distance_passive_active_colorbar_test2.pdf"/>
-          <p:cNvPicPr>
-            <a:picLocks noChangeAspect="1"/>
-          </p:cNvPicPr>
-          <p:nvPr/>
-        </p:nvPicPr>
-        <p:blipFill>
-          <a:blip r:embed="rId2">
-            <a:extLst>
-              <a:ext uri="{28A0092B-C50C-407E-A947-70E740481C1C}">
-                <a14:useLocalDpi xmlns:a14="http://schemas.microsoft.com/office/drawing/2010/main" val="0"/>
-              </a:ext>
-            </a:extLst>
-          </a:blip>
-          <a:stretch>
-            <a:fillRect/>
-          </a:stretch>
-        </p:blipFill>
-        <p:spPr>
-          <a:xfrm>
-            <a:off x="1890888" y="889002"/>
-            <a:ext cx="5418667" cy="5840119"/>
-          </a:xfrm>
-          <a:prstGeom prst="rect">
-            <a:avLst/>
-          </a:prstGeom>
-        </p:spPr>
-      </p:pic>
-      <p:sp>
-        <p:nvSpPr>
-          <p:cNvPr id="7" name="TextBox 6"/>
-          <p:cNvSpPr txBox="1"/>
-          <p:nvPr/>
-        </p:nvSpPr>
-        <p:spPr>
-          <a:xfrm>
-            <a:off x="4173592" y="6445621"/>
-            <a:ext cx="3269817" cy="307777"/>
-          </a:xfrm>
-          <a:prstGeom prst="rect">
-            <a:avLst/>
-          </a:prstGeom>
-          <a:noFill/>
-        </p:spPr>
-        <p:txBody>
-          <a:bodyPr wrap="square" rtlCol="0">
-            <a:spAutoFit/>
-          </a:bodyPr>
-          <a:lstStyle/>
-          <a:p>
-            <a:r>
-              <a:rPr lang="en-US" sz="1400" dirty="0" smtClean="0">
-                <a:solidFill>
-                  <a:schemeClr val="bg1"/>
-                </a:solidFill>
-              </a:rPr>
-              <a:t>Piso, Oberg, </a:t>
-            </a:r>
-            <a:r>
-              <a:rPr lang="en-US" sz="1400" dirty="0" err="1" smtClean="0">
-                <a:solidFill>
-                  <a:schemeClr val="bg1"/>
-                </a:solidFill>
-              </a:rPr>
-              <a:t>Birnstiel</a:t>
-            </a:r>
-            <a:r>
-              <a:rPr lang="en-US" sz="1400" dirty="0" smtClean="0">
-                <a:solidFill>
-                  <a:schemeClr val="bg1"/>
-                </a:solidFill>
-              </a:rPr>
-              <a:t>, Murray-Clay  (2015)</a:t>
-            </a:r>
-            <a:endParaRPr lang="en-US" sz="1400" dirty="0">
-              <a:solidFill>
-                <a:schemeClr val="bg1"/>
-              </a:solidFill>
-            </a:endParaRPr>
-          </a:p>
-        </p:txBody>
-      </p:sp>
-    </p:spTree>
-    <p:extLst>
-      <p:ext uri="{BB962C8B-B14F-4D97-AF65-F5344CB8AC3E}">
-        <p14:creationId xmlns:p14="http://schemas.microsoft.com/office/powerpoint/2010/main" val="517838497"/>
-      </p:ext>
-    </p:extLst>
-  </p:cSld>
-  <p:clrMapOvr>
-    <a:masterClrMapping/>
-  </p:clrMapOvr>
-  <p:timing>
-    <p:tnLst>
-      <p:par>
-        <p:cTn xmlns:p14="http://schemas.microsoft.com/office/powerpoint/2010/main" id="1" dur="indefinite" restart="never" nodeType="tmRoot"/>
-      </p:par>
-    </p:tnLst>
-  </p:timing>
-</p:sld>
-</file>
-
-<file path=ppt/slides/slide14.xml><?xml version="1.0" encoding="utf-8"?>
+<file path=ppt/slides/slide18.xml><?xml version="1.0" encoding="utf-8"?>
 <p:sld xmlns:a="http://schemas.openxmlformats.org/drawingml/2006/main" xmlns:r="http://schemas.openxmlformats.org/officeDocument/2006/relationships" xmlns:p="http://schemas.openxmlformats.org/presentationml/2006/main">
   <p:cSld>
     <p:spTree>
@@ -5502,7 +6542,1080 @@
 </p:sld>
 </file>
 
-<file path=ppt/slides/slide15.xml><?xml version="1.0" encoding="utf-8"?>
+<file path=ppt/slides/slide19.xml><?xml version="1.0" encoding="utf-8"?>
+<p:sld xmlns:a="http://schemas.openxmlformats.org/drawingml/2006/main" xmlns:r="http://schemas.openxmlformats.org/officeDocument/2006/relationships" xmlns:p="http://schemas.openxmlformats.org/presentationml/2006/main">
+  <p:cSld>
+    <p:spTree>
+      <p:nvGrpSpPr>
+        <p:cNvPr id="1" name=""/>
+        <p:cNvGrpSpPr/>
+        <p:nvPr/>
+      </p:nvGrpSpPr>
+      <p:grpSpPr>
+        <a:xfrm>
+          <a:off x="0" y="0"/>
+          <a:ext cx="0" cy="0"/>
+          <a:chOff x="0" y="0"/>
+          <a:chExt cx="0" cy="0"/>
+        </a:xfrm>
+      </p:grpSpPr>
+      <p:pic>
+        <p:nvPicPr>
+          <p:cNvPr id="6" name="Picture 5" descr="CNO_and_snowlines_single.pdf"/>
+          <p:cNvPicPr>
+            <a:picLocks noChangeAspect="1"/>
+          </p:cNvPicPr>
+          <p:nvPr/>
+        </p:nvPicPr>
+        <p:blipFill>
+          <a:blip r:embed="rId2">
+            <a:extLst>
+              <a:ext uri="{28A0092B-C50C-407E-A947-70E740481C1C}">
+                <a14:useLocalDpi xmlns:a14="http://schemas.microsoft.com/office/drawing/2010/main" val="0"/>
+              </a:ext>
+            </a:extLst>
+          </a:blip>
+          <a:stretch>
+            <a:fillRect/>
+          </a:stretch>
+        </p:blipFill>
+        <p:spPr>
+          <a:xfrm>
+            <a:off x="80210" y="1663701"/>
+            <a:ext cx="9020913" cy="4064528"/>
+          </a:xfrm>
+          <a:prstGeom prst="rect">
+            <a:avLst/>
+          </a:prstGeom>
+        </p:spPr>
+      </p:pic>
+      <p:sp>
+        <p:nvSpPr>
+          <p:cNvPr id="2" name="Title 1"/>
+          <p:cNvSpPr>
+            <a:spLocks noGrp="1"/>
+          </p:cNvSpPr>
+          <p:nvPr>
+            <p:ph type="title"/>
+          </p:nvPr>
+        </p:nvSpPr>
+        <p:spPr/>
+        <p:txBody>
+          <a:bodyPr/>
+          <a:lstStyle/>
+          <a:p>
+            <a:r>
+              <a:rPr lang="en-US" dirty="0" smtClean="0"/>
+              <a:t>More volatile snowlines in disks</a:t>
+            </a:r>
+            <a:endParaRPr lang="en-US" dirty="0"/>
+          </a:p>
+        </p:txBody>
+      </p:sp>
+      <p:sp>
+        <p:nvSpPr>
+          <p:cNvPr id="5" name="TextBox 4"/>
+          <p:cNvSpPr txBox="1"/>
+          <p:nvPr/>
+        </p:nvSpPr>
+        <p:spPr>
+          <a:xfrm>
+            <a:off x="6445098" y="5418861"/>
+            <a:ext cx="3430472" cy="307777"/>
+          </a:xfrm>
+          <a:prstGeom prst="rect">
+            <a:avLst/>
+          </a:prstGeom>
+          <a:noFill/>
+        </p:spPr>
+        <p:txBody>
+          <a:bodyPr wrap="square" rtlCol="0">
+            <a:spAutoFit/>
+          </a:bodyPr>
+          <a:lstStyle/>
+          <a:p>
+            <a:r>
+              <a:rPr lang="en-US" sz="1400" dirty="0" smtClean="0">
+                <a:solidFill>
+                  <a:schemeClr val="bg1"/>
+                </a:solidFill>
+              </a:rPr>
+              <a:t>Piso, Oberg, </a:t>
+            </a:r>
+            <a:r>
+              <a:rPr lang="en-US" sz="1400" dirty="0" err="1" smtClean="0">
+                <a:solidFill>
+                  <a:schemeClr val="bg1"/>
+                </a:solidFill>
+              </a:rPr>
+              <a:t>Pegues</a:t>
+            </a:r>
+            <a:r>
+              <a:rPr lang="en-US" sz="1400" dirty="0" smtClean="0">
+                <a:solidFill>
+                  <a:schemeClr val="bg1"/>
+                </a:solidFill>
+              </a:rPr>
+              <a:t> (2016, in prep)</a:t>
+            </a:r>
+            <a:endParaRPr lang="en-US" sz="1400" dirty="0">
+              <a:solidFill>
+                <a:schemeClr val="bg1"/>
+              </a:solidFill>
+            </a:endParaRPr>
+          </a:p>
+        </p:txBody>
+      </p:sp>
+    </p:spTree>
+    <p:extLst>
+      <p:ext uri="{BB962C8B-B14F-4D97-AF65-F5344CB8AC3E}">
+        <p14:creationId xmlns:p14="http://schemas.microsoft.com/office/powerpoint/2010/main" val="3490868521"/>
+      </p:ext>
+    </p:extLst>
+  </p:cSld>
+  <p:clrMapOvr>
+    <a:masterClrMapping/>
+  </p:clrMapOvr>
+  <p:timing>
+    <p:tnLst>
+      <p:par>
+        <p:cTn xmlns:p14="http://schemas.microsoft.com/office/powerpoint/2010/main" id="1" dur="indefinite" restart="never" nodeType="tmRoot"/>
+      </p:par>
+    </p:tnLst>
+  </p:timing>
+</p:sld>
+</file>
+
+<file path=ppt/slides/slide2.xml><?xml version="1.0" encoding="utf-8"?>
+<p:sld xmlns:a="http://schemas.openxmlformats.org/drawingml/2006/main" xmlns:r="http://schemas.openxmlformats.org/officeDocument/2006/relationships" xmlns:p="http://schemas.openxmlformats.org/presentationml/2006/main">
+  <p:cSld>
+    <p:spTree>
+      <p:nvGrpSpPr>
+        <p:cNvPr id="1" name=""/>
+        <p:cNvGrpSpPr/>
+        <p:nvPr/>
+      </p:nvGrpSpPr>
+      <p:grpSpPr>
+        <a:xfrm>
+          <a:off x="0" y="0"/>
+          <a:ext cx="0" cy="0"/>
+          <a:chOff x="0" y="0"/>
+          <a:chExt cx="0" cy="0"/>
+        </a:xfrm>
+      </p:grpSpPr>
+      <p:sp>
+        <p:nvSpPr>
+          <p:cNvPr id="2" name="Title 1"/>
+          <p:cNvSpPr>
+            <a:spLocks noGrp="1"/>
+          </p:cNvSpPr>
+          <p:nvPr>
+            <p:ph type="title"/>
+          </p:nvPr>
+        </p:nvSpPr>
+        <p:spPr/>
+        <p:txBody>
+          <a:bodyPr/>
+          <a:lstStyle/>
+          <a:p>
+            <a:r>
+              <a:rPr lang="en-US" dirty="0" smtClean="0"/>
+              <a:t>Core Accretion Model</a:t>
+            </a:r>
+            <a:endParaRPr lang="en-US" dirty="0"/>
+          </a:p>
+        </p:txBody>
+      </p:sp>
+      <p:sp>
+        <p:nvSpPr>
+          <p:cNvPr id="3" name="Content Placeholder 2"/>
+          <p:cNvSpPr>
+            <a:spLocks noGrp="1"/>
+          </p:cNvSpPr>
+          <p:nvPr>
+            <p:ph idx="1"/>
+          </p:nvPr>
+        </p:nvSpPr>
+        <p:spPr>
+          <a:xfrm>
+            <a:off x="457200" y="4402667"/>
+            <a:ext cx="8229600" cy="1723496"/>
+          </a:xfrm>
+        </p:spPr>
+        <p:txBody>
+          <a:bodyPr/>
+          <a:lstStyle/>
+          <a:p>
+            <a:pPr marL="0" indent="0" algn="ctr">
+              <a:buNone/>
+            </a:pPr>
+            <a:r>
+              <a:rPr lang="en-US" dirty="0" smtClean="0"/>
+              <a:t>The </a:t>
+            </a:r>
+            <a:r>
+              <a:rPr lang="en-US" dirty="0" smtClean="0">
+                <a:solidFill>
+                  <a:srgbClr val="FFFF00"/>
+                </a:solidFill>
+              </a:rPr>
+              <a:t>composition of planets </a:t>
+            </a:r>
+            <a:r>
+              <a:rPr lang="en-US" dirty="0" smtClean="0"/>
+              <a:t>is </a:t>
+            </a:r>
+            <a:r>
+              <a:rPr lang="en-US" dirty="0" smtClean="0">
+                <a:solidFill>
+                  <a:srgbClr val="FFFF00"/>
+                </a:solidFill>
+              </a:rPr>
+              <a:t>determined by and tightly linked</a:t>
+            </a:r>
+            <a:r>
+              <a:rPr lang="en-US" dirty="0" smtClean="0"/>
+              <a:t> to the </a:t>
+            </a:r>
+            <a:r>
+              <a:rPr lang="en-US" dirty="0" smtClean="0">
+                <a:solidFill>
+                  <a:srgbClr val="FFFF00"/>
+                </a:solidFill>
+              </a:rPr>
+              <a:t>disk composition</a:t>
+            </a:r>
+            <a:endParaRPr lang="en-US" dirty="0">
+              <a:solidFill>
+                <a:srgbClr val="FFFF00"/>
+              </a:solidFill>
+            </a:endParaRPr>
+          </a:p>
+        </p:txBody>
+      </p:sp>
+      <p:pic>
+        <p:nvPicPr>
+          <p:cNvPr id="5" name="Picture 4" descr="Screen Shot 2015-09-22 at 5.39.13 PM.png"/>
+          <p:cNvPicPr>
+            <a:picLocks noChangeAspect="1"/>
+          </p:cNvPicPr>
+          <p:nvPr/>
+        </p:nvPicPr>
+        <p:blipFill>
+          <a:blip r:embed="rId2">
+            <a:extLst>
+              <a:ext uri="{28A0092B-C50C-407E-A947-70E740481C1C}">
+                <a14:useLocalDpi xmlns:a14="http://schemas.microsoft.com/office/drawing/2010/main" val="0"/>
+              </a:ext>
+            </a:extLst>
+          </a:blip>
+          <a:stretch>
+            <a:fillRect/>
+          </a:stretch>
+        </p:blipFill>
+        <p:spPr>
+          <a:xfrm>
+            <a:off x="457200" y="1924471"/>
+            <a:ext cx="8296145" cy="2163879"/>
+          </a:xfrm>
+          <a:prstGeom prst="rect">
+            <a:avLst/>
+          </a:prstGeom>
+        </p:spPr>
+      </p:pic>
+    </p:spTree>
+    <p:extLst>
+      <p:ext uri="{BB962C8B-B14F-4D97-AF65-F5344CB8AC3E}">
+        <p14:creationId xmlns:p14="http://schemas.microsoft.com/office/powerpoint/2010/main" val="2702110683"/>
+      </p:ext>
+    </p:extLst>
+  </p:cSld>
+  <p:clrMapOvr>
+    <a:masterClrMapping/>
+  </p:clrMapOvr>
+  <p:timing>
+    <p:tnLst>
+      <p:par>
+        <p:cTn xmlns:p14="http://schemas.microsoft.com/office/powerpoint/2010/main" id="1" dur="indefinite" restart="never" nodeType="tmRoot"/>
+      </p:par>
+    </p:tnLst>
+  </p:timing>
+</p:sld>
+</file>
+
+<file path=ppt/slides/slide20.xml><?xml version="1.0" encoding="utf-8"?>
+<p:sld xmlns:a="http://schemas.openxmlformats.org/drawingml/2006/main" xmlns:r="http://schemas.openxmlformats.org/officeDocument/2006/relationships" xmlns:p="http://schemas.openxmlformats.org/presentationml/2006/main">
+  <p:cSld>
+    <p:spTree>
+      <p:nvGrpSpPr>
+        <p:cNvPr id="1" name=""/>
+        <p:cNvGrpSpPr/>
+        <p:nvPr/>
+      </p:nvGrpSpPr>
+      <p:grpSpPr>
+        <a:xfrm>
+          <a:off x="0" y="0"/>
+          <a:ext cx="0" cy="0"/>
+          <a:chOff x="0" y="0"/>
+          <a:chExt cx="0" cy="0"/>
+        </a:xfrm>
+      </p:grpSpPr>
+      <p:pic>
+        <p:nvPicPr>
+          <p:cNvPr id="8" name="Picture 7" descr="N_O_ratio_single_snowlines.pdf"/>
+          <p:cNvPicPr>
+            <a:picLocks noChangeAspect="1"/>
+          </p:cNvPicPr>
+          <p:nvPr/>
+        </p:nvPicPr>
+        <p:blipFill>
+          <a:blip r:embed="rId2">
+            <a:extLst>
+              <a:ext uri="{28A0092B-C50C-407E-A947-70E740481C1C}">
+                <a14:useLocalDpi xmlns:a14="http://schemas.microsoft.com/office/drawing/2010/main" val="0"/>
+              </a:ext>
+            </a:extLst>
+          </a:blip>
+          <a:stretch>
+            <a:fillRect/>
+          </a:stretch>
+        </p:blipFill>
+        <p:spPr>
+          <a:xfrm>
+            <a:off x="946159" y="1443780"/>
+            <a:ext cx="7471597" cy="5240495"/>
+          </a:xfrm>
+          <a:prstGeom prst="rect">
+            <a:avLst/>
+          </a:prstGeom>
+        </p:spPr>
+      </p:pic>
+      <p:sp>
+        <p:nvSpPr>
+          <p:cNvPr id="2" name="Title 1"/>
+          <p:cNvSpPr>
+            <a:spLocks noGrp="1"/>
+          </p:cNvSpPr>
+          <p:nvPr>
+            <p:ph type="title"/>
+          </p:nvPr>
+        </p:nvSpPr>
+        <p:spPr>
+          <a:xfrm>
+            <a:off x="457200" y="110004"/>
+            <a:ext cx="8229600" cy="1143000"/>
+          </a:xfrm>
+        </p:spPr>
+        <p:txBody>
+          <a:bodyPr>
+            <a:noAutofit/>
+          </a:bodyPr>
+          <a:lstStyle/>
+          <a:p>
+            <a:r>
+              <a:rPr lang="en-US" sz="4000" dirty="0" smtClean="0">
+                <a:solidFill>
+                  <a:srgbClr val="FFFF00"/>
+                </a:solidFill>
+              </a:rPr>
+              <a:t>N/O ratios </a:t>
+            </a:r>
+            <a:r>
+              <a:rPr lang="en-US" sz="4000" dirty="0" smtClean="0"/>
+              <a:t>may</a:t>
+            </a:r>
+            <a:r>
+              <a:rPr lang="en-US" sz="4000" dirty="0" smtClean="0"/>
+              <a:t> </a:t>
+            </a:r>
+            <a:r>
+              <a:rPr lang="en-US" sz="4000" dirty="0" smtClean="0"/>
+              <a:t>be used as </a:t>
+            </a:r>
+            <a:r>
+              <a:rPr lang="en-US" sz="4000" dirty="0" smtClean="0">
+                <a:solidFill>
+                  <a:srgbClr val="FFFF00"/>
+                </a:solidFill>
+              </a:rPr>
+              <a:t>tracers </a:t>
+            </a:r>
+            <a:r>
+              <a:rPr lang="en-US" sz="4000" dirty="0" smtClean="0">
+                <a:solidFill>
+                  <a:srgbClr val="FFFFFF"/>
+                </a:solidFill>
+              </a:rPr>
+              <a:t>of </a:t>
+            </a:r>
+            <a:r>
+              <a:rPr lang="en-US" sz="4000" dirty="0" smtClean="0">
+                <a:solidFill>
+                  <a:srgbClr val="FFFF00"/>
+                </a:solidFill>
+              </a:rPr>
+              <a:t>atmospheric chemistry</a:t>
+            </a:r>
+            <a:endParaRPr lang="en-US" sz="4000" dirty="0">
+              <a:solidFill>
+                <a:srgbClr val="FFFFFF"/>
+              </a:solidFill>
+            </a:endParaRPr>
+          </a:p>
+        </p:txBody>
+      </p:sp>
+      <p:sp>
+        <p:nvSpPr>
+          <p:cNvPr id="4" name="TextBox 3"/>
+          <p:cNvSpPr txBox="1"/>
+          <p:nvPr/>
+        </p:nvSpPr>
+        <p:spPr>
+          <a:xfrm>
+            <a:off x="5728962" y="6337541"/>
+            <a:ext cx="3430472" cy="307777"/>
+          </a:xfrm>
+          <a:prstGeom prst="rect">
+            <a:avLst/>
+          </a:prstGeom>
+          <a:noFill/>
+        </p:spPr>
+        <p:txBody>
+          <a:bodyPr wrap="square" rtlCol="0">
+            <a:spAutoFit/>
+          </a:bodyPr>
+          <a:lstStyle/>
+          <a:p>
+            <a:r>
+              <a:rPr lang="en-US" sz="1400" dirty="0" smtClean="0">
+                <a:solidFill>
+                  <a:schemeClr val="bg1"/>
+                </a:solidFill>
+              </a:rPr>
+              <a:t>Piso, Oberg, </a:t>
+            </a:r>
+            <a:r>
+              <a:rPr lang="en-US" sz="1400" dirty="0" err="1" smtClean="0">
+                <a:solidFill>
+                  <a:schemeClr val="bg1"/>
+                </a:solidFill>
+              </a:rPr>
+              <a:t>Pegues</a:t>
+            </a:r>
+            <a:r>
+              <a:rPr lang="en-US" sz="1400" dirty="0" smtClean="0">
+                <a:solidFill>
+                  <a:schemeClr val="bg1"/>
+                </a:solidFill>
+              </a:rPr>
+              <a:t> (2016, in prep)</a:t>
+            </a:r>
+            <a:endParaRPr lang="en-US" sz="1400" dirty="0">
+              <a:solidFill>
+                <a:schemeClr val="bg1"/>
+              </a:solidFill>
+            </a:endParaRPr>
+          </a:p>
+        </p:txBody>
+      </p:sp>
+    </p:spTree>
+    <p:extLst>
+      <p:ext uri="{BB962C8B-B14F-4D97-AF65-F5344CB8AC3E}">
+        <p14:creationId xmlns:p14="http://schemas.microsoft.com/office/powerpoint/2010/main" val="1844604039"/>
+      </p:ext>
+    </p:extLst>
+  </p:cSld>
+  <p:clrMapOvr>
+    <a:masterClrMapping/>
+  </p:clrMapOvr>
+  <p:timing>
+    <p:tnLst>
+      <p:par>
+        <p:cTn xmlns:p14="http://schemas.microsoft.com/office/powerpoint/2010/main" id="1" dur="indefinite" restart="never" nodeType="tmRoot"/>
+      </p:par>
+    </p:tnLst>
+  </p:timing>
+</p:sld>
+</file>
+
+<file path=ppt/slides/slide21.xml><?xml version="1.0" encoding="utf-8"?>
+<p:sld xmlns:a="http://schemas.openxmlformats.org/drawingml/2006/main" xmlns:r="http://schemas.openxmlformats.org/officeDocument/2006/relationships" xmlns:p="http://schemas.openxmlformats.org/presentationml/2006/main">
+  <p:cSld>
+    <p:spTree>
+      <p:nvGrpSpPr>
+        <p:cNvPr id="1" name=""/>
+        <p:cNvGrpSpPr/>
+        <p:nvPr/>
+      </p:nvGrpSpPr>
+      <p:grpSpPr>
+        <a:xfrm>
+          <a:off x="0" y="0"/>
+          <a:ext cx="0" cy="0"/>
+          <a:chOff x="0" y="0"/>
+          <a:chExt cx="0" cy="0"/>
+        </a:xfrm>
+      </p:grpSpPr>
+      <p:sp>
+        <p:nvSpPr>
+          <p:cNvPr id="2" name="Title 1"/>
+          <p:cNvSpPr>
+            <a:spLocks noGrp="1"/>
+          </p:cNvSpPr>
+          <p:nvPr>
+            <p:ph type="title"/>
+          </p:nvPr>
+        </p:nvSpPr>
+        <p:spPr>
+          <a:xfrm>
+            <a:off x="457200" y="54158"/>
+            <a:ext cx="8229600" cy="1143000"/>
+          </a:xfrm>
+        </p:spPr>
+        <p:txBody>
+          <a:bodyPr/>
+          <a:lstStyle/>
+          <a:p>
+            <a:r>
+              <a:rPr lang="en-US" dirty="0" smtClean="0"/>
+              <a:t>Summary</a:t>
+            </a:r>
+            <a:endParaRPr lang="en-US" dirty="0">
+              <a:solidFill>
+                <a:srgbClr val="FFFF00"/>
+              </a:solidFill>
+            </a:endParaRPr>
+          </a:p>
+        </p:txBody>
+      </p:sp>
+      <p:sp>
+        <p:nvSpPr>
+          <p:cNvPr id="3" name="Content Placeholder 2"/>
+          <p:cNvSpPr>
+            <a:spLocks noGrp="1"/>
+          </p:cNvSpPr>
+          <p:nvPr>
+            <p:ph idx="1"/>
+          </p:nvPr>
+        </p:nvSpPr>
+        <p:spPr>
+          <a:xfrm>
+            <a:off x="457200" y="1276526"/>
+            <a:ext cx="8229600" cy="5214471"/>
+          </a:xfrm>
+        </p:spPr>
+        <p:txBody>
+          <a:bodyPr>
+            <a:normAutofit fontScale="77500" lnSpcReduction="20000"/>
+          </a:bodyPr>
+          <a:lstStyle/>
+          <a:p>
+            <a:r>
+              <a:rPr lang="en-US" dirty="0" smtClean="0"/>
+              <a:t>The </a:t>
+            </a:r>
+            <a:r>
+              <a:rPr lang="en-US" dirty="0" smtClean="0">
+                <a:solidFill>
+                  <a:srgbClr val="FFFF00"/>
+                </a:solidFill>
+              </a:rPr>
+              <a:t>minimum core mass </a:t>
+            </a:r>
+            <a:r>
+              <a:rPr lang="en-US" dirty="0" smtClean="0"/>
+              <a:t>for giant planet formation is </a:t>
+            </a:r>
+            <a:r>
+              <a:rPr lang="en-US" dirty="0" smtClean="0">
+                <a:solidFill>
+                  <a:srgbClr val="FFFF00"/>
+                </a:solidFill>
+              </a:rPr>
+              <a:t>~8 M</a:t>
+            </a:r>
+            <a:r>
+              <a:rPr lang="en-US" baseline="-25000" dirty="0" smtClean="0">
+                <a:solidFill>
+                  <a:srgbClr val="FFFF00"/>
+                </a:solidFill>
+              </a:rPr>
+              <a:t>E</a:t>
+            </a:r>
+            <a:r>
+              <a:rPr lang="en-US" dirty="0" smtClean="0">
+                <a:solidFill>
+                  <a:srgbClr val="FFFF00"/>
+                </a:solidFill>
+              </a:rPr>
+              <a:t> @ 5 AU </a:t>
+            </a:r>
+            <a:r>
+              <a:rPr lang="en-US" dirty="0" smtClean="0"/>
+              <a:t>decreasing to </a:t>
+            </a:r>
+            <a:r>
+              <a:rPr lang="en-US" dirty="0" smtClean="0">
+                <a:solidFill>
+                  <a:srgbClr val="FFFF00"/>
+                </a:solidFill>
+              </a:rPr>
+              <a:t>~5 M</a:t>
+            </a:r>
+            <a:r>
+              <a:rPr lang="en-US" baseline="-25000" dirty="0" smtClean="0">
+                <a:solidFill>
+                  <a:srgbClr val="FFFF00"/>
+                </a:solidFill>
+              </a:rPr>
+              <a:t>E</a:t>
+            </a:r>
+            <a:r>
+              <a:rPr lang="en-US" dirty="0" smtClean="0">
+                <a:solidFill>
+                  <a:srgbClr val="FFFF00"/>
+                </a:solidFill>
+              </a:rPr>
+              <a:t> @ 100 AU </a:t>
+            </a:r>
+            <a:r>
+              <a:rPr lang="en-US" dirty="0" smtClean="0"/>
+              <a:t>and may be as low as </a:t>
+            </a:r>
+            <a:r>
+              <a:rPr lang="en-US" dirty="0" smtClean="0">
+                <a:solidFill>
+                  <a:srgbClr val="FFFF00"/>
+                </a:solidFill>
+              </a:rPr>
+              <a:t>~1 M</a:t>
+            </a:r>
+            <a:r>
+              <a:rPr lang="en-US" baseline="-25000" dirty="0" smtClean="0">
+                <a:solidFill>
+                  <a:srgbClr val="FFFF00"/>
+                </a:solidFill>
+              </a:rPr>
+              <a:t>E</a:t>
+            </a:r>
+            <a:endParaRPr lang="en-US" dirty="0" smtClean="0">
+              <a:solidFill>
+                <a:srgbClr val="FFFF00"/>
+              </a:solidFill>
+            </a:endParaRPr>
+          </a:p>
+          <a:p>
+            <a:endParaRPr lang="en-US" dirty="0" smtClean="0">
+              <a:solidFill>
+                <a:srgbClr val="FFFF00"/>
+              </a:solidFill>
+            </a:endParaRPr>
+          </a:p>
+          <a:p>
+            <a:r>
+              <a:rPr lang="en-US" dirty="0" smtClean="0">
+                <a:solidFill>
+                  <a:srgbClr val="FFFF00"/>
+                </a:solidFill>
+              </a:rPr>
+              <a:t>Radial </a:t>
+            </a:r>
+            <a:r>
+              <a:rPr lang="en-US" dirty="0" smtClean="0">
+                <a:solidFill>
+                  <a:srgbClr val="FFFF00"/>
+                </a:solidFill>
+              </a:rPr>
+              <a:t>drift</a:t>
+            </a:r>
+            <a:r>
+              <a:rPr lang="en-US" dirty="0" smtClean="0"/>
+              <a:t> and </a:t>
+            </a:r>
+            <a:r>
+              <a:rPr lang="en-US" dirty="0" smtClean="0">
+                <a:solidFill>
+                  <a:srgbClr val="FFFF00"/>
+                </a:solidFill>
+              </a:rPr>
+              <a:t>gas accretion </a:t>
+            </a:r>
+            <a:r>
+              <a:rPr lang="en-US" dirty="0" smtClean="0"/>
+              <a:t>affect desorption and </a:t>
+            </a:r>
+            <a:r>
+              <a:rPr lang="en-US" dirty="0" smtClean="0">
+                <a:solidFill>
+                  <a:srgbClr val="FFFF00"/>
+                </a:solidFill>
+              </a:rPr>
+              <a:t>move the snowline locations </a:t>
+            </a:r>
+            <a:r>
+              <a:rPr lang="en-US" dirty="0" smtClean="0"/>
+              <a:t>compared to a static disk</a:t>
+            </a:r>
+          </a:p>
+          <a:p>
+            <a:endParaRPr lang="en-US" dirty="0" smtClean="0"/>
+          </a:p>
+          <a:p>
+            <a:r>
+              <a:rPr lang="en-US" dirty="0" smtClean="0"/>
+              <a:t>The H</a:t>
+            </a:r>
+            <a:r>
+              <a:rPr lang="en-US" baseline="-25000" dirty="0" smtClean="0"/>
+              <a:t>2</a:t>
+            </a:r>
+            <a:r>
+              <a:rPr lang="en-US" dirty="0" smtClean="0"/>
+              <a:t>O, CO</a:t>
+            </a:r>
+            <a:r>
+              <a:rPr lang="en-US" baseline="-25000" dirty="0" smtClean="0"/>
+              <a:t>2</a:t>
+            </a:r>
+            <a:r>
+              <a:rPr lang="en-US" dirty="0" smtClean="0"/>
+              <a:t> and CO snowlines are created by the </a:t>
+            </a:r>
+            <a:r>
+              <a:rPr lang="en-US" dirty="0" smtClean="0">
+                <a:solidFill>
+                  <a:srgbClr val="FFFF00"/>
+                </a:solidFill>
+              </a:rPr>
+              <a:t>largest drifting particles </a:t>
+            </a:r>
+            <a:r>
+              <a:rPr lang="en-US" dirty="0" smtClean="0"/>
+              <a:t>in our model, i.e. </a:t>
+            </a:r>
+            <a:r>
+              <a:rPr lang="en-US" i="1" dirty="0" smtClean="0">
+                <a:solidFill>
+                  <a:srgbClr val="FFFF00"/>
+                </a:solidFill>
+              </a:rPr>
+              <a:t>s</a:t>
+            </a:r>
+            <a:r>
+              <a:rPr lang="en-US" dirty="0" smtClean="0">
+                <a:solidFill>
+                  <a:srgbClr val="FFFF00"/>
+                </a:solidFill>
+              </a:rPr>
+              <a:t> ~ 7 m</a:t>
+            </a:r>
+          </a:p>
+          <a:p>
+            <a:endParaRPr lang="en-US" dirty="0" smtClean="0"/>
+          </a:p>
+          <a:p>
+            <a:pPr marL="342900" lvl="1" indent="-342900">
+              <a:buFont typeface="Arial" pitchFamily="34" charset="0"/>
+              <a:buChar char="•"/>
+            </a:pPr>
+            <a:r>
+              <a:rPr lang="en-US" dirty="0" smtClean="0">
+                <a:solidFill>
+                  <a:srgbClr val="FFFF00"/>
+                </a:solidFill>
+              </a:rPr>
+              <a:t>H</a:t>
+            </a:r>
+            <a:r>
+              <a:rPr lang="en-US" baseline="-25000" dirty="0" smtClean="0">
+                <a:solidFill>
+                  <a:srgbClr val="FFFF00"/>
+                </a:solidFill>
+              </a:rPr>
+              <a:t>2</a:t>
+            </a:r>
+            <a:r>
+              <a:rPr lang="en-US" dirty="0" smtClean="0">
+                <a:solidFill>
+                  <a:srgbClr val="FFFF00"/>
+                </a:solidFill>
+              </a:rPr>
+              <a:t>O, CO</a:t>
+            </a:r>
+            <a:r>
+              <a:rPr lang="en-US" baseline="-25000" dirty="0" smtClean="0">
+                <a:solidFill>
+                  <a:srgbClr val="FFFF00"/>
+                </a:solidFill>
+              </a:rPr>
+              <a:t>2</a:t>
+            </a:r>
+            <a:r>
+              <a:rPr lang="en-US" dirty="0" smtClean="0">
+                <a:solidFill>
+                  <a:srgbClr val="FFFF00"/>
+                </a:solidFill>
+              </a:rPr>
+              <a:t>, CO </a:t>
+            </a:r>
+            <a:r>
+              <a:rPr lang="en-US" dirty="0"/>
+              <a:t>s</a:t>
+            </a:r>
+            <a:r>
+              <a:rPr lang="en-US" dirty="0" smtClean="0"/>
+              <a:t>nowlines </a:t>
+            </a:r>
+            <a:r>
+              <a:rPr lang="en-US" dirty="0" smtClean="0"/>
+              <a:t>move </a:t>
+            </a:r>
+            <a:r>
+              <a:rPr lang="en-US" dirty="0" smtClean="0">
+                <a:solidFill>
+                  <a:srgbClr val="FFFF00"/>
+                </a:solidFill>
+              </a:rPr>
+              <a:t>inwards</a:t>
+            </a:r>
+            <a:r>
+              <a:rPr lang="en-US" dirty="0" smtClean="0"/>
+              <a:t> as the </a:t>
+            </a:r>
+            <a:r>
+              <a:rPr lang="en-US" dirty="0" smtClean="0">
+                <a:solidFill>
+                  <a:srgbClr val="FFFF00"/>
+                </a:solidFill>
+              </a:rPr>
+              <a:t>particle size </a:t>
+            </a:r>
+            <a:r>
+              <a:rPr lang="en-US" dirty="0" smtClean="0">
+                <a:solidFill>
+                  <a:srgbClr val="FFFF00"/>
+                </a:solidFill>
+              </a:rPr>
+              <a:t>increases</a:t>
+            </a:r>
+            <a:r>
+              <a:rPr lang="en-US" dirty="0">
+                <a:solidFill>
+                  <a:srgbClr val="FFFFFF"/>
+                </a:solidFill>
+              </a:rPr>
+              <a:t> </a:t>
+            </a:r>
+            <a:r>
+              <a:rPr lang="en-US" dirty="0" smtClean="0">
+                <a:solidFill>
+                  <a:srgbClr val="FFFFFF"/>
+                </a:solidFill>
+              </a:rPr>
+              <a:t>by up to </a:t>
+            </a:r>
+            <a:r>
+              <a:rPr lang="en-US" dirty="0" smtClean="0">
+                <a:solidFill>
+                  <a:srgbClr val="FFFF00"/>
+                </a:solidFill>
+              </a:rPr>
+              <a:t>50-60%</a:t>
+            </a:r>
+            <a:r>
+              <a:rPr lang="en-US" dirty="0" smtClean="0">
+                <a:solidFill>
+                  <a:srgbClr val="FFFF00"/>
+                </a:solidFill>
+              </a:rPr>
+              <a:t> </a:t>
+            </a:r>
+            <a:endParaRPr lang="en-US" dirty="0" smtClean="0">
+              <a:solidFill>
+                <a:srgbClr val="FFFF00"/>
+              </a:solidFill>
+            </a:endParaRPr>
+          </a:p>
+          <a:p>
+            <a:pPr marL="0" indent="0">
+              <a:buNone/>
+            </a:pPr>
+            <a:endParaRPr lang="en-US" dirty="0">
+              <a:solidFill>
+                <a:srgbClr val="FFFF00"/>
+              </a:solidFill>
+            </a:endParaRPr>
+          </a:p>
+          <a:p>
+            <a:r>
+              <a:rPr lang="en-US" dirty="0" smtClean="0">
+                <a:solidFill>
+                  <a:srgbClr val="FFFFFF"/>
+                </a:solidFill>
+              </a:rPr>
+              <a:t>The </a:t>
+            </a:r>
+            <a:r>
+              <a:rPr lang="en-US" dirty="0" smtClean="0">
+                <a:solidFill>
+                  <a:srgbClr val="FFFF00"/>
+                </a:solidFill>
+              </a:rPr>
+              <a:t>N/O ratio </a:t>
+            </a:r>
+            <a:r>
+              <a:rPr lang="en-US" dirty="0" smtClean="0">
+                <a:solidFill>
+                  <a:srgbClr val="FFFFFF"/>
+                </a:solidFill>
+              </a:rPr>
+              <a:t>is </a:t>
+            </a:r>
+            <a:r>
+              <a:rPr lang="en-US" dirty="0" smtClean="0">
+                <a:solidFill>
+                  <a:srgbClr val="FFFF00"/>
+                </a:solidFill>
+              </a:rPr>
+              <a:t>more enhanced </a:t>
+            </a:r>
+            <a:r>
+              <a:rPr lang="en-US" dirty="0" smtClean="0">
+                <a:solidFill>
+                  <a:srgbClr val="FFFFFF"/>
+                </a:solidFill>
+              </a:rPr>
+              <a:t>than the </a:t>
+            </a:r>
+            <a:r>
+              <a:rPr lang="en-US" dirty="0" smtClean="0">
+                <a:solidFill>
+                  <a:srgbClr val="FFFF00"/>
+                </a:solidFill>
+              </a:rPr>
+              <a:t>C/O ratio </a:t>
+            </a:r>
+            <a:r>
+              <a:rPr lang="en-US" dirty="0" smtClean="0">
+                <a:solidFill>
+                  <a:srgbClr val="FFFFFF"/>
+                </a:solidFill>
+              </a:rPr>
+              <a:t>in the </a:t>
+            </a:r>
+            <a:r>
+              <a:rPr lang="en-US" dirty="0" smtClean="0">
+                <a:solidFill>
+                  <a:srgbClr val="FFFF00"/>
+                </a:solidFill>
+              </a:rPr>
+              <a:t>outer disk </a:t>
+            </a:r>
+            <a:r>
+              <a:rPr lang="en-US" dirty="0" smtClean="0">
+                <a:solidFill>
+                  <a:srgbClr val="FFFFFF"/>
+                </a:solidFill>
+              </a:rPr>
+              <a:t>compared to the stellar value </a:t>
+            </a:r>
+          </a:p>
+          <a:p>
+            <a:endParaRPr lang="en-US" dirty="0" smtClean="0"/>
+          </a:p>
+          <a:p>
+            <a:endParaRPr lang="en-US" dirty="0"/>
+          </a:p>
+        </p:txBody>
+      </p:sp>
+    </p:spTree>
+    <p:extLst>
+      <p:ext uri="{BB962C8B-B14F-4D97-AF65-F5344CB8AC3E}">
+        <p14:creationId xmlns:p14="http://schemas.microsoft.com/office/powerpoint/2010/main" val="2696013150"/>
+      </p:ext>
+    </p:extLst>
+  </p:cSld>
+  <p:clrMapOvr>
+    <a:masterClrMapping/>
+  </p:clrMapOvr>
+  <p:timing>
+    <p:tnLst>
+      <p:par>
+        <p:cTn xmlns:p14="http://schemas.microsoft.com/office/powerpoint/2010/main" id="1" dur="indefinite" restart="never" nodeType="tmRoot"/>
+      </p:par>
+    </p:tnLst>
+  </p:timing>
+</p:sld>
+</file>
+
+<file path=ppt/slides/slide22.xml><?xml version="1.0" encoding="utf-8"?>
+<p:sld xmlns:a="http://schemas.openxmlformats.org/drawingml/2006/main" xmlns:r="http://schemas.openxmlformats.org/officeDocument/2006/relationships" xmlns:p="http://schemas.openxmlformats.org/presentationml/2006/main">
+  <p:cSld>
+    <p:spTree>
+      <p:nvGrpSpPr>
+        <p:cNvPr id="1" name=""/>
+        <p:cNvGrpSpPr/>
+        <p:nvPr/>
+      </p:nvGrpSpPr>
+      <p:grpSpPr>
+        <a:xfrm>
+          <a:off x="0" y="0"/>
+          <a:ext cx="0" cy="0"/>
+          <a:chOff x="0" y="0"/>
+          <a:chExt cx="0" cy="0"/>
+        </a:xfrm>
+      </p:grpSpPr>
+      <p:sp>
+        <p:nvSpPr>
+          <p:cNvPr id="2" name="Title 1"/>
+          <p:cNvSpPr>
+            <a:spLocks noGrp="1"/>
+          </p:cNvSpPr>
+          <p:nvPr>
+            <p:ph type="title"/>
+          </p:nvPr>
+        </p:nvSpPr>
+        <p:spPr/>
+        <p:txBody>
+          <a:bodyPr/>
+          <a:lstStyle/>
+          <a:p>
+            <a:endParaRPr lang="en-US"/>
+          </a:p>
+        </p:txBody>
+      </p:sp>
+      <p:sp>
+        <p:nvSpPr>
+          <p:cNvPr id="3" name="Content Placeholder 2"/>
+          <p:cNvSpPr>
+            <a:spLocks noGrp="1"/>
+          </p:cNvSpPr>
+          <p:nvPr>
+            <p:ph idx="1"/>
+          </p:nvPr>
+        </p:nvSpPr>
+        <p:spPr/>
+        <p:txBody>
+          <a:bodyPr/>
+          <a:lstStyle/>
+          <a:p>
+            <a:endParaRPr lang="en-US"/>
+          </a:p>
+        </p:txBody>
+      </p:sp>
+    </p:spTree>
+    <p:extLst>
+      <p:ext uri="{BB962C8B-B14F-4D97-AF65-F5344CB8AC3E}">
+        <p14:creationId xmlns:p14="http://schemas.microsoft.com/office/powerpoint/2010/main" val="2183123272"/>
+      </p:ext>
+    </p:extLst>
+  </p:cSld>
+  <p:clrMapOvr>
+    <a:masterClrMapping/>
+  </p:clrMapOvr>
+</p:sld>
+</file>
+
+<file path=ppt/slides/slide23.xml><?xml version="1.0" encoding="utf-8"?>
 <p:sld xmlns:a="http://schemas.openxmlformats.org/drawingml/2006/main" xmlns:r="http://schemas.openxmlformats.org/officeDocument/2006/relationships" xmlns:p="http://schemas.openxmlformats.org/presentationml/2006/main">
   <p:cSld>
     <p:spTree>
@@ -5713,7 +7826,7 @@
     </p:spTree>
     <p:extLst>
       <p:ext uri="{BB962C8B-B14F-4D97-AF65-F5344CB8AC3E}">
-        <p14:creationId xmlns:p14="http://schemas.microsoft.com/office/powerpoint/2010/main" val="2484351349"/>
+        <p14:creationId xmlns:p14="http://schemas.microsoft.com/office/powerpoint/2010/main" val="1898163493"/>
       </p:ext>
     </p:extLst>
   </p:cSld>
@@ -5730,7 +7843,7 @@
 </p:sld>
 </file>
 
-<file path=ppt/slides/slide16.xml><?xml version="1.0" encoding="utf-8"?>
+<file path=ppt/slides/slide24.xml><?xml version="1.0" encoding="utf-8"?>
 <p:sld xmlns:a="http://schemas.openxmlformats.org/drawingml/2006/main" xmlns:r="http://schemas.openxmlformats.org/officeDocument/2006/relationships" xmlns:p="http://schemas.openxmlformats.org/presentationml/2006/main">
   <p:cSld>
     <p:spTree>
@@ -5759,55 +7872,182 @@
         </p:nvSpPr>
         <p:spPr>
           <a:xfrm>
-            <a:off x="457200" y="110004"/>
+            <a:off x="324556" y="45302"/>
+            <a:ext cx="8664222" cy="1489251"/>
+          </a:xfrm>
+        </p:spPr>
+        <p:txBody>
+          <a:bodyPr>
+            <a:noAutofit/>
+          </a:bodyPr>
+          <a:lstStyle/>
+          <a:p>
+            <a:r>
+              <a:rPr lang="en-US" sz="4000" dirty="0" smtClean="0"/>
+              <a:t>Volatile compounds have been detected in </a:t>
+            </a:r>
+            <a:r>
+              <a:rPr lang="en-US" sz="4000" dirty="0" err="1" smtClean="0"/>
+              <a:t>protoplanetary</a:t>
+            </a:r>
+            <a:r>
+              <a:rPr lang="en-US" sz="4000" dirty="0" smtClean="0"/>
+              <a:t> disks</a:t>
+            </a:r>
+            <a:endParaRPr lang="en-US" sz="4000" dirty="0"/>
+          </a:p>
+        </p:txBody>
+      </p:sp>
+      <p:sp>
+        <p:nvSpPr>
+          <p:cNvPr id="5" name="TextBox 4"/>
+          <p:cNvSpPr txBox="1"/>
+          <p:nvPr/>
+        </p:nvSpPr>
+        <p:spPr>
+          <a:xfrm>
+            <a:off x="8055119" y="4788609"/>
+            <a:ext cx="933659" cy="307777"/>
+          </a:xfrm>
+          <a:prstGeom prst="rect">
+            <a:avLst/>
+          </a:prstGeom>
+          <a:noFill/>
+        </p:spPr>
+        <p:txBody>
+          <a:bodyPr wrap="square" rtlCol="0">
+            <a:spAutoFit/>
+          </a:bodyPr>
+          <a:lstStyle/>
+          <a:p>
+            <a:r>
+              <a:rPr lang="en-US" sz="1400" dirty="0" smtClean="0">
+                <a:solidFill>
+                  <a:srgbClr val="000000"/>
+                </a:solidFill>
+              </a:rPr>
+              <a:t>Oberg+11</a:t>
+            </a:r>
+            <a:endParaRPr lang="en-US" sz="1400" dirty="0">
+              <a:solidFill>
+                <a:srgbClr val="000000"/>
+              </a:solidFill>
+            </a:endParaRPr>
+          </a:p>
+        </p:txBody>
+      </p:sp>
+      <p:pic>
+        <p:nvPicPr>
+          <p:cNvPr id="3" name="Picture 2" descr="217219main_20080312a-browse.jpg"/>
+          <p:cNvPicPr>
+            <a:picLocks noChangeAspect="1"/>
+          </p:cNvPicPr>
+          <p:nvPr/>
+        </p:nvPicPr>
+        <p:blipFill>
+          <a:blip r:embed="rId3" cstate="print">
+            <a:extLst>
+              <a:ext uri="{28A0092B-C50C-407E-A947-70E740481C1C}">
+                <a14:useLocalDpi xmlns:a14="http://schemas.microsoft.com/office/drawing/2010/main" val="0"/>
+              </a:ext>
+            </a:extLst>
+          </a:blip>
+          <a:stretch>
+            <a:fillRect/>
+          </a:stretch>
+        </p:blipFill>
+        <p:spPr>
+          <a:xfrm>
+            <a:off x="829068" y="1466764"/>
+            <a:ext cx="7549808" cy="5391236"/>
+          </a:xfrm>
+          <a:prstGeom prst="rect">
+            <a:avLst/>
+          </a:prstGeom>
+        </p:spPr>
+      </p:pic>
+    </p:spTree>
+    <p:extLst>
+      <p:ext uri="{BB962C8B-B14F-4D97-AF65-F5344CB8AC3E}">
+        <p14:creationId xmlns:p14="http://schemas.microsoft.com/office/powerpoint/2010/main" val="3913172559"/>
+      </p:ext>
+    </p:extLst>
+  </p:cSld>
+  <p:clrMapOvr>
+    <a:masterClrMapping/>
+  </p:clrMapOvr>
+  <p:timing>
+    <p:tnLst>
+      <p:par>
+        <p:cTn xmlns:p14="http://schemas.microsoft.com/office/powerpoint/2010/main" id="1" dur="indefinite" restart="never" nodeType="tmRoot"/>
+      </p:par>
+    </p:tnLst>
+  </p:timing>
+</p:sld>
+</file>
+
+<file path=ppt/slides/slide25.xml><?xml version="1.0" encoding="utf-8"?>
+<p:sld xmlns:a="http://schemas.openxmlformats.org/drawingml/2006/main" xmlns:r="http://schemas.openxmlformats.org/officeDocument/2006/relationships" xmlns:p="http://schemas.openxmlformats.org/presentationml/2006/main">
+  <p:cSld>
+    <p:spTree>
+      <p:nvGrpSpPr>
+        <p:cNvPr id="1" name=""/>
+        <p:cNvGrpSpPr/>
+        <p:nvPr/>
+      </p:nvGrpSpPr>
+      <p:grpSpPr>
+        <a:xfrm>
+          <a:off x="0" y="0"/>
+          <a:ext cx="0" cy="0"/>
+          <a:chOff x="0" y="0"/>
+          <a:chExt cx="0" cy="0"/>
+        </a:xfrm>
+      </p:grpSpPr>
+      <p:sp>
+        <p:nvSpPr>
+          <p:cNvPr id="2" name="Title 1"/>
+          <p:cNvSpPr>
+            <a:spLocks noGrp="1"/>
+          </p:cNvSpPr>
+          <p:nvPr>
+            <p:ph type="title"/>
+          </p:nvPr>
+        </p:nvSpPr>
+        <p:spPr>
+          <a:xfrm>
+            <a:off x="457200" y="-253998"/>
             <a:ext cx="8229600" cy="1143000"/>
           </a:xfrm>
         </p:spPr>
         <p:txBody>
           <a:bodyPr>
-            <a:noAutofit/>
+            <a:normAutofit fontScale="90000"/>
           </a:bodyPr>
           <a:lstStyle/>
           <a:p>
             <a:r>
-              <a:rPr lang="en-US" sz="4000" dirty="0" smtClean="0">
+              <a:rPr lang="en-US" dirty="0" smtClean="0">
                 <a:solidFill>
                   <a:srgbClr val="FFFF00"/>
                 </a:solidFill>
               </a:rPr>
-              <a:t>N/O ratios </a:t>
-            </a:r>
-            <a:r>
-              <a:rPr lang="en-US" sz="4000" dirty="0" smtClean="0"/>
-              <a:t>can be used as </a:t>
-            </a:r>
-            <a:r>
-              <a:rPr lang="en-US" sz="4000" dirty="0" smtClean="0">
+              <a:t>Radial drift </a:t>
+            </a:r>
+            <a:r>
+              <a:rPr lang="en-US" dirty="0" smtClean="0"/>
+              <a:t>affects </a:t>
+            </a:r>
+            <a:r>
+              <a:rPr lang="en-US" dirty="0" smtClean="0">
                 <a:solidFill>
                   <a:srgbClr val="FFFF00"/>
                 </a:solidFill>
               </a:rPr>
-              <a:t>tracers </a:t>
-            </a:r>
-            <a:r>
-              <a:rPr lang="en-US" sz="4000" dirty="0" smtClean="0">
-                <a:solidFill>
-                  <a:srgbClr val="FFFFFF"/>
-                </a:solidFill>
-              </a:rPr>
-              <a:t>of </a:t>
-            </a:r>
-            <a:r>
-              <a:rPr lang="en-US" sz="4000" dirty="0" smtClean="0">
-                <a:solidFill>
-                  <a:srgbClr val="FFFF00"/>
-                </a:solidFill>
-              </a:rPr>
-              <a:t>atmospheric chemistry</a:t>
-            </a:r>
-            <a:endParaRPr lang="en-US" sz="4000" dirty="0">
+              <a:t>snowline location</a:t>
+            </a:r>
+            <a:endParaRPr lang="en-US" dirty="0">
               <a:solidFill>
-                <a:srgbClr val="FFFFFF"/>
+                <a:srgbClr val="FFFF00"/>
               </a:solidFill>
             </a:endParaRPr>
           </a:p>
@@ -5815,7 +8055,7 @@
       </p:sp>
       <p:pic>
         <p:nvPicPr>
-          <p:cNvPr id="3" name="Picture 2" descr="N_O_ratio_single.pdf"/>
+          <p:cNvPr id="6" name="Picture 5" descr="desorption_distance_passive_active_colorbar_test2.pdf"/>
           <p:cNvPicPr>
             <a:picLocks noChangeAspect="1"/>
           </p:cNvPicPr>
@@ -5835,8 +8075,8 @@
         </p:blipFill>
         <p:spPr>
           <a:xfrm>
-            <a:off x="1175547" y="1486096"/>
-            <a:ext cx="6863882" cy="5147911"/>
+            <a:off x="1890888" y="889002"/>
+            <a:ext cx="5418667" cy="5840119"/>
           </a:xfrm>
           <a:prstGeom prst="rect">
             <a:avLst/>
@@ -5845,14 +8085,14 @@
       </p:pic>
       <p:sp>
         <p:nvSpPr>
-          <p:cNvPr id="4" name="TextBox 3"/>
+          <p:cNvPr id="7" name="TextBox 6"/>
           <p:cNvSpPr txBox="1"/>
           <p:nvPr/>
         </p:nvSpPr>
         <p:spPr>
           <a:xfrm>
-            <a:off x="5377650" y="6310521"/>
-            <a:ext cx="3430472" cy="307777"/>
+            <a:off x="4173592" y="6445621"/>
+            <a:ext cx="3269817" cy="307777"/>
           </a:xfrm>
           <a:prstGeom prst="rect">
             <a:avLst/>
@@ -5871,7 +8111,15 @@
                   <a:schemeClr val="bg1"/>
                 </a:solidFill>
               </a:rPr>
-              <a:t>Piso, </a:t>
+              <a:t>Piso, Oberg, </a:t>
+            </a:r>
+            <a:r>
+              <a:rPr lang="en-US" sz="1400" dirty="0" err="1" smtClean="0">
+                <a:solidFill>
+                  <a:schemeClr val="bg1"/>
+                </a:solidFill>
+              </a:rPr>
+              <a:t>Birnstiel</a:t>
             </a:r>
             <a:r>
               <a:rPr lang="en-US" sz="1400" dirty="0" smtClean="0">
@@ -5879,23 +8127,7 @@
                   <a:schemeClr val="bg1"/>
                 </a:solidFill>
               </a:rPr>
-              <a:t>Oberg, </a:t>
-            </a:r>
-            <a:r>
-              <a:rPr lang="en-US" sz="1400" dirty="0" err="1" smtClean="0">
-                <a:solidFill>
-                  <a:schemeClr val="bg1"/>
-                </a:solidFill>
-              </a:rPr>
-              <a:t>Pegues</a:t>
-            </a:r>
-            <a:r>
-              <a:rPr lang="en-US" sz="1400" dirty="0" smtClean="0">
-                <a:solidFill>
-                  <a:schemeClr val="bg1"/>
-                </a:solidFill>
-              </a:rPr>
-              <a:t> (2016, in prep)</a:t>
+              <a:t>, Murray-Clay  (2015)</a:t>
             </a:r>
             <a:endParaRPr lang="en-US" sz="1400" dirty="0">
               <a:solidFill>
@@ -5908,7 +8140,7 @@
     </p:spTree>
     <p:extLst>
       <p:ext uri="{BB962C8B-B14F-4D97-AF65-F5344CB8AC3E}">
-        <p14:creationId xmlns:p14="http://schemas.microsoft.com/office/powerpoint/2010/main" val="1844604039"/>
+        <p14:creationId xmlns:p14="http://schemas.microsoft.com/office/powerpoint/2010/main" val="2041754076"/>
       </p:ext>
     </p:extLst>
   </p:cSld>
@@ -5925,7 +8157,7 @@
 </p:sld>
 </file>
 
-<file path=ppt/slides/slide17.xml><?xml version="1.0" encoding="utf-8"?>
+<file path=ppt/slides/slide26.xml><?xml version="1.0" encoding="utf-8"?>
 <p:sld xmlns:a="http://schemas.openxmlformats.org/drawingml/2006/main" xmlns:r="http://schemas.openxmlformats.org/officeDocument/2006/relationships" xmlns:p="http://schemas.openxmlformats.org/presentationml/2006/main">
   <p:cSld>
     <p:spTree>
@@ -5954,19 +8186,36 @@
         </p:nvSpPr>
         <p:spPr>
           <a:xfrm>
-            <a:off x="457200" y="175748"/>
+            <a:off x="457200" y="345202"/>
             <a:ext cx="8229600" cy="1143000"/>
           </a:xfrm>
         </p:spPr>
         <p:txBody>
-          <a:bodyPr/>
-          <a:lstStyle/>
-          <a:p>
-            <a:r>
-              <a:rPr lang="en-US" dirty="0" smtClean="0"/>
-              <a:t>Summary</a:t>
-            </a:r>
-            <a:endParaRPr lang="en-US" dirty="0">
+          <a:bodyPr>
+            <a:normAutofit fontScale="90000"/>
+          </a:bodyPr>
+          <a:lstStyle/>
+          <a:p>
+            <a:r>
+              <a:rPr lang="en-US" sz="3600" dirty="0"/>
+              <a:t>Some giant planets </a:t>
+            </a:r>
+            <a:r>
+              <a:rPr lang="en-US" sz="3600" dirty="0">
+                <a:solidFill>
+                  <a:srgbClr val="FFFF00"/>
+                </a:solidFill>
+              </a:rPr>
+              <a:t>may</a:t>
+            </a:r>
+            <a:r>
+              <a:rPr lang="en-US" sz="3600" dirty="0"/>
+              <a:t> have C/O ratios different from the stellar value of 0.54</a:t>
+            </a:r>
+            <a:br>
+              <a:rPr lang="en-US" sz="3600" dirty="0"/>
+            </a:br>
+            <a:endParaRPr lang="en-US" sz="3400" dirty="0">
               <a:solidFill>
                 <a:srgbClr val="FFFF00"/>
               </a:solidFill>
@@ -5974,380 +8223,72 @@
           </a:p>
         </p:txBody>
       </p:sp>
-      <p:sp>
-        <p:nvSpPr>
-          <p:cNvPr id="3" name="Content Placeholder 2"/>
-          <p:cNvSpPr>
-            <a:spLocks noGrp="1"/>
-          </p:cNvSpPr>
-          <p:nvPr>
-            <p:ph idx="1"/>
-          </p:nvPr>
-        </p:nvSpPr>
+      <p:pic>
+        <p:nvPicPr>
+          <p:cNvPr id="4" name="Picture 3"/>
+          <p:cNvPicPr>
+            <a:picLocks noChangeAspect="1"/>
+          </p:cNvPicPr>
+          <p:nvPr/>
+        </p:nvPicPr>
+        <p:blipFill>
+          <a:blip r:embed="rId3"/>
+          <a:stretch>
+            <a:fillRect/>
+          </a:stretch>
+        </p:blipFill>
         <p:spPr>
           <a:xfrm>
-            <a:off x="457200" y="1479176"/>
-            <a:ext cx="8229600" cy="5214471"/>
+            <a:off x="691407" y="1417638"/>
+            <a:ext cx="7387593" cy="5200149"/>
           </a:xfrm>
+          <a:prstGeom prst="rect">
+            <a:avLst/>
+          </a:prstGeom>
         </p:spPr>
-        <p:txBody>
-          <a:bodyPr>
-            <a:normAutofit fontScale="70000" lnSpcReduction="20000"/>
+      </p:pic>
+      <p:sp>
+        <p:nvSpPr>
+          <p:cNvPr id="5" name="TextBox 4"/>
+          <p:cNvSpPr txBox="1"/>
+          <p:nvPr/>
+        </p:nvSpPr>
+        <p:spPr>
+          <a:xfrm>
+            <a:off x="6136007" y="6308167"/>
+            <a:ext cx="1596881" cy="307777"/>
+          </a:xfrm>
+          <a:prstGeom prst="rect">
+            <a:avLst/>
+          </a:prstGeom>
+          <a:noFill/>
+        </p:spPr>
+        <p:txBody>
+          <a:bodyPr wrap="square" rtlCol="0">
+            <a:spAutoFit/>
           </a:bodyPr>
           <a:lstStyle/>
           <a:p>
             <a:r>
-              <a:rPr lang="en-US" dirty="0" smtClean="0">
-                <a:solidFill>
-                  <a:srgbClr val="FFFF00"/>
-                </a:solidFill>
-              </a:rPr>
-              <a:t>Radial drift</a:t>
-            </a:r>
-            <a:r>
-              <a:rPr lang="en-US" dirty="0" smtClean="0"/>
-              <a:t> and </a:t>
-            </a:r>
-            <a:r>
-              <a:rPr lang="en-US" dirty="0" smtClean="0">
-                <a:solidFill>
-                  <a:srgbClr val="FFFF00"/>
-                </a:solidFill>
-              </a:rPr>
-              <a:t>gas accretion </a:t>
-            </a:r>
-            <a:r>
-              <a:rPr lang="en-US" dirty="0" smtClean="0"/>
-              <a:t>affect desorption and </a:t>
-            </a:r>
-            <a:r>
-              <a:rPr lang="en-US" dirty="0" smtClean="0">
-                <a:solidFill>
-                  <a:srgbClr val="FFFF00"/>
-                </a:solidFill>
-              </a:rPr>
-              <a:t>move the snowline locations </a:t>
-            </a:r>
-            <a:r>
-              <a:rPr lang="en-US" dirty="0" smtClean="0"/>
-              <a:t>compared to a static disk</a:t>
-            </a:r>
-          </a:p>
-          <a:p>
-            <a:endParaRPr lang="en-US" dirty="0" smtClean="0"/>
-          </a:p>
-          <a:p>
-            <a:r>
-              <a:rPr lang="en-US" dirty="0" smtClean="0"/>
-              <a:t>The H</a:t>
-            </a:r>
-            <a:r>
-              <a:rPr lang="en-US" baseline="-25000" dirty="0" smtClean="0"/>
-              <a:t>2</a:t>
-            </a:r>
-            <a:r>
-              <a:rPr lang="en-US" dirty="0" smtClean="0"/>
-              <a:t>O, CO</a:t>
-            </a:r>
-            <a:r>
-              <a:rPr lang="en-US" baseline="-25000" dirty="0" smtClean="0"/>
-              <a:t>2</a:t>
-            </a:r>
-            <a:r>
-              <a:rPr lang="en-US" dirty="0" smtClean="0"/>
-              <a:t> and CO snowlines are created by the </a:t>
-            </a:r>
-            <a:r>
-              <a:rPr lang="en-US" dirty="0" smtClean="0">
-                <a:solidFill>
-                  <a:srgbClr val="FFFF00"/>
-                </a:solidFill>
-              </a:rPr>
-              <a:t>largest drifting particles </a:t>
-            </a:r>
-            <a:r>
-              <a:rPr lang="en-US" dirty="0" smtClean="0"/>
-              <a:t>in our model, i.e. </a:t>
-            </a:r>
-            <a:r>
-              <a:rPr lang="en-US" i="1" dirty="0" smtClean="0">
-                <a:solidFill>
-                  <a:srgbClr val="FFFF00"/>
-                </a:solidFill>
-              </a:rPr>
-              <a:t>s</a:t>
-            </a:r>
-            <a:r>
-              <a:rPr lang="en-US" dirty="0" smtClean="0">
-                <a:solidFill>
-                  <a:srgbClr val="FFFF00"/>
-                </a:solidFill>
-              </a:rPr>
-              <a:t> ~ 7 m</a:t>
-            </a:r>
-          </a:p>
-          <a:p>
-            <a:endParaRPr lang="en-US" dirty="0" smtClean="0"/>
-          </a:p>
-          <a:p>
-            <a:r>
-              <a:rPr lang="en-US" dirty="0" smtClean="0"/>
-              <a:t>Snowlines move </a:t>
-            </a:r>
-            <a:r>
-              <a:rPr lang="en-US" dirty="0" smtClean="0">
-                <a:solidFill>
-                  <a:srgbClr val="FFFF00"/>
-                </a:solidFill>
-              </a:rPr>
-              <a:t>inwards</a:t>
-            </a:r>
-            <a:r>
-              <a:rPr lang="en-US" dirty="0" smtClean="0"/>
-              <a:t> as the </a:t>
-            </a:r>
-            <a:r>
-              <a:rPr lang="en-US" dirty="0" smtClean="0">
-                <a:solidFill>
-                  <a:srgbClr val="FFFF00"/>
-                </a:solidFill>
-              </a:rPr>
-              <a:t>particle size increases </a:t>
-            </a:r>
-          </a:p>
-          <a:p>
-            <a:pPr lvl="1"/>
-            <a:r>
-              <a:rPr lang="en-US" dirty="0" smtClean="0">
-                <a:solidFill>
-                  <a:srgbClr val="FFFF00"/>
-                </a:solidFill>
-              </a:rPr>
-              <a:t>~60% </a:t>
-            </a:r>
-            <a:r>
-              <a:rPr lang="en-US" dirty="0" smtClean="0"/>
-              <a:t>for</a:t>
-            </a:r>
-            <a:r>
-              <a:rPr lang="en-US" dirty="0" smtClean="0">
-                <a:solidFill>
-                  <a:srgbClr val="FFFF00"/>
-                </a:solidFill>
-              </a:rPr>
-              <a:t> H</a:t>
-            </a:r>
-            <a:r>
-              <a:rPr lang="en-US" baseline="-25000" dirty="0" smtClean="0">
-                <a:solidFill>
-                  <a:srgbClr val="FFFF00"/>
-                </a:solidFill>
-              </a:rPr>
-              <a:t>2</a:t>
-            </a:r>
-            <a:r>
-              <a:rPr lang="en-US" dirty="0" smtClean="0">
-                <a:solidFill>
-                  <a:srgbClr val="FFFF00"/>
-                </a:solidFill>
-              </a:rPr>
-              <a:t>O</a:t>
-            </a:r>
-          </a:p>
-          <a:p>
-            <a:pPr lvl="1"/>
-            <a:r>
-              <a:rPr lang="en-US" dirty="0" smtClean="0">
-                <a:solidFill>
-                  <a:srgbClr val="FFFF00"/>
-                </a:solidFill>
-              </a:rPr>
-              <a:t>~60% </a:t>
-            </a:r>
-            <a:r>
-              <a:rPr lang="en-US" dirty="0" smtClean="0">
-                <a:solidFill>
-                  <a:srgbClr val="FFFFFF"/>
-                </a:solidFill>
-              </a:rPr>
-              <a:t>for</a:t>
-            </a:r>
-            <a:r>
-              <a:rPr lang="en-US" dirty="0" smtClean="0">
-                <a:solidFill>
-                  <a:srgbClr val="FFFF00"/>
-                </a:solidFill>
-              </a:rPr>
-              <a:t> CO</a:t>
-            </a:r>
-            <a:r>
-              <a:rPr lang="en-US" baseline="-25000" dirty="0" smtClean="0">
-                <a:solidFill>
-                  <a:srgbClr val="FFFF00"/>
-                </a:solidFill>
-              </a:rPr>
-              <a:t>2</a:t>
-            </a:r>
-            <a:endParaRPr lang="en-US" dirty="0" smtClean="0">
+              <a:rPr lang="en-US" sz="1400" dirty="0" smtClean="0">
+                <a:solidFill>
+                  <a:srgbClr val="000000"/>
+                </a:solidFill>
+              </a:rPr>
+              <a:t>Madhusudhan+11</a:t>
+            </a:r>
+            <a:endParaRPr lang="en-US" sz="1400" dirty="0">
               <a:solidFill>
-                <a:srgbClr val="FFFF00"/>
+                <a:srgbClr val="000000"/>
               </a:solidFill>
             </a:endParaRPr>
-          </a:p>
-          <a:p>
-            <a:pPr lvl="1"/>
-            <a:r>
-              <a:rPr lang="en-US" dirty="0" smtClean="0">
-                <a:solidFill>
-                  <a:srgbClr val="FFFF00"/>
-                </a:solidFill>
-              </a:rPr>
-              <a:t>~50% </a:t>
-            </a:r>
-            <a:r>
-              <a:rPr lang="en-US" dirty="0" smtClean="0">
-                <a:solidFill>
-                  <a:srgbClr val="FFFFFF"/>
-                </a:solidFill>
-              </a:rPr>
-              <a:t>for</a:t>
-            </a:r>
-            <a:r>
-              <a:rPr lang="en-US" dirty="0" smtClean="0">
-                <a:solidFill>
-                  <a:srgbClr val="FFFF00"/>
-                </a:solidFill>
-              </a:rPr>
-              <a:t> CO</a:t>
-            </a:r>
-          </a:p>
-          <a:p>
-            <a:endParaRPr lang="en-US" dirty="0" smtClean="0"/>
-          </a:p>
-          <a:p>
-            <a:r>
-              <a:rPr lang="en-US" dirty="0" smtClean="0"/>
-              <a:t>Our results for a </a:t>
-            </a:r>
-            <a:r>
-              <a:rPr lang="en-US" dirty="0" smtClean="0">
-                <a:solidFill>
-                  <a:srgbClr val="FFFF00"/>
-                </a:solidFill>
-              </a:rPr>
-              <a:t>transition disk </a:t>
-            </a:r>
-            <a:r>
-              <a:rPr lang="en-US" dirty="0" smtClean="0"/>
-              <a:t>are consistent with </a:t>
-            </a:r>
-            <a:r>
-              <a:rPr lang="en-US" dirty="0" smtClean="0">
-                <a:solidFill>
-                  <a:srgbClr val="FFFF00"/>
-                </a:solidFill>
-              </a:rPr>
-              <a:t>observations</a:t>
-            </a:r>
-          </a:p>
-          <a:p>
-            <a:endParaRPr lang="en-US" dirty="0">
-              <a:solidFill>
-                <a:srgbClr val="FFFF00"/>
-              </a:solidFill>
-            </a:endParaRPr>
-          </a:p>
-          <a:p>
-            <a:r>
-              <a:rPr lang="en-US" dirty="0" smtClean="0">
-                <a:solidFill>
-                  <a:srgbClr val="FFFFFF"/>
-                </a:solidFill>
-              </a:rPr>
-              <a:t>The </a:t>
-            </a:r>
-            <a:r>
-              <a:rPr lang="en-US" dirty="0" smtClean="0">
-                <a:solidFill>
-                  <a:srgbClr val="FFFF00"/>
-                </a:solidFill>
-              </a:rPr>
-              <a:t>N/O ratio </a:t>
-            </a:r>
-            <a:r>
-              <a:rPr lang="en-US" dirty="0" smtClean="0">
-                <a:solidFill>
-                  <a:srgbClr val="FFFFFF"/>
-                </a:solidFill>
-              </a:rPr>
-              <a:t>is </a:t>
-            </a:r>
-            <a:r>
-              <a:rPr lang="en-US" dirty="0" smtClean="0">
-                <a:solidFill>
-                  <a:srgbClr val="FFFF00"/>
-                </a:solidFill>
-              </a:rPr>
-              <a:t>more enhanced </a:t>
-            </a:r>
-            <a:r>
-              <a:rPr lang="en-US" dirty="0" smtClean="0">
-                <a:solidFill>
-                  <a:srgbClr val="FFFFFF"/>
-                </a:solidFill>
-              </a:rPr>
-              <a:t>than the </a:t>
-            </a:r>
-            <a:r>
-              <a:rPr lang="en-US" dirty="0" smtClean="0">
-                <a:solidFill>
-                  <a:srgbClr val="FFFF00"/>
-                </a:solidFill>
-              </a:rPr>
-              <a:t>C/O ratio </a:t>
-            </a:r>
-            <a:r>
-              <a:rPr lang="en-US" dirty="0" smtClean="0">
-                <a:solidFill>
-                  <a:srgbClr val="FFFFFF"/>
-                </a:solidFill>
-              </a:rPr>
-              <a:t>in the </a:t>
-            </a:r>
-            <a:r>
-              <a:rPr lang="en-US" dirty="0" smtClean="0">
-                <a:solidFill>
-                  <a:srgbClr val="FFFF00"/>
-                </a:solidFill>
-              </a:rPr>
-              <a:t>outer disk </a:t>
-            </a:r>
-            <a:r>
-              <a:rPr lang="en-US" dirty="0" smtClean="0">
-                <a:solidFill>
-                  <a:srgbClr val="FFFFFF"/>
-                </a:solidFill>
-              </a:rPr>
-              <a:t>compared to the stellar value </a:t>
-            </a:r>
-            <a:endParaRPr lang="en-US" dirty="0" smtClean="0">
-              <a:solidFill>
-                <a:srgbClr val="FFFFFF"/>
-              </a:solidFill>
-            </a:endParaRPr>
-          </a:p>
-          <a:p>
-            <a:endParaRPr lang="en-US" dirty="0" smtClean="0"/>
-          </a:p>
-          <a:p>
-            <a:endParaRPr lang="en-US" dirty="0"/>
           </a:p>
         </p:txBody>
       </p:sp>
     </p:spTree>
     <p:extLst>
       <p:ext uri="{BB962C8B-B14F-4D97-AF65-F5344CB8AC3E}">
-        <p14:creationId xmlns:p14="http://schemas.microsoft.com/office/powerpoint/2010/main" val="2696013150"/>
+        <p14:creationId xmlns:p14="http://schemas.microsoft.com/office/powerpoint/2010/main" val="3407719082"/>
       </p:ext>
     </p:extLst>
   </p:cSld>
@@ -6364,7 +8305,7 @@
 </p:sld>
 </file>
 
-<file path=ppt/slides/slide18.xml><?xml version="1.0" encoding="utf-8"?>
+<file path=ppt/slides/slide27.xml><?xml version="1.0" encoding="utf-8"?>
 <p:sld xmlns:a="http://schemas.openxmlformats.org/drawingml/2006/main" xmlns:r="http://schemas.openxmlformats.org/officeDocument/2006/relationships" xmlns:p="http://schemas.openxmlformats.org/presentationml/2006/main">
   <p:cSld>
     <p:spTree>
@@ -6383,28 +8324,91 @@
       </p:grpSpPr>
       <p:sp>
         <p:nvSpPr>
-          <p:cNvPr id="2" name="Title 1"/>
-          <p:cNvSpPr>
-            <a:spLocks noGrp="1"/>
+          <p:cNvPr id="4" name="Title 1"/>
+          <p:cNvSpPr txBox="1">
+            <a:spLocks/>
           </p:cNvSpPr>
-          <p:nvPr>
-            <p:ph type="title"/>
-          </p:nvPr>
-        </p:nvSpPr>
-        <p:spPr/>
-        <p:txBody>
-          <a:bodyPr/>
-          <a:lstStyle/>
-          <a:p>
-            <a:r>
-              <a:rPr lang="en-US" dirty="0" smtClean="0">
+          <p:nvPr/>
+        </p:nvSpPr>
+        <p:spPr>
+          <a:xfrm>
+            <a:off x="457200" y="2124402"/>
+            <a:ext cx="8229600" cy="1389809"/>
+          </a:xfrm>
+          <a:prstGeom prst="rect">
+            <a:avLst/>
+          </a:prstGeom>
+        </p:spPr>
+        <p:txBody>
+          <a:bodyPr vert="horz" lIns="91440" tIns="45720" rIns="91440" bIns="45720" rtlCol="0" anchor="ctr">
+            <a:noAutofit/>
+          </a:bodyPr>
+          <a:lstStyle>
+            <a:lvl1pPr algn="ctr" defTabSz="914400" rtl="0" eaLnBrk="1" latinLnBrk="0" hangingPunct="1">
+              <a:spcBef>
+                <a:spcPct val="0"/>
+              </a:spcBef>
+              <a:buNone/>
+              <a:defRPr sz="4400" kern="1200">
+                <a:solidFill>
+                  <a:schemeClr val="tx1"/>
+                </a:solidFill>
+                <a:latin typeface="+mj-lt"/>
+                <a:ea typeface="+mj-ea"/>
+                <a:cs typeface="+mj-cs"/>
+              </a:defRPr>
+            </a:lvl1pPr>
+          </a:lstStyle>
+          <a:p>
+            <a:r>
+              <a:rPr lang="en-US" sz="4200" dirty="0" smtClean="0"/>
+              <a:t>The </a:t>
+            </a:r>
+            <a:r>
+              <a:rPr lang="en-US" sz="4200" dirty="0" smtClean="0">
                 <a:solidFill>
                   <a:srgbClr val="FFFF00"/>
                 </a:solidFill>
               </a:rPr>
-              <a:t>TAKEAWAY POINT</a:t>
-            </a:r>
-            <a:endParaRPr lang="en-US" dirty="0">
+              <a:t>Minimum Core Mass </a:t>
+            </a:r>
+            <a:r>
+              <a:rPr lang="en-US" sz="4200" dirty="0" smtClean="0"/>
+              <a:t>to form </a:t>
+            </a:r>
+            <a:r>
+              <a:rPr lang="en-US" sz="4200" dirty="0" smtClean="0">
+                <a:solidFill>
+                  <a:srgbClr val="FFFF00"/>
+                </a:solidFill>
+              </a:rPr>
+              <a:t>Gas Giants </a:t>
+            </a:r>
+            <a:r>
+              <a:rPr lang="en-US" sz="4200" dirty="0" smtClean="0"/>
+              <a:t>depends sensitively on </a:t>
+            </a:r>
+            <a:r>
+              <a:rPr lang="en-US" sz="4200" dirty="0" smtClean="0">
+                <a:solidFill>
+                  <a:srgbClr val="FFFF00"/>
+                </a:solidFill>
+              </a:rPr>
+              <a:t>disk physics </a:t>
+            </a:r>
+            <a:r>
+              <a:rPr lang="en-US" sz="4200" dirty="0" smtClean="0"/>
+              <a:t>and </a:t>
+            </a:r>
+            <a:r>
+              <a:rPr lang="en-US" sz="4200" dirty="0" smtClean="0">
+                <a:solidFill>
+                  <a:srgbClr val="FFFF00"/>
+                </a:solidFill>
+              </a:rPr>
+              <a:t>chemistry</a:t>
+            </a:r>
+            <a:endParaRPr lang="en-US" sz="4200" dirty="0">
               <a:solidFill>
                 <a:srgbClr val="FFFF00"/>
               </a:solidFill>
@@ -6412,92 +8416,20 @@
           </a:p>
         </p:txBody>
       </p:sp>
-      <p:sp>
-        <p:nvSpPr>
-          <p:cNvPr id="4" name="Content Placeholder 2"/>
-          <p:cNvSpPr>
-            <a:spLocks noGrp="1"/>
-          </p:cNvSpPr>
-          <p:nvPr>
-            <p:ph idx="1"/>
-          </p:nvPr>
-        </p:nvSpPr>
-        <p:spPr>
-          <a:xfrm>
-            <a:off x="783675" y="1840090"/>
-            <a:ext cx="7715144" cy="2834361"/>
-          </a:xfrm>
-          <a:solidFill>
-            <a:srgbClr val="FFFF00"/>
-          </a:solidFill>
-          <a:ln w="63500">
-            <a:solidFill>
-              <a:srgbClr val="3366FF"/>
-            </a:solidFill>
-          </a:ln>
-        </p:spPr>
-        <p:txBody>
-          <a:bodyPr>
-            <a:normAutofit lnSpcReduction="10000"/>
-          </a:bodyPr>
-          <a:lstStyle/>
-          <a:p>
-            <a:pPr marL="0" indent="0" algn="ctr">
-              <a:buNone/>
-            </a:pPr>
-            <a:r>
-              <a:rPr lang="en-US" dirty="0" smtClean="0">
-                <a:solidFill>
-                  <a:schemeClr val="bg1"/>
-                </a:solidFill>
-              </a:rPr>
-              <a:t>Radial drift and viscous gas accretion move the snowline locations inwards. This affects the </a:t>
-            </a:r>
-            <a:r>
-              <a:rPr lang="en-US" dirty="0" smtClean="0">
-                <a:solidFill>
-                  <a:schemeClr val="bg1"/>
-                </a:solidFill>
-              </a:rPr>
-              <a:t>C/N/O </a:t>
-            </a:r>
-            <a:r>
-              <a:rPr lang="en-US" dirty="0" smtClean="0">
-                <a:solidFill>
-                  <a:schemeClr val="bg1"/>
-                </a:solidFill>
-              </a:rPr>
-              <a:t>ratio in gas and dust throughout the disk, and thus has direct implications in shaping the compositions of nascent giant planets.</a:t>
-            </a:r>
-            <a:endParaRPr lang="en-US" dirty="0">
-              <a:solidFill>
-                <a:schemeClr val="bg1"/>
-              </a:solidFill>
-            </a:endParaRPr>
-          </a:p>
-        </p:txBody>
-      </p:sp>
     </p:spTree>
     <p:extLst>
       <p:ext uri="{BB962C8B-B14F-4D97-AF65-F5344CB8AC3E}">
-        <p14:creationId xmlns:p14="http://schemas.microsoft.com/office/powerpoint/2010/main" val="743145369"/>
+        <p14:creationId xmlns:p14="http://schemas.microsoft.com/office/powerpoint/2010/main" val="816127067"/>
       </p:ext>
     </p:extLst>
   </p:cSld>
   <p:clrMapOvr>
     <a:masterClrMapping/>
   </p:clrMapOvr>
-  <p:timing>
-    <p:tnLst>
-      <p:par>
-        <p:cTn xmlns:p14="http://schemas.microsoft.com/office/powerpoint/2010/main" id="1" dur="indefinite" restart="never" nodeType="tmRoot"/>
-      </p:par>
-    </p:tnLst>
-  </p:timing>
 </p:sld>
 </file>
 
-<file path=ppt/slides/slide2.xml><?xml version="1.0" encoding="utf-8"?>
+<file path=ppt/slides/slide28.xml><?xml version="1.0" encoding="utf-8"?>
 <p:sld xmlns:a="http://schemas.openxmlformats.org/drawingml/2006/main" xmlns:r="http://schemas.openxmlformats.org/officeDocument/2006/relationships" xmlns:p="http://schemas.openxmlformats.org/presentationml/2006/main">
   <p:cSld>
     <p:spTree>
@@ -6514,99 +8446,9 @@
           <a:chExt cx="0" cy="0"/>
         </a:xfrm>
       </p:grpSpPr>
-      <p:sp>
-        <p:nvSpPr>
-          <p:cNvPr id="2" name="Title 1"/>
-          <p:cNvSpPr>
-            <a:spLocks noGrp="1"/>
-          </p:cNvSpPr>
-          <p:nvPr>
-            <p:ph type="title"/>
-          </p:nvPr>
-        </p:nvSpPr>
-        <p:spPr/>
-        <p:txBody>
-          <a:bodyPr/>
-          <a:lstStyle/>
-          <a:p>
-            <a:r>
-              <a:rPr lang="en-US" dirty="0" smtClean="0"/>
-              <a:t>Core Accretion Model</a:t>
-            </a:r>
-            <a:endParaRPr lang="en-US" dirty="0"/>
-          </a:p>
-        </p:txBody>
-      </p:sp>
-      <p:sp>
-        <p:nvSpPr>
-          <p:cNvPr id="3" name="Content Placeholder 2"/>
-          <p:cNvSpPr>
-            <a:spLocks noGrp="1"/>
-          </p:cNvSpPr>
-          <p:nvPr>
-            <p:ph idx="1"/>
-          </p:nvPr>
-        </p:nvSpPr>
-        <p:spPr>
-          <a:xfrm>
-            <a:off x="457200" y="4402667"/>
-            <a:ext cx="8229600" cy="1723496"/>
-          </a:xfrm>
-        </p:spPr>
-        <p:txBody>
-          <a:bodyPr/>
-          <a:lstStyle/>
-          <a:p>
-            <a:pPr marL="0" indent="0" algn="ctr">
-              <a:buNone/>
-            </a:pPr>
-            <a:r>
-              <a:rPr lang="en-US" dirty="0" smtClean="0"/>
-              <a:t>The </a:t>
-            </a:r>
-            <a:r>
-              <a:rPr lang="en-US" dirty="0" smtClean="0">
-                <a:solidFill>
-                  <a:srgbClr val="FFFF00"/>
-                </a:solidFill>
-              </a:rPr>
-              <a:t>composition of planets </a:t>
-            </a:r>
-            <a:r>
-              <a:rPr lang="en-US" dirty="0" smtClean="0"/>
-              <a:t>is </a:t>
-            </a:r>
-            <a:r>
-              <a:rPr lang="en-US" dirty="0" smtClean="0">
-                <a:solidFill>
-                  <a:srgbClr val="FFFF00"/>
-                </a:solidFill>
-              </a:rPr>
-              <a:t>determined by and tightly linked</a:t>
-            </a:r>
-            <a:r>
-              <a:rPr lang="en-US" dirty="0" smtClean="0"/>
-              <a:t> to the </a:t>
-            </a:r>
-            <a:r>
-              <a:rPr lang="en-US" dirty="0" smtClean="0">
-                <a:solidFill>
-                  <a:srgbClr val="FFFF00"/>
-                </a:solidFill>
-              </a:rPr>
-              <a:t>disk composition</a:t>
-            </a:r>
-            <a:endParaRPr lang="en-US" dirty="0">
-              <a:solidFill>
-                <a:srgbClr val="FFFF00"/>
-              </a:solidFill>
-            </a:endParaRPr>
-          </a:p>
-        </p:txBody>
-      </p:sp>
       <p:pic>
         <p:nvPicPr>
-          <p:cNvPr id="5" name="Picture 4" descr="Screen Shot 2015-09-22 at 5.39.13 PM.png"/>
+          <p:cNvPr id="4" name="Picture 3" descr="Screen Shot 2016-01-04 at 11.02.55 AM.png"/>
           <p:cNvPicPr>
             <a:picLocks noChangeAspect="1"/>
           </p:cNvPicPr>
@@ -6626,8 +8468,126 @@
         </p:blipFill>
         <p:spPr>
           <a:xfrm>
-            <a:off x="457200" y="1924471"/>
-            <a:ext cx="8296145" cy="2163879"/>
+            <a:off x="4851206" y="2074333"/>
+            <a:ext cx="4028913" cy="3922889"/>
+          </a:xfrm>
+          <a:prstGeom prst="rect">
+            <a:avLst/>
+          </a:prstGeom>
+        </p:spPr>
+      </p:pic>
+      <p:sp>
+        <p:nvSpPr>
+          <p:cNvPr id="2" name="Title 1"/>
+          <p:cNvSpPr>
+            <a:spLocks noGrp="1"/>
+          </p:cNvSpPr>
+          <p:nvPr>
+            <p:ph type="title"/>
+          </p:nvPr>
+        </p:nvSpPr>
+        <p:spPr>
+          <a:xfrm>
+            <a:off x="127000" y="155222"/>
+            <a:ext cx="9017000" cy="1693334"/>
+          </a:xfrm>
+        </p:spPr>
+        <p:txBody>
+          <a:bodyPr>
+            <a:noAutofit/>
+          </a:bodyPr>
+          <a:lstStyle/>
+          <a:p>
+            <a:r>
+              <a:rPr lang="en-US" sz="3400" dirty="0" smtClean="0">
+                <a:solidFill>
+                  <a:srgbClr val="FFFF00"/>
+                </a:solidFill>
+              </a:rPr>
+              <a:t>Snowlines</a:t>
+            </a:r>
+            <a:r>
+              <a:rPr lang="en-US" sz="3400" dirty="0" smtClean="0"/>
+              <a:t> of </a:t>
+            </a:r>
+            <a:r>
+              <a:rPr lang="en-US" sz="3400" dirty="0" smtClean="0">
+                <a:solidFill>
+                  <a:srgbClr val="FFFF00"/>
+                </a:solidFill>
+              </a:rPr>
+              <a:t>volatile molecules </a:t>
+            </a:r>
+            <a:r>
+              <a:rPr lang="en-US" sz="3400" dirty="0" smtClean="0"/>
+              <a:t>have been detected in disks</a:t>
+            </a:r>
+            <a:endParaRPr lang="en-US" sz="3400" dirty="0"/>
+          </a:p>
+        </p:txBody>
+      </p:sp>
+      <p:sp>
+        <p:nvSpPr>
+          <p:cNvPr id="6" name="TextBox 5"/>
+          <p:cNvSpPr txBox="1"/>
+          <p:nvPr/>
+        </p:nvSpPr>
+        <p:spPr>
+          <a:xfrm>
+            <a:off x="5543341" y="5524115"/>
+            <a:ext cx="933659" cy="307777"/>
+          </a:xfrm>
+          <a:prstGeom prst="rect">
+            <a:avLst/>
+          </a:prstGeom>
+          <a:noFill/>
+        </p:spPr>
+        <p:txBody>
+          <a:bodyPr wrap="square" rtlCol="0">
+            <a:spAutoFit/>
+          </a:bodyPr>
+          <a:lstStyle/>
+          <a:p>
+            <a:r>
+              <a:rPr lang="en-US" sz="1400" dirty="0" smtClean="0">
+                <a:solidFill>
+                  <a:srgbClr val="000000"/>
+                </a:solidFill>
+              </a:rPr>
+              <a:t>Qi+13</a:t>
+            </a:r>
+            <a:endParaRPr lang="en-US" sz="1400" dirty="0">
+              <a:solidFill>
+                <a:srgbClr val="000000"/>
+              </a:solidFill>
+            </a:endParaRPr>
+          </a:p>
+        </p:txBody>
+      </p:sp>
+      <p:pic>
+        <p:nvPicPr>
+          <p:cNvPr id="5" name="Picture 4" descr="2013_sciencealma_0009.jpg"/>
+          <p:cNvPicPr>
+            <a:picLocks noChangeAspect="1"/>
+          </p:cNvPicPr>
+          <p:nvPr/>
+        </p:nvPicPr>
+        <p:blipFill>
+          <a:blip r:embed="rId3" cstate="print">
+            <a:extLst>
+              <a:ext uri="{28A0092B-C50C-407E-A947-70E740481C1C}">
+                <a14:useLocalDpi xmlns:a14="http://schemas.microsoft.com/office/drawing/2010/main" val="0"/>
+              </a:ext>
+            </a:extLst>
+          </a:blip>
+          <a:stretch>
+            <a:fillRect/>
+          </a:stretch>
+        </p:blipFill>
+        <p:spPr>
+          <a:xfrm>
+            <a:off x="554040" y="1979902"/>
+            <a:ext cx="3796140" cy="3805654"/>
           </a:xfrm>
           <a:prstGeom prst="rect">
             <a:avLst/>
@@ -6637,7 +8597,7 @@
     </p:spTree>
     <p:extLst>
       <p:ext uri="{BB962C8B-B14F-4D97-AF65-F5344CB8AC3E}">
-        <p14:creationId xmlns:p14="http://schemas.microsoft.com/office/powerpoint/2010/main" val="2702110683"/>
+        <p14:creationId xmlns:p14="http://schemas.microsoft.com/office/powerpoint/2010/main" val="2296830270"/>
       </p:ext>
     </p:extLst>
   </p:cSld>
@@ -6681,22 +8641,27 @@
             <p:ph type="title"/>
           </p:nvPr>
         </p:nvSpPr>
-        <p:spPr/>
+        <p:spPr>
+          <a:xfrm>
+            <a:off x="243209" y="621459"/>
+            <a:ext cx="8782563" cy="1336579"/>
+          </a:xfrm>
+        </p:spPr>
         <p:txBody>
           <a:bodyPr>
-            <a:normAutofit/>
+            <a:noAutofit/>
           </a:bodyPr>
           <a:lstStyle/>
           <a:p>
             <a:r>
-              <a:rPr lang="en-US" sz="5000" dirty="0" smtClean="0">
+              <a:rPr lang="en-US" sz="4000" dirty="0" smtClean="0">
                 <a:solidFill>
                   <a:srgbClr val="FFFF00"/>
                 </a:solidFill>
               </a:rPr>
-              <a:t>BASIC IDEA</a:t>
-            </a:r>
-            <a:endParaRPr lang="en-US" sz="5000" dirty="0">
+              <a:t>Minimum Core Masses for Giant Planet Formation</a:t>
+            </a:r>
+            <a:endParaRPr lang="en-US" sz="4000" dirty="0">
               <a:solidFill>
                 <a:srgbClr val="FFFF00"/>
               </a:solidFill>
@@ -6704,90 +8669,40 @@
           </a:p>
         </p:txBody>
       </p:sp>
-      <p:sp>
-        <p:nvSpPr>
-          <p:cNvPr id="3" name="Content Placeholder 2"/>
-          <p:cNvSpPr>
-            <a:spLocks noGrp="1"/>
-          </p:cNvSpPr>
-          <p:nvPr>
-            <p:ph idx="1"/>
-          </p:nvPr>
-        </p:nvSpPr>
+      <p:pic>
+        <p:nvPicPr>
+          <p:cNvPr id="5" name="Picture 4" descr="acc_sketch (2).jpg"/>
+          <p:cNvPicPr>
+            <a:picLocks noChangeAspect="1"/>
+          </p:cNvPicPr>
+          <p:nvPr/>
+        </p:nvPicPr>
+        <p:blipFill>
+          <a:blip r:embed="rId2">
+            <a:extLst>
+              <a:ext uri="{28A0092B-C50C-407E-A947-70E740481C1C}">
+                <a14:useLocalDpi xmlns:a14="http://schemas.microsoft.com/office/drawing/2010/main" val="0"/>
+              </a:ext>
+            </a:extLst>
+          </a:blip>
+          <a:stretch>
+            <a:fillRect/>
+          </a:stretch>
+        </p:blipFill>
         <p:spPr>
           <a:xfrm>
-            <a:off x="457200" y="2122308"/>
-            <a:ext cx="8094133" cy="3818469"/>
+            <a:off x="797808" y="2593577"/>
+            <a:ext cx="7587599" cy="2567233"/>
           </a:xfrm>
-          <a:solidFill>
-            <a:srgbClr val="FFFF00"/>
-          </a:solidFill>
-          <a:ln w="63500">
-            <a:solidFill>
-              <a:srgbClr val="0000FF"/>
-            </a:solidFill>
-          </a:ln>
+          <a:prstGeom prst="rect">
+            <a:avLst/>
+          </a:prstGeom>
         </p:spPr>
-        <p:txBody>
-          <a:bodyPr>
-            <a:normAutofit/>
-          </a:bodyPr>
-          <a:lstStyle/>
-          <a:p>
-            <a:pPr marL="0" indent="0" algn="ctr">
-              <a:buNone/>
-            </a:pPr>
-            <a:r>
-              <a:rPr lang="en-US" dirty="0" smtClean="0">
-                <a:solidFill>
-                  <a:schemeClr val="bg1"/>
-                </a:solidFill>
-              </a:rPr>
-              <a:t>Understand the disk well enough to:</a:t>
-            </a:r>
-          </a:p>
-          <a:p>
-            <a:pPr marL="514350" indent="-514350" algn="ctr">
-              <a:buAutoNum type="arabicPeriod"/>
-            </a:pPr>
-            <a:r>
-              <a:rPr lang="en-US" dirty="0" smtClean="0">
-                <a:solidFill>
-                  <a:schemeClr val="bg1"/>
-                </a:solidFill>
-              </a:rPr>
-              <a:t>Predict what kind of planet compositions result from planet formation in different parts of the disk</a:t>
-            </a:r>
-          </a:p>
-          <a:p>
-            <a:pPr marL="514350" indent="-514350" algn="ctr">
-              <a:buAutoNum type="arabicPeriod"/>
-            </a:pPr>
-            <a:r>
-              <a:rPr lang="en-US" dirty="0" smtClean="0">
-                <a:solidFill>
-                  <a:schemeClr val="bg1"/>
-                </a:solidFill>
-              </a:rPr>
-              <a:t>Back-track the planet formation location based on the planet composition</a:t>
-            </a:r>
-          </a:p>
-          <a:p>
-            <a:pPr marL="0" indent="0" algn="ctr">
-              <a:buNone/>
-            </a:pPr>
-            <a:endParaRPr lang="en-US" dirty="0" smtClean="0">
-              <a:solidFill>
-                <a:schemeClr val="bg1"/>
-              </a:solidFill>
-            </a:endParaRPr>
-          </a:p>
-        </p:txBody>
-      </p:sp>
+      </p:pic>
     </p:spTree>
     <p:extLst>
       <p:ext uri="{BB962C8B-B14F-4D97-AF65-F5344CB8AC3E}">
-        <p14:creationId xmlns:p14="http://schemas.microsoft.com/office/powerpoint/2010/main" val="145592411"/>
+        <p14:creationId xmlns:p14="http://schemas.microsoft.com/office/powerpoint/2010/main" val="1887306022"/>
       </p:ext>
     </p:extLst>
   </p:cSld>
@@ -6821,83 +8736,9 @@
           <a:chExt cx="0" cy="0"/>
         </a:xfrm>
       </p:grpSpPr>
-      <p:sp>
-        <p:nvSpPr>
-          <p:cNvPr id="2" name="Title 1"/>
-          <p:cNvSpPr>
-            <a:spLocks noGrp="1"/>
-          </p:cNvSpPr>
-          <p:nvPr>
-            <p:ph type="title"/>
-          </p:nvPr>
-        </p:nvSpPr>
-        <p:spPr>
-          <a:xfrm>
-            <a:off x="457200" y="-158769"/>
-            <a:ext cx="8229600" cy="1143000"/>
-          </a:xfrm>
-        </p:spPr>
-        <p:txBody>
-          <a:bodyPr/>
-          <a:lstStyle/>
-          <a:p>
-            <a:r>
-              <a:rPr lang="en-US" dirty="0" smtClean="0"/>
-              <a:t>Disk structure is </a:t>
-            </a:r>
-            <a:r>
-              <a:rPr lang="en-US" dirty="0" smtClean="0">
-                <a:solidFill>
-                  <a:srgbClr val="FFFF00"/>
-                </a:solidFill>
-              </a:rPr>
-              <a:t>complex</a:t>
-            </a:r>
-            <a:r>
-              <a:rPr lang="en-US" dirty="0" smtClean="0"/>
-              <a:t>!</a:t>
-            </a:r>
-            <a:endParaRPr lang="en-US" dirty="0"/>
-          </a:p>
-        </p:txBody>
-      </p:sp>
-      <p:sp>
-        <p:nvSpPr>
-          <p:cNvPr id="6" name="TextBox 5"/>
-          <p:cNvSpPr txBox="1"/>
-          <p:nvPr/>
-        </p:nvSpPr>
-        <p:spPr>
-          <a:xfrm>
-            <a:off x="6637474" y="6208221"/>
-            <a:ext cx="2492023" cy="307777"/>
-          </a:xfrm>
-          <a:prstGeom prst="rect">
-            <a:avLst/>
-          </a:prstGeom>
-          <a:noFill/>
-        </p:spPr>
-        <p:txBody>
-          <a:bodyPr wrap="square" rtlCol="0">
-            <a:spAutoFit/>
-          </a:bodyPr>
-          <a:lstStyle/>
-          <a:p>
-            <a:r>
-              <a:rPr lang="en-US" sz="1400" dirty="0" err="1" smtClean="0"/>
-              <a:t>Henning&amp;Semenov</a:t>
-            </a:r>
-            <a:r>
-              <a:rPr lang="en-US" sz="1400" dirty="0" smtClean="0"/>
-              <a:t> (2013)</a:t>
-            </a:r>
-            <a:endParaRPr lang="en-US" sz="1400" dirty="0"/>
-          </a:p>
-        </p:txBody>
-      </p:sp>
       <p:pic>
         <p:nvPicPr>
-          <p:cNvPr id="4" name="Picture 3" descr="disk_semenov.png"/>
+          <p:cNvPr id="2" name="Picture 1" descr="Mc_vs_a_poly_real_paper.pdf"/>
           <p:cNvPicPr>
             <a:picLocks noChangeAspect="1"/>
           </p:cNvPicPr>
@@ -6917,18 +8758,1543 @@
         </p:blipFill>
         <p:spPr>
           <a:xfrm>
-            <a:off x="157325" y="719614"/>
-            <a:ext cx="8972172" cy="5154892"/>
+            <a:off x="1120588" y="1362339"/>
+            <a:ext cx="7007407" cy="5268727"/>
           </a:xfrm>
           <a:prstGeom prst="rect">
             <a:avLst/>
           </a:prstGeom>
         </p:spPr>
       </p:pic>
+      <p:sp>
+        <p:nvSpPr>
+          <p:cNvPr id="10" name="TextBox 9"/>
+          <p:cNvSpPr txBox="1"/>
+          <p:nvPr/>
+        </p:nvSpPr>
+        <p:spPr>
+          <a:xfrm>
+            <a:off x="1119907" y="6271786"/>
+            <a:ext cx="2797685" cy="338554"/>
+          </a:xfrm>
+          <a:prstGeom prst="rect">
+            <a:avLst/>
+          </a:prstGeom>
+          <a:noFill/>
+        </p:spPr>
+        <p:txBody>
+          <a:bodyPr wrap="square" rtlCol="0">
+            <a:spAutoFit/>
+          </a:bodyPr>
+          <a:lstStyle/>
+          <a:p>
+            <a:r>
+              <a:rPr lang="en-US" sz="1600" dirty="0" err="1" smtClean="0">
+                <a:solidFill>
+                  <a:srgbClr val="000000"/>
+                </a:solidFill>
+              </a:rPr>
+              <a:t>t_disk</a:t>
+            </a:r>
+            <a:r>
+              <a:rPr lang="en-US" sz="1600" dirty="0" smtClean="0">
+                <a:solidFill>
+                  <a:srgbClr val="000000"/>
+                </a:solidFill>
+              </a:rPr>
+              <a:t> ~ 3 </a:t>
+            </a:r>
+            <a:r>
+              <a:rPr lang="en-US" sz="1600" dirty="0" err="1" smtClean="0">
+                <a:solidFill>
+                  <a:srgbClr val="000000"/>
+                </a:solidFill>
+              </a:rPr>
+              <a:t>Myr</a:t>
+            </a:r>
+            <a:r>
+              <a:rPr lang="en-US" sz="1600" dirty="0" smtClean="0">
+                <a:solidFill>
+                  <a:srgbClr val="000000"/>
+                </a:solidFill>
+              </a:rPr>
+              <a:t>, ISM opacity</a:t>
+            </a:r>
+            <a:endParaRPr lang="en-US" sz="1600" dirty="0">
+              <a:solidFill>
+                <a:srgbClr val="000000"/>
+              </a:solidFill>
+            </a:endParaRPr>
+          </a:p>
+        </p:txBody>
+      </p:sp>
+      <p:sp>
+        <p:nvSpPr>
+          <p:cNvPr id="11" name="TextBox 10"/>
+          <p:cNvSpPr txBox="1"/>
+          <p:nvPr/>
+        </p:nvSpPr>
+        <p:spPr>
+          <a:xfrm>
+            <a:off x="6458562" y="6283834"/>
+            <a:ext cx="2782215" cy="307777"/>
+          </a:xfrm>
+          <a:prstGeom prst="rect">
+            <a:avLst/>
+          </a:prstGeom>
+          <a:noFill/>
+        </p:spPr>
+        <p:txBody>
+          <a:bodyPr wrap="square" rtlCol="0">
+            <a:spAutoFit/>
+          </a:bodyPr>
+          <a:lstStyle/>
+          <a:p>
+            <a:r>
+              <a:rPr lang="en-US" sz="1400" dirty="0" smtClean="0">
+                <a:solidFill>
+                  <a:srgbClr val="000000"/>
+                </a:solidFill>
+              </a:rPr>
+              <a:t>Piso</a:t>
+            </a:r>
+            <a:r>
+              <a:rPr lang="en-US" sz="1400" dirty="0">
+                <a:solidFill>
+                  <a:srgbClr val="000000"/>
+                </a:solidFill>
+              </a:rPr>
+              <a:t> </a:t>
+            </a:r>
+            <a:r>
+              <a:rPr lang="en-US" sz="1400" dirty="0" smtClean="0">
+                <a:solidFill>
+                  <a:srgbClr val="000000"/>
+                </a:solidFill>
+              </a:rPr>
+              <a:t>&amp; </a:t>
+            </a:r>
+            <a:r>
+              <a:rPr lang="en-US" sz="1400" dirty="0" err="1" smtClean="0">
+                <a:solidFill>
+                  <a:srgbClr val="000000"/>
+                </a:solidFill>
+              </a:rPr>
+              <a:t>Youdin</a:t>
+            </a:r>
+            <a:r>
+              <a:rPr lang="en-US" sz="1400" dirty="0" smtClean="0">
+                <a:solidFill>
+                  <a:srgbClr val="000000"/>
+                </a:solidFill>
+              </a:rPr>
+              <a:t> </a:t>
+            </a:r>
+            <a:r>
+              <a:rPr lang="en-US" sz="1400" dirty="0" smtClean="0">
+                <a:solidFill>
+                  <a:srgbClr val="000000"/>
+                </a:solidFill>
+              </a:rPr>
+              <a:t>(</a:t>
+            </a:r>
+            <a:r>
+              <a:rPr lang="en-US" sz="1400" dirty="0" smtClean="0">
+                <a:solidFill>
+                  <a:srgbClr val="000000"/>
+                </a:solidFill>
+              </a:rPr>
+              <a:t>2014)</a:t>
+            </a:r>
+            <a:endParaRPr lang="en-US" sz="1400" dirty="0">
+              <a:solidFill>
+                <a:srgbClr val="000000"/>
+              </a:solidFill>
+            </a:endParaRPr>
+          </a:p>
+        </p:txBody>
+      </p:sp>
+      <p:sp>
+        <p:nvSpPr>
+          <p:cNvPr id="9" name="Title 1"/>
+          <p:cNvSpPr>
+            <a:spLocks noGrp="1"/>
+          </p:cNvSpPr>
+          <p:nvPr>
+            <p:ph type="title"/>
+          </p:nvPr>
+        </p:nvSpPr>
+        <p:spPr>
+          <a:xfrm>
+            <a:off x="457200" y="166558"/>
+            <a:ext cx="8229600" cy="1143000"/>
+          </a:xfrm>
+        </p:spPr>
+        <p:txBody>
+          <a:bodyPr>
+            <a:normAutofit/>
+          </a:bodyPr>
+          <a:lstStyle/>
+          <a:p>
+            <a:r>
+              <a:rPr lang="en-US" sz="3200" dirty="0" err="1" smtClean="0"/>
+              <a:t>M</a:t>
+            </a:r>
+            <a:r>
+              <a:rPr lang="en-US" sz="3200" baseline="-25000" dirty="0" err="1" smtClean="0"/>
+              <a:t>crit</a:t>
+            </a:r>
+            <a:r>
+              <a:rPr lang="en-US" sz="3200" dirty="0" smtClean="0"/>
+              <a:t> </a:t>
+            </a:r>
+            <a:r>
+              <a:rPr lang="en-US" sz="3200" dirty="0" smtClean="0">
+                <a:solidFill>
+                  <a:srgbClr val="FFFF00"/>
+                </a:solidFill>
+              </a:rPr>
+              <a:t>LOWER</a:t>
+            </a:r>
+            <a:r>
+              <a:rPr lang="en-US" sz="3200" dirty="0" smtClean="0"/>
+              <a:t> than 10 M</a:t>
+            </a:r>
+            <a:r>
+              <a:rPr lang="en-US" sz="3200" baseline="-25000" dirty="0" smtClean="0"/>
+              <a:t>E</a:t>
+            </a:r>
+            <a:r>
+              <a:rPr lang="en-US" sz="3200" dirty="0" smtClean="0"/>
+              <a:t> for an </a:t>
+            </a:r>
+            <a:r>
+              <a:rPr lang="en-US" sz="3200" dirty="0" smtClean="0">
+                <a:solidFill>
+                  <a:srgbClr val="FFFF00"/>
+                </a:solidFill>
+              </a:rPr>
+              <a:t>ideal gas </a:t>
+            </a:r>
+            <a:r>
+              <a:rPr lang="en-US" sz="3200" dirty="0" err="1" smtClean="0">
+                <a:solidFill>
+                  <a:srgbClr val="FFFF00"/>
+                </a:solidFill>
+              </a:rPr>
+              <a:t>polytrope</a:t>
+            </a:r>
+            <a:endParaRPr lang="en-US" sz="3200" dirty="0">
+              <a:solidFill>
+                <a:srgbClr val="FFFF00"/>
+              </a:solidFill>
+            </a:endParaRPr>
+          </a:p>
+        </p:txBody>
+      </p:sp>
+      <p:sp>
+        <p:nvSpPr>
+          <p:cNvPr id="3" name="Rectangle 2"/>
+          <p:cNvSpPr/>
+          <p:nvPr/>
+        </p:nvSpPr>
+        <p:spPr>
+          <a:xfrm>
+            <a:off x="3445467" y="1837356"/>
+            <a:ext cx="3026607" cy="364770"/>
+          </a:xfrm>
+          <a:prstGeom prst="rect">
+            <a:avLst/>
+          </a:prstGeom>
+          <a:solidFill>
+            <a:schemeClr val="tx1"/>
+          </a:solidFill>
+          <a:ln>
+            <a:noFill/>
+          </a:ln>
+          <a:effectLst/>
+        </p:spPr>
+        <p:style>
+          <a:lnRef idx="1">
+            <a:schemeClr val="accent1"/>
+          </a:lnRef>
+          <a:fillRef idx="3">
+            <a:schemeClr val="accent1"/>
+          </a:fillRef>
+          <a:effectRef idx="2">
+            <a:schemeClr val="accent1"/>
+          </a:effectRef>
+          <a:fontRef idx="minor">
+            <a:schemeClr val="lt1"/>
+          </a:fontRef>
+        </p:style>
+        <p:txBody>
+          <a:bodyPr rtlCol="0" anchor="ctr"/>
+          <a:lstStyle/>
+          <a:p>
+            <a:pPr algn="ctr"/>
+            <a:endParaRPr lang="en-US"/>
+          </a:p>
+        </p:txBody>
+      </p:sp>
+      <p:sp>
+        <p:nvSpPr>
+          <p:cNvPr id="4" name="Freeform 3"/>
+          <p:cNvSpPr/>
+          <p:nvPr/>
+        </p:nvSpPr>
+        <p:spPr>
+          <a:xfrm>
+            <a:off x="2621257" y="1752132"/>
+            <a:ext cx="5100325" cy="3260068"/>
+          </a:xfrm>
+          <a:custGeom>
+            <a:avLst/>
+            <a:gdLst>
+              <a:gd name="connsiteX0" fmla="*/ 0 w 5100325"/>
+              <a:gd name="connsiteY0" fmla="*/ 395954 h 3260068"/>
+              <a:gd name="connsiteX1" fmla="*/ 0 w 5100325"/>
+              <a:gd name="connsiteY1" fmla="*/ 395954 h 3260068"/>
+              <a:gd name="connsiteX2" fmla="*/ 13512 w 5100325"/>
+              <a:gd name="connsiteY2" fmla="*/ 4164 h 3260068"/>
+              <a:gd name="connsiteX3" fmla="*/ 54047 w 5100325"/>
+              <a:gd name="connsiteY3" fmla="*/ 31184 h 3260068"/>
+              <a:gd name="connsiteX4" fmla="*/ 108094 w 5100325"/>
+              <a:gd name="connsiteY4" fmla="*/ 58204 h 3260068"/>
+              <a:gd name="connsiteX5" fmla="*/ 148628 w 5100325"/>
+              <a:gd name="connsiteY5" fmla="*/ 85224 h 3260068"/>
+              <a:gd name="connsiteX6" fmla="*/ 202675 w 5100325"/>
+              <a:gd name="connsiteY6" fmla="*/ 98734 h 3260068"/>
+              <a:gd name="connsiteX7" fmla="*/ 229698 w 5100325"/>
+              <a:gd name="connsiteY7" fmla="*/ 139264 h 3260068"/>
+              <a:gd name="connsiteX8" fmla="*/ 283745 w 5100325"/>
+              <a:gd name="connsiteY8" fmla="*/ 152774 h 3260068"/>
+              <a:gd name="connsiteX9" fmla="*/ 364815 w 5100325"/>
+              <a:gd name="connsiteY9" fmla="*/ 179794 h 3260068"/>
+              <a:gd name="connsiteX10" fmla="*/ 445884 w 5100325"/>
+              <a:gd name="connsiteY10" fmla="*/ 220324 h 3260068"/>
+              <a:gd name="connsiteX11" fmla="*/ 472908 w 5100325"/>
+              <a:gd name="connsiteY11" fmla="*/ 274364 h 3260068"/>
+              <a:gd name="connsiteX12" fmla="*/ 526954 w 5100325"/>
+              <a:gd name="connsiteY12" fmla="*/ 341914 h 3260068"/>
+              <a:gd name="connsiteX13" fmla="*/ 553978 w 5100325"/>
+              <a:gd name="connsiteY13" fmla="*/ 368934 h 3260068"/>
+              <a:gd name="connsiteX14" fmla="*/ 608024 w 5100325"/>
+              <a:gd name="connsiteY14" fmla="*/ 449994 h 3260068"/>
+              <a:gd name="connsiteX15" fmla="*/ 689094 w 5100325"/>
+              <a:gd name="connsiteY15" fmla="*/ 477014 h 3260068"/>
+              <a:gd name="connsiteX16" fmla="*/ 783675 w 5100325"/>
+              <a:gd name="connsiteY16" fmla="*/ 571583 h 3260068"/>
+              <a:gd name="connsiteX17" fmla="*/ 810699 w 5100325"/>
+              <a:gd name="connsiteY17" fmla="*/ 612113 h 3260068"/>
+              <a:gd name="connsiteX18" fmla="*/ 851234 w 5100325"/>
+              <a:gd name="connsiteY18" fmla="*/ 639133 h 3260068"/>
+              <a:gd name="connsiteX19" fmla="*/ 905280 w 5100325"/>
+              <a:gd name="connsiteY19" fmla="*/ 720193 h 3260068"/>
+              <a:gd name="connsiteX20" fmla="*/ 932303 w 5100325"/>
+              <a:gd name="connsiteY20" fmla="*/ 760723 h 3260068"/>
+              <a:gd name="connsiteX21" fmla="*/ 959327 w 5100325"/>
+              <a:gd name="connsiteY21" fmla="*/ 787743 h 3260068"/>
+              <a:gd name="connsiteX22" fmla="*/ 999862 w 5100325"/>
+              <a:gd name="connsiteY22" fmla="*/ 882313 h 3260068"/>
+              <a:gd name="connsiteX23" fmla="*/ 1013373 w 5100325"/>
+              <a:gd name="connsiteY23" fmla="*/ 922843 h 3260068"/>
+              <a:gd name="connsiteX24" fmla="*/ 1053908 w 5100325"/>
+              <a:gd name="connsiteY24" fmla="*/ 936353 h 3260068"/>
+              <a:gd name="connsiteX25" fmla="*/ 1107955 w 5100325"/>
+              <a:gd name="connsiteY25" fmla="*/ 963373 h 3260068"/>
+              <a:gd name="connsiteX26" fmla="*/ 1202536 w 5100325"/>
+              <a:gd name="connsiteY26" fmla="*/ 1030922 h 3260068"/>
+              <a:gd name="connsiteX27" fmla="*/ 1297118 w 5100325"/>
+              <a:gd name="connsiteY27" fmla="*/ 1057942 h 3260068"/>
+              <a:gd name="connsiteX28" fmla="*/ 1337652 w 5100325"/>
+              <a:gd name="connsiteY28" fmla="*/ 1098472 h 3260068"/>
+              <a:gd name="connsiteX29" fmla="*/ 1405211 w 5100325"/>
+              <a:gd name="connsiteY29" fmla="*/ 1125492 h 3260068"/>
+              <a:gd name="connsiteX30" fmla="*/ 1553839 w 5100325"/>
+              <a:gd name="connsiteY30" fmla="*/ 1166022 h 3260068"/>
+              <a:gd name="connsiteX31" fmla="*/ 1594374 w 5100325"/>
+              <a:gd name="connsiteY31" fmla="*/ 1179532 h 3260068"/>
+              <a:gd name="connsiteX32" fmla="*/ 1729490 w 5100325"/>
+              <a:gd name="connsiteY32" fmla="*/ 1260592 h 3260068"/>
+              <a:gd name="connsiteX33" fmla="*/ 1770025 w 5100325"/>
+              <a:gd name="connsiteY33" fmla="*/ 1287612 h 3260068"/>
+              <a:gd name="connsiteX34" fmla="*/ 1824071 w 5100325"/>
+              <a:gd name="connsiteY34" fmla="*/ 1301122 h 3260068"/>
+              <a:gd name="connsiteX35" fmla="*/ 1972699 w 5100325"/>
+              <a:gd name="connsiteY35" fmla="*/ 1382182 h 3260068"/>
+              <a:gd name="connsiteX36" fmla="*/ 2080793 w 5100325"/>
+              <a:gd name="connsiteY36" fmla="*/ 1422712 h 3260068"/>
+              <a:gd name="connsiteX37" fmla="*/ 2202397 w 5100325"/>
+              <a:gd name="connsiteY37" fmla="*/ 1476752 h 3260068"/>
+              <a:gd name="connsiteX38" fmla="*/ 2405072 w 5100325"/>
+              <a:gd name="connsiteY38" fmla="*/ 1584831 h 3260068"/>
+              <a:gd name="connsiteX39" fmla="*/ 2472630 w 5100325"/>
+              <a:gd name="connsiteY39" fmla="*/ 1611851 h 3260068"/>
+              <a:gd name="connsiteX40" fmla="*/ 2526677 w 5100325"/>
+              <a:gd name="connsiteY40" fmla="*/ 1638871 h 3260068"/>
+              <a:gd name="connsiteX41" fmla="*/ 2634770 w 5100325"/>
+              <a:gd name="connsiteY41" fmla="*/ 1652381 h 3260068"/>
+              <a:gd name="connsiteX42" fmla="*/ 2905002 w 5100325"/>
+              <a:gd name="connsiteY42" fmla="*/ 1800991 h 3260068"/>
+              <a:gd name="connsiteX43" fmla="*/ 3013095 w 5100325"/>
+              <a:gd name="connsiteY43" fmla="*/ 1868541 h 3260068"/>
+              <a:gd name="connsiteX44" fmla="*/ 3148212 w 5100325"/>
+              <a:gd name="connsiteY44" fmla="*/ 1936091 h 3260068"/>
+              <a:gd name="connsiteX45" fmla="*/ 3269817 w 5100325"/>
+              <a:gd name="connsiteY45" fmla="*/ 1990130 h 3260068"/>
+              <a:gd name="connsiteX46" fmla="*/ 3350886 w 5100325"/>
+              <a:gd name="connsiteY46" fmla="*/ 2044170 h 3260068"/>
+              <a:gd name="connsiteX47" fmla="*/ 3418445 w 5100325"/>
+              <a:gd name="connsiteY47" fmla="*/ 2071190 h 3260068"/>
+              <a:gd name="connsiteX48" fmla="*/ 3526538 w 5100325"/>
+              <a:gd name="connsiteY48" fmla="*/ 2125230 h 3260068"/>
+              <a:gd name="connsiteX49" fmla="*/ 3567073 w 5100325"/>
+              <a:gd name="connsiteY49" fmla="*/ 2152250 h 3260068"/>
+              <a:gd name="connsiteX50" fmla="*/ 3661654 w 5100325"/>
+              <a:gd name="connsiteY50" fmla="*/ 2192780 h 3260068"/>
+              <a:gd name="connsiteX51" fmla="*/ 3945398 w 5100325"/>
+              <a:gd name="connsiteY51" fmla="*/ 2395430 h 3260068"/>
+              <a:gd name="connsiteX52" fmla="*/ 3999445 w 5100325"/>
+              <a:gd name="connsiteY52" fmla="*/ 2435960 h 3260068"/>
+              <a:gd name="connsiteX53" fmla="*/ 4121050 w 5100325"/>
+              <a:gd name="connsiteY53" fmla="*/ 2503509 h 3260068"/>
+              <a:gd name="connsiteX54" fmla="*/ 4188608 w 5100325"/>
+              <a:gd name="connsiteY54" fmla="*/ 2557549 h 3260068"/>
+              <a:gd name="connsiteX55" fmla="*/ 4323724 w 5100325"/>
+              <a:gd name="connsiteY55" fmla="*/ 2598079 h 3260068"/>
+              <a:gd name="connsiteX56" fmla="*/ 4458841 w 5100325"/>
+              <a:gd name="connsiteY56" fmla="*/ 2638609 h 3260068"/>
+              <a:gd name="connsiteX57" fmla="*/ 4499375 w 5100325"/>
+              <a:gd name="connsiteY57" fmla="*/ 2679139 h 3260068"/>
+              <a:gd name="connsiteX58" fmla="*/ 4539910 w 5100325"/>
+              <a:gd name="connsiteY58" fmla="*/ 2692649 h 3260068"/>
+              <a:gd name="connsiteX59" fmla="*/ 4850678 w 5100325"/>
+              <a:gd name="connsiteY59" fmla="*/ 2706159 h 3260068"/>
+              <a:gd name="connsiteX60" fmla="*/ 4945259 w 5100325"/>
+              <a:gd name="connsiteY60" fmla="*/ 2746689 h 3260068"/>
+              <a:gd name="connsiteX61" fmla="*/ 4972283 w 5100325"/>
+              <a:gd name="connsiteY61" fmla="*/ 2773709 h 3260068"/>
+              <a:gd name="connsiteX62" fmla="*/ 5053353 w 5100325"/>
+              <a:gd name="connsiteY62" fmla="*/ 2800729 h 3260068"/>
+              <a:gd name="connsiteX63" fmla="*/ 5080376 w 5100325"/>
+              <a:gd name="connsiteY63" fmla="*/ 2841259 h 3260068"/>
+              <a:gd name="connsiteX64" fmla="*/ 5080376 w 5100325"/>
+              <a:gd name="connsiteY64" fmla="*/ 3138478 h 3260068"/>
+              <a:gd name="connsiteX65" fmla="*/ 5012818 w 5100325"/>
+              <a:gd name="connsiteY65" fmla="*/ 3246558 h 3260068"/>
+              <a:gd name="connsiteX66" fmla="*/ 4972283 w 5100325"/>
+              <a:gd name="connsiteY66" fmla="*/ 3260068 h 3260068"/>
+              <a:gd name="connsiteX67" fmla="*/ 4445329 w 5100325"/>
+              <a:gd name="connsiteY67" fmla="*/ 3246558 h 3260068"/>
+              <a:gd name="connsiteX68" fmla="*/ 4364259 w 5100325"/>
+              <a:gd name="connsiteY68" fmla="*/ 3219538 h 3260068"/>
+              <a:gd name="connsiteX69" fmla="*/ 4323724 w 5100325"/>
+              <a:gd name="connsiteY69" fmla="*/ 3206028 h 3260068"/>
+              <a:gd name="connsiteX70" fmla="*/ 4269678 w 5100325"/>
+              <a:gd name="connsiteY70" fmla="*/ 3165498 h 3260068"/>
+              <a:gd name="connsiteX71" fmla="*/ 4202119 w 5100325"/>
+              <a:gd name="connsiteY71" fmla="*/ 3151988 h 3260068"/>
+              <a:gd name="connsiteX72" fmla="*/ 4175096 w 5100325"/>
+              <a:gd name="connsiteY72" fmla="*/ 3111458 h 3260068"/>
+              <a:gd name="connsiteX73" fmla="*/ 4134561 w 5100325"/>
+              <a:gd name="connsiteY73" fmla="*/ 3097948 h 3260068"/>
+              <a:gd name="connsiteX74" fmla="*/ 4026468 w 5100325"/>
+              <a:gd name="connsiteY74" fmla="*/ 3030398 h 3260068"/>
+              <a:gd name="connsiteX75" fmla="*/ 3877840 w 5100325"/>
+              <a:gd name="connsiteY75" fmla="*/ 2962849 h 3260068"/>
+              <a:gd name="connsiteX76" fmla="*/ 3729212 w 5100325"/>
+              <a:gd name="connsiteY76" fmla="*/ 2922319 h 3260068"/>
+              <a:gd name="connsiteX77" fmla="*/ 3675166 w 5100325"/>
+              <a:gd name="connsiteY77" fmla="*/ 2895299 h 3260068"/>
+              <a:gd name="connsiteX78" fmla="*/ 3621119 w 5100325"/>
+              <a:gd name="connsiteY78" fmla="*/ 2854769 h 3260068"/>
+              <a:gd name="connsiteX79" fmla="*/ 3499514 w 5100325"/>
+              <a:gd name="connsiteY79" fmla="*/ 2827749 h 3260068"/>
+              <a:gd name="connsiteX80" fmla="*/ 3256305 w 5100325"/>
+              <a:gd name="connsiteY80" fmla="*/ 2800729 h 3260068"/>
+              <a:gd name="connsiteX81" fmla="*/ 3026607 w 5100325"/>
+              <a:gd name="connsiteY81" fmla="*/ 2760199 h 3260068"/>
+              <a:gd name="connsiteX82" fmla="*/ 2877979 w 5100325"/>
+              <a:gd name="connsiteY82" fmla="*/ 2706159 h 3260068"/>
+              <a:gd name="connsiteX83" fmla="*/ 2702328 w 5100325"/>
+              <a:gd name="connsiteY83" fmla="*/ 2611589 h 3260068"/>
+              <a:gd name="connsiteX84" fmla="*/ 2553700 w 5100325"/>
+              <a:gd name="connsiteY84" fmla="*/ 2530529 h 3260068"/>
+              <a:gd name="connsiteX85" fmla="*/ 2432095 w 5100325"/>
+              <a:gd name="connsiteY85" fmla="*/ 2435960 h 3260068"/>
+              <a:gd name="connsiteX86" fmla="*/ 2256444 w 5100325"/>
+              <a:gd name="connsiteY86" fmla="*/ 2354900 h 3260068"/>
+              <a:gd name="connsiteX87" fmla="*/ 2148351 w 5100325"/>
+              <a:gd name="connsiteY87" fmla="*/ 2327880 h 3260068"/>
+              <a:gd name="connsiteX88" fmla="*/ 2107816 w 5100325"/>
+              <a:gd name="connsiteY88" fmla="*/ 2300860 h 3260068"/>
+              <a:gd name="connsiteX89" fmla="*/ 2067281 w 5100325"/>
+              <a:gd name="connsiteY89" fmla="*/ 2287350 h 3260068"/>
+              <a:gd name="connsiteX90" fmla="*/ 2026746 w 5100325"/>
+              <a:gd name="connsiteY90" fmla="*/ 2260330 h 3260068"/>
+              <a:gd name="connsiteX91" fmla="*/ 1945676 w 5100325"/>
+              <a:gd name="connsiteY91" fmla="*/ 2233310 h 3260068"/>
+              <a:gd name="connsiteX92" fmla="*/ 1864606 w 5100325"/>
+              <a:gd name="connsiteY92" fmla="*/ 2192780 h 3260068"/>
+              <a:gd name="connsiteX93" fmla="*/ 1810560 w 5100325"/>
+              <a:gd name="connsiteY93" fmla="*/ 2138740 h 3260068"/>
+              <a:gd name="connsiteX94" fmla="*/ 1770025 w 5100325"/>
+              <a:gd name="connsiteY94" fmla="*/ 2111720 h 3260068"/>
+              <a:gd name="connsiteX95" fmla="*/ 1743002 w 5100325"/>
+              <a:gd name="connsiteY95" fmla="*/ 2071190 h 3260068"/>
+              <a:gd name="connsiteX96" fmla="*/ 1675443 w 5100325"/>
+              <a:gd name="connsiteY96" fmla="*/ 2017150 h 3260068"/>
+              <a:gd name="connsiteX97" fmla="*/ 1513304 w 5100325"/>
+              <a:gd name="connsiteY97" fmla="*/ 1895561 h 3260068"/>
+              <a:gd name="connsiteX98" fmla="*/ 1459257 w 5100325"/>
+              <a:gd name="connsiteY98" fmla="*/ 1868541 h 3260068"/>
+              <a:gd name="connsiteX99" fmla="*/ 1337652 w 5100325"/>
+              <a:gd name="connsiteY99" fmla="*/ 1828011 h 3260068"/>
+              <a:gd name="connsiteX100" fmla="*/ 1297118 w 5100325"/>
+              <a:gd name="connsiteY100" fmla="*/ 1814501 h 3260068"/>
+              <a:gd name="connsiteX101" fmla="*/ 1216048 w 5100325"/>
+              <a:gd name="connsiteY101" fmla="*/ 1773971 h 3260068"/>
+              <a:gd name="connsiteX102" fmla="*/ 1175513 w 5100325"/>
+              <a:gd name="connsiteY102" fmla="*/ 1719931 h 3260068"/>
+              <a:gd name="connsiteX103" fmla="*/ 1094443 w 5100325"/>
+              <a:gd name="connsiteY103" fmla="*/ 1625361 h 3260068"/>
+              <a:gd name="connsiteX104" fmla="*/ 999862 w 5100325"/>
+              <a:gd name="connsiteY104" fmla="*/ 1544301 h 3260068"/>
+              <a:gd name="connsiteX105" fmla="*/ 945815 w 5100325"/>
+              <a:gd name="connsiteY105" fmla="*/ 1476752 h 3260068"/>
+              <a:gd name="connsiteX106" fmla="*/ 770164 w 5100325"/>
+              <a:gd name="connsiteY106" fmla="*/ 1355162 h 3260068"/>
+              <a:gd name="connsiteX107" fmla="*/ 716117 w 5100325"/>
+              <a:gd name="connsiteY107" fmla="*/ 1287612 h 3260068"/>
+              <a:gd name="connsiteX108" fmla="*/ 662071 w 5100325"/>
+              <a:gd name="connsiteY108" fmla="*/ 1260592 h 3260068"/>
+              <a:gd name="connsiteX109" fmla="*/ 540466 w 5100325"/>
+              <a:gd name="connsiteY109" fmla="*/ 1179532 h 3260068"/>
+              <a:gd name="connsiteX110" fmla="*/ 445884 w 5100325"/>
+              <a:gd name="connsiteY110" fmla="*/ 1111982 h 3260068"/>
+              <a:gd name="connsiteX111" fmla="*/ 364815 w 5100325"/>
+              <a:gd name="connsiteY111" fmla="*/ 1003902 h 3260068"/>
+              <a:gd name="connsiteX112" fmla="*/ 270233 w 5100325"/>
+              <a:gd name="connsiteY112" fmla="*/ 895823 h 3260068"/>
+              <a:gd name="connsiteX113" fmla="*/ 216187 w 5100325"/>
+              <a:gd name="connsiteY113" fmla="*/ 787743 h 3260068"/>
+              <a:gd name="connsiteX114" fmla="*/ 189163 w 5100325"/>
+              <a:gd name="connsiteY114" fmla="*/ 747213 h 3260068"/>
+              <a:gd name="connsiteX115" fmla="*/ 175652 w 5100325"/>
+              <a:gd name="connsiteY115" fmla="*/ 706683 h 3260068"/>
+              <a:gd name="connsiteX116" fmla="*/ 148628 w 5100325"/>
+              <a:gd name="connsiteY116" fmla="*/ 679663 h 3260068"/>
+              <a:gd name="connsiteX117" fmla="*/ 121605 w 5100325"/>
+              <a:gd name="connsiteY117" fmla="*/ 585093 h 3260068"/>
+              <a:gd name="connsiteX118" fmla="*/ 40535 w 5100325"/>
+              <a:gd name="connsiteY118" fmla="*/ 477014 h 3260068"/>
+              <a:gd name="connsiteX119" fmla="*/ 13512 w 5100325"/>
+              <a:gd name="connsiteY119" fmla="*/ 395954 h 3260068"/>
+              <a:gd name="connsiteX120" fmla="*/ 0 w 5100325"/>
+              <a:gd name="connsiteY120" fmla="*/ 355424 h 3260068"/>
+              <a:gd name="connsiteX121" fmla="*/ 0 w 5100325"/>
+              <a:gd name="connsiteY121" fmla="*/ 395954 h 3260068"/>
+            </a:gdLst>
+            <a:ahLst/>
+            <a:cxnLst>
+              <a:cxn ang="0">
+                <a:pos x="connsiteX0" y="connsiteY0"/>
+              </a:cxn>
+              <a:cxn ang="0">
+                <a:pos x="connsiteX1" y="connsiteY1"/>
+              </a:cxn>
+              <a:cxn ang="0">
+                <a:pos x="connsiteX2" y="connsiteY2"/>
+              </a:cxn>
+              <a:cxn ang="0">
+                <a:pos x="connsiteX3" y="connsiteY3"/>
+              </a:cxn>
+              <a:cxn ang="0">
+                <a:pos x="connsiteX4" y="connsiteY4"/>
+              </a:cxn>
+              <a:cxn ang="0">
+                <a:pos x="connsiteX5" y="connsiteY5"/>
+              </a:cxn>
+              <a:cxn ang="0">
+                <a:pos x="connsiteX6" y="connsiteY6"/>
+              </a:cxn>
+              <a:cxn ang="0">
+                <a:pos x="connsiteX7" y="connsiteY7"/>
+              </a:cxn>
+              <a:cxn ang="0">
+                <a:pos x="connsiteX8" y="connsiteY8"/>
+              </a:cxn>
+              <a:cxn ang="0">
+                <a:pos x="connsiteX9" y="connsiteY9"/>
+              </a:cxn>
+              <a:cxn ang="0">
+                <a:pos x="connsiteX10" y="connsiteY10"/>
+              </a:cxn>
+              <a:cxn ang="0">
+                <a:pos x="connsiteX11" y="connsiteY11"/>
+              </a:cxn>
+              <a:cxn ang="0">
+                <a:pos x="connsiteX12" y="connsiteY12"/>
+              </a:cxn>
+              <a:cxn ang="0">
+                <a:pos x="connsiteX13" y="connsiteY13"/>
+              </a:cxn>
+              <a:cxn ang="0">
+                <a:pos x="connsiteX14" y="connsiteY14"/>
+              </a:cxn>
+              <a:cxn ang="0">
+                <a:pos x="connsiteX15" y="connsiteY15"/>
+              </a:cxn>
+              <a:cxn ang="0">
+                <a:pos x="connsiteX16" y="connsiteY16"/>
+              </a:cxn>
+              <a:cxn ang="0">
+                <a:pos x="connsiteX17" y="connsiteY17"/>
+              </a:cxn>
+              <a:cxn ang="0">
+                <a:pos x="connsiteX18" y="connsiteY18"/>
+              </a:cxn>
+              <a:cxn ang="0">
+                <a:pos x="connsiteX19" y="connsiteY19"/>
+              </a:cxn>
+              <a:cxn ang="0">
+                <a:pos x="connsiteX20" y="connsiteY20"/>
+              </a:cxn>
+              <a:cxn ang="0">
+                <a:pos x="connsiteX21" y="connsiteY21"/>
+              </a:cxn>
+              <a:cxn ang="0">
+                <a:pos x="connsiteX22" y="connsiteY22"/>
+              </a:cxn>
+              <a:cxn ang="0">
+                <a:pos x="connsiteX23" y="connsiteY23"/>
+              </a:cxn>
+              <a:cxn ang="0">
+                <a:pos x="connsiteX24" y="connsiteY24"/>
+              </a:cxn>
+              <a:cxn ang="0">
+                <a:pos x="connsiteX25" y="connsiteY25"/>
+              </a:cxn>
+              <a:cxn ang="0">
+                <a:pos x="connsiteX26" y="connsiteY26"/>
+              </a:cxn>
+              <a:cxn ang="0">
+                <a:pos x="connsiteX27" y="connsiteY27"/>
+              </a:cxn>
+              <a:cxn ang="0">
+                <a:pos x="connsiteX28" y="connsiteY28"/>
+              </a:cxn>
+              <a:cxn ang="0">
+                <a:pos x="connsiteX29" y="connsiteY29"/>
+              </a:cxn>
+              <a:cxn ang="0">
+                <a:pos x="connsiteX30" y="connsiteY30"/>
+              </a:cxn>
+              <a:cxn ang="0">
+                <a:pos x="connsiteX31" y="connsiteY31"/>
+              </a:cxn>
+              <a:cxn ang="0">
+                <a:pos x="connsiteX32" y="connsiteY32"/>
+              </a:cxn>
+              <a:cxn ang="0">
+                <a:pos x="connsiteX33" y="connsiteY33"/>
+              </a:cxn>
+              <a:cxn ang="0">
+                <a:pos x="connsiteX34" y="connsiteY34"/>
+              </a:cxn>
+              <a:cxn ang="0">
+                <a:pos x="connsiteX35" y="connsiteY35"/>
+              </a:cxn>
+              <a:cxn ang="0">
+                <a:pos x="connsiteX36" y="connsiteY36"/>
+              </a:cxn>
+              <a:cxn ang="0">
+                <a:pos x="connsiteX37" y="connsiteY37"/>
+              </a:cxn>
+              <a:cxn ang="0">
+                <a:pos x="connsiteX38" y="connsiteY38"/>
+              </a:cxn>
+              <a:cxn ang="0">
+                <a:pos x="connsiteX39" y="connsiteY39"/>
+              </a:cxn>
+              <a:cxn ang="0">
+                <a:pos x="connsiteX40" y="connsiteY40"/>
+              </a:cxn>
+              <a:cxn ang="0">
+                <a:pos x="connsiteX41" y="connsiteY41"/>
+              </a:cxn>
+              <a:cxn ang="0">
+                <a:pos x="connsiteX42" y="connsiteY42"/>
+              </a:cxn>
+              <a:cxn ang="0">
+                <a:pos x="connsiteX43" y="connsiteY43"/>
+              </a:cxn>
+              <a:cxn ang="0">
+                <a:pos x="connsiteX44" y="connsiteY44"/>
+              </a:cxn>
+              <a:cxn ang="0">
+                <a:pos x="connsiteX45" y="connsiteY45"/>
+              </a:cxn>
+              <a:cxn ang="0">
+                <a:pos x="connsiteX46" y="connsiteY46"/>
+              </a:cxn>
+              <a:cxn ang="0">
+                <a:pos x="connsiteX47" y="connsiteY47"/>
+              </a:cxn>
+              <a:cxn ang="0">
+                <a:pos x="connsiteX48" y="connsiteY48"/>
+              </a:cxn>
+              <a:cxn ang="0">
+                <a:pos x="connsiteX49" y="connsiteY49"/>
+              </a:cxn>
+              <a:cxn ang="0">
+                <a:pos x="connsiteX50" y="connsiteY50"/>
+              </a:cxn>
+              <a:cxn ang="0">
+                <a:pos x="connsiteX51" y="connsiteY51"/>
+              </a:cxn>
+              <a:cxn ang="0">
+                <a:pos x="connsiteX52" y="connsiteY52"/>
+              </a:cxn>
+              <a:cxn ang="0">
+                <a:pos x="connsiteX53" y="connsiteY53"/>
+              </a:cxn>
+              <a:cxn ang="0">
+                <a:pos x="connsiteX54" y="connsiteY54"/>
+              </a:cxn>
+              <a:cxn ang="0">
+                <a:pos x="connsiteX55" y="connsiteY55"/>
+              </a:cxn>
+              <a:cxn ang="0">
+                <a:pos x="connsiteX56" y="connsiteY56"/>
+              </a:cxn>
+              <a:cxn ang="0">
+                <a:pos x="connsiteX57" y="connsiteY57"/>
+              </a:cxn>
+              <a:cxn ang="0">
+                <a:pos x="connsiteX58" y="connsiteY58"/>
+              </a:cxn>
+              <a:cxn ang="0">
+                <a:pos x="connsiteX59" y="connsiteY59"/>
+              </a:cxn>
+              <a:cxn ang="0">
+                <a:pos x="connsiteX60" y="connsiteY60"/>
+              </a:cxn>
+              <a:cxn ang="0">
+                <a:pos x="connsiteX61" y="connsiteY61"/>
+              </a:cxn>
+              <a:cxn ang="0">
+                <a:pos x="connsiteX62" y="connsiteY62"/>
+              </a:cxn>
+              <a:cxn ang="0">
+                <a:pos x="connsiteX63" y="connsiteY63"/>
+              </a:cxn>
+              <a:cxn ang="0">
+                <a:pos x="connsiteX64" y="connsiteY64"/>
+              </a:cxn>
+              <a:cxn ang="0">
+                <a:pos x="connsiteX65" y="connsiteY65"/>
+              </a:cxn>
+              <a:cxn ang="0">
+                <a:pos x="connsiteX66" y="connsiteY66"/>
+              </a:cxn>
+              <a:cxn ang="0">
+                <a:pos x="connsiteX67" y="connsiteY67"/>
+              </a:cxn>
+              <a:cxn ang="0">
+                <a:pos x="connsiteX68" y="connsiteY68"/>
+              </a:cxn>
+              <a:cxn ang="0">
+                <a:pos x="connsiteX69" y="connsiteY69"/>
+              </a:cxn>
+              <a:cxn ang="0">
+                <a:pos x="connsiteX70" y="connsiteY70"/>
+              </a:cxn>
+              <a:cxn ang="0">
+                <a:pos x="connsiteX71" y="connsiteY71"/>
+              </a:cxn>
+              <a:cxn ang="0">
+                <a:pos x="connsiteX72" y="connsiteY72"/>
+              </a:cxn>
+              <a:cxn ang="0">
+                <a:pos x="connsiteX73" y="connsiteY73"/>
+              </a:cxn>
+              <a:cxn ang="0">
+                <a:pos x="connsiteX74" y="connsiteY74"/>
+              </a:cxn>
+              <a:cxn ang="0">
+                <a:pos x="connsiteX75" y="connsiteY75"/>
+              </a:cxn>
+              <a:cxn ang="0">
+                <a:pos x="connsiteX76" y="connsiteY76"/>
+              </a:cxn>
+              <a:cxn ang="0">
+                <a:pos x="connsiteX77" y="connsiteY77"/>
+              </a:cxn>
+              <a:cxn ang="0">
+                <a:pos x="connsiteX78" y="connsiteY78"/>
+              </a:cxn>
+              <a:cxn ang="0">
+                <a:pos x="connsiteX79" y="connsiteY79"/>
+              </a:cxn>
+              <a:cxn ang="0">
+                <a:pos x="connsiteX80" y="connsiteY80"/>
+              </a:cxn>
+              <a:cxn ang="0">
+                <a:pos x="connsiteX81" y="connsiteY81"/>
+              </a:cxn>
+              <a:cxn ang="0">
+                <a:pos x="connsiteX82" y="connsiteY82"/>
+              </a:cxn>
+              <a:cxn ang="0">
+                <a:pos x="connsiteX83" y="connsiteY83"/>
+              </a:cxn>
+              <a:cxn ang="0">
+                <a:pos x="connsiteX84" y="connsiteY84"/>
+              </a:cxn>
+              <a:cxn ang="0">
+                <a:pos x="connsiteX85" y="connsiteY85"/>
+              </a:cxn>
+              <a:cxn ang="0">
+                <a:pos x="connsiteX86" y="connsiteY86"/>
+              </a:cxn>
+              <a:cxn ang="0">
+                <a:pos x="connsiteX87" y="connsiteY87"/>
+              </a:cxn>
+              <a:cxn ang="0">
+                <a:pos x="connsiteX88" y="connsiteY88"/>
+              </a:cxn>
+              <a:cxn ang="0">
+                <a:pos x="connsiteX89" y="connsiteY89"/>
+              </a:cxn>
+              <a:cxn ang="0">
+                <a:pos x="connsiteX90" y="connsiteY90"/>
+              </a:cxn>
+              <a:cxn ang="0">
+                <a:pos x="connsiteX91" y="connsiteY91"/>
+              </a:cxn>
+              <a:cxn ang="0">
+                <a:pos x="connsiteX92" y="connsiteY92"/>
+              </a:cxn>
+              <a:cxn ang="0">
+                <a:pos x="connsiteX93" y="connsiteY93"/>
+              </a:cxn>
+              <a:cxn ang="0">
+                <a:pos x="connsiteX94" y="connsiteY94"/>
+              </a:cxn>
+              <a:cxn ang="0">
+                <a:pos x="connsiteX95" y="connsiteY95"/>
+              </a:cxn>
+              <a:cxn ang="0">
+                <a:pos x="connsiteX96" y="connsiteY96"/>
+              </a:cxn>
+              <a:cxn ang="0">
+                <a:pos x="connsiteX97" y="connsiteY97"/>
+              </a:cxn>
+              <a:cxn ang="0">
+                <a:pos x="connsiteX98" y="connsiteY98"/>
+              </a:cxn>
+              <a:cxn ang="0">
+                <a:pos x="connsiteX99" y="connsiteY99"/>
+              </a:cxn>
+              <a:cxn ang="0">
+                <a:pos x="connsiteX100" y="connsiteY100"/>
+              </a:cxn>
+              <a:cxn ang="0">
+                <a:pos x="connsiteX101" y="connsiteY101"/>
+              </a:cxn>
+              <a:cxn ang="0">
+                <a:pos x="connsiteX102" y="connsiteY102"/>
+              </a:cxn>
+              <a:cxn ang="0">
+                <a:pos x="connsiteX103" y="connsiteY103"/>
+              </a:cxn>
+              <a:cxn ang="0">
+                <a:pos x="connsiteX104" y="connsiteY104"/>
+              </a:cxn>
+              <a:cxn ang="0">
+                <a:pos x="connsiteX105" y="connsiteY105"/>
+              </a:cxn>
+              <a:cxn ang="0">
+                <a:pos x="connsiteX106" y="connsiteY106"/>
+              </a:cxn>
+              <a:cxn ang="0">
+                <a:pos x="connsiteX107" y="connsiteY107"/>
+              </a:cxn>
+              <a:cxn ang="0">
+                <a:pos x="connsiteX108" y="connsiteY108"/>
+              </a:cxn>
+              <a:cxn ang="0">
+                <a:pos x="connsiteX109" y="connsiteY109"/>
+              </a:cxn>
+              <a:cxn ang="0">
+                <a:pos x="connsiteX110" y="connsiteY110"/>
+              </a:cxn>
+              <a:cxn ang="0">
+                <a:pos x="connsiteX111" y="connsiteY111"/>
+              </a:cxn>
+              <a:cxn ang="0">
+                <a:pos x="connsiteX112" y="connsiteY112"/>
+              </a:cxn>
+              <a:cxn ang="0">
+                <a:pos x="connsiteX113" y="connsiteY113"/>
+              </a:cxn>
+              <a:cxn ang="0">
+                <a:pos x="connsiteX114" y="connsiteY114"/>
+              </a:cxn>
+              <a:cxn ang="0">
+                <a:pos x="connsiteX115" y="connsiteY115"/>
+              </a:cxn>
+              <a:cxn ang="0">
+                <a:pos x="connsiteX116" y="connsiteY116"/>
+              </a:cxn>
+              <a:cxn ang="0">
+                <a:pos x="connsiteX117" y="connsiteY117"/>
+              </a:cxn>
+              <a:cxn ang="0">
+                <a:pos x="connsiteX118" y="connsiteY118"/>
+              </a:cxn>
+              <a:cxn ang="0">
+                <a:pos x="connsiteX119" y="connsiteY119"/>
+              </a:cxn>
+              <a:cxn ang="0">
+                <a:pos x="connsiteX120" y="connsiteY120"/>
+              </a:cxn>
+              <a:cxn ang="0">
+                <a:pos x="connsiteX121" y="connsiteY121"/>
+              </a:cxn>
+            </a:cxnLst>
+            <a:rect l="l" t="t" r="r" b="b"/>
+            <a:pathLst>
+              <a:path w="5100325" h="3260068">
+                <a:moveTo>
+                  <a:pt x="0" y="395954"/>
+                </a:moveTo>
+                <a:lnTo>
+                  <a:pt x="0" y="395954"/>
+                </a:lnTo>
+                <a:cubicBezTo>
+                  <a:pt x="4504" y="265357"/>
+                  <a:pt x="-5641" y="133427"/>
+                  <a:pt x="13512" y="4164"/>
+                </a:cubicBezTo>
+                <a:cubicBezTo>
+                  <a:pt x="15892" y="-11899"/>
+                  <a:pt x="39948" y="23128"/>
+                  <a:pt x="54047" y="31184"/>
+                </a:cubicBezTo>
+                <a:cubicBezTo>
+                  <a:pt x="71535" y="41176"/>
+                  <a:pt x="90606" y="48212"/>
+                  <a:pt x="108094" y="58204"/>
+                </a:cubicBezTo>
+                <a:cubicBezTo>
+                  <a:pt x="122193" y="66260"/>
+                  <a:pt x="133703" y="78828"/>
+                  <a:pt x="148628" y="85224"/>
+                </a:cubicBezTo>
+                <a:cubicBezTo>
+                  <a:pt x="165697" y="92538"/>
+                  <a:pt x="184659" y="94231"/>
+                  <a:pt x="202675" y="98734"/>
+                </a:cubicBezTo>
+                <a:cubicBezTo>
+                  <a:pt x="211683" y="112244"/>
+                  <a:pt x="216187" y="130258"/>
+                  <a:pt x="229698" y="139264"/>
+                </a:cubicBezTo>
+                <a:cubicBezTo>
+                  <a:pt x="245150" y="149564"/>
+                  <a:pt x="265958" y="147439"/>
+                  <a:pt x="283745" y="152774"/>
+                </a:cubicBezTo>
+                <a:cubicBezTo>
+                  <a:pt x="311029" y="160958"/>
+                  <a:pt x="341113" y="163995"/>
+                  <a:pt x="364815" y="179794"/>
+                </a:cubicBezTo>
+                <a:cubicBezTo>
+                  <a:pt x="417201" y="214713"/>
+                  <a:pt x="389945" y="201679"/>
+                  <a:pt x="445884" y="220324"/>
+                </a:cubicBezTo>
+                <a:cubicBezTo>
+                  <a:pt x="454892" y="238337"/>
+                  <a:pt x="461735" y="257607"/>
+                  <a:pt x="472908" y="274364"/>
+                </a:cubicBezTo>
+                <a:cubicBezTo>
+                  <a:pt x="488905" y="298357"/>
+                  <a:pt x="508186" y="320021"/>
+                  <a:pt x="526954" y="341914"/>
+                </a:cubicBezTo>
+                <a:cubicBezTo>
+                  <a:pt x="535245" y="351585"/>
+                  <a:pt x="546334" y="358744"/>
+                  <a:pt x="553978" y="368934"/>
+                </a:cubicBezTo>
+                <a:cubicBezTo>
+                  <a:pt x="573465" y="394913"/>
+                  <a:pt x="577215" y="439726"/>
+                  <a:pt x="608024" y="449994"/>
+                </a:cubicBezTo>
+                <a:lnTo>
+                  <a:pt x="689094" y="477014"/>
+                </a:lnTo>
+                <a:cubicBezTo>
+                  <a:pt x="751041" y="569923"/>
+                  <a:pt x="712331" y="547805"/>
+                  <a:pt x="783675" y="571583"/>
+                </a:cubicBezTo>
+                <a:cubicBezTo>
+                  <a:pt x="792683" y="585093"/>
+                  <a:pt x="799216" y="600632"/>
+                  <a:pt x="810699" y="612113"/>
+                </a:cubicBezTo>
+                <a:cubicBezTo>
+                  <a:pt x="822182" y="623595"/>
+                  <a:pt x="840540" y="626913"/>
+                  <a:pt x="851234" y="639133"/>
+                </a:cubicBezTo>
+                <a:cubicBezTo>
+                  <a:pt x="872620" y="663572"/>
+                  <a:pt x="887265" y="693173"/>
+                  <a:pt x="905280" y="720193"/>
+                </a:cubicBezTo>
+                <a:cubicBezTo>
+                  <a:pt x="914288" y="733703"/>
+                  <a:pt x="920820" y="749242"/>
+                  <a:pt x="932303" y="760723"/>
+                </a:cubicBezTo>
+                <a:lnTo>
+                  <a:pt x="959327" y="787743"/>
+                </a:lnTo>
+                <a:cubicBezTo>
+                  <a:pt x="987446" y="900212"/>
+                  <a:pt x="953206" y="789013"/>
+                  <a:pt x="999862" y="882313"/>
+                </a:cubicBezTo>
+                <a:cubicBezTo>
+                  <a:pt x="1006231" y="895050"/>
+                  <a:pt x="1003303" y="912774"/>
+                  <a:pt x="1013373" y="922843"/>
+                </a:cubicBezTo>
+                <a:cubicBezTo>
+                  <a:pt x="1023444" y="932913"/>
+                  <a:pt x="1040817" y="930743"/>
+                  <a:pt x="1053908" y="936353"/>
+                </a:cubicBezTo>
+                <a:cubicBezTo>
+                  <a:pt x="1072421" y="944286"/>
+                  <a:pt x="1090874" y="952699"/>
+                  <a:pt x="1107955" y="963373"/>
+                </a:cubicBezTo>
+                <a:cubicBezTo>
+                  <a:pt x="1132435" y="978671"/>
+                  <a:pt x="1173953" y="1016632"/>
+                  <a:pt x="1202536" y="1030922"/>
+                </a:cubicBezTo>
+                <a:cubicBezTo>
+                  <a:pt x="1221920" y="1040613"/>
+                  <a:pt x="1279802" y="1053613"/>
+                  <a:pt x="1297118" y="1057942"/>
+                </a:cubicBezTo>
+                <a:cubicBezTo>
+                  <a:pt x="1310629" y="1071452"/>
+                  <a:pt x="1321449" y="1088346"/>
+                  <a:pt x="1337652" y="1098472"/>
+                </a:cubicBezTo>
+                <a:cubicBezTo>
+                  <a:pt x="1358220" y="1111325"/>
+                  <a:pt x="1382501" y="1116977"/>
+                  <a:pt x="1405211" y="1125492"/>
+                </a:cubicBezTo>
+                <a:cubicBezTo>
+                  <a:pt x="1498716" y="1160552"/>
+                  <a:pt x="1385679" y="1109976"/>
+                  <a:pt x="1553839" y="1166022"/>
+                </a:cubicBezTo>
+                <a:lnTo>
+                  <a:pt x="1594374" y="1179532"/>
+                </a:lnTo>
+                <a:cubicBezTo>
+                  <a:pt x="1792681" y="1311722"/>
+                  <a:pt x="1584078" y="1177510"/>
+                  <a:pt x="1729490" y="1260592"/>
+                </a:cubicBezTo>
+                <a:cubicBezTo>
+                  <a:pt x="1743589" y="1268648"/>
+                  <a:pt x="1755099" y="1281216"/>
+                  <a:pt x="1770025" y="1287612"/>
+                </a:cubicBezTo>
+                <a:cubicBezTo>
+                  <a:pt x="1787094" y="1294926"/>
+                  <a:pt x="1806683" y="1294602"/>
+                  <a:pt x="1824071" y="1301122"/>
+                </a:cubicBezTo>
+                <a:cubicBezTo>
+                  <a:pt x="1863660" y="1315966"/>
+                  <a:pt x="1945242" y="1369370"/>
+                  <a:pt x="1972699" y="1382182"/>
+                </a:cubicBezTo>
+                <a:cubicBezTo>
+                  <a:pt x="2007570" y="1398453"/>
+                  <a:pt x="2045210" y="1408062"/>
+                  <a:pt x="2080793" y="1422712"/>
+                </a:cubicBezTo>
+                <a:cubicBezTo>
+                  <a:pt x="2121810" y="1439599"/>
+                  <a:pt x="2162261" y="1457867"/>
+                  <a:pt x="2202397" y="1476752"/>
+                </a:cubicBezTo>
+                <a:cubicBezTo>
+                  <a:pt x="2551467" y="1641000"/>
+                  <a:pt x="2087574" y="1426102"/>
+                  <a:pt x="2405072" y="1584831"/>
+                </a:cubicBezTo>
+                <a:cubicBezTo>
+                  <a:pt x="2426766" y="1595676"/>
+                  <a:pt x="2450466" y="1602002"/>
+                  <a:pt x="2472630" y="1611851"/>
+                </a:cubicBezTo>
+                <a:cubicBezTo>
+                  <a:pt x="2491036" y="1620030"/>
+                  <a:pt x="2507137" y="1633987"/>
+                  <a:pt x="2526677" y="1638871"/>
+                </a:cubicBezTo>
+                <a:cubicBezTo>
+                  <a:pt x="2561904" y="1647677"/>
+                  <a:pt x="2598739" y="1647878"/>
+                  <a:pt x="2634770" y="1652381"/>
+                </a:cubicBezTo>
+                <a:cubicBezTo>
+                  <a:pt x="2734295" y="1702138"/>
+                  <a:pt x="2788136" y="1727958"/>
+                  <a:pt x="2905002" y="1800991"/>
+                </a:cubicBezTo>
+                <a:cubicBezTo>
+                  <a:pt x="2941033" y="1823508"/>
+                  <a:pt x="2975953" y="1847909"/>
+                  <a:pt x="3013095" y="1868541"/>
+                </a:cubicBezTo>
+                <a:cubicBezTo>
+                  <a:pt x="3057113" y="1892993"/>
+                  <a:pt x="3102704" y="1914538"/>
+                  <a:pt x="3148212" y="1936091"/>
+                </a:cubicBezTo>
+                <a:cubicBezTo>
+                  <a:pt x="3188300" y="1955078"/>
+                  <a:pt x="3230677" y="1969258"/>
+                  <a:pt x="3269817" y="1990130"/>
+                </a:cubicBezTo>
+                <a:cubicBezTo>
+                  <a:pt x="3298474" y="2005412"/>
+                  <a:pt x="3322374" y="2028620"/>
+                  <a:pt x="3350886" y="2044170"/>
+                </a:cubicBezTo>
+                <a:cubicBezTo>
+                  <a:pt x="3372179" y="2055783"/>
+                  <a:pt x="3396423" y="2061027"/>
+                  <a:pt x="3418445" y="2071190"/>
+                </a:cubicBezTo>
+                <a:cubicBezTo>
+                  <a:pt x="3455021" y="2088069"/>
+                  <a:pt x="3493019" y="2102887"/>
+                  <a:pt x="3526538" y="2125230"/>
+                </a:cubicBezTo>
+                <a:cubicBezTo>
+                  <a:pt x="3540050" y="2134237"/>
+                  <a:pt x="3552549" y="2144989"/>
+                  <a:pt x="3567073" y="2152250"/>
+                </a:cubicBezTo>
+                <a:cubicBezTo>
+                  <a:pt x="3698778" y="2218095"/>
+                  <a:pt x="3492955" y="2094384"/>
+                  <a:pt x="3661654" y="2192780"/>
+                </a:cubicBezTo>
+                <a:cubicBezTo>
+                  <a:pt x="3796168" y="2271237"/>
+                  <a:pt x="3799035" y="2283519"/>
+                  <a:pt x="3945398" y="2395430"/>
+                </a:cubicBezTo>
+                <a:cubicBezTo>
+                  <a:pt x="3963287" y="2409108"/>
+                  <a:pt x="3979303" y="2425890"/>
+                  <a:pt x="3999445" y="2435960"/>
+                </a:cubicBezTo>
+                <a:cubicBezTo>
+                  <a:pt x="4044443" y="2458456"/>
+                  <a:pt x="4078643" y="2473828"/>
+                  <a:pt x="4121050" y="2503509"/>
+                </a:cubicBezTo>
+                <a:cubicBezTo>
+                  <a:pt x="4144676" y="2520045"/>
+                  <a:pt x="4164613" y="2541554"/>
+                  <a:pt x="4188608" y="2557549"/>
+                </a:cubicBezTo>
+                <a:cubicBezTo>
+                  <a:pt x="4242476" y="2593457"/>
+                  <a:pt x="4256359" y="2585832"/>
+                  <a:pt x="4323724" y="2598079"/>
+                </a:cubicBezTo>
+                <a:cubicBezTo>
+                  <a:pt x="4407453" y="2613301"/>
+                  <a:pt x="4377998" y="2606276"/>
+                  <a:pt x="4458841" y="2638609"/>
+                </a:cubicBezTo>
+                <a:cubicBezTo>
+                  <a:pt x="4472352" y="2652119"/>
+                  <a:pt x="4483476" y="2668541"/>
+                  <a:pt x="4499375" y="2679139"/>
+                </a:cubicBezTo>
+                <a:cubicBezTo>
+                  <a:pt x="4511226" y="2687039"/>
+                  <a:pt x="4525710" y="2691557"/>
+                  <a:pt x="4539910" y="2692649"/>
+                </a:cubicBezTo>
+                <a:cubicBezTo>
+                  <a:pt x="4643292" y="2700600"/>
+                  <a:pt x="4747089" y="2701656"/>
+                  <a:pt x="4850678" y="2706159"/>
+                </a:cubicBezTo>
+                <a:cubicBezTo>
+                  <a:pt x="4886709" y="2718168"/>
+                  <a:pt x="4911865" y="2724429"/>
+                  <a:pt x="4945259" y="2746689"/>
+                </a:cubicBezTo>
+                <a:cubicBezTo>
+                  <a:pt x="4955858" y="2753754"/>
+                  <a:pt x="4960889" y="2768013"/>
+                  <a:pt x="4972283" y="2773709"/>
+                </a:cubicBezTo>
+                <a:cubicBezTo>
+                  <a:pt x="4997761" y="2786446"/>
+                  <a:pt x="5053353" y="2800729"/>
+                  <a:pt x="5053353" y="2800729"/>
+                </a:cubicBezTo>
+                <a:cubicBezTo>
+                  <a:pt x="5062361" y="2814239"/>
+                  <a:pt x="5073114" y="2826736"/>
+                  <a:pt x="5080376" y="2841259"/>
+                </a:cubicBezTo>
+                <a:cubicBezTo>
+                  <a:pt x="5122467" y="2925433"/>
+                  <a:pt x="5085710" y="3094032"/>
+                  <a:pt x="5080376" y="3138478"/>
+                </a:cubicBezTo>
+                <a:cubicBezTo>
+                  <a:pt x="5072510" y="3204023"/>
+                  <a:pt x="5063202" y="3221369"/>
+                  <a:pt x="5012818" y="3246558"/>
+                </a:cubicBezTo>
+                <a:cubicBezTo>
+                  <a:pt x="5000079" y="3252927"/>
+                  <a:pt x="4985795" y="3255565"/>
+                  <a:pt x="4972283" y="3260068"/>
+                </a:cubicBezTo>
+                <a:cubicBezTo>
+                  <a:pt x="4796632" y="3255565"/>
+                  <a:pt x="4620649" y="3258245"/>
+                  <a:pt x="4445329" y="3246558"/>
+                </a:cubicBezTo>
+                <a:cubicBezTo>
+                  <a:pt x="4416907" y="3244663"/>
+                  <a:pt x="4391282" y="3228545"/>
+                  <a:pt x="4364259" y="3219538"/>
+                </a:cubicBezTo>
+                <a:lnTo>
+                  <a:pt x="4323724" y="3206028"/>
+                </a:lnTo>
+                <a:cubicBezTo>
+                  <a:pt x="4305709" y="3192518"/>
+                  <a:pt x="4290256" y="3174643"/>
+                  <a:pt x="4269678" y="3165498"/>
+                </a:cubicBezTo>
+                <a:cubicBezTo>
+                  <a:pt x="4248691" y="3156172"/>
+                  <a:pt x="4222059" y="3163381"/>
+                  <a:pt x="4202119" y="3151988"/>
+                </a:cubicBezTo>
+                <a:cubicBezTo>
+                  <a:pt x="4188020" y="3143933"/>
+                  <a:pt x="4187776" y="3121601"/>
+                  <a:pt x="4175096" y="3111458"/>
+                </a:cubicBezTo>
+                <a:cubicBezTo>
+                  <a:pt x="4163974" y="3102562"/>
+                  <a:pt x="4148073" y="3102451"/>
+                  <a:pt x="4134561" y="3097948"/>
+                </a:cubicBezTo>
+                <a:cubicBezTo>
+                  <a:pt x="4082571" y="3019972"/>
+                  <a:pt x="4139020" y="3086666"/>
+                  <a:pt x="4026468" y="3030398"/>
+                </a:cubicBezTo>
+                <a:cubicBezTo>
+                  <a:pt x="3965034" y="2999685"/>
+                  <a:pt x="3935590" y="2978597"/>
+                  <a:pt x="3877840" y="2962849"/>
+                </a:cubicBezTo>
+                <a:cubicBezTo>
+                  <a:pt x="3858898" y="2957684"/>
+                  <a:pt x="3765495" y="2937867"/>
+                  <a:pt x="3729212" y="2922319"/>
+                </a:cubicBezTo>
+                <a:cubicBezTo>
+                  <a:pt x="3710699" y="2914386"/>
+                  <a:pt x="3692246" y="2905973"/>
+                  <a:pt x="3675166" y="2895299"/>
+                </a:cubicBezTo>
+                <a:cubicBezTo>
+                  <a:pt x="3656070" y="2883365"/>
+                  <a:pt x="3641261" y="2864839"/>
+                  <a:pt x="3621119" y="2854769"/>
+                </a:cubicBezTo>
+                <a:cubicBezTo>
+                  <a:pt x="3608725" y="2848573"/>
+                  <a:pt x="3506216" y="2828967"/>
+                  <a:pt x="3499514" y="2827749"/>
+                </a:cubicBezTo>
+                <a:cubicBezTo>
+                  <a:pt x="3385649" y="2807049"/>
+                  <a:pt x="3404767" y="2813099"/>
+                  <a:pt x="3256305" y="2800729"/>
+                </a:cubicBezTo>
+                <a:cubicBezTo>
+                  <a:pt x="3108635" y="2741668"/>
+                  <a:pt x="3279456" y="2802335"/>
+                  <a:pt x="3026607" y="2760199"/>
+                </a:cubicBezTo>
+                <a:cubicBezTo>
+                  <a:pt x="3004396" y="2756498"/>
+                  <a:pt x="2902277" y="2717372"/>
+                  <a:pt x="2877979" y="2706159"/>
+                </a:cubicBezTo>
+                <a:cubicBezTo>
+                  <a:pt x="2704900" y="2626286"/>
+                  <a:pt x="2831482" y="2682028"/>
+                  <a:pt x="2702328" y="2611589"/>
+                </a:cubicBezTo>
+                <a:cubicBezTo>
+                  <a:pt x="2642403" y="2578907"/>
+                  <a:pt x="2608369" y="2569573"/>
+                  <a:pt x="2553700" y="2530529"/>
+                </a:cubicBezTo>
+                <a:cubicBezTo>
+                  <a:pt x="2511913" y="2500685"/>
+                  <a:pt x="2478025" y="2458922"/>
+                  <a:pt x="2432095" y="2435960"/>
+                </a:cubicBezTo>
+                <a:cubicBezTo>
+                  <a:pt x="2389473" y="2414652"/>
+                  <a:pt x="2308924" y="2370642"/>
+                  <a:pt x="2256444" y="2354900"/>
+                </a:cubicBezTo>
+                <a:cubicBezTo>
+                  <a:pt x="2217901" y="2343339"/>
+                  <a:pt x="2184017" y="2345711"/>
+                  <a:pt x="2148351" y="2327880"/>
+                </a:cubicBezTo>
+                <a:cubicBezTo>
+                  <a:pt x="2133827" y="2320619"/>
+                  <a:pt x="2122340" y="2308121"/>
+                  <a:pt x="2107816" y="2300860"/>
+                </a:cubicBezTo>
+                <a:cubicBezTo>
+                  <a:pt x="2095077" y="2294491"/>
+                  <a:pt x="2080020" y="2293719"/>
+                  <a:pt x="2067281" y="2287350"/>
+                </a:cubicBezTo>
+                <a:cubicBezTo>
+                  <a:pt x="2052757" y="2280089"/>
+                  <a:pt x="2041585" y="2266924"/>
+                  <a:pt x="2026746" y="2260330"/>
+                </a:cubicBezTo>
+                <a:cubicBezTo>
+                  <a:pt x="2000716" y="2248762"/>
+                  <a:pt x="1969378" y="2249109"/>
+                  <a:pt x="1945676" y="2233310"/>
+                </a:cubicBezTo>
+                <a:cubicBezTo>
+                  <a:pt x="1893290" y="2198390"/>
+                  <a:pt x="1920546" y="2211424"/>
+                  <a:pt x="1864606" y="2192780"/>
+                </a:cubicBezTo>
+                <a:cubicBezTo>
+                  <a:pt x="1846591" y="2174767"/>
+                  <a:pt x="1829904" y="2155319"/>
+                  <a:pt x="1810560" y="2138740"/>
+                </a:cubicBezTo>
+                <a:cubicBezTo>
+                  <a:pt x="1798230" y="2128173"/>
+                  <a:pt x="1781508" y="2123202"/>
+                  <a:pt x="1770025" y="2111720"/>
+                </a:cubicBezTo>
+                <a:cubicBezTo>
+                  <a:pt x="1758543" y="2100239"/>
+                  <a:pt x="1754484" y="2082671"/>
+                  <a:pt x="1743002" y="2071190"/>
+                </a:cubicBezTo>
+                <a:cubicBezTo>
+                  <a:pt x="1722609" y="2050800"/>
+                  <a:pt x="1696998" y="2036307"/>
+                  <a:pt x="1675443" y="2017150"/>
+                </a:cubicBezTo>
+                <a:cubicBezTo>
+                  <a:pt x="1592322" y="1943275"/>
+                  <a:pt x="1641382" y="1959592"/>
+                  <a:pt x="1513304" y="1895561"/>
+                </a:cubicBezTo>
+                <a:cubicBezTo>
+                  <a:pt x="1495288" y="1886554"/>
+                  <a:pt x="1477958" y="1876021"/>
+                  <a:pt x="1459257" y="1868541"/>
+                </a:cubicBezTo>
+                <a:lnTo>
+                  <a:pt x="1337652" y="1828011"/>
+                </a:lnTo>
+                <a:lnTo>
+                  <a:pt x="1297118" y="1814501"/>
+                </a:lnTo>
+                <a:cubicBezTo>
+                  <a:pt x="1264151" y="1803513"/>
+                  <a:pt x="1242241" y="1800161"/>
+                  <a:pt x="1216048" y="1773971"/>
+                </a:cubicBezTo>
+                <a:cubicBezTo>
+                  <a:pt x="1200125" y="1758050"/>
+                  <a:pt x="1189773" y="1737358"/>
+                  <a:pt x="1175513" y="1719931"/>
+                </a:cubicBezTo>
+                <a:cubicBezTo>
+                  <a:pt x="1149218" y="1687797"/>
+                  <a:pt x="1123804" y="1654719"/>
+                  <a:pt x="1094443" y="1625361"/>
+                </a:cubicBezTo>
+                <a:cubicBezTo>
+                  <a:pt x="1065081" y="1596003"/>
+                  <a:pt x="1029224" y="1573659"/>
+                  <a:pt x="999862" y="1544301"/>
+                </a:cubicBezTo>
+                <a:cubicBezTo>
+                  <a:pt x="979470" y="1523912"/>
+                  <a:pt x="967969" y="1495211"/>
+                  <a:pt x="945815" y="1476752"/>
+                </a:cubicBezTo>
+                <a:cubicBezTo>
+                  <a:pt x="825691" y="1376662"/>
+                  <a:pt x="862469" y="1447455"/>
+                  <a:pt x="770164" y="1355162"/>
+                </a:cubicBezTo>
+                <a:cubicBezTo>
+                  <a:pt x="749772" y="1334773"/>
+                  <a:pt x="737820" y="1306600"/>
+                  <a:pt x="716117" y="1287612"/>
+                </a:cubicBezTo>
+                <a:cubicBezTo>
+                  <a:pt x="700958" y="1274350"/>
+                  <a:pt x="679343" y="1270954"/>
+                  <a:pt x="662071" y="1260592"/>
+                </a:cubicBezTo>
+                <a:lnTo>
+                  <a:pt x="540466" y="1179532"/>
+                </a:lnTo>
+                <a:cubicBezTo>
+                  <a:pt x="520240" y="1166050"/>
+                  <a:pt x="458775" y="1126161"/>
+                  <a:pt x="445884" y="1111982"/>
+                </a:cubicBezTo>
+                <a:cubicBezTo>
+                  <a:pt x="415588" y="1078660"/>
+                  <a:pt x="396662" y="1035744"/>
+                  <a:pt x="364815" y="1003902"/>
+                </a:cubicBezTo>
+                <a:cubicBezTo>
+                  <a:pt x="322104" y="961197"/>
+                  <a:pt x="308724" y="950804"/>
+                  <a:pt x="270233" y="895823"/>
+                </a:cubicBezTo>
+                <a:cubicBezTo>
+                  <a:pt x="171907" y="755374"/>
+                  <a:pt x="265370" y="886096"/>
+                  <a:pt x="216187" y="787743"/>
+                </a:cubicBezTo>
+                <a:cubicBezTo>
+                  <a:pt x="208925" y="773220"/>
+                  <a:pt x="198171" y="760723"/>
+                  <a:pt x="189163" y="747213"/>
+                </a:cubicBezTo>
+                <a:cubicBezTo>
+                  <a:pt x="184659" y="733703"/>
+                  <a:pt x="182980" y="718894"/>
+                  <a:pt x="175652" y="706683"/>
+                </a:cubicBezTo>
+                <a:cubicBezTo>
+                  <a:pt x="169098" y="695760"/>
+                  <a:pt x="154325" y="691056"/>
+                  <a:pt x="148628" y="679663"/>
+                </a:cubicBezTo>
+                <a:cubicBezTo>
+                  <a:pt x="113627" y="609669"/>
+                  <a:pt x="154823" y="644878"/>
+                  <a:pt x="121605" y="585093"/>
+                </a:cubicBezTo>
+                <a:cubicBezTo>
+                  <a:pt x="83407" y="516345"/>
+                  <a:pt x="81537" y="518008"/>
+                  <a:pt x="40535" y="477014"/>
+                </a:cubicBezTo>
+                <a:lnTo>
+                  <a:pt x="13512" y="395954"/>
+                </a:lnTo>
+                <a:cubicBezTo>
+                  <a:pt x="9008" y="382444"/>
+                  <a:pt x="14241" y="355424"/>
+                  <a:pt x="0" y="355424"/>
+                </a:cubicBezTo>
+                <a:lnTo>
+                  <a:pt x="0" y="395954"/>
+                </a:lnTo>
+                <a:close/>
+              </a:path>
+            </a:pathLst>
+          </a:custGeom>
+          <a:solidFill>
+            <a:schemeClr val="tx1"/>
+          </a:solidFill>
+          <a:ln>
+            <a:noFill/>
+          </a:ln>
+          <a:effectLst/>
+        </p:spPr>
+        <p:style>
+          <a:lnRef idx="1">
+            <a:schemeClr val="accent1"/>
+          </a:lnRef>
+          <a:fillRef idx="3">
+            <a:schemeClr val="accent1"/>
+          </a:fillRef>
+          <a:effectRef idx="2">
+            <a:schemeClr val="accent1"/>
+          </a:effectRef>
+          <a:fontRef idx="minor">
+            <a:schemeClr val="lt1"/>
+          </a:fontRef>
+        </p:style>
+        <p:txBody>
+          <a:bodyPr rtlCol="0" anchor="ctr"/>
+          <a:lstStyle/>
+          <a:p>
+            <a:pPr algn="ctr"/>
+            <a:endParaRPr lang="en-US"/>
+          </a:p>
+        </p:txBody>
+      </p:sp>
     </p:spTree>
     <p:extLst>
       <p:ext uri="{BB962C8B-B14F-4D97-AF65-F5344CB8AC3E}">
-        <p14:creationId xmlns:p14="http://schemas.microsoft.com/office/powerpoint/2010/main" val="1161060238"/>
+        <p14:creationId xmlns:p14="http://schemas.microsoft.com/office/powerpoint/2010/main" val="1946312926"/>
       </p:ext>
     </p:extLst>
   </p:cSld>
@@ -6962,92 +10328,16 @@
           <a:chExt cx="0" cy="0"/>
         </a:xfrm>
       </p:grpSpPr>
-      <p:sp>
-        <p:nvSpPr>
-          <p:cNvPr id="2" name="Title 1"/>
-          <p:cNvSpPr>
-            <a:spLocks noGrp="1"/>
-          </p:cNvSpPr>
-          <p:nvPr>
-            <p:ph type="title"/>
-          </p:nvPr>
-        </p:nvSpPr>
-        <p:spPr>
-          <a:xfrm>
-            <a:off x="324556" y="45302"/>
-            <a:ext cx="8664222" cy="1489251"/>
-          </a:xfrm>
-        </p:spPr>
-        <p:txBody>
-          <a:bodyPr>
-            <a:noAutofit/>
-          </a:bodyPr>
-          <a:lstStyle/>
-          <a:p>
-            <a:r>
-              <a:rPr lang="en-US" sz="4000" dirty="0" smtClean="0"/>
-              <a:t>Volatile compounds have been detected in </a:t>
-            </a:r>
-            <a:r>
-              <a:rPr lang="en-US" sz="4000" dirty="0" err="1" smtClean="0"/>
-              <a:t>protoplanetary</a:t>
-            </a:r>
-            <a:r>
-              <a:rPr lang="en-US" sz="4000" dirty="0" smtClean="0"/>
-              <a:t> disks</a:t>
-            </a:r>
-            <a:endParaRPr lang="en-US" sz="4000" dirty="0"/>
-          </a:p>
-        </p:txBody>
-      </p:sp>
-      <p:sp>
-        <p:nvSpPr>
-          <p:cNvPr id="5" name="TextBox 4"/>
-          <p:cNvSpPr txBox="1"/>
-          <p:nvPr/>
-        </p:nvSpPr>
-        <p:spPr>
-          <a:xfrm>
-            <a:off x="8055119" y="4788609"/>
-            <a:ext cx="933659" cy="307777"/>
-          </a:xfrm>
-          <a:prstGeom prst="rect">
-            <a:avLst/>
-          </a:prstGeom>
-          <a:noFill/>
-        </p:spPr>
-        <p:txBody>
-          <a:bodyPr wrap="square" rtlCol="0">
-            <a:spAutoFit/>
-          </a:bodyPr>
-          <a:lstStyle/>
-          <a:p>
-            <a:r>
-              <a:rPr lang="en-US" sz="1400" dirty="0" smtClean="0">
-                <a:solidFill>
-                  <a:srgbClr val="000000"/>
-                </a:solidFill>
-              </a:rPr>
-              <a:t>Oberg+11</a:t>
-            </a:r>
-            <a:endParaRPr lang="en-US" sz="1400" dirty="0">
-              <a:solidFill>
-                <a:srgbClr val="000000"/>
-              </a:solidFill>
-            </a:endParaRPr>
-          </a:p>
-        </p:txBody>
-      </p:sp>
       <p:pic>
         <p:nvPicPr>
-          <p:cNvPr id="3" name="Picture 2" descr="217219main_20080312a-browse.jpg"/>
+          <p:cNvPr id="2" name="Picture 1" descr="Mc_vs_a_poly_real_paper.pdf"/>
           <p:cNvPicPr>
             <a:picLocks noChangeAspect="1"/>
           </p:cNvPicPr>
           <p:nvPr/>
         </p:nvPicPr>
         <p:blipFill>
-          <a:blip r:embed="rId3" cstate="print">
+          <a:blip r:embed="rId3">
             <a:extLst>
               <a:ext uri="{28A0092B-C50C-407E-A947-70E740481C1C}">
                 <a14:useLocalDpi xmlns:a14="http://schemas.microsoft.com/office/drawing/2010/main" val="0"/>
@@ -7060,18 +10350,196 @@
         </p:blipFill>
         <p:spPr>
           <a:xfrm>
-            <a:off x="829068" y="1466764"/>
-            <a:ext cx="7549808" cy="5391236"/>
+            <a:off x="1120588" y="1362339"/>
+            <a:ext cx="7007407" cy="5268727"/>
           </a:xfrm>
           <a:prstGeom prst="rect">
             <a:avLst/>
           </a:prstGeom>
         </p:spPr>
       </p:pic>
+      <p:sp>
+        <p:nvSpPr>
+          <p:cNvPr id="10" name="TextBox 9"/>
+          <p:cNvSpPr txBox="1"/>
+          <p:nvPr/>
+        </p:nvSpPr>
+        <p:spPr>
+          <a:xfrm>
+            <a:off x="1119907" y="6271786"/>
+            <a:ext cx="2797685" cy="338554"/>
+          </a:xfrm>
+          <a:prstGeom prst="rect">
+            <a:avLst/>
+          </a:prstGeom>
+          <a:noFill/>
+        </p:spPr>
+        <p:txBody>
+          <a:bodyPr wrap="square" rtlCol="0">
+            <a:spAutoFit/>
+          </a:bodyPr>
+          <a:lstStyle/>
+          <a:p>
+            <a:r>
+              <a:rPr lang="en-US" sz="1600" dirty="0" err="1" smtClean="0">
+                <a:solidFill>
+                  <a:srgbClr val="000000"/>
+                </a:solidFill>
+              </a:rPr>
+              <a:t>t_disk</a:t>
+            </a:r>
+            <a:r>
+              <a:rPr lang="en-US" sz="1600" dirty="0" smtClean="0">
+                <a:solidFill>
+                  <a:srgbClr val="000000"/>
+                </a:solidFill>
+              </a:rPr>
+              <a:t> ~ 3 </a:t>
+            </a:r>
+            <a:r>
+              <a:rPr lang="en-US" sz="1600" dirty="0" err="1" smtClean="0">
+                <a:solidFill>
+                  <a:srgbClr val="000000"/>
+                </a:solidFill>
+              </a:rPr>
+              <a:t>Myr</a:t>
+            </a:r>
+            <a:r>
+              <a:rPr lang="en-US" sz="1600" dirty="0" smtClean="0">
+                <a:solidFill>
+                  <a:srgbClr val="000000"/>
+                </a:solidFill>
+              </a:rPr>
+              <a:t>, ISM opacity</a:t>
+            </a:r>
+            <a:endParaRPr lang="en-US" sz="1600" dirty="0">
+              <a:solidFill>
+                <a:srgbClr val="000000"/>
+              </a:solidFill>
+            </a:endParaRPr>
+          </a:p>
+        </p:txBody>
+      </p:sp>
+      <p:sp>
+        <p:nvSpPr>
+          <p:cNvPr id="11" name="TextBox 10"/>
+          <p:cNvSpPr txBox="1"/>
+          <p:nvPr/>
+        </p:nvSpPr>
+        <p:spPr>
+          <a:xfrm>
+            <a:off x="5468661" y="6283834"/>
+            <a:ext cx="2782215" cy="307777"/>
+          </a:xfrm>
+          <a:prstGeom prst="rect">
+            <a:avLst/>
+          </a:prstGeom>
+          <a:noFill/>
+        </p:spPr>
+        <p:txBody>
+          <a:bodyPr wrap="square" rtlCol="0">
+            <a:spAutoFit/>
+          </a:bodyPr>
+          <a:lstStyle/>
+          <a:p>
+            <a:r>
+              <a:rPr lang="en-US" sz="1400" dirty="0" smtClean="0">
+                <a:solidFill>
+                  <a:srgbClr val="000000"/>
+                </a:solidFill>
+              </a:rPr>
+              <a:t>Piso, </a:t>
+            </a:r>
+            <a:r>
+              <a:rPr lang="en-US" sz="1400" dirty="0" err="1" smtClean="0">
+                <a:solidFill>
+                  <a:srgbClr val="000000"/>
+                </a:solidFill>
+              </a:rPr>
+              <a:t>Youdin</a:t>
+            </a:r>
+            <a:r>
+              <a:rPr lang="en-US" sz="1400" dirty="0" smtClean="0">
+                <a:solidFill>
+                  <a:srgbClr val="000000"/>
+                </a:solidFill>
+              </a:rPr>
+              <a:t>, &amp; Murray-Clay (2015)</a:t>
+            </a:r>
+            <a:endParaRPr lang="en-US" sz="1400" dirty="0">
+              <a:solidFill>
+                <a:srgbClr val="000000"/>
+              </a:solidFill>
+            </a:endParaRPr>
+          </a:p>
+        </p:txBody>
+      </p:sp>
+      <p:sp>
+        <p:nvSpPr>
+          <p:cNvPr id="9" name="Title 1"/>
+          <p:cNvSpPr>
+            <a:spLocks noGrp="1"/>
+          </p:cNvSpPr>
+          <p:nvPr>
+            <p:ph type="title"/>
+          </p:nvPr>
+        </p:nvSpPr>
+        <p:spPr>
+          <a:xfrm>
+            <a:off x="457200" y="166558"/>
+            <a:ext cx="8229600" cy="1143000"/>
+          </a:xfrm>
+        </p:spPr>
+        <p:txBody>
+          <a:bodyPr>
+            <a:normAutofit/>
+          </a:bodyPr>
+          <a:lstStyle/>
+          <a:p>
+            <a:r>
+              <a:rPr lang="en-US" sz="3200" dirty="0" smtClean="0"/>
+              <a:t>Non-</a:t>
+            </a:r>
+            <a:r>
+              <a:rPr lang="en-US" sz="3200" dirty="0" smtClean="0"/>
+              <a:t>ideal </a:t>
+            </a:r>
+            <a:r>
+              <a:rPr lang="en-US" sz="3200" dirty="0" smtClean="0"/>
+              <a:t>Equation Of State (EOS) </a:t>
+            </a:r>
+            <a:r>
+              <a:rPr lang="en-US" sz="3200" dirty="0" smtClean="0"/>
+              <a:t>effects </a:t>
+            </a:r>
+            <a:r>
+              <a:rPr lang="en-US" sz="3200" dirty="0" smtClean="0">
+                <a:solidFill>
+                  <a:srgbClr val="FFFF00"/>
+                </a:solidFill>
+              </a:rPr>
+              <a:t>INCREASE</a:t>
+            </a:r>
+            <a:r>
+              <a:rPr lang="en-US" sz="3200" dirty="0" smtClean="0"/>
+              <a:t> </a:t>
+            </a:r>
+            <a:r>
+              <a:rPr lang="en-US" sz="3200" dirty="0" err="1" smtClean="0"/>
+              <a:t>M</a:t>
+            </a:r>
+            <a:r>
+              <a:rPr lang="en-US" sz="3200" baseline="-25000" dirty="0" err="1" smtClean="0"/>
+              <a:t>crit</a:t>
+            </a:r>
+            <a:endParaRPr lang="en-US" sz="3200" dirty="0"/>
+          </a:p>
+        </p:txBody>
+      </p:sp>
     </p:spTree>
     <p:extLst>
       <p:ext uri="{BB962C8B-B14F-4D97-AF65-F5344CB8AC3E}">
-        <p14:creationId xmlns:p14="http://schemas.microsoft.com/office/powerpoint/2010/main" val="2972934532"/>
+        <p14:creationId xmlns:p14="http://schemas.microsoft.com/office/powerpoint/2010/main" val="2175590613"/>
       </p:ext>
     </p:extLst>
   </p:cSld>
@@ -7117,62 +10585,188 @@
         </p:nvSpPr>
         <p:spPr>
           <a:xfrm>
-            <a:off x="127000" y="155222"/>
-            <a:ext cx="9017000" cy="1693334"/>
+            <a:off x="457200" y="153048"/>
+            <a:ext cx="8229600" cy="1143000"/>
           </a:xfrm>
         </p:spPr>
         <p:txBody>
           <a:bodyPr>
-            <a:noAutofit/>
+            <a:normAutofit fontScale="90000"/>
           </a:bodyPr>
           <a:lstStyle/>
           <a:p>
             <a:r>
-              <a:rPr lang="en-US" sz="3400" dirty="0" smtClean="0">
+              <a:rPr lang="en-US" dirty="0" smtClean="0"/>
+              <a:t>Grain growth </a:t>
+            </a:r>
+            <a:r>
+              <a:rPr lang="en-US" dirty="0" smtClean="0"/>
+              <a:t>opacities </a:t>
+            </a:r>
+            <a:r>
+              <a:rPr lang="en-US" dirty="0" smtClean="0">
                 <a:solidFill>
                   <a:srgbClr val="FFFF00"/>
                 </a:solidFill>
               </a:rPr>
-              <a:t>Snowlines</a:t>
-            </a:r>
-            <a:r>
-              <a:rPr lang="en-US" sz="3400" dirty="0" smtClean="0"/>
-              <a:t> of </a:t>
-            </a:r>
-            <a:r>
-              <a:rPr lang="en-US" sz="3400" dirty="0" smtClean="0">
-                <a:solidFill>
-                  <a:srgbClr val="FFFF00"/>
-                </a:solidFill>
-              </a:rPr>
-              <a:t>volatile molecules </a:t>
-            </a:r>
-            <a:r>
-              <a:rPr lang="en-US" sz="3400" dirty="0" smtClean="0"/>
-              <a:t>have been detected in disks</a:t>
-            </a:r>
-            <a:endParaRPr lang="en-US" sz="3400" dirty="0"/>
+              <a:t>DECREASE</a:t>
+            </a:r>
+            <a:r>
+              <a:rPr lang="en-US" dirty="0" smtClean="0"/>
+              <a:t> </a:t>
+            </a:r>
+            <a:r>
+              <a:rPr lang="en-US" dirty="0" err="1" smtClean="0"/>
+              <a:t>M</a:t>
+            </a:r>
+            <a:r>
+              <a:rPr lang="en-US" baseline="-25000" dirty="0" err="1" smtClean="0"/>
+              <a:t>crit</a:t>
+            </a:r>
+            <a:endParaRPr lang="en-US" dirty="0"/>
+          </a:p>
+        </p:txBody>
+      </p:sp>
+      <p:sp>
+        <p:nvSpPr>
+          <p:cNvPr id="6" name="TextBox 5"/>
+          <p:cNvSpPr txBox="1"/>
+          <p:nvPr/>
+        </p:nvSpPr>
+        <p:spPr>
+          <a:xfrm>
+            <a:off x="2580722" y="5546246"/>
+            <a:ext cx="2715840" cy="338554"/>
+          </a:xfrm>
+          <a:prstGeom prst="rect">
+            <a:avLst/>
+          </a:prstGeom>
+          <a:noFill/>
+        </p:spPr>
+        <p:txBody>
+          <a:bodyPr wrap="square" rtlCol="0">
+            <a:spAutoFit/>
+          </a:bodyPr>
+          <a:lstStyle/>
+          <a:p>
+            <a:r>
+              <a:rPr lang="en-US" sz="1600" dirty="0" err="1">
+                <a:solidFill>
+                  <a:srgbClr val="000000"/>
+                </a:solidFill>
+              </a:rPr>
+              <a:t>t_disk</a:t>
+            </a:r>
+            <a:r>
+              <a:rPr lang="en-US" sz="1600" dirty="0">
+                <a:solidFill>
+                  <a:srgbClr val="000000"/>
+                </a:solidFill>
+              </a:rPr>
+              <a:t> ~ 3 </a:t>
+            </a:r>
+            <a:r>
+              <a:rPr lang="en-US" sz="1600" dirty="0" err="1" smtClean="0">
+                <a:solidFill>
+                  <a:srgbClr val="000000"/>
+                </a:solidFill>
+              </a:rPr>
+              <a:t>Myr</a:t>
+            </a:r>
+            <a:r>
+              <a:rPr lang="en-US" sz="1600" dirty="0" smtClean="0">
+                <a:solidFill>
+                  <a:srgbClr val="000000"/>
+                </a:solidFill>
+              </a:rPr>
+              <a:t>, realistic EOS</a:t>
+            </a:r>
+            <a:endParaRPr lang="en-US" sz="1600" dirty="0">
+              <a:solidFill>
+                <a:srgbClr val="000000"/>
+              </a:solidFill>
+            </a:endParaRPr>
+          </a:p>
+        </p:txBody>
+      </p:sp>
+      <p:sp>
+        <p:nvSpPr>
+          <p:cNvPr id="7" name="TextBox 6"/>
+          <p:cNvSpPr txBox="1"/>
+          <p:nvPr/>
+        </p:nvSpPr>
+        <p:spPr>
+          <a:xfrm>
+            <a:off x="5958633" y="5663361"/>
+            <a:ext cx="2782215" cy="307777"/>
+          </a:xfrm>
+          <a:prstGeom prst="rect">
+            <a:avLst/>
+          </a:prstGeom>
+          <a:noFill/>
+        </p:spPr>
+        <p:txBody>
+          <a:bodyPr wrap="square" rtlCol="0">
+            <a:spAutoFit/>
+          </a:bodyPr>
+          <a:lstStyle/>
+          <a:p>
+            <a:r>
+              <a:rPr lang="en-US" sz="1400" dirty="0" smtClean="0">
+                <a:solidFill>
+                  <a:srgbClr val="000000"/>
+                </a:solidFill>
+              </a:rPr>
+              <a:t>Piso, </a:t>
+            </a:r>
+            <a:r>
+              <a:rPr lang="en-US" sz="1400" dirty="0" err="1" smtClean="0">
+                <a:solidFill>
+                  <a:srgbClr val="000000"/>
+                </a:solidFill>
+              </a:rPr>
+              <a:t>Youdin</a:t>
+            </a:r>
+            <a:r>
+              <a:rPr lang="en-US" sz="1400" dirty="0" smtClean="0">
+                <a:solidFill>
+                  <a:srgbClr val="000000"/>
+                </a:solidFill>
+              </a:rPr>
+              <a:t>, &amp; Murray-Clay (2015)</a:t>
+            </a:r>
+            <a:endParaRPr lang="en-US" sz="1400" dirty="0">
+              <a:solidFill>
+                <a:srgbClr val="000000"/>
+              </a:solidFill>
+            </a:endParaRPr>
           </a:p>
         </p:txBody>
       </p:sp>
       <p:pic>
         <p:nvPicPr>
-          <p:cNvPr id="3" name="Picture 2"/>
+          <p:cNvPr id="8" name="Picture 7" descr="Mcrit_vs_a_gg.pdf"/>
           <p:cNvPicPr>
             <a:picLocks noChangeAspect="1"/>
           </p:cNvPicPr>
           <p:nvPr/>
         </p:nvPicPr>
         <p:blipFill>
-          <a:blip r:embed="rId2"/>
+          <a:blip r:embed="rId2">
+            <a:extLst>
+              <a:ext uri="{28A0092B-C50C-407E-A947-70E740481C1C}">
+                <a14:useLocalDpi xmlns:a14="http://schemas.microsoft.com/office/drawing/2010/main" val="0"/>
+              </a:ext>
+            </a:extLst>
+          </a:blip>
           <a:stretch>
             <a:fillRect/>
           </a:stretch>
         </p:blipFill>
         <p:spPr>
           <a:xfrm>
-            <a:off x="239889" y="2408767"/>
-            <a:ext cx="8753010" cy="3560234"/>
+            <a:off x="2664189" y="1296048"/>
+            <a:ext cx="6346899" cy="4765822"/>
           </a:xfrm>
           <a:prstGeom prst="rect">
             <a:avLst/>
@@ -7181,14 +10775,14 @@
       </p:pic>
       <p:sp>
         <p:nvSpPr>
-          <p:cNvPr id="6" name="TextBox 5"/>
+          <p:cNvPr id="11" name="TextBox 10"/>
           <p:cNvSpPr txBox="1"/>
           <p:nvPr/>
         </p:nvSpPr>
         <p:spPr>
           <a:xfrm>
-            <a:off x="8309119" y="5678004"/>
-            <a:ext cx="933659" cy="307777"/>
+            <a:off x="2729354" y="5546246"/>
+            <a:ext cx="2715840" cy="338554"/>
           </a:xfrm>
           <a:prstGeom prst="rect">
             <a:avLst/>
@@ -7202,12 +10796,90 @@
           <a:lstStyle/>
           <a:p>
             <a:r>
+              <a:rPr lang="en-US" sz="1600" dirty="0" err="1">
+                <a:solidFill>
+                  <a:srgbClr val="000000"/>
+                </a:solidFill>
+              </a:rPr>
+              <a:t>t_disk</a:t>
+            </a:r>
+            <a:r>
+              <a:rPr lang="en-US" sz="1600" dirty="0">
+                <a:solidFill>
+                  <a:srgbClr val="000000"/>
+                </a:solidFill>
+              </a:rPr>
+              <a:t> ~ 3 </a:t>
+            </a:r>
+            <a:r>
+              <a:rPr lang="en-US" sz="1600" dirty="0" err="1" smtClean="0">
+                <a:solidFill>
+                  <a:srgbClr val="000000"/>
+                </a:solidFill>
+              </a:rPr>
+              <a:t>Myr</a:t>
+            </a:r>
+            <a:r>
+              <a:rPr lang="en-US" sz="1600" dirty="0" smtClean="0">
+                <a:solidFill>
+                  <a:srgbClr val="000000"/>
+                </a:solidFill>
+              </a:rPr>
+              <a:t>, realistic EOS</a:t>
+            </a:r>
+            <a:endParaRPr lang="en-US" sz="1600" dirty="0">
+              <a:solidFill>
+                <a:srgbClr val="000000"/>
+              </a:solidFill>
+            </a:endParaRPr>
+          </a:p>
+        </p:txBody>
+      </p:sp>
+      <p:sp>
+        <p:nvSpPr>
+          <p:cNvPr id="12" name="TextBox 11"/>
+          <p:cNvSpPr txBox="1"/>
+          <p:nvPr/>
+        </p:nvSpPr>
+        <p:spPr>
+          <a:xfrm>
+            <a:off x="6336969" y="5703891"/>
+            <a:ext cx="2782215" cy="307777"/>
+          </a:xfrm>
+          <a:prstGeom prst="rect">
+            <a:avLst/>
+          </a:prstGeom>
+          <a:noFill/>
+        </p:spPr>
+        <p:txBody>
+          <a:bodyPr wrap="square" rtlCol="0">
+            <a:spAutoFit/>
+          </a:bodyPr>
+          <a:lstStyle/>
+          <a:p>
+            <a:r>
               <a:rPr lang="en-US" sz="1400" dirty="0" smtClean="0">
                 <a:solidFill>
                   <a:srgbClr val="000000"/>
                 </a:solidFill>
               </a:rPr>
-              <a:t>Qi+13</a:t>
+              <a:t>Piso, </a:t>
+            </a:r>
+            <a:r>
+              <a:rPr lang="en-US" sz="1400" dirty="0" err="1" smtClean="0">
+                <a:solidFill>
+                  <a:srgbClr val="000000"/>
+                </a:solidFill>
+              </a:rPr>
+              <a:t>Youdin</a:t>
+            </a:r>
+            <a:r>
+              <a:rPr lang="en-US" sz="1400" dirty="0" smtClean="0">
+                <a:solidFill>
+                  <a:srgbClr val="000000"/>
+                </a:solidFill>
+              </a:rPr>
+              <a:t>, &amp; Murray-Clay (2015)</a:t>
             </a:r>
             <a:endParaRPr lang="en-US" sz="1400" dirty="0">
               <a:solidFill>
@@ -7217,10 +10889,55 @@
           </a:p>
         </p:txBody>
       </p:sp>
+      <p:sp>
+        <p:nvSpPr>
+          <p:cNvPr id="10" name="Rectangle 9"/>
+          <p:cNvSpPr/>
+          <p:nvPr/>
+        </p:nvSpPr>
+        <p:spPr>
+          <a:xfrm>
+            <a:off x="3814756" y="4120778"/>
+            <a:ext cx="4832699" cy="769831"/>
+          </a:xfrm>
+          <a:prstGeom prst="rect">
+            <a:avLst/>
+          </a:prstGeom>
+          <a:noFill/>
+          <a:ln w="38100">
+            <a:solidFill>
+              <a:srgbClr val="BD117E"/>
+            </a:solidFill>
+          </a:ln>
+          <a:effectLst/>
+        </p:spPr>
+        <p:style>
+          <a:lnRef idx="1">
+            <a:schemeClr val="accent1"/>
+          </a:lnRef>
+          <a:fillRef idx="3">
+            <a:schemeClr val="accent1"/>
+          </a:fillRef>
+          <a:effectRef idx="2">
+            <a:schemeClr val="accent1"/>
+          </a:effectRef>
+          <a:fontRef idx="minor">
+            <a:schemeClr val="lt1"/>
+          </a:fontRef>
+        </p:style>
+        <p:txBody>
+          <a:bodyPr rtlCol="0" anchor="ctr"/>
+          <a:lstStyle/>
+          <a:p>
+            <a:pPr algn="ctr"/>
+            <a:endParaRPr lang="en-US"/>
+          </a:p>
+        </p:txBody>
+      </p:sp>
     </p:spTree>
     <p:extLst>
       <p:ext uri="{BB962C8B-B14F-4D97-AF65-F5344CB8AC3E}">
-        <p14:creationId xmlns:p14="http://schemas.microsoft.com/office/powerpoint/2010/main" val="986466672"/>
+        <p14:creationId xmlns:p14="http://schemas.microsoft.com/office/powerpoint/2010/main" val="682636542"/>
       </p:ext>
     </p:extLst>
   </p:cSld>
@@ -7256,7 +10973,7 @@
       </p:grpSpPr>
       <p:sp>
         <p:nvSpPr>
-          <p:cNvPr id="4" name="Title 1"/>
+          <p:cNvPr id="2" name="Title 1"/>
           <p:cNvSpPr>
             <a:spLocks noGrp="1"/>
           </p:cNvSpPr>
@@ -7266,47 +10983,167 @@
         </p:nvSpPr>
         <p:spPr>
           <a:xfrm>
-            <a:off x="457200" y="45303"/>
+            <a:off x="457200" y="153048"/>
             <a:ext cx="8229600" cy="1143000"/>
           </a:xfrm>
         </p:spPr>
         <p:txBody>
           <a:bodyPr>
-            <a:normAutofit/>
+            <a:normAutofit fontScale="90000"/>
           </a:bodyPr>
           <a:lstStyle/>
           <a:p>
             <a:r>
-              <a:rPr lang="en-US" sz="3400" dirty="0" smtClean="0">
+              <a:rPr lang="en-US" dirty="0" smtClean="0"/>
+              <a:t>Grain growth </a:t>
+            </a:r>
+            <a:r>
+              <a:rPr lang="en-US" dirty="0" smtClean="0"/>
+              <a:t>opacities </a:t>
+            </a:r>
+            <a:r>
+              <a:rPr lang="en-US" dirty="0" smtClean="0">
                 <a:solidFill>
                   <a:srgbClr val="FFFF00"/>
                 </a:solidFill>
               </a:rPr>
-              <a:t>C/O ratio </a:t>
-            </a:r>
-            <a:r>
-              <a:rPr lang="en-US" sz="3400" dirty="0" smtClean="0"/>
-              <a:t>is an important signature of </a:t>
-            </a:r>
-            <a:r>
-              <a:rPr lang="en-US" sz="3400" dirty="0" smtClean="0">
-                <a:solidFill>
-                  <a:srgbClr val="FFFF00"/>
-                </a:solidFill>
-              </a:rPr>
-              <a:t>atmospheric chemistry </a:t>
-            </a:r>
-            <a:endParaRPr lang="en-US" sz="3400" dirty="0">
+              <a:t>DECREASE</a:t>
+            </a:r>
+            <a:r>
+              <a:rPr lang="en-US" dirty="0" smtClean="0"/>
+              <a:t> </a:t>
+            </a:r>
+            <a:r>
+              <a:rPr lang="en-US" dirty="0" err="1" smtClean="0"/>
+              <a:t>M</a:t>
+            </a:r>
+            <a:r>
+              <a:rPr lang="en-US" baseline="-25000" dirty="0" err="1" smtClean="0"/>
+              <a:t>crit</a:t>
+            </a:r>
+            <a:endParaRPr lang="en-US" dirty="0"/>
+          </a:p>
+        </p:txBody>
+      </p:sp>
+      <p:sp>
+        <p:nvSpPr>
+          <p:cNvPr id="6" name="TextBox 5"/>
+          <p:cNvSpPr txBox="1"/>
+          <p:nvPr/>
+        </p:nvSpPr>
+        <p:spPr>
+          <a:xfrm>
+            <a:off x="2580722" y="5546246"/>
+            <a:ext cx="2715840" cy="338554"/>
+          </a:xfrm>
+          <a:prstGeom prst="rect">
+            <a:avLst/>
+          </a:prstGeom>
+          <a:noFill/>
+        </p:spPr>
+        <p:txBody>
+          <a:bodyPr wrap="square" rtlCol="0">
+            <a:spAutoFit/>
+          </a:bodyPr>
+          <a:lstStyle/>
+          <a:p>
+            <a:r>
+              <a:rPr lang="en-US" sz="1600" dirty="0" err="1">
+                <a:solidFill>
+                  <a:srgbClr val="000000"/>
+                </a:solidFill>
+              </a:rPr>
+              <a:t>t_disk</a:t>
+            </a:r>
+            <a:r>
+              <a:rPr lang="en-US" sz="1600" dirty="0">
+                <a:solidFill>
+                  <a:srgbClr val="000000"/>
+                </a:solidFill>
+              </a:rPr>
+              <a:t> ~ 3 </a:t>
+            </a:r>
+            <a:r>
+              <a:rPr lang="en-US" sz="1600" dirty="0" err="1" smtClean="0">
+                <a:solidFill>
+                  <a:srgbClr val="000000"/>
+                </a:solidFill>
+              </a:rPr>
+              <a:t>Myr</a:t>
+            </a:r>
+            <a:r>
+              <a:rPr lang="en-US" sz="1600" dirty="0" smtClean="0">
+                <a:solidFill>
+                  <a:srgbClr val="000000"/>
+                </a:solidFill>
+              </a:rPr>
+              <a:t>, realistic EOS</a:t>
+            </a:r>
+            <a:endParaRPr lang="en-US" sz="1600" dirty="0">
               <a:solidFill>
-                <a:srgbClr val="FFFF00"/>
+                <a:srgbClr val="000000"/>
               </a:solidFill>
             </a:endParaRPr>
           </a:p>
         </p:txBody>
       </p:sp>
+      <p:sp>
+        <p:nvSpPr>
+          <p:cNvPr id="7" name="TextBox 6"/>
+          <p:cNvSpPr txBox="1"/>
+          <p:nvPr/>
+        </p:nvSpPr>
+        <p:spPr>
+          <a:xfrm>
+            <a:off x="5958633" y="5663361"/>
+            <a:ext cx="2782215" cy="307777"/>
+          </a:xfrm>
+          <a:prstGeom prst="rect">
+            <a:avLst/>
+          </a:prstGeom>
+          <a:noFill/>
+        </p:spPr>
+        <p:txBody>
+          <a:bodyPr wrap="square" rtlCol="0">
+            <a:spAutoFit/>
+          </a:bodyPr>
+          <a:lstStyle/>
+          <a:p>
+            <a:r>
+              <a:rPr lang="en-US" sz="1400" dirty="0" smtClean="0">
+                <a:solidFill>
+                  <a:srgbClr val="000000"/>
+                </a:solidFill>
+              </a:rPr>
+              <a:t>Piso, </a:t>
+            </a:r>
+            <a:r>
+              <a:rPr lang="en-US" sz="1400" dirty="0" err="1" smtClean="0">
+                <a:solidFill>
+                  <a:srgbClr val="000000"/>
+                </a:solidFill>
+              </a:rPr>
+              <a:t>Youdin</a:t>
+            </a:r>
+            <a:r>
+              <a:rPr lang="en-US" sz="1400" dirty="0" smtClean="0">
+                <a:solidFill>
+                  <a:srgbClr val="000000"/>
+                </a:solidFill>
+              </a:rPr>
+              <a:t>, &amp; Murray-Clay (2015)</a:t>
+            </a:r>
+            <a:endParaRPr lang="en-US" sz="1400" dirty="0">
+              <a:solidFill>
+                <a:srgbClr val="000000"/>
+              </a:solidFill>
+            </a:endParaRPr>
+          </a:p>
+        </p:txBody>
+      </p:sp>
       <p:pic>
         <p:nvPicPr>
-          <p:cNvPr id="5" name="Picture 4" descr="lodders09.png"/>
+          <p:cNvPr id="8" name="Picture 7" descr="Mcrit_vs_a_gg.pdf"/>
           <p:cNvPicPr>
             <a:picLocks noChangeAspect="1"/>
           </p:cNvPicPr>
@@ -7326,8 +11163,8 @@
         </p:blipFill>
         <p:spPr>
           <a:xfrm>
-            <a:off x="2152047" y="1188303"/>
-            <a:ext cx="4798009" cy="5459187"/>
+            <a:off x="2664189" y="1296048"/>
+            <a:ext cx="6346899" cy="4765822"/>
           </a:xfrm>
           <a:prstGeom prst="rect">
             <a:avLst/>
@@ -7336,14 +11173,14 @@
       </p:pic>
       <p:sp>
         <p:nvSpPr>
-          <p:cNvPr id="6" name="TextBox 5"/>
+          <p:cNvPr id="11" name="TextBox 10"/>
           <p:cNvSpPr txBox="1"/>
           <p:nvPr/>
         </p:nvSpPr>
         <p:spPr>
           <a:xfrm>
-            <a:off x="2142454" y="6330725"/>
-            <a:ext cx="1191455" cy="307777"/>
+            <a:off x="2729354" y="5546246"/>
+            <a:ext cx="2715840" cy="338554"/>
           </a:xfrm>
           <a:prstGeom prst="rect">
             <a:avLst/>
@@ -7357,28 +11194,90 @@
           <a:lstStyle/>
           <a:p>
             <a:r>
+              <a:rPr lang="en-US" sz="1600" dirty="0" err="1">
+                <a:solidFill>
+                  <a:srgbClr val="000000"/>
+                </a:solidFill>
+              </a:rPr>
+              <a:t>t_disk</a:t>
+            </a:r>
+            <a:r>
+              <a:rPr lang="en-US" sz="1600" dirty="0">
+                <a:solidFill>
+                  <a:srgbClr val="000000"/>
+                </a:solidFill>
+              </a:rPr>
+              <a:t> ~ 3 </a:t>
+            </a:r>
+            <a:r>
+              <a:rPr lang="en-US" sz="1600" dirty="0" err="1" smtClean="0">
+                <a:solidFill>
+                  <a:srgbClr val="000000"/>
+                </a:solidFill>
+              </a:rPr>
+              <a:t>Myr</a:t>
+            </a:r>
+            <a:r>
+              <a:rPr lang="en-US" sz="1600" dirty="0" smtClean="0">
+                <a:solidFill>
+                  <a:srgbClr val="000000"/>
+                </a:solidFill>
+              </a:rPr>
+              <a:t>, realistic EOS</a:t>
+            </a:r>
+            <a:endParaRPr lang="en-US" sz="1600" dirty="0">
+              <a:solidFill>
+                <a:srgbClr val="000000"/>
+              </a:solidFill>
+            </a:endParaRPr>
+          </a:p>
+        </p:txBody>
+      </p:sp>
+      <p:sp>
+        <p:nvSpPr>
+          <p:cNvPr id="12" name="TextBox 11"/>
+          <p:cNvSpPr txBox="1"/>
+          <p:nvPr/>
+        </p:nvSpPr>
+        <p:spPr>
+          <a:xfrm>
+            <a:off x="6336969" y="5703891"/>
+            <a:ext cx="2782215" cy="307777"/>
+          </a:xfrm>
+          <a:prstGeom prst="rect">
+            <a:avLst/>
+          </a:prstGeom>
+          <a:noFill/>
+        </p:spPr>
+        <p:txBody>
+          <a:bodyPr wrap="square" rtlCol="0">
+            <a:spAutoFit/>
+          </a:bodyPr>
+          <a:lstStyle/>
+          <a:p>
+            <a:r>
+              <a:rPr lang="en-US" sz="1400" dirty="0" smtClean="0">
+                <a:solidFill>
+                  <a:srgbClr val="000000"/>
+                </a:solidFill>
+              </a:rPr>
+              <a:t>Piso, </a:t>
+            </a:r>
+            <a:r>
               <a:rPr lang="en-US" sz="1400" dirty="0" err="1" smtClean="0">
                 <a:solidFill>
                   <a:srgbClr val="000000"/>
                 </a:solidFill>
               </a:rPr>
-              <a:t>Lodders</a:t>
-            </a:r>
-            <a:r>
-              <a:rPr lang="en-US" sz="1400" dirty="0">
+              <a:t>Youdin</a:t>
+            </a:r>
+            <a:r>
+              <a:rPr lang="en-US" sz="1400" dirty="0" smtClean="0">
                 <a:solidFill>
                   <a:srgbClr val="000000"/>
                 </a:solidFill>
               </a:rPr>
-              <a:t> </a:t>
-            </a:r>
-            <a:r>
-              <a:rPr lang="en-US" sz="1400" dirty="0" smtClean="0">
-                <a:solidFill>
-                  <a:srgbClr val="000000"/>
-                </a:solidFill>
-              </a:rPr>
-              <a:t>2009</a:t>
+              <a:t>, &amp; Murray-Clay (2015)</a:t>
             </a:r>
             <a:endParaRPr lang="en-US" sz="1400" dirty="0">
               <a:solidFill>
@@ -7388,10 +11287,223 @@
           </a:p>
         </p:txBody>
       </p:sp>
+      <p:sp>
+        <p:nvSpPr>
+          <p:cNvPr id="10" name="Rectangle 9"/>
+          <p:cNvSpPr/>
+          <p:nvPr/>
+        </p:nvSpPr>
+        <p:spPr>
+          <a:xfrm>
+            <a:off x="3814756" y="4120778"/>
+            <a:ext cx="4832699" cy="769831"/>
+          </a:xfrm>
+          <a:prstGeom prst="rect">
+            <a:avLst/>
+          </a:prstGeom>
+          <a:noFill/>
+          <a:ln w="38100">
+            <a:solidFill>
+              <a:srgbClr val="BD117E"/>
+            </a:solidFill>
+          </a:ln>
+          <a:effectLst/>
+        </p:spPr>
+        <p:style>
+          <a:lnRef idx="1">
+            <a:schemeClr val="accent1"/>
+          </a:lnRef>
+          <a:fillRef idx="3">
+            <a:schemeClr val="accent1"/>
+          </a:fillRef>
+          <a:effectRef idx="2">
+            <a:schemeClr val="accent1"/>
+          </a:effectRef>
+          <a:fontRef idx="minor">
+            <a:schemeClr val="lt1"/>
+          </a:fontRef>
+        </p:style>
+        <p:txBody>
+          <a:bodyPr rtlCol="0" anchor="ctr"/>
+          <a:lstStyle/>
+          <a:p>
+            <a:pPr algn="ctr"/>
+            <a:endParaRPr lang="en-US"/>
+          </a:p>
+        </p:txBody>
+      </p:sp>
+      <p:sp>
+        <p:nvSpPr>
+          <p:cNvPr id="13" name="TextBox 12"/>
+          <p:cNvSpPr txBox="1"/>
+          <p:nvPr/>
+        </p:nvSpPr>
+        <p:spPr>
+          <a:xfrm>
+            <a:off x="202677" y="2274119"/>
+            <a:ext cx="2310490" cy="1846659"/>
+          </a:xfrm>
+          <a:prstGeom prst="rect">
+            <a:avLst/>
+          </a:prstGeom>
+          <a:solidFill>
+            <a:srgbClr val="FFFF00"/>
+          </a:solidFill>
+          <a:ln w="38100">
+            <a:solidFill>
+              <a:srgbClr val="0000FF"/>
+            </a:solidFill>
+          </a:ln>
+        </p:spPr>
+        <p:txBody>
+          <a:bodyPr wrap="square" rtlCol="0">
+            <a:spAutoFit/>
+          </a:bodyPr>
+          <a:lstStyle/>
+          <a:p>
+            <a:pPr algn="ctr"/>
+            <a:r>
+              <a:rPr lang="en-US" sz="2400" dirty="0" err="1" smtClean="0">
+                <a:solidFill>
+                  <a:schemeClr val="bg1"/>
+                </a:solidFill>
+              </a:rPr>
+              <a:t>M</a:t>
+            </a:r>
+            <a:r>
+              <a:rPr lang="en-US" sz="2400" baseline="-25000" dirty="0" err="1" smtClean="0">
+                <a:solidFill>
+                  <a:schemeClr val="bg1"/>
+                </a:solidFill>
+              </a:rPr>
+              <a:t>crit</a:t>
+            </a:r>
+            <a:r>
+              <a:rPr lang="en-US" sz="2400" dirty="0">
+                <a:solidFill>
+                  <a:schemeClr val="bg1"/>
+                </a:solidFill>
+              </a:rPr>
+              <a:t>:</a:t>
+            </a:r>
+            <a:endParaRPr lang="en-US" sz="2400" dirty="0" smtClean="0">
+              <a:solidFill>
+                <a:schemeClr val="bg1"/>
+              </a:solidFill>
+            </a:endParaRPr>
+          </a:p>
+          <a:p>
+            <a:endParaRPr lang="en-US" sz="2400" dirty="0" smtClean="0">
+              <a:solidFill>
+                <a:schemeClr val="bg1"/>
+              </a:solidFill>
+            </a:endParaRPr>
+          </a:p>
+          <a:p>
+            <a:r>
+              <a:rPr lang="en-US" sz="2400" baseline="-25000" dirty="0" smtClean="0">
+                <a:solidFill>
+                  <a:schemeClr val="bg1"/>
+                </a:solidFill>
+              </a:rPr>
+              <a:t> </a:t>
+            </a:r>
+            <a:r>
+              <a:rPr lang="en-US" sz="2400" dirty="0" smtClean="0">
+                <a:solidFill>
+                  <a:schemeClr val="bg1"/>
+                </a:solidFill>
+              </a:rPr>
+              <a:t>~8 M</a:t>
+            </a:r>
+            <a:r>
+              <a:rPr lang="en-US" sz="2400" baseline="-25000" dirty="0" smtClean="0">
+                <a:solidFill>
+                  <a:schemeClr val="bg1"/>
+                </a:solidFill>
+              </a:rPr>
+              <a:t>E</a:t>
+            </a:r>
+            <a:r>
+              <a:rPr lang="en-US" sz="2400" dirty="0" smtClean="0">
+                <a:solidFill>
+                  <a:schemeClr val="bg1"/>
+                </a:solidFill>
+              </a:rPr>
+              <a:t> @ 5 AU</a:t>
+            </a:r>
+          </a:p>
+          <a:p>
+            <a:r>
+              <a:rPr lang="en-US" sz="2400" baseline="-25000" dirty="0" smtClean="0">
+                <a:solidFill>
+                  <a:schemeClr val="bg1"/>
+                </a:solidFill>
+              </a:rPr>
+              <a:t> </a:t>
+            </a:r>
+            <a:r>
+              <a:rPr lang="en-US" sz="2400" dirty="0" smtClean="0">
+                <a:solidFill>
+                  <a:schemeClr val="bg1"/>
+                </a:solidFill>
+              </a:rPr>
+              <a:t>~5 </a:t>
+            </a:r>
+            <a:r>
+              <a:rPr lang="en-US" sz="2400" dirty="0">
+                <a:solidFill>
+                  <a:schemeClr val="bg1"/>
+                </a:solidFill>
+              </a:rPr>
+              <a:t>M</a:t>
+            </a:r>
+            <a:r>
+              <a:rPr lang="en-US" sz="2400" baseline="-25000" dirty="0">
+                <a:solidFill>
+                  <a:schemeClr val="bg1"/>
+                </a:solidFill>
+              </a:rPr>
+              <a:t>E</a:t>
+            </a:r>
+            <a:r>
+              <a:rPr lang="en-US" sz="2400" dirty="0">
+                <a:solidFill>
+                  <a:schemeClr val="bg1"/>
+                </a:solidFill>
+              </a:rPr>
+              <a:t> @ </a:t>
+            </a:r>
+            <a:r>
+              <a:rPr lang="en-US" sz="2400" dirty="0" smtClean="0">
+                <a:solidFill>
+                  <a:schemeClr val="bg1"/>
+                </a:solidFill>
+              </a:rPr>
+              <a:t>100 </a:t>
+            </a:r>
+            <a:r>
+              <a:rPr lang="en-US" sz="2400" dirty="0">
+                <a:solidFill>
+                  <a:schemeClr val="bg1"/>
+                </a:solidFill>
+              </a:rPr>
+              <a:t>AU</a:t>
+            </a:r>
+          </a:p>
+          <a:p>
+            <a:endParaRPr lang="en-US" dirty="0">
+              <a:solidFill>
+                <a:srgbClr val="FFFF00"/>
+              </a:solidFill>
+            </a:endParaRPr>
+          </a:p>
+        </p:txBody>
+      </p:sp>
     </p:spTree>
     <p:extLst>
       <p:ext uri="{BB962C8B-B14F-4D97-AF65-F5344CB8AC3E}">
-        <p14:creationId xmlns:p14="http://schemas.microsoft.com/office/powerpoint/2010/main" val="505830353"/>
+        <p14:creationId xmlns:p14="http://schemas.microsoft.com/office/powerpoint/2010/main" val="682636542"/>
       </p:ext>
     </p:extLst>
   </p:cSld>
@@ -7437,7 +11549,7 @@
         </p:nvSpPr>
         <p:spPr>
           <a:xfrm>
-            <a:off x="457200" y="345202"/>
+            <a:off x="457200" y="153048"/>
             <a:ext cx="8229600" cy="1143000"/>
           </a:xfrm>
         </p:spPr>
@@ -7448,50 +11560,61 @@
           <a:lstStyle/>
           <a:p>
             <a:r>
-              <a:rPr lang="en-US" sz="3600" dirty="0"/>
-              <a:t>Some giant planets </a:t>
-            </a:r>
-            <a:r>
-              <a:rPr lang="en-US" sz="3600" dirty="0">
+              <a:rPr lang="en-US" dirty="0" smtClean="0"/>
+              <a:t>Grain growth </a:t>
+            </a:r>
+            <a:r>
+              <a:rPr lang="en-US" dirty="0" smtClean="0"/>
+              <a:t>opacities </a:t>
+            </a:r>
+            <a:r>
+              <a:rPr lang="en-US" dirty="0" smtClean="0">
                 <a:solidFill>
                   <a:srgbClr val="FFFF00"/>
                 </a:solidFill>
               </a:rPr>
-              <a:t>may</a:t>
-            </a:r>
-            <a:r>
-              <a:rPr lang="en-US" sz="3600" dirty="0"/>
-              <a:t> have C/O ratios different from the stellar value of 0.54</a:t>
-            </a:r>
-            <a:br>
-              <a:rPr lang="en-US" sz="3600" dirty="0"/>
-            </a:br>
-            <a:endParaRPr lang="en-US" sz="3400" dirty="0">
-              <a:solidFill>
-                <a:srgbClr val="FFFF00"/>
-              </a:solidFill>
-            </a:endParaRPr>
+              <a:t>DECREASE</a:t>
+            </a:r>
+            <a:r>
+              <a:rPr lang="en-US" dirty="0" smtClean="0"/>
+              <a:t> </a:t>
+            </a:r>
+            <a:r>
+              <a:rPr lang="en-US" dirty="0" err="1" smtClean="0"/>
+              <a:t>M</a:t>
+            </a:r>
+            <a:r>
+              <a:rPr lang="en-US" baseline="-25000" dirty="0" err="1" smtClean="0"/>
+              <a:t>crit</a:t>
+            </a:r>
+            <a:endParaRPr lang="en-US" dirty="0"/>
           </a:p>
         </p:txBody>
       </p:sp>
       <p:pic>
         <p:nvPicPr>
-          <p:cNvPr id="4" name="Picture 3"/>
+          <p:cNvPr id="4" name="Picture 3" descr="Mcrit_vs_a_gg.pdf"/>
           <p:cNvPicPr>
             <a:picLocks noChangeAspect="1"/>
           </p:cNvPicPr>
           <p:nvPr/>
         </p:nvPicPr>
         <p:blipFill>
-          <a:blip r:embed="rId3"/>
+          <a:blip r:embed="rId2">
+            <a:extLst>
+              <a:ext uri="{28A0092B-C50C-407E-A947-70E740481C1C}">
+                <a14:useLocalDpi xmlns:a14="http://schemas.microsoft.com/office/drawing/2010/main" val="0"/>
+              </a:ext>
+            </a:extLst>
+          </a:blip>
           <a:stretch>
             <a:fillRect/>
           </a:stretch>
         </p:blipFill>
         <p:spPr>
           <a:xfrm>
-            <a:off x="691407" y="1417638"/>
-            <a:ext cx="7387593" cy="5200149"/>
+            <a:off x="2664189" y="1296048"/>
+            <a:ext cx="6346899" cy="4765822"/>
           </a:xfrm>
           <a:prstGeom prst="rect">
             <a:avLst/>
@@ -7500,14 +11623,14 @@
       </p:pic>
       <p:sp>
         <p:nvSpPr>
-          <p:cNvPr id="5" name="TextBox 4"/>
+          <p:cNvPr id="6" name="TextBox 5"/>
           <p:cNvSpPr txBox="1"/>
           <p:nvPr/>
         </p:nvSpPr>
         <p:spPr>
           <a:xfrm>
-            <a:off x="6136007" y="6308167"/>
-            <a:ext cx="1596881" cy="307777"/>
+            <a:off x="2729354" y="5546246"/>
+            <a:ext cx="2715840" cy="338554"/>
           </a:xfrm>
           <a:prstGeom prst="rect">
             <a:avLst/>
@@ -7521,12 +11644,90 @@
           <a:lstStyle/>
           <a:p>
             <a:r>
+              <a:rPr lang="en-US" sz="1600" dirty="0" err="1">
+                <a:solidFill>
+                  <a:srgbClr val="000000"/>
+                </a:solidFill>
+              </a:rPr>
+              <a:t>t_disk</a:t>
+            </a:r>
+            <a:r>
+              <a:rPr lang="en-US" sz="1600" dirty="0">
+                <a:solidFill>
+                  <a:srgbClr val="000000"/>
+                </a:solidFill>
+              </a:rPr>
+              <a:t> ~ 3 </a:t>
+            </a:r>
+            <a:r>
+              <a:rPr lang="en-US" sz="1600" dirty="0" err="1" smtClean="0">
+                <a:solidFill>
+                  <a:srgbClr val="000000"/>
+                </a:solidFill>
+              </a:rPr>
+              <a:t>Myr</a:t>
+            </a:r>
+            <a:r>
+              <a:rPr lang="en-US" sz="1600" dirty="0" smtClean="0">
+                <a:solidFill>
+                  <a:srgbClr val="000000"/>
+                </a:solidFill>
+              </a:rPr>
+              <a:t>, realistic EOS</a:t>
+            </a:r>
+            <a:endParaRPr lang="en-US" sz="1600" dirty="0">
+              <a:solidFill>
+                <a:srgbClr val="000000"/>
+              </a:solidFill>
+            </a:endParaRPr>
+          </a:p>
+        </p:txBody>
+      </p:sp>
+      <p:sp>
+        <p:nvSpPr>
+          <p:cNvPr id="7" name="TextBox 6"/>
+          <p:cNvSpPr txBox="1"/>
+          <p:nvPr/>
+        </p:nvSpPr>
+        <p:spPr>
+          <a:xfrm>
+            <a:off x="6336969" y="5703891"/>
+            <a:ext cx="2782215" cy="307777"/>
+          </a:xfrm>
+          <a:prstGeom prst="rect">
+            <a:avLst/>
+          </a:prstGeom>
+          <a:noFill/>
+        </p:spPr>
+        <p:txBody>
+          <a:bodyPr wrap="square" rtlCol="0">
+            <a:spAutoFit/>
+          </a:bodyPr>
+          <a:lstStyle/>
+          <a:p>
+            <a:r>
               <a:rPr lang="en-US" sz="1400" dirty="0" smtClean="0">
                 <a:solidFill>
                   <a:srgbClr val="000000"/>
                 </a:solidFill>
               </a:rPr>
-              <a:t>Madhusudhan+11</a:t>
+              <a:t>Piso, </a:t>
+            </a:r>
+            <a:r>
+              <a:rPr lang="en-US" sz="1400" dirty="0" err="1" smtClean="0">
+                <a:solidFill>
+                  <a:srgbClr val="000000"/>
+                </a:solidFill>
+              </a:rPr>
+              <a:t>Youdin</a:t>
+            </a:r>
+            <a:r>
+              <a:rPr lang="en-US" sz="1400" dirty="0" smtClean="0">
+                <a:solidFill>
+                  <a:srgbClr val="000000"/>
+                </a:solidFill>
+              </a:rPr>
+              <a:t>, &amp; Murray-Clay (2015)</a:t>
             </a:r>
             <a:endParaRPr lang="en-US" sz="1400" dirty="0">
               <a:solidFill>
@@ -7536,10 +11737,306 @@
           </a:p>
         </p:txBody>
       </p:sp>
+      <p:sp>
+        <p:nvSpPr>
+          <p:cNvPr id="8" name="Rectangle 7"/>
+          <p:cNvSpPr/>
+          <p:nvPr/>
+        </p:nvSpPr>
+        <p:spPr>
+          <a:xfrm>
+            <a:off x="3814756" y="4120778"/>
+            <a:ext cx="4832699" cy="769831"/>
+          </a:xfrm>
+          <a:prstGeom prst="rect">
+            <a:avLst/>
+          </a:prstGeom>
+          <a:noFill/>
+          <a:ln w="38100">
+            <a:solidFill>
+              <a:srgbClr val="BD117E"/>
+            </a:solidFill>
+          </a:ln>
+          <a:effectLst/>
+        </p:spPr>
+        <p:style>
+          <a:lnRef idx="1">
+            <a:schemeClr val="accent1"/>
+          </a:lnRef>
+          <a:fillRef idx="3">
+            <a:schemeClr val="accent1"/>
+          </a:fillRef>
+          <a:effectRef idx="2">
+            <a:schemeClr val="accent1"/>
+          </a:effectRef>
+          <a:fontRef idx="minor">
+            <a:schemeClr val="lt1"/>
+          </a:fontRef>
+        </p:style>
+        <p:txBody>
+          <a:bodyPr rtlCol="0" anchor="ctr"/>
+          <a:lstStyle/>
+          <a:p>
+            <a:pPr algn="ctr"/>
+            <a:endParaRPr lang="en-US"/>
+          </a:p>
+        </p:txBody>
+      </p:sp>
+      <p:cxnSp>
+        <p:nvCxnSpPr>
+          <p:cNvPr id="9" name="Straight Arrow Connector 8"/>
+          <p:cNvCxnSpPr/>
+          <p:nvPr/>
+        </p:nvCxnSpPr>
+        <p:spPr>
+          <a:xfrm>
+            <a:off x="4755052" y="4405462"/>
+            <a:ext cx="9845" cy="428240"/>
+          </a:xfrm>
+          <a:prstGeom prst="straightConnector1">
+            <a:avLst/>
+          </a:prstGeom>
+          <a:ln>
+            <a:solidFill>
+              <a:schemeClr val="bg1"/>
+            </a:solidFill>
+            <a:tailEnd type="arrow"/>
+          </a:ln>
+          <a:effectLst/>
+        </p:spPr>
+        <p:style>
+          <a:lnRef idx="2">
+            <a:schemeClr val="accent1"/>
+          </a:lnRef>
+          <a:fillRef idx="0">
+            <a:schemeClr val="accent1"/>
+          </a:fillRef>
+          <a:effectRef idx="1">
+            <a:schemeClr val="accent1"/>
+          </a:effectRef>
+          <a:fontRef idx="minor">
+            <a:schemeClr val="tx1"/>
+          </a:fontRef>
+        </p:style>
+      </p:cxnSp>
+      <p:sp>
+        <p:nvSpPr>
+          <p:cNvPr id="11" name="TextBox 10"/>
+          <p:cNvSpPr txBox="1"/>
+          <p:nvPr/>
+        </p:nvSpPr>
+        <p:spPr>
+          <a:xfrm>
+            <a:off x="4905151" y="4497240"/>
+            <a:ext cx="1846714" cy="307777"/>
+          </a:xfrm>
+          <a:prstGeom prst="rect">
+            <a:avLst/>
+          </a:prstGeom>
+          <a:noFill/>
+        </p:spPr>
+        <p:txBody>
+          <a:bodyPr wrap="square" rtlCol="0">
+            <a:spAutoFit/>
+          </a:bodyPr>
+          <a:lstStyle/>
+          <a:p>
+            <a:r>
+              <a:rPr lang="en-US" sz="1400" dirty="0">
+                <a:solidFill>
+                  <a:schemeClr val="bg1"/>
+                </a:solidFill>
+              </a:rPr>
+              <a:t>c</a:t>
+            </a:r>
+            <a:r>
+              <a:rPr lang="en-US" sz="1400" dirty="0" smtClean="0">
+                <a:solidFill>
+                  <a:schemeClr val="bg1"/>
+                </a:solidFill>
+              </a:rPr>
+              <a:t>oagulation </a:t>
+            </a:r>
+            <a:endParaRPr lang="en-US" sz="1400" dirty="0">
+              <a:solidFill>
+                <a:schemeClr val="bg1"/>
+              </a:solidFill>
+            </a:endParaRPr>
+          </a:p>
+        </p:txBody>
+      </p:sp>
+      <p:sp>
+        <p:nvSpPr>
+          <p:cNvPr id="12" name="TextBox 11"/>
+          <p:cNvSpPr txBox="1"/>
+          <p:nvPr/>
+        </p:nvSpPr>
+        <p:spPr>
+          <a:xfrm>
+            <a:off x="202677" y="2274119"/>
+            <a:ext cx="2310490" cy="1846659"/>
+          </a:xfrm>
+          <a:prstGeom prst="rect">
+            <a:avLst/>
+          </a:prstGeom>
+          <a:solidFill>
+            <a:srgbClr val="FFFF00"/>
+          </a:solidFill>
+          <a:ln w="38100">
+            <a:solidFill>
+              <a:srgbClr val="0000FF"/>
+            </a:solidFill>
+          </a:ln>
+        </p:spPr>
+        <p:txBody>
+          <a:bodyPr wrap="square" rtlCol="0">
+            <a:spAutoFit/>
+          </a:bodyPr>
+          <a:lstStyle/>
+          <a:p>
+            <a:pPr algn="ctr"/>
+            <a:r>
+              <a:rPr lang="en-US" sz="2400" dirty="0" err="1" smtClean="0">
+                <a:solidFill>
+                  <a:schemeClr val="bg1"/>
+                </a:solidFill>
+              </a:rPr>
+              <a:t>M</a:t>
+            </a:r>
+            <a:r>
+              <a:rPr lang="en-US" sz="2400" baseline="-25000" dirty="0" err="1" smtClean="0">
+                <a:solidFill>
+                  <a:schemeClr val="bg1"/>
+                </a:solidFill>
+              </a:rPr>
+              <a:t>crit</a:t>
+            </a:r>
+            <a:r>
+              <a:rPr lang="en-US" sz="2400" dirty="0">
+                <a:solidFill>
+                  <a:schemeClr val="bg1"/>
+                </a:solidFill>
+              </a:rPr>
+              <a:t>:</a:t>
+            </a:r>
+            <a:endParaRPr lang="en-US" sz="2400" dirty="0" smtClean="0">
+              <a:solidFill>
+                <a:schemeClr val="bg1"/>
+              </a:solidFill>
+            </a:endParaRPr>
+          </a:p>
+          <a:p>
+            <a:endParaRPr lang="en-US" sz="2400" dirty="0" smtClean="0">
+              <a:solidFill>
+                <a:schemeClr val="bg1"/>
+              </a:solidFill>
+            </a:endParaRPr>
+          </a:p>
+          <a:p>
+            <a:r>
+              <a:rPr lang="en-US" sz="2400" baseline="-25000" dirty="0" smtClean="0">
+                <a:solidFill>
+                  <a:schemeClr val="bg1"/>
+                </a:solidFill>
+              </a:rPr>
+              <a:t> </a:t>
+            </a:r>
+            <a:r>
+              <a:rPr lang="en-US" sz="2400" dirty="0" smtClean="0">
+                <a:solidFill>
+                  <a:schemeClr val="bg1"/>
+                </a:solidFill>
+              </a:rPr>
+              <a:t>~8 M</a:t>
+            </a:r>
+            <a:r>
+              <a:rPr lang="en-US" sz="2400" baseline="-25000" dirty="0" smtClean="0">
+                <a:solidFill>
+                  <a:schemeClr val="bg1"/>
+                </a:solidFill>
+              </a:rPr>
+              <a:t>E</a:t>
+            </a:r>
+            <a:r>
+              <a:rPr lang="en-US" sz="2400" dirty="0" smtClean="0">
+                <a:solidFill>
+                  <a:schemeClr val="bg1"/>
+                </a:solidFill>
+              </a:rPr>
+              <a:t> @ 5 AU</a:t>
+            </a:r>
+          </a:p>
+          <a:p>
+            <a:r>
+              <a:rPr lang="en-US" sz="2400" baseline="-25000" dirty="0" smtClean="0">
+                <a:solidFill>
+                  <a:schemeClr val="bg1"/>
+                </a:solidFill>
+              </a:rPr>
+              <a:t> </a:t>
+            </a:r>
+            <a:r>
+              <a:rPr lang="en-US" sz="2400" dirty="0" smtClean="0">
+                <a:solidFill>
+                  <a:schemeClr val="bg1"/>
+                </a:solidFill>
+              </a:rPr>
+              <a:t>~5 </a:t>
+            </a:r>
+            <a:r>
+              <a:rPr lang="en-US" sz="2400" dirty="0">
+                <a:solidFill>
+                  <a:schemeClr val="bg1"/>
+                </a:solidFill>
+              </a:rPr>
+              <a:t>M</a:t>
+            </a:r>
+            <a:r>
+              <a:rPr lang="en-US" sz="2400" baseline="-25000" dirty="0">
+                <a:solidFill>
+                  <a:schemeClr val="bg1"/>
+                </a:solidFill>
+              </a:rPr>
+              <a:t>E</a:t>
+            </a:r>
+            <a:r>
+              <a:rPr lang="en-US" sz="2400" dirty="0">
+                <a:solidFill>
+                  <a:schemeClr val="bg1"/>
+                </a:solidFill>
+              </a:rPr>
+              <a:t> @ </a:t>
+            </a:r>
+            <a:r>
+              <a:rPr lang="en-US" sz="2400" dirty="0" smtClean="0">
+                <a:solidFill>
+                  <a:schemeClr val="bg1"/>
+                </a:solidFill>
+              </a:rPr>
+              <a:t>100 </a:t>
+            </a:r>
+            <a:r>
+              <a:rPr lang="en-US" sz="2400" dirty="0">
+                <a:solidFill>
+                  <a:schemeClr val="bg1"/>
+                </a:solidFill>
+              </a:rPr>
+              <a:t>AU</a:t>
+            </a:r>
+          </a:p>
+          <a:p>
+            <a:endParaRPr lang="en-US" dirty="0">
+              <a:solidFill>
+                <a:srgbClr val="FFFF00"/>
+              </a:solidFill>
+            </a:endParaRPr>
+          </a:p>
+        </p:txBody>
+      </p:sp>
     </p:spTree>
     <p:extLst>
       <p:ext uri="{BB962C8B-B14F-4D97-AF65-F5344CB8AC3E}">
-        <p14:creationId xmlns:p14="http://schemas.microsoft.com/office/powerpoint/2010/main" val="4286079567"/>
+        <p14:creationId xmlns:p14="http://schemas.microsoft.com/office/powerpoint/2010/main" val="1271148096"/>
       </p:ext>
     </p:extLst>
   </p:cSld>
@@ -7583,22 +12080,75 @@
             <p:ph type="title"/>
           </p:nvPr>
         </p:nvSpPr>
-        <p:spPr/>
+        <p:spPr>
+          <a:xfrm>
+            <a:off x="243209" y="918678"/>
+            <a:ext cx="8782563" cy="1336579"/>
+          </a:xfrm>
+        </p:spPr>
         <p:txBody>
           <a:bodyPr>
-            <a:normAutofit/>
+            <a:noAutofit/>
           </a:bodyPr>
           <a:lstStyle/>
           <a:p>
             <a:r>
-              <a:rPr lang="en-US" sz="4800" dirty="0" smtClean="0">
+              <a:rPr lang="en-US" sz="4000" dirty="0" smtClean="0">
                 <a:solidFill>
                   <a:srgbClr val="FFFF00"/>
                 </a:solidFill>
               </a:rPr>
-              <a:t>WHY?</a:t>
-            </a:r>
-            <a:endParaRPr lang="en-US" sz="4800" dirty="0">
+              <a:t>Snowline Locations in </a:t>
+            </a:r>
+            <a:r>
+              <a:rPr lang="en-US" sz="4000" dirty="0" err="1" smtClean="0">
+                <a:solidFill>
+                  <a:srgbClr val="FFFF00"/>
+                </a:solidFill>
+              </a:rPr>
+              <a:t>Protoplanetary</a:t>
+            </a:r>
+            <a:r>
+              <a:rPr lang="en-US" sz="4000" dirty="0" smtClean="0">
+                <a:solidFill>
+                  <a:srgbClr val="FFFF00"/>
+                </a:solidFill>
+              </a:rPr>
+              <a:t> Disks and </a:t>
+            </a:r>
+            <a:r>
+              <a:rPr lang="en-US" sz="4000" dirty="0" smtClean="0">
+                <a:solidFill>
+                  <a:srgbClr val="FFFF00"/>
+                </a:solidFill>
+              </a:rPr>
+              <a:t>C</a:t>
+            </a:r>
+            <a:r>
+              <a:rPr lang="en-US" sz="4000" dirty="0" smtClean="0">
+                <a:solidFill>
+                  <a:srgbClr val="FFFF00"/>
+                </a:solidFill>
+              </a:rPr>
+              <a:t>/</a:t>
+            </a:r>
+            <a:r>
+              <a:rPr lang="en-US" sz="4000" dirty="0" smtClean="0">
+                <a:solidFill>
+                  <a:srgbClr val="FFFF00"/>
+                </a:solidFill>
+              </a:rPr>
+              <a:t>O/N </a:t>
+            </a:r>
+            <a:r>
+              <a:rPr lang="en-US" sz="4000" dirty="0" smtClean="0">
+                <a:solidFill>
+                  <a:srgbClr val="FFFF00"/>
+                </a:solidFill>
+              </a:rPr>
+              <a:t>ratios</a:t>
+            </a:r>
+            <a:endParaRPr lang="en-US" sz="4000" dirty="0">
               <a:solidFill>
                 <a:srgbClr val="FFFF00"/>
               </a:solidFill>
@@ -7606,131 +12156,40 @@
           </a:p>
         </p:txBody>
       </p:sp>
-      <p:sp>
-        <p:nvSpPr>
-          <p:cNvPr id="3" name="Content Placeholder 2"/>
-          <p:cNvSpPr>
-            <a:spLocks noGrp="1"/>
-          </p:cNvSpPr>
-          <p:nvPr>
-            <p:ph idx="1"/>
-          </p:nvPr>
-        </p:nvSpPr>
+      <p:pic>
+        <p:nvPicPr>
+          <p:cNvPr id="3" name="Picture 2" descr="2013_sciencealma_0009.jpg"/>
+          <p:cNvPicPr>
+            <a:picLocks noChangeAspect="1"/>
+          </p:cNvPicPr>
+          <p:nvPr/>
+        </p:nvPicPr>
+        <p:blipFill>
+          <a:blip r:embed="rId3" cstate="print">
+            <a:extLst>
+              <a:ext uri="{28A0092B-C50C-407E-A947-70E740481C1C}">
+                <a14:useLocalDpi xmlns:a14="http://schemas.microsoft.com/office/drawing/2010/main" val="0"/>
+              </a:ext>
+            </a:extLst>
+          </a:blip>
+          <a:stretch>
+            <a:fillRect/>
+          </a:stretch>
+        </p:blipFill>
         <p:spPr>
           <a:xfrm>
-            <a:off x="457200" y="1840090"/>
-            <a:ext cx="8404578" cy="2802466"/>
+            <a:off x="2952929" y="3052346"/>
+            <a:ext cx="3796140" cy="3805654"/>
           </a:xfrm>
-          <a:solidFill>
-            <a:srgbClr val="FFFF00"/>
-          </a:solidFill>
-          <a:ln w="63500">
-            <a:solidFill>
-              <a:srgbClr val="3366FF"/>
-            </a:solidFill>
-          </a:ln>
+          <a:prstGeom prst="rect">
+            <a:avLst/>
+          </a:prstGeom>
         </p:spPr>
-        <p:txBody>
-          <a:bodyPr>
-            <a:normAutofit/>
-          </a:bodyPr>
-          <a:lstStyle/>
-          <a:p>
-            <a:pPr marL="0" indent="0" algn="ctr">
-              <a:buNone/>
-            </a:pPr>
-            <a:r>
-              <a:rPr lang="en-US" dirty="0" smtClean="0">
-                <a:solidFill>
-                  <a:schemeClr val="bg1"/>
-                </a:solidFill>
-              </a:rPr>
-              <a:t>Possible explanation: main carriers of C and O, i.e. H</a:t>
-            </a:r>
-            <a:r>
-              <a:rPr lang="en-US" baseline="-25000" dirty="0" smtClean="0">
-                <a:solidFill>
-                  <a:schemeClr val="bg1"/>
-                </a:solidFill>
-              </a:rPr>
-              <a:t>2</a:t>
-            </a:r>
-            <a:r>
-              <a:rPr lang="en-US" dirty="0" smtClean="0">
-                <a:solidFill>
-                  <a:schemeClr val="bg1"/>
-                </a:solidFill>
-              </a:rPr>
-              <a:t>O, CO</a:t>
-            </a:r>
-            <a:r>
-              <a:rPr lang="en-US" baseline="-25000" dirty="0" smtClean="0">
-                <a:solidFill>
-                  <a:schemeClr val="bg1"/>
-                </a:solidFill>
-              </a:rPr>
-              <a:t>2</a:t>
-            </a:r>
-            <a:r>
-              <a:rPr lang="en-US" dirty="0" smtClean="0">
-                <a:solidFill>
-                  <a:schemeClr val="bg1"/>
-                </a:solidFill>
-              </a:rPr>
-              <a:t> and CO, have different condensation temperatures =&gt; </a:t>
-            </a:r>
-            <a:r>
-              <a:rPr lang="en-US" dirty="0">
-                <a:solidFill>
-                  <a:schemeClr val="bg1"/>
-                </a:solidFill>
-              </a:rPr>
-              <a:t>variations in the abundances of C and O </a:t>
-            </a:r>
-            <a:r>
-              <a:rPr lang="en-US" dirty="0" smtClean="0">
-                <a:solidFill>
-                  <a:schemeClr val="bg1"/>
-                </a:solidFill>
-              </a:rPr>
-              <a:t>in solids </a:t>
-            </a:r>
-            <a:r>
-              <a:rPr lang="en-US" dirty="0">
-                <a:solidFill>
-                  <a:schemeClr val="bg1"/>
-                </a:solidFill>
-              </a:rPr>
-              <a:t>and gas between the snow lines of </a:t>
-            </a:r>
-            <a:r>
-              <a:rPr lang="en-US" dirty="0" smtClean="0">
-                <a:solidFill>
-                  <a:schemeClr val="bg1"/>
-                </a:solidFill>
-              </a:rPr>
-              <a:t>these </a:t>
-            </a:r>
-            <a:r>
-              <a:rPr lang="en-US" dirty="0" smtClean="0">
-                <a:solidFill>
-                  <a:schemeClr val="bg1"/>
-                </a:solidFill>
-              </a:rPr>
-              <a:t>volatiles</a:t>
-            </a:r>
-            <a:endParaRPr lang="en-US" dirty="0">
-              <a:solidFill>
-                <a:schemeClr val="bg1"/>
-              </a:solidFill>
-            </a:endParaRPr>
-          </a:p>
-        </p:txBody>
-      </p:sp>
+      </p:pic>
     </p:spTree>
     <p:extLst>
       <p:ext uri="{BB962C8B-B14F-4D97-AF65-F5344CB8AC3E}">
-        <p14:creationId xmlns:p14="http://schemas.microsoft.com/office/powerpoint/2010/main" val="2530690195"/>
+        <p14:creationId xmlns:p14="http://schemas.microsoft.com/office/powerpoint/2010/main" val="3439874861"/>
       </p:ext>
     </p:extLst>
   </p:cSld>

--- a/slides/AAS_talk.pptx
+++ b/slides/AAS_talk.pptx
@@ -5,40 +5,41 @@
     <p:sldMasterId id="2147483648" r:id="rId1"/>
   </p:sldMasterIdLst>
   <p:notesMasterIdLst>
-    <p:notesMasterId r:id="rId30"/>
+    <p:notesMasterId r:id="rId31"/>
   </p:notesMasterIdLst>
   <p:handoutMasterIdLst>
-    <p:handoutMasterId r:id="rId31"/>
+    <p:handoutMasterId r:id="rId32"/>
   </p:handoutMasterIdLst>
   <p:sldIdLst>
     <p:sldId id="256" r:id="rId2"/>
     <p:sldId id="311" r:id="rId3"/>
     <p:sldId id="348" r:id="rId4"/>
-    <p:sldId id="342" r:id="rId5"/>
-    <p:sldId id="335" r:id="rId6"/>
-    <p:sldId id="336" r:id="rId7"/>
-    <p:sldId id="337" r:id="rId8"/>
-    <p:sldId id="341" r:id="rId9"/>
-    <p:sldId id="350" r:id="rId10"/>
-    <p:sldId id="315" r:id="rId11"/>
-    <p:sldId id="316" r:id="rId12"/>
-    <p:sldId id="353" r:id="rId13"/>
-    <p:sldId id="331" r:id="rId14"/>
-    <p:sldId id="320" r:id="rId15"/>
-    <p:sldId id="332" r:id="rId16"/>
-    <p:sldId id="322" r:id="rId17"/>
-    <p:sldId id="323" r:id="rId18"/>
-    <p:sldId id="324" r:id="rId19"/>
-    <p:sldId id="340" r:id="rId20"/>
-    <p:sldId id="333" r:id="rId21"/>
-    <p:sldId id="326" r:id="rId22"/>
-    <p:sldId id="352" r:id="rId23"/>
-    <p:sldId id="339" r:id="rId24"/>
-    <p:sldId id="345" r:id="rId25"/>
-    <p:sldId id="346" r:id="rId26"/>
-    <p:sldId id="347" r:id="rId27"/>
-    <p:sldId id="349" r:id="rId28"/>
-    <p:sldId id="351" r:id="rId29"/>
+    <p:sldId id="354" r:id="rId5"/>
+    <p:sldId id="342" r:id="rId6"/>
+    <p:sldId id="335" r:id="rId7"/>
+    <p:sldId id="336" r:id="rId8"/>
+    <p:sldId id="337" r:id="rId9"/>
+    <p:sldId id="341" r:id="rId10"/>
+    <p:sldId id="350" r:id="rId11"/>
+    <p:sldId id="315" r:id="rId12"/>
+    <p:sldId id="316" r:id="rId13"/>
+    <p:sldId id="353" r:id="rId14"/>
+    <p:sldId id="331" r:id="rId15"/>
+    <p:sldId id="320" r:id="rId16"/>
+    <p:sldId id="332" r:id="rId17"/>
+    <p:sldId id="322" r:id="rId18"/>
+    <p:sldId id="323" r:id="rId19"/>
+    <p:sldId id="324" r:id="rId20"/>
+    <p:sldId id="340" r:id="rId21"/>
+    <p:sldId id="333" r:id="rId22"/>
+    <p:sldId id="326" r:id="rId23"/>
+    <p:sldId id="352" r:id="rId24"/>
+    <p:sldId id="339" r:id="rId25"/>
+    <p:sldId id="345" r:id="rId26"/>
+    <p:sldId id="346" r:id="rId27"/>
+    <p:sldId id="347" r:id="rId28"/>
+    <p:sldId id="349" r:id="rId29"/>
+    <p:sldId id="351" r:id="rId30"/>
   </p:sldIdLst>
   <p:sldSz cx="9144000" cy="6858000" type="screen4x3"/>
   <p:notesSz cx="6858000" cy="9144000"/>
@@ -145,6 +146,7 @@
             <p14:sldId id="256"/>
             <p14:sldId id="311"/>
             <p14:sldId id="348"/>
+            <p14:sldId id="354"/>
             <p14:sldId id="342"/>
             <p14:sldId id="335"/>
             <p14:sldId id="336"/>
@@ -854,7 +856,7 @@
           <a:p>
             <a:fld id="{08B4712D-D2CB-8747-9EC4-89869EAABFB2}" type="slidenum">
               <a:rPr lang="en-US" smtClean="0"/>
-              <a:t>4</a:t>
+              <a:t>5</a:t>
             </a:fld>
             <a:endParaRPr lang="en-US"/>
           </a:p>
@@ -938,7 +940,7 @@
           <a:p>
             <a:fld id="{08B4712D-D2CB-8747-9EC4-89869EAABFB2}" type="slidenum">
               <a:rPr lang="en-US" smtClean="0"/>
-              <a:t>5</a:t>
+              <a:t>6</a:t>
             </a:fld>
             <a:endParaRPr lang="en-US"/>
           </a:p>
@@ -1034,7 +1036,7 @@
           <a:p>
             <a:fld id="{08B4712D-D2CB-8747-9EC4-89869EAABFB2}" type="slidenum">
               <a:rPr lang="en-US" smtClean="0"/>
-              <a:t>9</a:t>
+              <a:t>10</a:t>
             </a:fld>
             <a:endParaRPr lang="en-US"/>
           </a:p>
@@ -1130,7 +1132,7 @@
           <a:p>
             <a:fld id="{08B4712D-D2CB-8747-9EC4-89869EAABFB2}" type="slidenum">
               <a:rPr lang="en-US" smtClean="0"/>
-              <a:t>11</a:t>
+              <a:t>12</a:t>
             </a:fld>
             <a:endParaRPr lang="en-US"/>
           </a:p>
@@ -1226,7 +1228,7 @@
           <a:p>
             <a:fld id="{08B4712D-D2CB-8747-9EC4-89869EAABFB2}" type="slidenum">
               <a:rPr lang="en-US" smtClean="0"/>
-              <a:t>23</a:t>
+              <a:t>24</a:t>
             </a:fld>
             <a:endParaRPr lang="en-US"/>
           </a:p>
@@ -1326,7 +1328,7 @@
           <a:p>
             <a:fld id="{08B4712D-D2CB-8747-9EC4-89869EAABFB2}" type="slidenum">
               <a:rPr lang="en-US" smtClean="0"/>
-              <a:t>24</a:t>
+              <a:t>25</a:t>
             </a:fld>
             <a:endParaRPr lang="en-US"/>
           </a:p>
@@ -1430,7 +1432,7 @@
           <a:p>
             <a:fld id="{08B4712D-D2CB-8747-9EC4-89869EAABFB2}" type="slidenum">
               <a:rPr lang="en-US" smtClean="0"/>
-              <a:t>26</a:t>
+              <a:t>27</a:t>
             </a:fld>
             <a:endParaRPr lang="en-US"/>
           </a:p>
@@ -4790,37 +4792,73 @@
         </p:nvSpPr>
         <p:spPr>
           <a:xfrm>
-            <a:off x="457200" y="355698"/>
-            <a:ext cx="8229600" cy="1143000"/>
+            <a:off x="243209" y="918678"/>
+            <a:ext cx="8782563" cy="1336579"/>
           </a:xfrm>
         </p:spPr>
         <p:txBody>
           <a:bodyPr>
-            <a:normAutofit fontScale="90000"/>
+            <a:noAutofit/>
           </a:bodyPr>
           <a:lstStyle/>
           <a:p>
             <a:r>
-              <a:rPr lang="en-US" sz="5000" dirty="0" smtClean="0">
+              <a:rPr lang="en-US" sz="4000" dirty="0" smtClean="0">
                 <a:solidFill>
                   <a:srgbClr val="FFFF00"/>
                 </a:solidFill>
               </a:rPr>
-              <a:t>Disk Compositions </a:t>
-            </a:r>
-            <a:r>
-              <a:rPr lang="en-US" sz="5000" dirty="0" smtClean="0"/>
-              <a:t>Regulate</a:t>
-            </a:r>
-            <a:r>
-              <a:rPr lang="en-US" sz="5000" dirty="0" smtClean="0">
+              <a:t>Snowline Locations in </a:t>
+            </a:r>
+            <a:r>
+              <a:rPr lang="en-US" sz="4000" dirty="0" err="1" smtClean="0">
                 <a:solidFill>
                   <a:srgbClr val="FFFF00"/>
                 </a:solidFill>
               </a:rPr>
-              <a:t> Planet Compositions</a:t>
-            </a:r>
-            <a:endParaRPr lang="en-US" sz="5000" dirty="0">
+              <a:t>Protoplanetary</a:t>
+            </a:r>
+            <a:r>
+              <a:rPr lang="en-US" sz="4000" dirty="0" smtClean="0">
+                <a:solidFill>
+                  <a:srgbClr val="FFFF00"/>
+                </a:solidFill>
+              </a:rPr>
+              <a:t> Disks and </a:t>
+            </a:r>
+            <a:r>
+              <a:rPr lang="en-US" sz="4000" dirty="0" smtClean="0">
+                <a:solidFill>
+                  <a:srgbClr val="FFFF00"/>
+                </a:solidFill>
+              </a:rPr>
+              <a:t>C</a:t>
+            </a:r>
+            <a:r>
+              <a:rPr lang="en-US" sz="4000" dirty="0" smtClean="0">
+                <a:solidFill>
+                  <a:srgbClr val="FFFF00"/>
+                </a:solidFill>
+              </a:rPr>
+              <a:t>/</a:t>
+            </a:r>
+            <a:r>
+              <a:rPr lang="en-US" sz="4000" dirty="0" smtClean="0">
+                <a:solidFill>
+                  <a:srgbClr val="FFFF00"/>
+                </a:solidFill>
+              </a:rPr>
+              <a:t>O/N </a:t>
+            </a:r>
+            <a:r>
+              <a:rPr lang="en-US" sz="4000" dirty="0" smtClean="0">
+                <a:solidFill>
+                  <a:srgbClr val="FFFF00"/>
+                </a:solidFill>
+              </a:rPr>
+              <a:t>ratios</a:t>
+            </a:r>
+            <a:endParaRPr lang="en-US" sz="4000" dirty="0">
               <a:solidFill>
                 <a:srgbClr val="FFFF00"/>
               </a:solidFill>
@@ -4828,90 +4866,40 @@
           </a:p>
         </p:txBody>
       </p:sp>
-      <p:sp>
-        <p:nvSpPr>
-          <p:cNvPr id="3" name="Content Placeholder 2"/>
-          <p:cNvSpPr>
-            <a:spLocks noGrp="1"/>
-          </p:cNvSpPr>
-          <p:nvPr>
-            <p:ph idx="1"/>
-          </p:nvPr>
-        </p:nvSpPr>
+      <p:pic>
+        <p:nvPicPr>
+          <p:cNvPr id="3" name="Picture 2" descr="2013_sciencealma_0009.jpg"/>
+          <p:cNvPicPr>
+            <a:picLocks noChangeAspect="1"/>
+          </p:cNvPicPr>
+          <p:nvPr/>
+        </p:nvPicPr>
+        <p:blipFill>
+          <a:blip r:embed="rId3" cstate="print">
+            <a:extLst>
+              <a:ext uri="{28A0092B-C50C-407E-A947-70E740481C1C}">
+                <a14:useLocalDpi xmlns:a14="http://schemas.microsoft.com/office/drawing/2010/main" val="0"/>
+              </a:ext>
+            </a:extLst>
+          </a:blip>
+          <a:stretch>
+            <a:fillRect/>
+          </a:stretch>
+        </p:blipFill>
         <p:spPr>
           <a:xfrm>
-            <a:off x="457200" y="2122308"/>
-            <a:ext cx="8094133" cy="3818469"/>
+            <a:off x="2952929" y="3052346"/>
+            <a:ext cx="3796140" cy="3805654"/>
           </a:xfrm>
-          <a:solidFill>
-            <a:srgbClr val="FFFF00"/>
-          </a:solidFill>
-          <a:ln w="63500">
-            <a:solidFill>
-              <a:srgbClr val="0000FF"/>
-            </a:solidFill>
-          </a:ln>
+          <a:prstGeom prst="rect">
+            <a:avLst/>
+          </a:prstGeom>
         </p:spPr>
-        <p:txBody>
-          <a:bodyPr>
-            <a:normAutofit/>
-          </a:bodyPr>
-          <a:lstStyle/>
-          <a:p>
-            <a:pPr marL="0" indent="0" algn="ctr">
-              <a:buNone/>
-            </a:pPr>
-            <a:r>
-              <a:rPr lang="en-US" dirty="0" smtClean="0">
-                <a:solidFill>
-                  <a:schemeClr val="bg1"/>
-                </a:solidFill>
-              </a:rPr>
-              <a:t>Understand the disk well enough to:</a:t>
-            </a:r>
-          </a:p>
-          <a:p>
-            <a:pPr marL="514350" indent="-514350" algn="ctr">
-              <a:buAutoNum type="arabicPeriod"/>
-            </a:pPr>
-            <a:r>
-              <a:rPr lang="en-US" dirty="0" smtClean="0">
-                <a:solidFill>
-                  <a:schemeClr val="bg1"/>
-                </a:solidFill>
-              </a:rPr>
-              <a:t>Predict what kind of planet compositions result from planet formation in different parts of the disk</a:t>
-            </a:r>
-          </a:p>
-          <a:p>
-            <a:pPr marL="514350" indent="-514350" algn="ctr">
-              <a:buAutoNum type="arabicPeriod"/>
-            </a:pPr>
-            <a:r>
-              <a:rPr lang="en-US" dirty="0" smtClean="0">
-                <a:solidFill>
-                  <a:schemeClr val="bg1"/>
-                </a:solidFill>
-              </a:rPr>
-              <a:t>Back-track the planet formation location based on the planet composition</a:t>
-            </a:r>
-          </a:p>
-          <a:p>
-            <a:pPr marL="0" indent="0" algn="ctr">
-              <a:buNone/>
-            </a:pPr>
-            <a:endParaRPr lang="en-US" dirty="0" smtClean="0">
-              <a:solidFill>
-                <a:schemeClr val="bg1"/>
-              </a:solidFill>
-            </a:endParaRPr>
-          </a:p>
-        </p:txBody>
-      </p:sp>
+      </p:pic>
     </p:spTree>
     <p:extLst>
       <p:ext uri="{BB962C8B-B14F-4D97-AF65-F5344CB8AC3E}">
-        <p14:creationId xmlns:p14="http://schemas.microsoft.com/office/powerpoint/2010/main" val="145592411"/>
+        <p14:creationId xmlns:p14="http://schemas.microsoft.com/office/powerpoint/2010/main" val="3439874861"/>
       </p:ext>
     </p:extLst>
   </p:cSld>
@@ -4957,237 +4945,128 @@
         </p:nvSpPr>
         <p:spPr>
           <a:xfrm>
-            <a:off x="457200" y="-158769"/>
+            <a:off x="457200" y="355698"/>
             <a:ext cx="8229600" cy="1143000"/>
           </a:xfrm>
         </p:spPr>
         <p:txBody>
-          <a:bodyPr/>
-          <a:lstStyle/>
-          <a:p>
-            <a:r>
-              <a:rPr lang="en-US" dirty="0" smtClean="0"/>
-              <a:t>Disk structure is </a:t>
-            </a:r>
-            <a:r>
-              <a:rPr lang="en-US" dirty="0" smtClean="0">
+          <a:bodyPr>
+            <a:normAutofit fontScale="90000"/>
+          </a:bodyPr>
+          <a:lstStyle/>
+          <a:p>
+            <a:r>
+              <a:rPr lang="en-US" sz="5000" dirty="0" smtClean="0">
                 <a:solidFill>
                   <a:srgbClr val="FFFF00"/>
                 </a:solidFill>
               </a:rPr>
-              <a:t>complex</a:t>
-            </a:r>
-            <a:r>
-              <a:rPr lang="en-US" dirty="0" smtClean="0"/>
-              <a:t>!</a:t>
-            </a:r>
-            <a:endParaRPr lang="en-US" dirty="0"/>
-          </a:p>
-        </p:txBody>
-      </p:sp>
-      <p:sp>
-        <p:nvSpPr>
-          <p:cNvPr id="6" name="TextBox 5"/>
-          <p:cNvSpPr txBox="1"/>
-          <p:nvPr/>
+              <a:t>Disk Compositions </a:t>
+            </a:r>
+            <a:r>
+              <a:rPr lang="en-US" sz="5000" dirty="0" smtClean="0"/>
+              <a:t>Regulate</a:t>
+            </a:r>
+            <a:r>
+              <a:rPr lang="en-US" sz="5000" dirty="0" smtClean="0">
+                <a:solidFill>
+                  <a:srgbClr val="FFFF00"/>
+                </a:solidFill>
+              </a:rPr>
+              <a:t> Planet Compositions</a:t>
+            </a:r>
+            <a:endParaRPr lang="en-US" sz="5000" dirty="0">
+              <a:solidFill>
+                <a:srgbClr val="FFFF00"/>
+              </a:solidFill>
+            </a:endParaRPr>
+          </a:p>
+        </p:txBody>
+      </p:sp>
+      <p:sp>
+        <p:nvSpPr>
+          <p:cNvPr id="3" name="Content Placeholder 2"/>
+          <p:cNvSpPr>
+            <a:spLocks noGrp="1"/>
+          </p:cNvSpPr>
+          <p:nvPr>
+            <p:ph idx="1"/>
+          </p:nvPr>
         </p:nvSpPr>
         <p:spPr>
           <a:xfrm>
-            <a:off x="6637474" y="6208221"/>
-            <a:ext cx="2492023" cy="307777"/>
+            <a:off x="457200" y="2122308"/>
+            <a:ext cx="8094133" cy="3818469"/>
           </a:xfrm>
-          <a:prstGeom prst="rect">
-            <a:avLst/>
-          </a:prstGeom>
-          <a:noFill/>
-        </p:spPr>
-        <p:txBody>
-          <a:bodyPr wrap="square" rtlCol="0">
-            <a:spAutoFit/>
-          </a:bodyPr>
-          <a:lstStyle/>
-          <a:p>
-            <a:r>
-              <a:rPr lang="en-US" sz="1400" dirty="0" err="1" smtClean="0"/>
-              <a:t>Henning&amp;Semenov</a:t>
-            </a:r>
-            <a:r>
-              <a:rPr lang="en-US" sz="1400" dirty="0" smtClean="0"/>
-              <a:t> (2013)</a:t>
-            </a:r>
-            <a:endParaRPr lang="en-US" sz="1400" dirty="0"/>
-          </a:p>
-        </p:txBody>
-      </p:sp>
-      <p:pic>
-        <p:nvPicPr>
-          <p:cNvPr id="4" name="Picture 3" descr="disk_semenov.png"/>
-          <p:cNvPicPr>
-            <a:picLocks noChangeAspect="1"/>
-          </p:cNvPicPr>
-          <p:nvPr/>
-        </p:nvPicPr>
-        <p:blipFill>
-          <a:blip r:embed="rId3">
-            <a:extLst>
-              <a:ext uri="{28A0092B-C50C-407E-A947-70E740481C1C}">
-                <a14:useLocalDpi xmlns:a14="http://schemas.microsoft.com/office/drawing/2010/main" val="0"/>
-              </a:ext>
-            </a:extLst>
-          </a:blip>
-          <a:stretch>
-            <a:fillRect/>
-          </a:stretch>
-        </p:blipFill>
-        <p:spPr>
-          <a:xfrm>
-            <a:off x="157325" y="702334"/>
-            <a:ext cx="8972172" cy="5154892"/>
-          </a:xfrm>
-          <a:prstGeom prst="rect">
-            <a:avLst/>
-          </a:prstGeom>
-        </p:spPr>
-      </p:pic>
-      <p:sp>
-        <p:nvSpPr>
-          <p:cNvPr id="3" name="Rectangle 2"/>
-          <p:cNvSpPr/>
-          <p:nvPr/>
-        </p:nvSpPr>
-        <p:spPr>
-          <a:xfrm>
-            <a:off x="2066619" y="3037044"/>
-            <a:ext cx="930767" cy="433863"/>
-          </a:xfrm>
-          <a:prstGeom prst="rect">
-            <a:avLst/>
-          </a:prstGeom>
-          <a:noFill/>
-          <a:ln w="38100">
+          <a:solidFill>
+            <a:srgbClr val="FFFF00"/>
+          </a:solidFill>
+          <a:ln w="63500">
             <a:solidFill>
-              <a:srgbClr val="FFFF00"/>
+              <a:srgbClr val="0000FF"/>
             </a:solidFill>
           </a:ln>
-          <a:effectLst/>
         </p:spPr>
-        <p:style>
-          <a:lnRef idx="1">
-            <a:schemeClr val="accent1"/>
-          </a:lnRef>
-          <a:fillRef idx="3">
-            <a:schemeClr val="accent1"/>
-          </a:fillRef>
-          <a:effectRef idx="2">
-            <a:schemeClr val="accent1"/>
-          </a:effectRef>
-          <a:fontRef idx="minor">
-            <a:schemeClr val="lt1"/>
-          </a:fontRef>
-        </p:style>
-        <p:txBody>
-          <a:bodyPr rtlCol="0" anchor="ctr"/>
-          <a:lstStyle/>
-          <a:p>
-            <a:pPr algn="ctr"/>
-            <a:endParaRPr lang="en-US"/>
-          </a:p>
-        </p:txBody>
-      </p:sp>
-      <p:sp>
-        <p:nvSpPr>
-          <p:cNvPr id="7" name="Rectangle 6"/>
-          <p:cNvSpPr/>
-          <p:nvPr/>
-        </p:nvSpPr>
-        <p:spPr>
-          <a:xfrm>
-            <a:off x="1467368" y="4476804"/>
-            <a:ext cx="1012214" cy="433863"/>
-          </a:xfrm>
-          <a:prstGeom prst="rect">
-            <a:avLst/>
-          </a:prstGeom>
-          <a:noFill/>
-          <a:ln w="38100">
-            <a:solidFill>
-              <a:srgbClr val="FFFF00"/>
-            </a:solidFill>
-          </a:ln>
-          <a:effectLst/>
-        </p:spPr>
-        <p:style>
-          <a:lnRef idx="1">
-            <a:schemeClr val="accent1"/>
-          </a:lnRef>
-          <a:fillRef idx="3">
-            <a:schemeClr val="accent1"/>
-          </a:fillRef>
-          <a:effectRef idx="2">
-            <a:schemeClr val="accent1"/>
-          </a:effectRef>
-          <a:fontRef idx="minor">
-            <a:schemeClr val="lt1"/>
-          </a:fontRef>
-        </p:style>
-        <p:txBody>
-          <a:bodyPr rtlCol="0" anchor="ctr"/>
-          <a:lstStyle/>
-          <a:p>
-            <a:pPr algn="ctr"/>
-            <a:endParaRPr lang="en-US"/>
-          </a:p>
-        </p:txBody>
-      </p:sp>
-      <p:sp>
-        <p:nvSpPr>
-          <p:cNvPr id="8" name="Rectangle 7"/>
-          <p:cNvSpPr/>
-          <p:nvPr/>
-        </p:nvSpPr>
-        <p:spPr>
-          <a:xfrm>
-            <a:off x="4275259" y="2820113"/>
-            <a:ext cx="813502" cy="298928"/>
-          </a:xfrm>
-          <a:prstGeom prst="rect">
-            <a:avLst/>
-          </a:prstGeom>
-          <a:noFill/>
-          <a:ln w="38100">
-            <a:solidFill>
-              <a:srgbClr val="FFFF00"/>
-            </a:solidFill>
-          </a:ln>
-          <a:effectLst/>
-        </p:spPr>
-        <p:style>
-          <a:lnRef idx="1">
-            <a:schemeClr val="accent1"/>
-          </a:lnRef>
-          <a:fillRef idx="3">
-            <a:schemeClr val="accent1"/>
-          </a:fillRef>
-          <a:effectRef idx="2">
-            <a:schemeClr val="accent1"/>
-          </a:effectRef>
-          <a:fontRef idx="minor">
-            <a:schemeClr val="lt1"/>
-          </a:fontRef>
-        </p:style>
-        <p:txBody>
-          <a:bodyPr rtlCol="0" anchor="ctr"/>
-          <a:lstStyle/>
-          <a:p>
-            <a:pPr algn="ctr"/>
-            <a:endParaRPr lang="en-US"/>
+        <p:txBody>
+          <a:bodyPr>
+            <a:normAutofit/>
+          </a:bodyPr>
+          <a:lstStyle/>
+          <a:p>
+            <a:pPr marL="0" indent="0" algn="ctr">
+              <a:buNone/>
+            </a:pPr>
+            <a:r>
+              <a:rPr lang="en-US" dirty="0" smtClean="0">
+                <a:solidFill>
+                  <a:schemeClr val="bg1"/>
+                </a:solidFill>
+              </a:rPr>
+              <a:t>Understand the disk well enough to:</a:t>
+            </a:r>
+          </a:p>
+          <a:p>
+            <a:pPr marL="514350" indent="-514350" algn="ctr">
+              <a:buAutoNum type="arabicPeriod"/>
+            </a:pPr>
+            <a:r>
+              <a:rPr lang="en-US" dirty="0" smtClean="0">
+                <a:solidFill>
+                  <a:schemeClr val="bg1"/>
+                </a:solidFill>
+              </a:rPr>
+              <a:t>Predict what kind of planet compositions result from planet formation in different parts of the disk</a:t>
+            </a:r>
+          </a:p>
+          <a:p>
+            <a:pPr marL="514350" indent="-514350" algn="ctr">
+              <a:buAutoNum type="arabicPeriod"/>
+            </a:pPr>
+            <a:r>
+              <a:rPr lang="en-US" dirty="0" smtClean="0">
+                <a:solidFill>
+                  <a:schemeClr val="bg1"/>
+                </a:solidFill>
+              </a:rPr>
+              <a:t>Back-track the planet formation location based on the planet composition</a:t>
+            </a:r>
+          </a:p>
+          <a:p>
+            <a:pPr marL="0" indent="0" algn="ctr">
+              <a:buNone/>
+            </a:pPr>
+            <a:endParaRPr lang="en-US" dirty="0" smtClean="0">
+              <a:solidFill>
+                <a:schemeClr val="bg1"/>
+              </a:solidFill>
+            </a:endParaRPr>
           </a:p>
         </p:txBody>
       </p:sp>
     </p:spTree>
     <p:extLst>
       <p:ext uri="{BB962C8B-B14F-4D97-AF65-F5344CB8AC3E}">
-        <p14:creationId xmlns:p14="http://schemas.microsoft.com/office/powerpoint/2010/main" val="1161060238"/>
+        <p14:creationId xmlns:p14="http://schemas.microsoft.com/office/powerpoint/2010/main" val="145592411"/>
       </p:ext>
     </p:extLst>
   </p:cSld>
@@ -5233,110 +5112,102 @@
         </p:nvSpPr>
         <p:spPr>
           <a:xfrm>
-            <a:off x="127000" y="155222"/>
-            <a:ext cx="9017000" cy="1693334"/>
+            <a:off x="457200" y="-158769"/>
+            <a:ext cx="8229600" cy="1143000"/>
           </a:xfrm>
         </p:spPr>
         <p:txBody>
-          <a:bodyPr>
-            <a:noAutofit/>
+          <a:bodyPr/>
+          <a:lstStyle/>
+          <a:p>
+            <a:r>
+              <a:rPr lang="en-US" dirty="0" smtClean="0"/>
+              <a:t>Disk structure is </a:t>
+            </a:r>
+            <a:r>
+              <a:rPr lang="en-US" dirty="0" smtClean="0">
+                <a:solidFill>
+                  <a:srgbClr val="FFFF00"/>
+                </a:solidFill>
+              </a:rPr>
+              <a:t>complex</a:t>
+            </a:r>
+            <a:r>
+              <a:rPr lang="en-US" dirty="0" smtClean="0"/>
+              <a:t>!</a:t>
+            </a:r>
+            <a:endParaRPr lang="en-US" dirty="0"/>
+          </a:p>
+        </p:txBody>
+      </p:sp>
+      <p:sp>
+        <p:nvSpPr>
+          <p:cNvPr id="6" name="TextBox 5"/>
+          <p:cNvSpPr txBox="1"/>
+          <p:nvPr/>
+        </p:nvSpPr>
+        <p:spPr>
+          <a:xfrm>
+            <a:off x="6637474" y="6208221"/>
+            <a:ext cx="2492023" cy="307777"/>
+          </a:xfrm>
+          <a:prstGeom prst="rect">
+            <a:avLst/>
+          </a:prstGeom>
+          <a:noFill/>
+        </p:spPr>
+        <p:txBody>
+          <a:bodyPr wrap="square" rtlCol="0">
+            <a:spAutoFit/>
           </a:bodyPr>
           <a:lstStyle/>
           <a:p>
             <a:r>
-              <a:rPr lang="en-US" sz="3400" dirty="0" smtClean="0">
-                <a:solidFill>
-                  <a:srgbClr val="FFFF00"/>
-                </a:solidFill>
-              </a:rPr>
-              <a:t>Snowlines</a:t>
-            </a:r>
-            <a:r>
-              <a:rPr lang="en-US" sz="3400" dirty="0" smtClean="0"/>
-              <a:t> of </a:t>
-            </a:r>
-            <a:r>
-              <a:rPr lang="en-US" sz="3400" dirty="0" smtClean="0">
-                <a:solidFill>
-                  <a:srgbClr val="FFFF00"/>
-                </a:solidFill>
-              </a:rPr>
-              <a:t>volatile molecules </a:t>
-            </a:r>
-            <a:r>
-              <a:rPr lang="en-US" sz="3400" dirty="0" smtClean="0"/>
-              <a:t>have been detected in disks</a:t>
-            </a:r>
-            <a:endParaRPr lang="en-US" sz="3400" dirty="0"/>
+              <a:rPr lang="en-US" sz="1400" dirty="0" err="1" smtClean="0"/>
+              <a:t>Henning&amp;Semenov</a:t>
+            </a:r>
+            <a:r>
+              <a:rPr lang="en-US" sz="1400" dirty="0" smtClean="0"/>
+              <a:t> (2013)</a:t>
+            </a:r>
+            <a:endParaRPr lang="en-US" sz="1400" dirty="0"/>
           </a:p>
         </p:txBody>
       </p:sp>
       <p:pic>
         <p:nvPicPr>
-          <p:cNvPr id="3" name="Picture 2"/>
+          <p:cNvPr id="4" name="Picture 3" descr="disk_semenov.png"/>
           <p:cNvPicPr>
             <a:picLocks noChangeAspect="1"/>
           </p:cNvPicPr>
           <p:nvPr/>
         </p:nvPicPr>
         <p:blipFill>
-          <a:blip r:embed="rId2"/>
+          <a:blip r:embed="rId3">
+            <a:extLst>
+              <a:ext uri="{28A0092B-C50C-407E-A947-70E740481C1C}">
+                <a14:useLocalDpi xmlns:a14="http://schemas.microsoft.com/office/drawing/2010/main" val="0"/>
+              </a:ext>
+            </a:extLst>
+          </a:blip>
           <a:stretch>
             <a:fillRect/>
           </a:stretch>
         </p:blipFill>
         <p:spPr>
           <a:xfrm>
-            <a:off x="239889" y="2408767"/>
-            <a:ext cx="8753010" cy="3560234"/>
+            <a:off x="157325" y="702334"/>
+            <a:ext cx="8972172" cy="5154892"/>
           </a:xfrm>
           <a:prstGeom prst="rect">
             <a:avLst/>
           </a:prstGeom>
         </p:spPr>
       </p:pic>
-      <p:sp>
-        <p:nvSpPr>
-          <p:cNvPr id="6" name="TextBox 5"/>
-          <p:cNvSpPr txBox="1"/>
-          <p:nvPr/>
-        </p:nvSpPr>
-        <p:spPr>
-          <a:xfrm>
-            <a:off x="8309119" y="5678004"/>
-            <a:ext cx="933659" cy="307777"/>
-          </a:xfrm>
-          <a:prstGeom prst="rect">
-            <a:avLst/>
-          </a:prstGeom>
-          <a:noFill/>
-        </p:spPr>
-        <p:txBody>
-          <a:bodyPr wrap="square" rtlCol="0">
-            <a:spAutoFit/>
-          </a:bodyPr>
-          <a:lstStyle/>
-          <a:p>
-            <a:r>
-              <a:rPr lang="en-US" sz="1400" dirty="0" smtClean="0">
-                <a:solidFill>
-                  <a:srgbClr val="000000"/>
-                </a:solidFill>
-              </a:rPr>
-              <a:t>Qi+13</a:t>
-            </a:r>
-            <a:endParaRPr lang="en-US" sz="1400" dirty="0">
-              <a:solidFill>
-                <a:srgbClr val="000000"/>
-              </a:solidFill>
-            </a:endParaRPr>
-          </a:p>
-        </p:txBody>
-      </p:sp>
     </p:spTree>
     <p:extLst>
       <p:ext uri="{BB962C8B-B14F-4D97-AF65-F5344CB8AC3E}">
-        <p14:creationId xmlns:p14="http://schemas.microsoft.com/office/powerpoint/2010/main" val="2269919837"/>
+        <p14:creationId xmlns:p14="http://schemas.microsoft.com/office/powerpoint/2010/main" val="1161060238"/>
       </p:ext>
     </p:extLst>
   </p:cSld>
@@ -5372,7 +5243,7 @@
       </p:grpSpPr>
       <p:sp>
         <p:nvSpPr>
-          <p:cNvPr id="4" name="Title 1"/>
+          <p:cNvPr id="2" name="Title 1"/>
           <p:cNvSpPr>
             <a:spLocks noGrp="1"/>
           </p:cNvSpPr>
@@ -5382,13 +5253,13 @@
         </p:nvSpPr>
         <p:spPr>
           <a:xfrm>
-            <a:off x="457200" y="45303"/>
-            <a:ext cx="8229600" cy="1143000"/>
+            <a:off x="127000" y="155222"/>
+            <a:ext cx="9017000" cy="1693334"/>
           </a:xfrm>
         </p:spPr>
         <p:txBody>
           <a:bodyPr>
-            <a:normAutofit/>
+            <a:noAutofit/>
           </a:bodyPr>
           <a:lstStyle/>
           <a:p>
@@ -5398,11 +5269,11 @@
                   <a:srgbClr val="FFFF00"/>
                 </a:solidFill>
               </a:rPr>
-              <a:t>C/O ratio </a:t>
+              <a:t>Snowlines</a:t>
             </a:r>
             <a:r>
               <a:rPr lang="en-US" sz="3400" dirty="0" smtClean="0"/>
-              <a:t>is an important signature of </a:t>
+              <a:t> of </a:t>
             </a:r>
             <a:r>
               <a:rPr lang="en-US" sz="3400" dirty="0" smtClean="0">
@@ -5410,40 +5281,34 @@
                   <a:srgbClr val="FFFF00"/>
                 </a:solidFill>
               </a:rPr>
-              <a:t>atmospheric chemistry </a:t>
-            </a:r>
-            <a:endParaRPr lang="en-US" sz="3400" dirty="0">
-              <a:solidFill>
-                <a:srgbClr val="FFFF00"/>
-              </a:solidFill>
-            </a:endParaRPr>
+              <a:t>volatile molecules </a:t>
+            </a:r>
+            <a:r>
+              <a:rPr lang="en-US" sz="3400" dirty="0" smtClean="0"/>
+              <a:t>have been detected in disks</a:t>
+            </a:r>
+            <a:endParaRPr lang="en-US" sz="3400" dirty="0"/>
           </a:p>
         </p:txBody>
       </p:sp>
       <p:pic>
         <p:nvPicPr>
-          <p:cNvPr id="2" name="Picture 1" descr="CO_abundances.png"/>
+          <p:cNvPr id="3" name="Picture 2"/>
           <p:cNvPicPr>
             <a:picLocks noChangeAspect="1"/>
           </p:cNvPicPr>
           <p:nvPr/>
         </p:nvPicPr>
         <p:blipFill>
-          <a:blip r:embed="rId2">
-            <a:extLst>
-              <a:ext uri="{28A0092B-C50C-407E-A947-70E740481C1C}">
-                <a14:useLocalDpi xmlns:a14="http://schemas.microsoft.com/office/drawing/2010/main" val="0"/>
-              </a:ext>
-            </a:extLst>
-          </a:blip>
+          <a:blip r:embed="rId2"/>
           <a:stretch>
             <a:fillRect/>
           </a:stretch>
         </p:blipFill>
         <p:spPr>
           <a:xfrm>
-            <a:off x="931333" y="1361688"/>
-            <a:ext cx="7295445" cy="5259747"/>
+            <a:off x="239889" y="2408767"/>
+            <a:ext cx="8753010" cy="3560234"/>
           </a:xfrm>
           <a:prstGeom prst="rect">
             <a:avLst/>
@@ -5452,14 +5317,14 @@
       </p:pic>
       <p:sp>
         <p:nvSpPr>
-          <p:cNvPr id="7" name="TextBox 6"/>
+          <p:cNvPr id="6" name="TextBox 5"/>
           <p:cNvSpPr txBox="1"/>
           <p:nvPr/>
         </p:nvSpPr>
         <p:spPr>
           <a:xfrm>
-            <a:off x="7196661" y="6297247"/>
-            <a:ext cx="1533878" cy="307777"/>
+            <a:off x="8309119" y="5678004"/>
+            <a:ext cx="933659" cy="307777"/>
           </a:xfrm>
           <a:prstGeom prst="rect">
             <a:avLst/>
@@ -5478,15 +5343,7 @@
                   <a:srgbClr val="000000"/>
                 </a:solidFill>
               </a:rPr>
-              <a:t>Molliere</a:t>
-            </a:r>
-            <a:r>
-              <a:rPr lang="en-US" sz="1400" dirty="0" smtClean="0">
-                <a:solidFill>
-                  <a:srgbClr val="000000"/>
-                </a:solidFill>
-              </a:rPr>
-              <a:t>+15</a:t>
+              <a:t>Qi+13</a:t>
             </a:r>
             <a:endParaRPr lang="en-US" sz="1400" dirty="0">
               <a:solidFill>
@@ -5499,7 +5356,7 @@
     </p:spTree>
     <p:extLst>
       <p:ext uri="{BB962C8B-B14F-4D97-AF65-F5344CB8AC3E}">
-        <p14:creationId xmlns:p14="http://schemas.microsoft.com/office/powerpoint/2010/main" val="505830353"/>
+        <p14:creationId xmlns:p14="http://schemas.microsoft.com/office/powerpoint/2010/main" val="2269919837"/>
       </p:ext>
     </p:extLst>
   </p:cSld>
@@ -5535,6 +5392,169 @@
       </p:grpSpPr>
       <p:sp>
         <p:nvSpPr>
+          <p:cNvPr id="4" name="Title 1"/>
+          <p:cNvSpPr>
+            <a:spLocks noGrp="1"/>
+          </p:cNvSpPr>
+          <p:nvPr>
+            <p:ph type="title"/>
+          </p:nvPr>
+        </p:nvSpPr>
+        <p:spPr>
+          <a:xfrm>
+            <a:off x="457200" y="45303"/>
+            <a:ext cx="8229600" cy="1143000"/>
+          </a:xfrm>
+        </p:spPr>
+        <p:txBody>
+          <a:bodyPr>
+            <a:normAutofit/>
+          </a:bodyPr>
+          <a:lstStyle/>
+          <a:p>
+            <a:r>
+              <a:rPr lang="en-US" sz="3400" dirty="0" smtClean="0">
+                <a:solidFill>
+                  <a:srgbClr val="FFFF00"/>
+                </a:solidFill>
+              </a:rPr>
+              <a:t>C/O ratio </a:t>
+            </a:r>
+            <a:r>
+              <a:rPr lang="en-US" sz="3400" dirty="0" smtClean="0"/>
+              <a:t>is an important signature of </a:t>
+            </a:r>
+            <a:r>
+              <a:rPr lang="en-US" sz="3400" dirty="0" smtClean="0">
+                <a:solidFill>
+                  <a:srgbClr val="FFFF00"/>
+                </a:solidFill>
+              </a:rPr>
+              <a:t>atmospheric chemistry </a:t>
+            </a:r>
+            <a:endParaRPr lang="en-US" sz="3400" dirty="0">
+              <a:solidFill>
+                <a:srgbClr val="FFFF00"/>
+              </a:solidFill>
+            </a:endParaRPr>
+          </a:p>
+        </p:txBody>
+      </p:sp>
+      <p:pic>
+        <p:nvPicPr>
+          <p:cNvPr id="2" name="Picture 1" descr="CO_abundances.png"/>
+          <p:cNvPicPr>
+            <a:picLocks noChangeAspect="1"/>
+          </p:cNvPicPr>
+          <p:nvPr/>
+        </p:nvPicPr>
+        <p:blipFill>
+          <a:blip r:embed="rId2">
+            <a:extLst>
+              <a:ext uri="{28A0092B-C50C-407E-A947-70E740481C1C}">
+                <a14:useLocalDpi xmlns:a14="http://schemas.microsoft.com/office/drawing/2010/main" val="0"/>
+              </a:ext>
+            </a:extLst>
+          </a:blip>
+          <a:stretch>
+            <a:fillRect/>
+          </a:stretch>
+        </p:blipFill>
+        <p:spPr>
+          <a:xfrm>
+            <a:off x="931333" y="1361688"/>
+            <a:ext cx="7295445" cy="5259747"/>
+          </a:xfrm>
+          <a:prstGeom prst="rect">
+            <a:avLst/>
+          </a:prstGeom>
+        </p:spPr>
+      </p:pic>
+      <p:sp>
+        <p:nvSpPr>
+          <p:cNvPr id="7" name="TextBox 6"/>
+          <p:cNvSpPr txBox="1"/>
+          <p:nvPr/>
+        </p:nvSpPr>
+        <p:spPr>
+          <a:xfrm>
+            <a:off x="7196661" y="6297247"/>
+            <a:ext cx="1533878" cy="307777"/>
+          </a:xfrm>
+          <a:prstGeom prst="rect">
+            <a:avLst/>
+          </a:prstGeom>
+          <a:noFill/>
+        </p:spPr>
+        <p:txBody>
+          <a:bodyPr wrap="square" rtlCol="0">
+            <a:spAutoFit/>
+          </a:bodyPr>
+          <a:lstStyle/>
+          <a:p>
+            <a:r>
+              <a:rPr lang="en-US" sz="1400" dirty="0" smtClean="0">
+                <a:solidFill>
+                  <a:srgbClr val="000000"/>
+                </a:solidFill>
+              </a:rPr>
+              <a:t>Molliere</a:t>
+            </a:r>
+            <a:r>
+              <a:rPr lang="en-US" sz="1400" dirty="0" smtClean="0">
+                <a:solidFill>
+                  <a:srgbClr val="000000"/>
+                </a:solidFill>
+              </a:rPr>
+              <a:t>+15</a:t>
+            </a:r>
+            <a:endParaRPr lang="en-US" sz="1400" dirty="0">
+              <a:solidFill>
+                <a:srgbClr val="000000"/>
+              </a:solidFill>
+            </a:endParaRPr>
+          </a:p>
+        </p:txBody>
+      </p:sp>
+    </p:spTree>
+    <p:extLst>
+      <p:ext uri="{BB962C8B-B14F-4D97-AF65-F5344CB8AC3E}">
+        <p14:creationId xmlns:p14="http://schemas.microsoft.com/office/powerpoint/2010/main" val="505830353"/>
+      </p:ext>
+    </p:extLst>
+  </p:cSld>
+  <p:clrMapOvr>
+    <a:masterClrMapping/>
+  </p:clrMapOvr>
+  <p:timing>
+    <p:tnLst>
+      <p:par>
+        <p:cTn xmlns:p14="http://schemas.microsoft.com/office/powerpoint/2010/main" id="1" dur="indefinite" restart="never" nodeType="tmRoot"/>
+      </p:par>
+    </p:tnLst>
+  </p:timing>
+</p:sld>
+</file>
+
+<file path=ppt/slides/slide15.xml><?xml version="1.0" encoding="utf-8"?>
+<p:sld xmlns:a="http://schemas.openxmlformats.org/drawingml/2006/main" xmlns:r="http://schemas.openxmlformats.org/officeDocument/2006/relationships" xmlns:p="http://schemas.openxmlformats.org/presentationml/2006/main">
+  <p:cSld>
+    <p:spTree>
+      <p:nvGrpSpPr>
+        <p:cNvPr id="1" name=""/>
+        <p:cNvGrpSpPr/>
+        <p:nvPr/>
+      </p:nvGrpSpPr>
+      <p:grpSpPr>
+        <a:xfrm>
+          <a:off x="0" y="0"/>
+          <a:ext cx="0" cy="0"/>
+          <a:chOff x="0" y="0"/>
+          <a:chExt cx="0" cy="0"/>
+        </a:xfrm>
+      </p:grpSpPr>
+      <p:sp>
+        <p:nvSpPr>
           <p:cNvPr id="3" name="Content Placeholder 2"/>
           <p:cNvSpPr>
             <a:spLocks noGrp="1"/>
@@ -5736,7 +5756,7 @@
 </p:sld>
 </file>
 
-<file path=ppt/slides/slide15.xml><?xml version="1.0" encoding="utf-8"?>
+<file path=ppt/slides/slide16.xml><?xml version="1.0" encoding="utf-8"?>
 <p:sld xmlns:a="http://schemas.openxmlformats.org/drawingml/2006/main" xmlns:r="http://schemas.openxmlformats.org/officeDocument/2006/relationships" xmlns:p="http://schemas.openxmlformats.org/presentationml/2006/main">
   <p:cSld>
     <p:spTree>
@@ -6002,143 +6022,6 @@
 </p:sld>
 </file>
 
-<file path=ppt/slides/slide16.xml><?xml version="1.0" encoding="utf-8"?>
-<p:sld xmlns:a="http://schemas.openxmlformats.org/drawingml/2006/main" xmlns:r="http://schemas.openxmlformats.org/officeDocument/2006/relationships" xmlns:p="http://schemas.openxmlformats.org/presentationml/2006/main">
-  <p:cSld>
-    <p:spTree>
-      <p:nvGrpSpPr>
-        <p:cNvPr id="1" name=""/>
-        <p:cNvGrpSpPr/>
-        <p:nvPr/>
-      </p:nvGrpSpPr>
-      <p:grpSpPr>
-        <a:xfrm>
-          <a:off x="0" y="0"/>
-          <a:ext cx="0" cy="0"/>
-          <a:chOff x="0" y="0"/>
-          <a:chExt cx="0" cy="0"/>
-        </a:xfrm>
-      </p:grpSpPr>
-      <p:sp>
-        <p:nvSpPr>
-          <p:cNvPr id="2" name="Title 1"/>
-          <p:cNvSpPr>
-            <a:spLocks noGrp="1"/>
-          </p:cNvSpPr>
-          <p:nvPr>
-            <p:ph type="title"/>
-          </p:nvPr>
-        </p:nvSpPr>
-        <p:spPr>
-          <a:xfrm>
-            <a:off x="457200" y="2540001"/>
-            <a:ext cx="8475133" cy="2215444"/>
-          </a:xfrm>
-          <a:solidFill>
-            <a:srgbClr val="FFFF00"/>
-          </a:solidFill>
-          <a:ln w="63500">
-            <a:solidFill>
-              <a:srgbClr val="0000FF"/>
-            </a:solidFill>
-          </a:ln>
-        </p:spPr>
-        <p:txBody>
-          <a:bodyPr>
-            <a:noAutofit/>
-          </a:bodyPr>
-          <a:lstStyle/>
-          <a:p>
-            <a:r>
-              <a:rPr lang="en-US" sz="3600" dirty="0" smtClean="0">
-                <a:solidFill>
-                  <a:schemeClr val="bg1"/>
-                </a:solidFill>
-              </a:rPr>
-              <a:t>Understand how radial drift and gas accretion affect snowline locations, and thus the C/O ratio in gas and dust throughout the disk</a:t>
-            </a:r>
-            <a:endParaRPr lang="en-US" sz="3600" dirty="0">
-              <a:solidFill>
-                <a:schemeClr val="bg1"/>
-              </a:solidFill>
-            </a:endParaRPr>
-          </a:p>
-        </p:txBody>
-      </p:sp>
-      <p:sp>
-        <p:nvSpPr>
-          <p:cNvPr id="4" name="Title 1"/>
-          <p:cNvSpPr txBox="1">
-            <a:spLocks/>
-          </p:cNvSpPr>
-          <p:nvPr/>
-        </p:nvSpPr>
-        <p:spPr>
-          <a:xfrm>
-            <a:off x="457200" y="274638"/>
-            <a:ext cx="8229600" cy="1143000"/>
-          </a:xfrm>
-          <a:prstGeom prst="rect">
-            <a:avLst/>
-          </a:prstGeom>
-        </p:spPr>
-        <p:txBody>
-          <a:bodyPr vert="horz" lIns="91440" tIns="45720" rIns="91440" bIns="45720" rtlCol="0" anchor="ctr">
-            <a:normAutofit/>
-          </a:bodyPr>
-          <a:lstStyle>
-            <a:lvl1pPr algn="ctr" defTabSz="914400" rtl="0" eaLnBrk="1" latinLnBrk="0" hangingPunct="1">
-              <a:spcBef>
-                <a:spcPct val="0"/>
-              </a:spcBef>
-              <a:buNone/>
-              <a:defRPr sz="4400" kern="1200">
-                <a:solidFill>
-                  <a:schemeClr val="tx1"/>
-                </a:solidFill>
-                <a:latin typeface="+mj-lt"/>
-                <a:ea typeface="+mj-ea"/>
-                <a:cs typeface="+mj-cs"/>
-              </a:defRPr>
-            </a:lvl1pPr>
-          </a:lstStyle>
-          <a:p>
-            <a:r>
-              <a:rPr lang="en-US" sz="6000" dirty="0" smtClean="0">
-                <a:solidFill>
-                  <a:srgbClr val="FFFF00"/>
-                </a:solidFill>
-              </a:rPr>
-              <a:t>GOAL</a:t>
-            </a:r>
-            <a:endParaRPr lang="en-US" sz="6000" dirty="0">
-              <a:solidFill>
-                <a:srgbClr val="FFFF00"/>
-              </a:solidFill>
-            </a:endParaRPr>
-          </a:p>
-        </p:txBody>
-      </p:sp>
-    </p:spTree>
-    <p:extLst>
-      <p:ext uri="{BB962C8B-B14F-4D97-AF65-F5344CB8AC3E}">
-        <p14:creationId xmlns:p14="http://schemas.microsoft.com/office/powerpoint/2010/main" val="3790756509"/>
-      </p:ext>
-    </p:extLst>
-  </p:cSld>
-  <p:clrMapOvr>
-    <a:masterClrMapping/>
-  </p:clrMapOvr>
-  <p:timing>
-    <p:tnLst>
-      <p:par>
-        <p:cTn xmlns:p14="http://schemas.microsoft.com/office/powerpoint/2010/main" id="1" dur="indefinite" restart="never" nodeType="tmRoot"/>
-      </p:par>
-    </p:tnLst>
-  </p:timing>
-</p:sld>
-</file>
-
 <file path=ppt/slides/slide17.xml><?xml version="1.0" encoding="utf-8"?>
 <p:sld xmlns:a="http://schemas.openxmlformats.org/drawingml/2006/main" xmlns:r="http://schemas.openxmlformats.org/officeDocument/2006/relationships" xmlns:p="http://schemas.openxmlformats.org/presentationml/2006/main">
   <p:cSld>
@@ -6166,96 +6049,35 @@
             <p:ph type="title"/>
           </p:nvPr>
         </p:nvSpPr>
-        <p:spPr/>
-        <p:txBody>
-          <a:bodyPr>
-            <a:normAutofit fontScale="90000"/>
-          </a:bodyPr>
-          <a:lstStyle/>
-          <a:p>
-            <a:r>
-              <a:rPr lang="en-US" dirty="0" smtClean="0">
-                <a:solidFill>
-                  <a:srgbClr val="FFFF00"/>
-                </a:solidFill>
-              </a:rPr>
-              <a:t>Timescales</a:t>
-            </a:r>
-            <a:r>
-              <a:rPr lang="en-US" dirty="0" smtClean="0"/>
-              <a:t> for </a:t>
-            </a:r>
-            <a:r>
-              <a:rPr lang="en-US" dirty="0" smtClean="0">
-                <a:solidFill>
-                  <a:srgbClr val="FFFF00"/>
-                </a:solidFill>
-              </a:rPr>
-              <a:t>desorption</a:t>
-            </a:r>
-            <a:r>
-              <a:rPr lang="en-US" dirty="0" smtClean="0"/>
-              <a:t>, </a:t>
-            </a:r>
-            <a:r>
-              <a:rPr lang="en-US" dirty="0" smtClean="0">
-                <a:solidFill>
-                  <a:srgbClr val="FFFF00"/>
-                </a:solidFill>
-              </a:rPr>
-              <a:t>radial drift </a:t>
-            </a:r>
-            <a:r>
-              <a:rPr lang="en-US" dirty="0" smtClean="0"/>
-              <a:t>and </a:t>
-            </a:r>
-            <a:r>
-              <a:rPr lang="en-US" dirty="0" smtClean="0">
-                <a:solidFill>
-                  <a:srgbClr val="FFFF00"/>
-                </a:solidFill>
-              </a:rPr>
-              <a:t>gas accretion </a:t>
-            </a:r>
-            <a:r>
-              <a:rPr lang="en-US" dirty="0" smtClean="0"/>
-              <a:t>ARE comparable</a:t>
-            </a:r>
-            <a:endParaRPr lang="en-US" dirty="0"/>
-          </a:p>
-        </p:txBody>
-      </p:sp>
-      <p:sp>
-        <p:nvSpPr>
-          <p:cNvPr id="5" name="TextBox 4"/>
-          <p:cNvSpPr txBox="1"/>
-          <p:nvPr/>
-        </p:nvSpPr>
         <p:spPr>
           <a:xfrm>
-            <a:off x="7374468" y="6396860"/>
-            <a:ext cx="1106311" cy="307777"/>
+            <a:off x="457200" y="2540001"/>
+            <a:ext cx="8475133" cy="2215444"/>
           </a:xfrm>
-          <a:prstGeom prst="rect">
-            <a:avLst/>
-          </a:prstGeom>
-          <a:noFill/>
+          <a:solidFill>
+            <a:srgbClr val="FFFF00"/>
+          </a:solidFill>
+          <a:ln w="63500">
+            <a:solidFill>
+              <a:srgbClr val="0000FF"/>
+            </a:solidFill>
+          </a:ln>
         </p:spPr>
         <p:txBody>
-          <a:bodyPr wrap="square" rtlCol="0">
-            <a:spAutoFit/>
+          <a:bodyPr>
+            <a:noAutofit/>
           </a:bodyPr>
           <a:lstStyle/>
           <a:p>
             <a:r>
-              <a:rPr lang="en-US" sz="1400" dirty="0" smtClean="0">
+              <a:rPr lang="en-US" sz="3600" dirty="0" smtClean="0">
                 <a:solidFill>
                   <a:schemeClr val="bg1"/>
                 </a:solidFill>
               </a:rPr>
-              <a:t>Piso+15</a:t>
-            </a:r>
-            <a:endParaRPr lang="en-US" sz="1400" dirty="0">
+              <a:t>Understand how radial drift and gas accretion affect snowline locations, and thus the C/O ratio in gas and dust throughout the disk</a:t>
+            </a:r>
+            <a:endParaRPr lang="en-US" sz="3600" dirty="0">
               <a:solidFill>
                 <a:schemeClr val="bg1"/>
               </a:solidFill>
@@ -6263,85 +6085,55 @@
           </a:p>
         </p:txBody>
       </p:sp>
-      <p:pic>
-        <p:nvPicPr>
-          <p:cNvPr id="3" name="Picture 2" descr="drift_timescales_betaS1_gas_acc_new.pdf"/>
-          <p:cNvPicPr>
-            <a:picLocks noChangeAspect="1"/>
-          </p:cNvPicPr>
+      <p:sp>
+        <p:nvSpPr>
+          <p:cNvPr id="4" name="Title 1"/>
+          <p:cNvSpPr txBox="1">
+            <a:spLocks/>
+          </p:cNvSpPr>
           <p:nvPr/>
-        </p:nvPicPr>
-        <p:blipFill>
-          <a:blip r:embed="rId2">
-            <a:extLst>
-              <a:ext uri="{28A0092B-C50C-407E-A947-70E740481C1C}">
-                <a14:useLocalDpi xmlns:a14="http://schemas.microsoft.com/office/drawing/2010/main" val="0"/>
-              </a:ext>
-            </a:extLst>
-          </a:blip>
-          <a:stretch>
-            <a:fillRect/>
-          </a:stretch>
-        </p:blipFill>
+        </p:nvSpPr>
         <p:spPr>
           <a:xfrm>
-            <a:off x="1233306" y="1634066"/>
-            <a:ext cx="6683023" cy="5012267"/>
+            <a:off x="457200" y="274638"/>
+            <a:ext cx="8229600" cy="1143000"/>
           </a:xfrm>
           <a:prstGeom prst="rect">
             <a:avLst/>
           </a:prstGeom>
         </p:spPr>
-      </p:pic>
-      <p:sp>
-        <p:nvSpPr>
-          <p:cNvPr id="6" name="TextBox 5"/>
-          <p:cNvSpPr txBox="1"/>
-          <p:nvPr/>
-        </p:nvSpPr>
-        <p:spPr>
-          <a:xfrm>
-            <a:off x="4727584" y="6310521"/>
-            <a:ext cx="3269817" cy="307777"/>
-          </a:xfrm>
-          <a:prstGeom prst="rect">
-            <a:avLst/>
-          </a:prstGeom>
-          <a:noFill/>
-        </p:spPr>
-        <p:txBody>
-          <a:bodyPr wrap="square" rtlCol="0">
-            <a:spAutoFit/>
+        <p:txBody>
+          <a:bodyPr vert="horz" lIns="91440" tIns="45720" rIns="91440" bIns="45720" rtlCol="0" anchor="ctr">
+            <a:normAutofit/>
           </a:bodyPr>
-          <a:lstStyle/>
-          <a:p>
-            <a:r>
-              <a:rPr lang="en-US" sz="1400" dirty="0" smtClean="0">
-                <a:solidFill>
-                  <a:schemeClr val="bg1"/>
-                </a:solidFill>
-              </a:rPr>
-              <a:t>Piso, Oberg, </a:t>
-            </a:r>
-            <a:r>
-              <a:rPr lang="en-US" sz="1400" dirty="0" err="1" smtClean="0">
-                <a:solidFill>
-                  <a:schemeClr val="bg1"/>
-                </a:solidFill>
-              </a:rPr>
-              <a:t>Birnstiel</a:t>
-            </a:r>
-            <a:r>
-              <a:rPr lang="en-US" sz="1400" dirty="0" smtClean="0">
-                <a:solidFill>
-                  <a:schemeClr val="bg1"/>
-                </a:solidFill>
-              </a:rPr>
-              <a:t>, Murray-Clay  (2015)</a:t>
-            </a:r>
-            <a:endParaRPr lang="en-US" sz="1400" dirty="0">
+          <a:lstStyle>
+            <a:lvl1pPr algn="ctr" defTabSz="914400" rtl="0" eaLnBrk="1" latinLnBrk="0" hangingPunct="1">
+              <a:spcBef>
+                <a:spcPct val="0"/>
+              </a:spcBef>
+              <a:buNone/>
+              <a:defRPr sz="4400" kern="1200">
+                <a:solidFill>
+                  <a:schemeClr val="tx1"/>
+                </a:solidFill>
+                <a:latin typeface="+mj-lt"/>
+                <a:ea typeface="+mj-ea"/>
+                <a:cs typeface="+mj-cs"/>
+              </a:defRPr>
+            </a:lvl1pPr>
+          </a:lstStyle>
+          <a:p>
+            <a:r>
+              <a:rPr lang="en-US" sz="6000" dirty="0" smtClean="0">
+                <a:solidFill>
+                  <a:srgbClr val="FFFF00"/>
+                </a:solidFill>
+              </a:rPr>
+              <a:t>GOAL</a:t>
+            </a:r>
+            <a:endParaRPr lang="en-US" sz="6000" dirty="0">
               <a:solidFill>
-                <a:schemeClr val="bg1"/>
+                <a:srgbClr val="FFFF00"/>
               </a:solidFill>
             </a:endParaRPr>
           </a:p>
@@ -6350,7 +6142,7 @@
     </p:spTree>
     <p:extLst>
       <p:ext uri="{BB962C8B-B14F-4D97-AF65-F5344CB8AC3E}">
-        <p14:creationId xmlns:p14="http://schemas.microsoft.com/office/powerpoint/2010/main" val="3000364603"/>
+        <p14:creationId xmlns:p14="http://schemas.microsoft.com/office/powerpoint/2010/main" val="3790756509"/>
       </p:ext>
     </p:extLst>
   </p:cSld>
@@ -6384,63 +6176,9 @@
           <a:chExt cx="0" cy="0"/>
         </a:xfrm>
       </p:grpSpPr>
-      <p:sp>
-        <p:nvSpPr>
-          <p:cNvPr id="2" name="Title 1"/>
-          <p:cNvSpPr>
-            <a:spLocks noGrp="1"/>
-          </p:cNvSpPr>
-          <p:nvPr>
-            <p:ph type="title"/>
-          </p:nvPr>
-        </p:nvSpPr>
-        <p:spPr>
-          <a:xfrm>
-            <a:off x="457200" y="20638"/>
-            <a:ext cx="8229600" cy="1143000"/>
-          </a:xfrm>
-        </p:spPr>
-        <p:txBody>
-          <a:bodyPr>
-            <a:noAutofit/>
-          </a:bodyPr>
-          <a:lstStyle/>
-          <a:p>
-            <a:r>
-              <a:rPr lang="en-US" sz="3600" dirty="0" smtClean="0"/>
-              <a:t>We determined </a:t>
-            </a:r>
-            <a:r>
-              <a:rPr lang="en-US" sz="3600" dirty="0" smtClean="0">
-                <a:solidFill>
-                  <a:srgbClr val="FFFF00"/>
-                </a:solidFill>
-              </a:rPr>
-              <a:t>upper limits </a:t>
-            </a:r>
-            <a:r>
-              <a:rPr lang="en-US" sz="3600" dirty="0" smtClean="0"/>
-              <a:t>for the </a:t>
-            </a:r>
-            <a:r>
-              <a:rPr lang="en-US" sz="3600" dirty="0" smtClean="0">
-                <a:solidFill>
-                  <a:srgbClr val="FFFF00"/>
-                </a:solidFill>
-              </a:rPr>
-              <a:t>C/O ratio</a:t>
-            </a:r>
-            <a:r>
-              <a:rPr lang="en-US" sz="3600" dirty="0" smtClean="0"/>
-              <a:t> across the disk</a:t>
-            </a:r>
-            <a:endParaRPr lang="en-US" sz="3600" dirty="0"/>
-          </a:p>
-        </p:txBody>
-      </p:sp>
       <p:pic>
         <p:nvPicPr>
-          <p:cNvPr id="3" name="Picture 2" descr="C_O_ratio_passive_active_disk_many_colorbar_complete_new.pdf"/>
+          <p:cNvPr id="4" name="Picture 3" descr="drift_timescales_betaS1_gas_acc_new2.pdf"/>
           <p:cNvPicPr>
             <a:picLocks noChangeAspect="1"/>
           </p:cNvPicPr>
@@ -6460,8 +6198,8 @@
         </p:blipFill>
         <p:spPr>
           <a:xfrm>
-            <a:off x="1961445" y="1163638"/>
-            <a:ext cx="5446888" cy="5446888"/>
+            <a:off x="1216400" y="1625080"/>
+            <a:ext cx="6725572" cy="5044179"/>
           </a:xfrm>
           <a:prstGeom prst="rect">
             <a:avLst/>
@@ -6470,13 +6208,82 @@
       </p:pic>
       <p:sp>
         <p:nvSpPr>
+          <p:cNvPr id="2" name="Title 1"/>
+          <p:cNvSpPr>
+            <a:spLocks noGrp="1"/>
+          </p:cNvSpPr>
+          <p:nvPr>
+            <p:ph type="title"/>
+          </p:nvPr>
+        </p:nvSpPr>
+        <p:spPr/>
+        <p:txBody>
+          <a:bodyPr>
+            <a:normAutofit fontScale="90000"/>
+          </a:bodyPr>
+          <a:lstStyle/>
+          <a:p>
+            <a:r>
+              <a:rPr lang="en-US" dirty="0" smtClean="0">
+                <a:solidFill>
+                  <a:srgbClr val="FFFF00"/>
+                </a:solidFill>
+              </a:rPr>
+              <a:t>Timescales</a:t>
+            </a:r>
+            <a:r>
+              <a:rPr lang="en-US" dirty="0" smtClean="0"/>
+              <a:t> for </a:t>
+            </a:r>
+            <a:r>
+              <a:rPr lang="en-US" dirty="0" smtClean="0">
+                <a:solidFill>
+                  <a:srgbClr val="FFFF00"/>
+                </a:solidFill>
+              </a:rPr>
+              <a:t>desorption</a:t>
+            </a:r>
+            <a:r>
+              <a:rPr lang="en-US" dirty="0" smtClean="0"/>
+              <a:t>, </a:t>
+            </a:r>
+            <a:r>
+              <a:rPr lang="en-US" dirty="0" smtClean="0">
+                <a:solidFill>
+                  <a:srgbClr val="FFFF00"/>
+                </a:solidFill>
+              </a:rPr>
+              <a:t>radial drift </a:t>
+            </a:r>
+            <a:r>
+              <a:rPr lang="en-US" dirty="0" smtClean="0"/>
+              <a:t>and </a:t>
+            </a:r>
+            <a:r>
+              <a:rPr lang="en-US" dirty="0" smtClean="0">
+                <a:solidFill>
+                  <a:srgbClr val="FFFF00"/>
+                </a:solidFill>
+              </a:rPr>
+              <a:t>gas accretion </a:t>
+            </a:r>
+            <a:r>
+              <a:rPr lang="en-US" dirty="0" smtClean="0"/>
+              <a:t>ARE comparable</a:t>
+            </a:r>
+            <a:endParaRPr lang="en-US" dirty="0"/>
+          </a:p>
+        </p:txBody>
+      </p:sp>
+      <p:sp>
+        <p:nvSpPr>
           <p:cNvPr id="6" name="TextBox 5"/>
           <p:cNvSpPr txBox="1"/>
           <p:nvPr/>
         </p:nvSpPr>
         <p:spPr>
           <a:xfrm>
-            <a:off x="4281688" y="6310521"/>
+            <a:off x="4781632" y="6364561"/>
             <a:ext cx="3269817" cy="307777"/>
           </a:xfrm>
           <a:prstGeom prst="rect">
@@ -6525,7 +6332,7 @@
     </p:spTree>
     <p:extLst>
       <p:ext uri="{BB962C8B-B14F-4D97-AF65-F5344CB8AC3E}">
-        <p14:creationId xmlns:p14="http://schemas.microsoft.com/office/powerpoint/2010/main" val="1605698527"/>
+        <p14:creationId xmlns:p14="http://schemas.microsoft.com/office/powerpoint/2010/main" val="3000364603"/>
       </p:ext>
     </p:extLst>
   </p:cSld>
@@ -6559,9 +6366,63 @@
           <a:chExt cx="0" cy="0"/>
         </a:xfrm>
       </p:grpSpPr>
+      <p:sp>
+        <p:nvSpPr>
+          <p:cNvPr id="2" name="Title 1"/>
+          <p:cNvSpPr>
+            <a:spLocks noGrp="1"/>
+          </p:cNvSpPr>
+          <p:nvPr>
+            <p:ph type="title"/>
+          </p:nvPr>
+        </p:nvSpPr>
+        <p:spPr>
+          <a:xfrm>
+            <a:off x="457200" y="20638"/>
+            <a:ext cx="8229600" cy="1143000"/>
+          </a:xfrm>
+        </p:spPr>
+        <p:txBody>
+          <a:bodyPr>
+            <a:noAutofit/>
+          </a:bodyPr>
+          <a:lstStyle/>
+          <a:p>
+            <a:r>
+              <a:rPr lang="en-US" sz="3600" dirty="0" smtClean="0"/>
+              <a:t>We determined </a:t>
+            </a:r>
+            <a:r>
+              <a:rPr lang="en-US" sz="3600" dirty="0" smtClean="0">
+                <a:solidFill>
+                  <a:srgbClr val="FFFF00"/>
+                </a:solidFill>
+              </a:rPr>
+              <a:t>upper limits </a:t>
+            </a:r>
+            <a:r>
+              <a:rPr lang="en-US" sz="3600" dirty="0" smtClean="0"/>
+              <a:t>for the </a:t>
+            </a:r>
+            <a:r>
+              <a:rPr lang="en-US" sz="3600" dirty="0" smtClean="0">
+                <a:solidFill>
+                  <a:srgbClr val="FFFF00"/>
+                </a:solidFill>
+              </a:rPr>
+              <a:t>C/O ratio</a:t>
+            </a:r>
+            <a:r>
+              <a:rPr lang="en-US" sz="3600" dirty="0" smtClean="0"/>
+              <a:t> across the disk</a:t>
+            </a:r>
+            <a:endParaRPr lang="en-US" sz="3600" dirty="0"/>
+          </a:p>
+        </p:txBody>
+      </p:sp>
       <p:pic>
         <p:nvPicPr>
-          <p:cNvPr id="6" name="Picture 5" descr="CNO_and_snowlines_single.pdf"/>
+          <p:cNvPr id="3" name="Picture 2" descr="C_O_ratio_passive_active_disk_many_colorbar_complete_new.pdf"/>
           <p:cNvPicPr>
             <a:picLocks noChangeAspect="1"/>
           </p:cNvPicPr>
@@ -6581,8 +6442,8 @@
         </p:blipFill>
         <p:spPr>
           <a:xfrm>
-            <a:off x="80210" y="1663701"/>
-            <a:ext cx="9020913" cy="4064528"/>
+            <a:off x="1961445" y="1163638"/>
+            <a:ext cx="5446888" cy="5446888"/>
           </a:xfrm>
           <a:prstGeom prst="rect">
             <a:avLst/>
@@ -6591,37 +6452,14 @@
       </p:pic>
       <p:sp>
         <p:nvSpPr>
-          <p:cNvPr id="2" name="Title 1"/>
-          <p:cNvSpPr>
-            <a:spLocks noGrp="1"/>
-          </p:cNvSpPr>
-          <p:nvPr>
-            <p:ph type="title"/>
-          </p:nvPr>
-        </p:nvSpPr>
-        <p:spPr/>
-        <p:txBody>
-          <a:bodyPr/>
-          <a:lstStyle/>
-          <a:p>
-            <a:r>
-              <a:rPr lang="en-US" dirty="0" smtClean="0"/>
-              <a:t>More volatile snowlines in disks</a:t>
-            </a:r>
-            <a:endParaRPr lang="en-US" dirty="0"/>
-          </a:p>
-        </p:txBody>
-      </p:sp>
-      <p:sp>
-        <p:nvSpPr>
-          <p:cNvPr id="5" name="TextBox 4"/>
+          <p:cNvPr id="6" name="TextBox 5"/>
           <p:cNvSpPr txBox="1"/>
           <p:nvPr/>
         </p:nvSpPr>
         <p:spPr>
           <a:xfrm>
-            <a:off x="6445098" y="5418861"/>
-            <a:ext cx="3430472" cy="307777"/>
+            <a:off x="4281688" y="6310521"/>
+            <a:ext cx="3269817" cy="307777"/>
           </a:xfrm>
           <a:prstGeom prst="rect">
             <a:avLst/>
@@ -6648,7 +6486,7 @@
                   <a:schemeClr val="bg1"/>
                 </a:solidFill>
               </a:rPr>
-              <a:t>Pegues</a:t>
+              <a:t>Birnstiel</a:t>
             </a:r>
             <a:r>
               <a:rPr lang="en-US" sz="1400" dirty="0" smtClean="0">
@@ -6656,7 +6494,7 @@
                   <a:schemeClr val="bg1"/>
                 </a:solidFill>
               </a:rPr>
-              <a:t> (2016, in prep)</a:t>
+              <a:t>, Murray-Clay  (2015)</a:t>
             </a:r>
             <a:endParaRPr lang="en-US" sz="1400" dirty="0">
               <a:solidFill>
@@ -6669,7 +6507,7 @@
     </p:spTree>
     <p:extLst>
       <p:ext uri="{BB962C8B-B14F-4D97-AF65-F5344CB8AC3E}">
-        <p14:creationId xmlns:p14="http://schemas.microsoft.com/office/powerpoint/2010/main" val="3490868521"/>
+        <p14:creationId xmlns:p14="http://schemas.microsoft.com/office/powerpoint/2010/main" val="1605698527"/>
       </p:ext>
     </p:extLst>
   </p:cSld>
@@ -6862,7 +6700,7 @@
       </p:grpSpPr>
       <p:pic>
         <p:nvPicPr>
-          <p:cNvPr id="8" name="Picture 7" descr="N_O_ratio_single_snowlines.pdf"/>
+          <p:cNvPr id="6" name="Picture 5" descr="CNO_and_snowlines_single.pdf"/>
           <p:cNvPicPr>
             <a:picLocks noChangeAspect="1"/>
           </p:cNvPicPr>
@@ -6882,8 +6720,8 @@
         </p:blipFill>
         <p:spPr>
           <a:xfrm>
-            <a:off x="946159" y="1443780"/>
-            <a:ext cx="7471597" cy="5240495"/>
+            <a:off x="80210" y="1663701"/>
+            <a:ext cx="9020913" cy="4064528"/>
           </a:xfrm>
           <a:prstGeom prst="rect">
             <a:avLst/>
@@ -6900,79 +6738,28 @@
             <p:ph type="title"/>
           </p:nvPr>
         </p:nvSpPr>
+        <p:spPr/>
+        <p:txBody>
+          <a:bodyPr/>
+          <a:lstStyle/>
+          <a:p>
+            <a:r>
+              <a:rPr lang="en-US" dirty="0" smtClean="0"/>
+              <a:t>More volatile snowlines in disks</a:t>
+            </a:r>
+            <a:endParaRPr lang="en-US" dirty="0"/>
+          </a:p>
+        </p:txBody>
+      </p:sp>
+      <p:sp>
+        <p:nvSpPr>
+          <p:cNvPr id="5" name="TextBox 4"/>
+          <p:cNvSpPr txBox="1"/>
+          <p:nvPr/>
+        </p:nvSpPr>
         <p:spPr>
           <a:xfrm>
-            <a:off x="457200" y="110004"/>
-            <a:ext cx="8229600" cy="1143000"/>
-          </a:xfrm>
-        </p:spPr>
-        <p:txBody>
-          <a:bodyPr>
-            <a:noAutofit/>
-          </a:bodyPr>
-          <a:lstStyle/>
-          <a:p>
-            <a:r>
-              <a:rPr lang="en-US" sz="4000" dirty="0" smtClean="0">
-                <a:solidFill>
-                  <a:srgbClr val="FFFF00"/>
-                </a:solidFill>
-              </a:rPr>
-              <a:t>N/O ratios </a:t>
-            </a:r>
-            <a:r>
-              <a:rPr lang="en-US" sz="4000" dirty="0" smtClean="0"/>
-              <a:t>may</a:t>
-            </a:r>
-            <a:r>
-              <a:rPr lang="en-US" sz="4000" dirty="0" smtClean="0"/>
-              <a:t> </a:t>
-            </a:r>
-            <a:r>
-              <a:rPr lang="en-US" sz="4000" dirty="0" smtClean="0"/>
-              <a:t>be used as </a:t>
-            </a:r>
-            <a:r>
-              <a:rPr lang="en-US" sz="4000" dirty="0" smtClean="0">
-                <a:solidFill>
-                  <a:srgbClr val="FFFF00"/>
-                </a:solidFill>
-              </a:rPr>
-              <a:t>tracers </a:t>
-            </a:r>
-            <a:r>
-              <a:rPr lang="en-US" sz="4000" dirty="0" smtClean="0">
-                <a:solidFill>
-                  <a:srgbClr val="FFFFFF"/>
-                </a:solidFill>
-              </a:rPr>
-              <a:t>of </a:t>
-            </a:r>
-            <a:r>
-              <a:rPr lang="en-US" sz="4000" dirty="0" smtClean="0">
-                <a:solidFill>
-                  <a:srgbClr val="FFFF00"/>
-                </a:solidFill>
-              </a:rPr>
-              <a:t>atmospheric chemistry</a:t>
-            </a:r>
-            <a:endParaRPr lang="en-US" sz="4000" dirty="0">
-              <a:solidFill>
-                <a:srgbClr val="FFFFFF"/>
-              </a:solidFill>
-            </a:endParaRPr>
-          </a:p>
-        </p:txBody>
-      </p:sp>
-      <p:sp>
-        <p:nvSpPr>
-          <p:cNvPr id="4" name="TextBox 3"/>
-          <p:cNvSpPr txBox="1"/>
-          <p:nvPr/>
-        </p:nvSpPr>
-        <p:spPr>
-          <a:xfrm>
-            <a:off x="5728962" y="6337541"/>
+            <a:off x="6445098" y="5418861"/>
             <a:ext cx="3430472" cy="307777"/>
           </a:xfrm>
           <a:prstGeom prst="rect">
@@ -7021,7 +6808,7 @@
     </p:spTree>
     <p:extLst>
       <p:ext uri="{BB962C8B-B14F-4D97-AF65-F5344CB8AC3E}">
-        <p14:creationId xmlns:p14="http://schemas.microsoft.com/office/powerpoint/2010/main" val="1844604039"/>
+        <p14:creationId xmlns:p14="http://schemas.microsoft.com/office/powerpoint/2010/main" val="3490868521"/>
       </p:ext>
     </p:extLst>
   </p:cSld>
@@ -7055,6 +6842,36 @@
           <a:chExt cx="0" cy="0"/>
         </a:xfrm>
       </p:grpSpPr>
+      <p:pic>
+        <p:nvPicPr>
+          <p:cNvPr id="8" name="Picture 7" descr="N_O_ratio_single_snowlines.pdf"/>
+          <p:cNvPicPr>
+            <a:picLocks noChangeAspect="1"/>
+          </p:cNvPicPr>
+          <p:nvPr/>
+        </p:nvPicPr>
+        <p:blipFill>
+          <a:blip r:embed="rId2">
+            <a:extLst>
+              <a:ext uri="{28A0092B-C50C-407E-A947-70E740481C1C}">
+                <a14:useLocalDpi xmlns:a14="http://schemas.microsoft.com/office/drawing/2010/main" val="0"/>
+              </a:ext>
+            </a:extLst>
+          </a:blip>
+          <a:stretch>
+            <a:fillRect/>
+          </a:stretch>
+        </p:blipFill>
+        <p:spPr>
+          <a:xfrm>
+            <a:off x="946159" y="1443780"/>
+            <a:ext cx="7471597" cy="5240495"/>
+          </a:xfrm>
+          <a:prstGeom prst="rect">
+            <a:avLst/>
+          </a:prstGeom>
+        </p:spPr>
+      </p:pic>
       <p:sp>
         <p:nvSpPr>
           <p:cNvPr id="2" name="Title 1"/>
@@ -7067,21 +6884,63 @@
         </p:nvSpPr>
         <p:spPr>
           <a:xfrm>
-            <a:off x="457200" y="54158"/>
+            <a:off x="457200" y="110004"/>
             <a:ext cx="8229600" cy="1143000"/>
           </a:xfrm>
         </p:spPr>
         <p:txBody>
-          <a:bodyPr/>
-          <a:lstStyle/>
-          <a:p>
-            <a:r>
-              <a:rPr lang="en-US" dirty="0" smtClean="0"/>
-              <a:t>Summary</a:t>
-            </a:r>
-            <a:endParaRPr lang="en-US" dirty="0">
+          <a:bodyPr>
+            <a:noAutofit/>
+          </a:bodyPr>
+          <a:lstStyle/>
+          <a:p>
+            <a:r>
+              <a:rPr lang="en-US" sz="4000" dirty="0" smtClean="0">
+                <a:solidFill>
+                  <a:srgbClr val="FFFF00"/>
+                </a:solidFill>
+              </a:rPr>
+              <a:t>N/O ratios </a:t>
+            </a:r>
+            <a:r>
+              <a:rPr lang="en-US" sz="4000" dirty="0" smtClean="0"/>
+              <a:t>may</a:t>
+            </a:r>
+            <a:r>
+              <a:rPr lang="en-US" sz="4000" dirty="0" smtClean="0"/>
+              <a:t> </a:t>
+            </a:r>
+            <a:r>
+              <a:rPr lang="en-US" sz="4000" dirty="0" smtClean="0"/>
+              <a:t>be used as </a:t>
+            </a:r>
+            <a:r>
+              <a:rPr lang="en-US" sz="4000" dirty="0" smtClean="0">
+                <a:solidFill>
+                  <a:srgbClr val="FFFF00"/>
+                </a:solidFill>
+              </a:rPr>
+              <a:t>tracers </a:t>
+            </a:r>
+            <a:r>
+              <a:rPr lang="en-US" sz="4000" dirty="0" smtClean="0">
+                <a:solidFill>
+                  <a:srgbClr val="FFFFFF"/>
+                </a:solidFill>
+              </a:rPr>
+              <a:t>of </a:t>
+            </a:r>
+            <a:r>
+              <a:rPr lang="en-US" sz="4000" dirty="0" smtClean="0">
+                <a:solidFill>
+                  <a:srgbClr val="FFFF00"/>
+                </a:solidFill>
+              </a:rPr>
+              <a:t>atmospheric chemistry</a:t>
+            </a:r>
+            <a:endParaRPr lang="en-US" sz="4000" dirty="0">
               <a:solidFill>
-                <a:srgbClr val="FFFF00"/>
+                <a:srgbClr val="FFFFFF"/>
               </a:solidFill>
             </a:endParaRPr>
           </a:p>
@@ -7089,448 +6948,62 @@
       </p:sp>
       <p:sp>
         <p:nvSpPr>
-          <p:cNvPr id="3" name="Content Placeholder 2"/>
-          <p:cNvSpPr>
-            <a:spLocks noGrp="1"/>
-          </p:cNvSpPr>
-          <p:nvPr>
-            <p:ph idx="1"/>
-          </p:nvPr>
+          <p:cNvPr id="4" name="TextBox 3"/>
+          <p:cNvSpPr txBox="1"/>
+          <p:nvPr/>
         </p:nvSpPr>
         <p:spPr>
           <a:xfrm>
-            <a:off x="457200" y="1276526"/>
-            <a:ext cx="8229600" cy="5214471"/>
+            <a:off x="5728962" y="6337541"/>
+            <a:ext cx="3430472" cy="307777"/>
           </a:xfrm>
+          <a:prstGeom prst="rect">
+            <a:avLst/>
+          </a:prstGeom>
+          <a:noFill/>
         </p:spPr>
         <p:txBody>
-          <a:bodyPr>
-            <a:normAutofit fontScale="77500" lnSpcReduction="20000"/>
+          <a:bodyPr wrap="square" rtlCol="0">
+            <a:spAutoFit/>
           </a:bodyPr>
           <a:lstStyle/>
           <a:p>
             <a:r>
-              <a:rPr lang="en-US" dirty="0" smtClean="0"/>
-              <a:t>The </a:t>
-            </a:r>
-            <a:r>
-              <a:rPr lang="en-US" dirty="0" smtClean="0">
-                <a:solidFill>
-                  <a:srgbClr val="FFFF00"/>
-                </a:solidFill>
-              </a:rPr>
-              <a:t>minimum core mass </a:t>
-            </a:r>
-            <a:r>
-              <a:rPr lang="en-US" dirty="0" smtClean="0"/>
-              <a:t>for giant planet formation is </a:t>
-            </a:r>
-            <a:r>
-              <a:rPr lang="en-US" dirty="0" smtClean="0">
-                <a:solidFill>
-                  <a:srgbClr val="FFFF00"/>
-                </a:solidFill>
-              </a:rPr>
-              <a:t>~8 M</a:t>
-            </a:r>
-            <a:r>
-              <a:rPr lang="en-US" baseline="-25000" dirty="0" smtClean="0">
-                <a:solidFill>
-                  <a:srgbClr val="FFFF00"/>
-                </a:solidFill>
-              </a:rPr>
-              <a:t>E</a:t>
-            </a:r>
-            <a:r>
-              <a:rPr lang="en-US" dirty="0" smtClean="0">
-                <a:solidFill>
-                  <a:srgbClr val="FFFF00"/>
-                </a:solidFill>
-              </a:rPr>
-              <a:t> @ 5 AU </a:t>
-            </a:r>
-            <a:r>
-              <a:rPr lang="en-US" dirty="0" smtClean="0"/>
-              <a:t>decreasing to </a:t>
-            </a:r>
-            <a:r>
-              <a:rPr lang="en-US" dirty="0" smtClean="0">
-                <a:solidFill>
-                  <a:srgbClr val="FFFF00"/>
-                </a:solidFill>
-              </a:rPr>
-              <a:t>~5 M</a:t>
-            </a:r>
-            <a:r>
-              <a:rPr lang="en-US" baseline="-25000" dirty="0" smtClean="0">
-                <a:solidFill>
-                  <a:srgbClr val="FFFF00"/>
-                </a:solidFill>
-              </a:rPr>
-              <a:t>E</a:t>
-            </a:r>
-            <a:r>
-              <a:rPr lang="en-US" dirty="0" smtClean="0">
-                <a:solidFill>
-                  <a:srgbClr val="FFFF00"/>
-                </a:solidFill>
-              </a:rPr>
-              <a:t> @ 100 AU </a:t>
-            </a:r>
-            <a:r>
-              <a:rPr lang="en-US" dirty="0" smtClean="0"/>
-              <a:t>and may be as low as </a:t>
-            </a:r>
-            <a:r>
-              <a:rPr lang="en-US" dirty="0" smtClean="0">
-                <a:solidFill>
-                  <a:srgbClr val="FFFF00"/>
-                </a:solidFill>
-              </a:rPr>
-              <a:t>~1 M</a:t>
-            </a:r>
-            <a:r>
-              <a:rPr lang="en-US" baseline="-25000" dirty="0" smtClean="0">
-                <a:solidFill>
-                  <a:srgbClr val="FFFF00"/>
-                </a:solidFill>
-              </a:rPr>
-              <a:t>E</a:t>
-            </a:r>
-            <a:endParaRPr lang="en-US" dirty="0" smtClean="0">
+              <a:rPr lang="en-US" sz="1400" dirty="0" smtClean="0">
+                <a:solidFill>
+                  <a:schemeClr val="bg1"/>
+                </a:solidFill>
+              </a:rPr>
+              <a:t>Piso, Oberg, </a:t>
+            </a:r>
+            <a:r>
+              <a:rPr lang="en-US" sz="1400" dirty="0" err="1" smtClean="0">
+                <a:solidFill>
+                  <a:schemeClr val="bg1"/>
+                </a:solidFill>
+              </a:rPr>
+              <a:t>Pegues</a:t>
+            </a:r>
+            <a:r>
+              <a:rPr lang="en-US" sz="1400" dirty="0" smtClean="0">
+                <a:solidFill>
+                  <a:schemeClr val="bg1"/>
+                </a:solidFill>
+              </a:rPr>
+              <a:t> (2016, in prep)</a:t>
+            </a:r>
+            <a:endParaRPr lang="en-US" sz="1400" dirty="0">
               <a:solidFill>
-                <a:srgbClr val="FFFF00"/>
+                <a:schemeClr val="bg1"/>
               </a:solidFill>
             </a:endParaRPr>
-          </a:p>
-          <a:p>
-            <a:endParaRPr lang="en-US" dirty="0" smtClean="0">
-              <a:solidFill>
-                <a:srgbClr val="FFFF00"/>
-              </a:solidFill>
-            </a:endParaRPr>
-          </a:p>
-          <a:p>
-            <a:r>
-              <a:rPr lang="en-US" dirty="0" smtClean="0">
-                <a:solidFill>
-                  <a:srgbClr val="FFFF00"/>
-                </a:solidFill>
-              </a:rPr>
-              <a:t>Radial </a:t>
-            </a:r>
-            <a:r>
-              <a:rPr lang="en-US" dirty="0" smtClean="0">
-                <a:solidFill>
-                  <a:srgbClr val="FFFF00"/>
-                </a:solidFill>
-              </a:rPr>
-              <a:t>drift</a:t>
-            </a:r>
-            <a:r>
-              <a:rPr lang="en-US" dirty="0" smtClean="0"/>
-              <a:t> and </a:t>
-            </a:r>
-            <a:r>
-              <a:rPr lang="en-US" dirty="0" smtClean="0">
-                <a:solidFill>
-                  <a:srgbClr val="FFFF00"/>
-                </a:solidFill>
-              </a:rPr>
-              <a:t>gas accretion </a:t>
-            </a:r>
-            <a:r>
-              <a:rPr lang="en-US" dirty="0" smtClean="0"/>
-              <a:t>affect desorption and </a:t>
-            </a:r>
-            <a:r>
-              <a:rPr lang="en-US" dirty="0" smtClean="0">
-                <a:solidFill>
-                  <a:srgbClr val="FFFF00"/>
-                </a:solidFill>
-              </a:rPr>
-              <a:t>move the snowline locations </a:t>
-            </a:r>
-            <a:r>
-              <a:rPr lang="en-US" dirty="0" smtClean="0"/>
-              <a:t>compared to a static disk</a:t>
-            </a:r>
-          </a:p>
-          <a:p>
-            <a:endParaRPr lang="en-US" dirty="0" smtClean="0"/>
-          </a:p>
-          <a:p>
-            <a:r>
-              <a:rPr lang="en-US" dirty="0" smtClean="0"/>
-              <a:t>The H</a:t>
-            </a:r>
-            <a:r>
-              <a:rPr lang="en-US" baseline="-25000" dirty="0" smtClean="0"/>
-              <a:t>2</a:t>
-            </a:r>
-            <a:r>
-              <a:rPr lang="en-US" dirty="0" smtClean="0"/>
-              <a:t>O, CO</a:t>
-            </a:r>
-            <a:r>
-              <a:rPr lang="en-US" baseline="-25000" dirty="0" smtClean="0"/>
-              <a:t>2</a:t>
-            </a:r>
-            <a:r>
-              <a:rPr lang="en-US" dirty="0" smtClean="0"/>
-              <a:t> and CO snowlines are created by the </a:t>
-            </a:r>
-            <a:r>
-              <a:rPr lang="en-US" dirty="0" smtClean="0">
-                <a:solidFill>
-                  <a:srgbClr val="FFFF00"/>
-                </a:solidFill>
-              </a:rPr>
-              <a:t>largest drifting particles </a:t>
-            </a:r>
-            <a:r>
-              <a:rPr lang="en-US" dirty="0" smtClean="0"/>
-              <a:t>in our model, i.e. </a:t>
-            </a:r>
-            <a:r>
-              <a:rPr lang="en-US" i="1" dirty="0" smtClean="0">
-                <a:solidFill>
-                  <a:srgbClr val="FFFF00"/>
-                </a:solidFill>
-              </a:rPr>
-              <a:t>s</a:t>
-            </a:r>
-            <a:r>
-              <a:rPr lang="en-US" dirty="0" smtClean="0">
-                <a:solidFill>
-                  <a:srgbClr val="FFFF00"/>
-                </a:solidFill>
-              </a:rPr>
-              <a:t> ~ 7 m</a:t>
-            </a:r>
-          </a:p>
-          <a:p>
-            <a:endParaRPr lang="en-US" dirty="0" smtClean="0"/>
-          </a:p>
-          <a:p>
-            <a:pPr marL="342900" lvl="1" indent="-342900">
-              <a:buFont typeface="Arial" pitchFamily="34" charset="0"/>
-              <a:buChar char="•"/>
-            </a:pPr>
-            <a:r>
-              <a:rPr lang="en-US" dirty="0" smtClean="0">
-                <a:solidFill>
-                  <a:srgbClr val="FFFF00"/>
-                </a:solidFill>
-              </a:rPr>
-              <a:t>H</a:t>
-            </a:r>
-            <a:r>
-              <a:rPr lang="en-US" baseline="-25000" dirty="0" smtClean="0">
-                <a:solidFill>
-                  <a:srgbClr val="FFFF00"/>
-                </a:solidFill>
-              </a:rPr>
-              <a:t>2</a:t>
-            </a:r>
-            <a:r>
-              <a:rPr lang="en-US" dirty="0" smtClean="0">
-                <a:solidFill>
-                  <a:srgbClr val="FFFF00"/>
-                </a:solidFill>
-              </a:rPr>
-              <a:t>O, CO</a:t>
-            </a:r>
-            <a:r>
-              <a:rPr lang="en-US" baseline="-25000" dirty="0" smtClean="0">
-                <a:solidFill>
-                  <a:srgbClr val="FFFF00"/>
-                </a:solidFill>
-              </a:rPr>
-              <a:t>2</a:t>
-            </a:r>
-            <a:r>
-              <a:rPr lang="en-US" dirty="0" smtClean="0">
-                <a:solidFill>
-                  <a:srgbClr val="FFFF00"/>
-                </a:solidFill>
-              </a:rPr>
-              <a:t>, CO </a:t>
-            </a:r>
-            <a:r>
-              <a:rPr lang="en-US" dirty="0"/>
-              <a:t>s</a:t>
-            </a:r>
-            <a:r>
-              <a:rPr lang="en-US" dirty="0" smtClean="0"/>
-              <a:t>nowlines </a:t>
-            </a:r>
-            <a:r>
-              <a:rPr lang="en-US" dirty="0" smtClean="0"/>
-              <a:t>move </a:t>
-            </a:r>
-            <a:r>
-              <a:rPr lang="en-US" dirty="0" smtClean="0">
-                <a:solidFill>
-                  <a:srgbClr val="FFFF00"/>
-                </a:solidFill>
-              </a:rPr>
-              <a:t>inwards</a:t>
-            </a:r>
-            <a:r>
-              <a:rPr lang="en-US" dirty="0" smtClean="0"/>
-              <a:t> as the </a:t>
-            </a:r>
-            <a:r>
-              <a:rPr lang="en-US" dirty="0" smtClean="0">
-                <a:solidFill>
-                  <a:srgbClr val="FFFF00"/>
-                </a:solidFill>
-              </a:rPr>
-              <a:t>particle size </a:t>
-            </a:r>
-            <a:r>
-              <a:rPr lang="en-US" dirty="0" smtClean="0">
-                <a:solidFill>
-                  <a:srgbClr val="FFFF00"/>
-                </a:solidFill>
-              </a:rPr>
-              <a:t>increases</a:t>
-            </a:r>
-            <a:r>
-              <a:rPr lang="en-US" dirty="0">
-                <a:solidFill>
-                  <a:srgbClr val="FFFFFF"/>
-                </a:solidFill>
-              </a:rPr>
-              <a:t> </a:t>
-            </a:r>
-            <a:r>
-              <a:rPr lang="en-US" dirty="0" smtClean="0">
-                <a:solidFill>
-                  <a:srgbClr val="FFFFFF"/>
-                </a:solidFill>
-              </a:rPr>
-              <a:t>by up to </a:t>
-            </a:r>
-            <a:r>
-              <a:rPr lang="en-US" dirty="0" smtClean="0">
-                <a:solidFill>
-                  <a:srgbClr val="FFFF00"/>
-                </a:solidFill>
-              </a:rPr>
-              <a:t>50-60%</a:t>
-            </a:r>
-            <a:r>
-              <a:rPr lang="en-US" dirty="0" smtClean="0">
-                <a:solidFill>
-                  <a:srgbClr val="FFFF00"/>
-                </a:solidFill>
-              </a:rPr>
-              <a:t> </a:t>
-            </a:r>
-            <a:endParaRPr lang="en-US" dirty="0" smtClean="0">
-              <a:solidFill>
-                <a:srgbClr val="FFFF00"/>
-              </a:solidFill>
-            </a:endParaRPr>
-          </a:p>
-          <a:p>
-            <a:pPr marL="0" indent="0">
-              <a:buNone/>
-            </a:pPr>
-            <a:endParaRPr lang="en-US" dirty="0">
-              <a:solidFill>
-                <a:srgbClr val="FFFF00"/>
-              </a:solidFill>
-            </a:endParaRPr>
-          </a:p>
-          <a:p>
-            <a:r>
-              <a:rPr lang="en-US" dirty="0" smtClean="0">
-                <a:solidFill>
-                  <a:srgbClr val="FFFFFF"/>
-                </a:solidFill>
-              </a:rPr>
-              <a:t>The </a:t>
-            </a:r>
-            <a:r>
-              <a:rPr lang="en-US" dirty="0" smtClean="0">
-                <a:solidFill>
-                  <a:srgbClr val="FFFF00"/>
-                </a:solidFill>
-              </a:rPr>
-              <a:t>N/O ratio </a:t>
-            </a:r>
-            <a:r>
-              <a:rPr lang="en-US" dirty="0" smtClean="0">
-                <a:solidFill>
-                  <a:srgbClr val="FFFFFF"/>
-                </a:solidFill>
-              </a:rPr>
-              <a:t>is </a:t>
-            </a:r>
-            <a:r>
-              <a:rPr lang="en-US" dirty="0" smtClean="0">
-                <a:solidFill>
-                  <a:srgbClr val="FFFF00"/>
-                </a:solidFill>
-              </a:rPr>
-              <a:t>more enhanced </a:t>
-            </a:r>
-            <a:r>
-              <a:rPr lang="en-US" dirty="0" smtClean="0">
-                <a:solidFill>
-                  <a:srgbClr val="FFFFFF"/>
-                </a:solidFill>
-              </a:rPr>
-              <a:t>than the </a:t>
-            </a:r>
-            <a:r>
-              <a:rPr lang="en-US" dirty="0" smtClean="0">
-                <a:solidFill>
-                  <a:srgbClr val="FFFF00"/>
-                </a:solidFill>
-              </a:rPr>
-              <a:t>C/O ratio </a:t>
-            </a:r>
-            <a:r>
-              <a:rPr lang="en-US" dirty="0" smtClean="0">
-                <a:solidFill>
-                  <a:srgbClr val="FFFFFF"/>
-                </a:solidFill>
-              </a:rPr>
-              <a:t>in the </a:t>
-            </a:r>
-            <a:r>
-              <a:rPr lang="en-US" dirty="0" smtClean="0">
-                <a:solidFill>
-                  <a:srgbClr val="FFFF00"/>
-                </a:solidFill>
-              </a:rPr>
-              <a:t>outer disk </a:t>
-            </a:r>
-            <a:r>
-              <a:rPr lang="en-US" dirty="0" smtClean="0">
-                <a:solidFill>
-                  <a:srgbClr val="FFFFFF"/>
-                </a:solidFill>
-              </a:rPr>
-              <a:t>compared to the stellar value </a:t>
-            </a:r>
-          </a:p>
-          <a:p>
-            <a:endParaRPr lang="en-US" dirty="0" smtClean="0"/>
-          </a:p>
-          <a:p>
-            <a:endParaRPr lang="en-US" dirty="0"/>
           </a:p>
         </p:txBody>
       </p:sp>
     </p:spTree>
     <p:extLst>
       <p:ext uri="{BB962C8B-B14F-4D97-AF65-F5344CB8AC3E}">
-        <p14:creationId xmlns:p14="http://schemas.microsoft.com/office/powerpoint/2010/main" val="2696013150"/>
+        <p14:creationId xmlns:p14="http://schemas.microsoft.com/office/powerpoint/2010/main" val="1844604039"/>
       </p:ext>
     </p:extLst>
   </p:cSld>
@@ -7574,6 +7047,515 @@
             <p:ph type="title"/>
           </p:nvPr>
         </p:nvSpPr>
+        <p:spPr>
+          <a:xfrm>
+            <a:off x="457200" y="54158"/>
+            <a:ext cx="8229600" cy="1143000"/>
+          </a:xfrm>
+        </p:spPr>
+        <p:txBody>
+          <a:bodyPr/>
+          <a:lstStyle/>
+          <a:p>
+            <a:r>
+              <a:rPr lang="en-US" dirty="0" smtClean="0"/>
+              <a:t>Summary</a:t>
+            </a:r>
+            <a:endParaRPr lang="en-US" dirty="0">
+              <a:solidFill>
+                <a:srgbClr val="FFFF00"/>
+              </a:solidFill>
+            </a:endParaRPr>
+          </a:p>
+        </p:txBody>
+      </p:sp>
+      <p:sp>
+        <p:nvSpPr>
+          <p:cNvPr id="3" name="Content Placeholder 2"/>
+          <p:cNvSpPr>
+            <a:spLocks noGrp="1"/>
+          </p:cNvSpPr>
+          <p:nvPr>
+            <p:ph idx="1"/>
+          </p:nvPr>
+        </p:nvSpPr>
+        <p:spPr>
+          <a:xfrm>
+            <a:off x="457200" y="1276526"/>
+            <a:ext cx="8229600" cy="5214471"/>
+          </a:xfrm>
+        </p:spPr>
+        <p:txBody>
+          <a:bodyPr>
+            <a:normAutofit fontScale="77500" lnSpcReduction="20000"/>
+          </a:bodyPr>
+          <a:lstStyle/>
+          <a:p>
+            <a:r>
+              <a:rPr lang="en-US" dirty="0" smtClean="0"/>
+              <a:t>The </a:t>
+            </a:r>
+            <a:r>
+              <a:rPr lang="en-US" dirty="0" smtClean="0">
+                <a:solidFill>
+                  <a:srgbClr val="FFFF00"/>
+                </a:solidFill>
+              </a:rPr>
+              <a:t>minimum core mass </a:t>
+            </a:r>
+            <a:r>
+              <a:rPr lang="en-US" dirty="0" smtClean="0"/>
+              <a:t>for giant planet formation is </a:t>
+            </a:r>
+            <a:r>
+              <a:rPr lang="en-US" dirty="0" smtClean="0">
+                <a:solidFill>
+                  <a:srgbClr val="FFFF00"/>
+                </a:solidFill>
+              </a:rPr>
+              <a:t>~8 M</a:t>
+            </a:r>
+            <a:r>
+              <a:rPr lang="en-US" baseline="-25000" dirty="0" smtClean="0">
+                <a:solidFill>
+                  <a:srgbClr val="FFFF00"/>
+                </a:solidFill>
+              </a:rPr>
+              <a:t>E</a:t>
+            </a:r>
+            <a:r>
+              <a:rPr lang="en-US" dirty="0" smtClean="0">
+                <a:solidFill>
+                  <a:srgbClr val="FFFF00"/>
+                </a:solidFill>
+              </a:rPr>
+              <a:t> @ 5 AU </a:t>
+            </a:r>
+            <a:r>
+              <a:rPr lang="en-US" dirty="0" smtClean="0"/>
+              <a:t>decreasing to </a:t>
+            </a:r>
+            <a:r>
+              <a:rPr lang="en-US" dirty="0" smtClean="0">
+                <a:solidFill>
+                  <a:srgbClr val="FFFF00"/>
+                </a:solidFill>
+              </a:rPr>
+              <a:t>~5 M</a:t>
+            </a:r>
+            <a:r>
+              <a:rPr lang="en-US" baseline="-25000" dirty="0" smtClean="0">
+                <a:solidFill>
+                  <a:srgbClr val="FFFF00"/>
+                </a:solidFill>
+              </a:rPr>
+              <a:t>E</a:t>
+            </a:r>
+            <a:r>
+              <a:rPr lang="en-US" dirty="0" smtClean="0">
+                <a:solidFill>
+                  <a:srgbClr val="FFFF00"/>
+                </a:solidFill>
+              </a:rPr>
+              <a:t> @ 100 AU </a:t>
+            </a:r>
+            <a:r>
+              <a:rPr lang="en-US" dirty="0" smtClean="0"/>
+              <a:t>and may be as low as </a:t>
+            </a:r>
+            <a:r>
+              <a:rPr lang="en-US" dirty="0" smtClean="0">
+                <a:solidFill>
+                  <a:srgbClr val="FFFF00"/>
+                </a:solidFill>
+              </a:rPr>
+              <a:t>~1 M</a:t>
+            </a:r>
+            <a:r>
+              <a:rPr lang="en-US" baseline="-25000" dirty="0" smtClean="0">
+                <a:solidFill>
+                  <a:srgbClr val="FFFF00"/>
+                </a:solidFill>
+              </a:rPr>
+              <a:t>E</a:t>
+            </a:r>
+            <a:endParaRPr lang="en-US" dirty="0" smtClean="0">
+              <a:solidFill>
+                <a:srgbClr val="FFFF00"/>
+              </a:solidFill>
+            </a:endParaRPr>
+          </a:p>
+          <a:p>
+            <a:endParaRPr lang="en-US" dirty="0" smtClean="0">
+              <a:solidFill>
+                <a:srgbClr val="FFFF00"/>
+              </a:solidFill>
+            </a:endParaRPr>
+          </a:p>
+          <a:p>
+            <a:r>
+              <a:rPr lang="en-US" dirty="0" smtClean="0">
+                <a:solidFill>
+                  <a:srgbClr val="FFFF00"/>
+                </a:solidFill>
+              </a:rPr>
+              <a:t>Radial </a:t>
+            </a:r>
+            <a:r>
+              <a:rPr lang="en-US" dirty="0" smtClean="0">
+                <a:solidFill>
+                  <a:srgbClr val="FFFF00"/>
+                </a:solidFill>
+              </a:rPr>
+              <a:t>drift</a:t>
+            </a:r>
+            <a:r>
+              <a:rPr lang="en-US" dirty="0" smtClean="0"/>
+              <a:t> and </a:t>
+            </a:r>
+            <a:r>
+              <a:rPr lang="en-US" dirty="0" smtClean="0">
+                <a:solidFill>
+                  <a:srgbClr val="FFFF00"/>
+                </a:solidFill>
+              </a:rPr>
+              <a:t>gas accretion </a:t>
+            </a:r>
+            <a:r>
+              <a:rPr lang="en-US" dirty="0" smtClean="0"/>
+              <a:t>affect desorption and </a:t>
+            </a:r>
+            <a:r>
+              <a:rPr lang="en-US" dirty="0" smtClean="0">
+                <a:solidFill>
+                  <a:srgbClr val="FFFF00"/>
+                </a:solidFill>
+              </a:rPr>
+              <a:t>move the snowline locations </a:t>
+            </a:r>
+            <a:r>
+              <a:rPr lang="en-US" dirty="0" smtClean="0"/>
+              <a:t>compared to a static disk</a:t>
+            </a:r>
+          </a:p>
+          <a:p>
+            <a:endParaRPr lang="en-US" dirty="0" smtClean="0"/>
+          </a:p>
+          <a:p>
+            <a:r>
+              <a:rPr lang="en-US" dirty="0" smtClean="0"/>
+              <a:t>The H</a:t>
+            </a:r>
+            <a:r>
+              <a:rPr lang="en-US" baseline="-25000" dirty="0" smtClean="0"/>
+              <a:t>2</a:t>
+            </a:r>
+            <a:r>
+              <a:rPr lang="en-US" dirty="0" smtClean="0"/>
+              <a:t>O, CO</a:t>
+            </a:r>
+            <a:r>
+              <a:rPr lang="en-US" baseline="-25000" dirty="0" smtClean="0"/>
+              <a:t>2</a:t>
+            </a:r>
+            <a:r>
+              <a:rPr lang="en-US" dirty="0" smtClean="0"/>
+              <a:t> and CO snowlines are created by the </a:t>
+            </a:r>
+            <a:r>
+              <a:rPr lang="en-US" dirty="0" smtClean="0">
+                <a:solidFill>
+                  <a:srgbClr val="FFFF00"/>
+                </a:solidFill>
+              </a:rPr>
+              <a:t>largest drifting particles </a:t>
+            </a:r>
+            <a:r>
+              <a:rPr lang="en-US" dirty="0" smtClean="0"/>
+              <a:t>in our model, i.e. </a:t>
+            </a:r>
+            <a:r>
+              <a:rPr lang="en-US" i="1" dirty="0" smtClean="0">
+                <a:solidFill>
+                  <a:srgbClr val="FFFF00"/>
+                </a:solidFill>
+              </a:rPr>
+              <a:t>s</a:t>
+            </a:r>
+            <a:r>
+              <a:rPr lang="en-US" dirty="0" smtClean="0">
+                <a:solidFill>
+                  <a:srgbClr val="FFFF00"/>
+                </a:solidFill>
+              </a:rPr>
+              <a:t> ~ 7 m</a:t>
+            </a:r>
+          </a:p>
+          <a:p>
+            <a:endParaRPr lang="en-US" dirty="0" smtClean="0"/>
+          </a:p>
+          <a:p>
+            <a:pPr marL="342900" lvl="1" indent="-342900">
+              <a:buFont typeface="Arial" pitchFamily="34" charset="0"/>
+              <a:buChar char="•"/>
+            </a:pPr>
+            <a:r>
+              <a:rPr lang="en-US" dirty="0" smtClean="0">
+                <a:solidFill>
+                  <a:srgbClr val="FFFF00"/>
+                </a:solidFill>
+              </a:rPr>
+              <a:t>H</a:t>
+            </a:r>
+            <a:r>
+              <a:rPr lang="en-US" baseline="-25000" dirty="0" smtClean="0">
+                <a:solidFill>
+                  <a:srgbClr val="FFFF00"/>
+                </a:solidFill>
+              </a:rPr>
+              <a:t>2</a:t>
+            </a:r>
+            <a:r>
+              <a:rPr lang="en-US" dirty="0" smtClean="0">
+                <a:solidFill>
+                  <a:srgbClr val="FFFF00"/>
+                </a:solidFill>
+              </a:rPr>
+              <a:t>O, CO</a:t>
+            </a:r>
+            <a:r>
+              <a:rPr lang="en-US" baseline="-25000" dirty="0" smtClean="0">
+                <a:solidFill>
+                  <a:srgbClr val="FFFF00"/>
+                </a:solidFill>
+              </a:rPr>
+              <a:t>2</a:t>
+            </a:r>
+            <a:r>
+              <a:rPr lang="en-US" dirty="0" smtClean="0">
+                <a:solidFill>
+                  <a:srgbClr val="FFFF00"/>
+                </a:solidFill>
+              </a:rPr>
+              <a:t>, CO </a:t>
+            </a:r>
+            <a:r>
+              <a:rPr lang="en-US" dirty="0"/>
+              <a:t>s</a:t>
+            </a:r>
+            <a:r>
+              <a:rPr lang="en-US" dirty="0" smtClean="0"/>
+              <a:t>nowlines </a:t>
+            </a:r>
+            <a:r>
+              <a:rPr lang="en-US" dirty="0" smtClean="0"/>
+              <a:t>move </a:t>
+            </a:r>
+            <a:r>
+              <a:rPr lang="en-US" dirty="0" smtClean="0">
+                <a:solidFill>
+                  <a:srgbClr val="FFFF00"/>
+                </a:solidFill>
+              </a:rPr>
+              <a:t>inwards</a:t>
+            </a:r>
+            <a:r>
+              <a:rPr lang="en-US" dirty="0" smtClean="0"/>
+              <a:t> as the </a:t>
+            </a:r>
+            <a:r>
+              <a:rPr lang="en-US" dirty="0" smtClean="0">
+                <a:solidFill>
+                  <a:srgbClr val="FFFF00"/>
+                </a:solidFill>
+              </a:rPr>
+              <a:t>particle size </a:t>
+            </a:r>
+            <a:r>
+              <a:rPr lang="en-US" dirty="0" smtClean="0">
+                <a:solidFill>
+                  <a:srgbClr val="FFFF00"/>
+                </a:solidFill>
+              </a:rPr>
+              <a:t>increases</a:t>
+            </a:r>
+            <a:r>
+              <a:rPr lang="en-US" dirty="0">
+                <a:solidFill>
+                  <a:srgbClr val="FFFFFF"/>
+                </a:solidFill>
+              </a:rPr>
+              <a:t> </a:t>
+            </a:r>
+            <a:r>
+              <a:rPr lang="en-US" dirty="0" smtClean="0">
+                <a:solidFill>
+                  <a:srgbClr val="FFFFFF"/>
+                </a:solidFill>
+              </a:rPr>
+              <a:t>by up to </a:t>
+            </a:r>
+            <a:r>
+              <a:rPr lang="en-US" dirty="0" smtClean="0">
+                <a:solidFill>
+                  <a:srgbClr val="FFFF00"/>
+                </a:solidFill>
+              </a:rPr>
+              <a:t>50-60%</a:t>
+            </a:r>
+            <a:r>
+              <a:rPr lang="en-US" dirty="0" smtClean="0">
+                <a:solidFill>
+                  <a:srgbClr val="FFFF00"/>
+                </a:solidFill>
+              </a:rPr>
+              <a:t> </a:t>
+            </a:r>
+            <a:endParaRPr lang="en-US" dirty="0" smtClean="0">
+              <a:solidFill>
+                <a:srgbClr val="FFFF00"/>
+              </a:solidFill>
+            </a:endParaRPr>
+          </a:p>
+          <a:p>
+            <a:pPr marL="0" indent="0">
+              <a:buNone/>
+            </a:pPr>
+            <a:endParaRPr lang="en-US" dirty="0">
+              <a:solidFill>
+                <a:srgbClr val="FFFF00"/>
+              </a:solidFill>
+            </a:endParaRPr>
+          </a:p>
+          <a:p>
+            <a:r>
+              <a:rPr lang="en-US" dirty="0" smtClean="0">
+                <a:solidFill>
+                  <a:srgbClr val="FFFFFF"/>
+                </a:solidFill>
+              </a:rPr>
+              <a:t>The </a:t>
+            </a:r>
+            <a:r>
+              <a:rPr lang="en-US" dirty="0" smtClean="0">
+                <a:solidFill>
+                  <a:srgbClr val="FFFF00"/>
+                </a:solidFill>
+              </a:rPr>
+              <a:t>N/O ratio </a:t>
+            </a:r>
+            <a:r>
+              <a:rPr lang="en-US" dirty="0" smtClean="0">
+                <a:solidFill>
+                  <a:srgbClr val="FFFFFF"/>
+                </a:solidFill>
+              </a:rPr>
+              <a:t>is </a:t>
+            </a:r>
+            <a:r>
+              <a:rPr lang="en-US" dirty="0" smtClean="0">
+                <a:solidFill>
+                  <a:srgbClr val="FFFF00"/>
+                </a:solidFill>
+              </a:rPr>
+              <a:t>more enhanced </a:t>
+            </a:r>
+            <a:r>
+              <a:rPr lang="en-US" dirty="0" smtClean="0">
+                <a:solidFill>
+                  <a:srgbClr val="FFFFFF"/>
+                </a:solidFill>
+              </a:rPr>
+              <a:t>than the </a:t>
+            </a:r>
+            <a:r>
+              <a:rPr lang="en-US" dirty="0" smtClean="0">
+                <a:solidFill>
+                  <a:srgbClr val="FFFF00"/>
+                </a:solidFill>
+              </a:rPr>
+              <a:t>C/O ratio </a:t>
+            </a:r>
+            <a:r>
+              <a:rPr lang="en-US" dirty="0" smtClean="0">
+                <a:solidFill>
+                  <a:srgbClr val="FFFFFF"/>
+                </a:solidFill>
+              </a:rPr>
+              <a:t>in the </a:t>
+            </a:r>
+            <a:r>
+              <a:rPr lang="en-US" dirty="0" smtClean="0">
+                <a:solidFill>
+                  <a:srgbClr val="FFFF00"/>
+                </a:solidFill>
+              </a:rPr>
+              <a:t>outer disk </a:t>
+            </a:r>
+            <a:r>
+              <a:rPr lang="en-US" dirty="0" smtClean="0">
+                <a:solidFill>
+                  <a:srgbClr val="FFFFFF"/>
+                </a:solidFill>
+              </a:rPr>
+              <a:t>compared to the stellar value </a:t>
+            </a:r>
+          </a:p>
+          <a:p>
+            <a:endParaRPr lang="en-US" dirty="0" smtClean="0"/>
+          </a:p>
+          <a:p>
+            <a:endParaRPr lang="en-US" dirty="0"/>
+          </a:p>
+        </p:txBody>
+      </p:sp>
+    </p:spTree>
+    <p:extLst>
+      <p:ext uri="{BB962C8B-B14F-4D97-AF65-F5344CB8AC3E}">
+        <p14:creationId xmlns:p14="http://schemas.microsoft.com/office/powerpoint/2010/main" val="2696013150"/>
+      </p:ext>
+    </p:extLst>
+  </p:cSld>
+  <p:clrMapOvr>
+    <a:masterClrMapping/>
+  </p:clrMapOvr>
+  <p:timing>
+    <p:tnLst>
+      <p:par>
+        <p:cTn xmlns:p14="http://schemas.microsoft.com/office/powerpoint/2010/main" id="1" dur="indefinite" restart="never" nodeType="tmRoot"/>
+      </p:par>
+    </p:tnLst>
+  </p:timing>
+</p:sld>
+</file>
+
+<file path=ppt/slides/slide23.xml><?xml version="1.0" encoding="utf-8"?>
+<p:sld xmlns:a="http://schemas.openxmlformats.org/drawingml/2006/main" xmlns:r="http://schemas.openxmlformats.org/officeDocument/2006/relationships" xmlns:p="http://schemas.openxmlformats.org/presentationml/2006/main">
+  <p:cSld>
+    <p:spTree>
+      <p:nvGrpSpPr>
+        <p:cNvPr id="1" name=""/>
+        <p:cNvGrpSpPr/>
+        <p:nvPr/>
+      </p:nvGrpSpPr>
+      <p:grpSpPr>
+        <a:xfrm>
+          <a:off x="0" y="0"/>
+          <a:ext cx="0" cy="0"/>
+          <a:chOff x="0" y="0"/>
+          <a:chExt cx="0" cy="0"/>
+        </a:xfrm>
+      </p:grpSpPr>
+      <p:sp>
+        <p:nvSpPr>
+          <p:cNvPr id="2" name="Title 1"/>
+          <p:cNvSpPr>
+            <a:spLocks noGrp="1"/>
+          </p:cNvSpPr>
+          <p:nvPr>
+            <p:ph type="title"/>
+          </p:nvPr>
+        </p:nvSpPr>
         <p:spPr/>
         <p:txBody>
           <a:bodyPr/>
@@ -7612,10 +7594,17 @@
   <p:clrMapOvr>
     <a:masterClrMapping/>
   </p:clrMapOvr>
+  <p:timing>
+    <p:tnLst>
+      <p:par>
+        <p:cTn xmlns:p14="http://schemas.microsoft.com/office/powerpoint/2010/main" id="1" dur="indefinite" restart="never" nodeType="tmRoot"/>
+      </p:par>
+    </p:tnLst>
+  </p:timing>
 </p:sld>
 </file>
 
-<file path=ppt/slides/slide23.xml><?xml version="1.0" encoding="utf-8"?>
+<file path=ppt/slides/slide24.xml><?xml version="1.0" encoding="utf-8"?>
 <p:sld xmlns:a="http://schemas.openxmlformats.org/drawingml/2006/main" xmlns:r="http://schemas.openxmlformats.org/officeDocument/2006/relationships" xmlns:p="http://schemas.openxmlformats.org/presentationml/2006/main">
   <p:cSld>
     <p:spTree>
@@ -7843,7 +7832,7 @@
 </p:sld>
 </file>
 
-<file path=ppt/slides/slide24.xml><?xml version="1.0" encoding="utf-8"?>
+<file path=ppt/slides/slide25.xml><?xml version="1.0" encoding="utf-8"?>
 <p:sld xmlns:a="http://schemas.openxmlformats.org/drawingml/2006/main" xmlns:r="http://schemas.openxmlformats.org/officeDocument/2006/relationships" xmlns:p="http://schemas.openxmlformats.org/presentationml/2006/main">
   <p:cSld>
     <p:spTree>
@@ -7986,7 +7975,7 @@
 </p:sld>
 </file>
 
-<file path=ppt/slides/slide25.xml><?xml version="1.0" encoding="utf-8"?>
+<file path=ppt/slides/slide26.xml><?xml version="1.0" encoding="utf-8"?>
 <p:sld xmlns:a="http://schemas.openxmlformats.org/drawingml/2006/main" xmlns:r="http://schemas.openxmlformats.org/officeDocument/2006/relationships" xmlns:p="http://schemas.openxmlformats.org/presentationml/2006/main">
   <p:cSld>
     <p:spTree>
@@ -8141,154 +8130,6 @@
     <p:extLst>
       <p:ext uri="{BB962C8B-B14F-4D97-AF65-F5344CB8AC3E}">
         <p14:creationId xmlns:p14="http://schemas.microsoft.com/office/powerpoint/2010/main" val="2041754076"/>
-      </p:ext>
-    </p:extLst>
-  </p:cSld>
-  <p:clrMapOvr>
-    <a:masterClrMapping/>
-  </p:clrMapOvr>
-  <p:timing>
-    <p:tnLst>
-      <p:par>
-        <p:cTn xmlns:p14="http://schemas.microsoft.com/office/powerpoint/2010/main" id="1" dur="indefinite" restart="never" nodeType="tmRoot"/>
-      </p:par>
-    </p:tnLst>
-  </p:timing>
-</p:sld>
-</file>
-
-<file path=ppt/slides/slide26.xml><?xml version="1.0" encoding="utf-8"?>
-<p:sld xmlns:a="http://schemas.openxmlformats.org/drawingml/2006/main" xmlns:r="http://schemas.openxmlformats.org/officeDocument/2006/relationships" xmlns:p="http://schemas.openxmlformats.org/presentationml/2006/main">
-  <p:cSld>
-    <p:spTree>
-      <p:nvGrpSpPr>
-        <p:cNvPr id="1" name=""/>
-        <p:cNvGrpSpPr/>
-        <p:nvPr/>
-      </p:nvGrpSpPr>
-      <p:grpSpPr>
-        <a:xfrm>
-          <a:off x="0" y="0"/>
-          <a:ext cx="0" cy="0"/>
-          <a:chOff x="0" y="0"/>
-          <a:chExt cx="0" cy="0"/>
-        </a:xfrm>
-      </p:grpSpPr>
-      <p:sp>
-        <p:nvSpPr>
-          <p:cNvPr id="2" name="Title 1"/>
-          <p:cNvSpPr>
-            <a:spLocks noGrp="1"/>
-          </p:cNvSpPr>
-          <p:nvPr>
-            <p:ph type="title"/>
-          </p:nvPr>
-        </p:nvSpPr>
-        <p:spPr>
-          <a:xfrm>
-            <a:off x="457200" y="345202"/>
-            <a:ext cx="8229600" cy="1143000"/>
-          </a:xfrm>
-        </p:spPr>
-        <p:txBody>
-          <a:bodyPr>
-            <a:normAutofit fontScale="90000"/>
-          </a:bodyPr>
-          <a:lstStyle/>
-          <a:p>
-            <a:r>
-              <a:rPr lang="en-US" sz="3600" dirty="0"/>
-              <a:t>Some giant planets </a:t>
-            </a:r>
-            <a:r>
-              <a:rPr lang="en-US" sz="3600" dirty="0">
-                <a:solidFill>
-                  <a:srgbClr val="FFFF00"/>
-                </a:solidFill>
-              </a:rPr>
-              <a:t>may</a:t>
-            </a:r>
-            <a:r>
-              <a:rPr lang="en-US" sz="3600" dirty="0"/>
-              <a:t> have C/O ratios different from the stellar value of 0.54</a:t>
-            </a:r>
-            <a:br>
-              <a:rPr lang="en-US" sz="3600" dirty="0"/>
-            </a:br>
-            <a:endParaRPr lang="en-US" sz="3400" dirty="0">
-              <a:solidFill>
-                <a:srgbClr val="FFFF00"/>
-              </a:solidFill>
-            </a:endParaRPr>
-          </a:p>
-        </p:txBody>
-      </p:sp>
-      <p:pic>
-        <p:nvPicPr>
-          <p:cNvPr id="4" name="Picture 3"/>
-          <p:cNvPicPr>
-            <a:picLocks noChangeAspect="1"/>
-          </p:cNvPicPr>
-          <p:nvPr/>
-        </p:nvPicPr>
-        <p:blipFill>
-          <a:blip r:embed="rId3"/>
-          <a:stretch>
-            <a:fillRect/>
-          </a:stretch>
-        </p:blipFill>
-        <p:spPr>
-          <a:xfrm>
-            <a:off x="691407" y="1417638"/>
-            <a:ext cx="7387593" cy="5200149"/>
-          </a:xfrm>
-          <a:prstGeom prst="rect">
-            <a:avLst/>
-          </a:prstGeom>
-        </p:spPr>
-      </p:pic>
-      <p:sp>
-        <p:nvSpPr>
-          <p:cNvPr id="5" name="TextBox 4"/>
-          <p:cNvSpPr txBox="1"/>
-          <p:nvPr/>
-        </p:nvSpPr>
-        <p:spPr>
-          <a:xfrm>
-            <a:off x="6136007" y="6308167"/>
-            <a:ext cx="1596881" cy="307777"/>
-          </a:xfrm>
-          <a:prstGeom prst="rect">
-            <a:avLst/>
-          </a:prstGeom>
-          <a:noFill/>
-        </p:spPr>
-        <p:txBody>
-          <a:bodyPr wrap="square" rtlCol="0">
-            <a:spAutoFit/>
-          </a:bodyPr>
-          <a:lstStyle/>
-          <a:p>
-            <a:r>
-              <a:rPr lang="en-US" sz="1400" dirty="0" smtClean="0">
-                <a:solidFill>
-                  <a:srgbClr val="000000"/>
-                </a:solidFill>
-              </a:rPr>
-              <a:t>Madhusudhan+11</a:t>
-            </a:r>
-            <a:endParaRPr lang="en-US" sz="1400" dirty="0">
-              <a:solidFill>
-                <a:srgbClr val="000000"/>
-              </a:solidFill>
-            </a:endParaRPr>
-          </a:p>
-        </p:txBody>
-      </p:sp>
-    </p:spTree>
-    <p:extLst>
-      <p:ext uri="{BB962C8B-B14F-4D97-AF65-F5344CB8AC3E}">
-        <p14:creationId xmlns:p14="http://schemas.microsoft.com/office/powerpoint/2010/main" val="3407719082"/>
       </p:ext>
     </p:extLst>
   </p:cSld>
@@ -8324,6 +8165,154 @@
       </p:grpSpPr>
       <p:sp>
         <p:nvSpPr>
+          <p:cNvPr id="2" name="Title 1"/>
+          <p:cNvSpPr>
+            <a:spLocks noGrp="1"/>
+          </p:cNvSpPr>
+          <p:nvPr>
+            <p:ph type="title"/>
+          </p:nvPr>
+        </p:nvSpPr>
+        <p:spPr>
+          <a:xfrm>
+            <a:off x="457200" y="345202"/>
+            <a:ext cx="8229600" cy="1143000"/>
+          </a:xfrm>
+        </p:spPr>
+        <p:txBody>
+          <a:bodyPr>
+            <a:normAutofit fontScale="90000"/>
+          </a:bodyPr>
+          <a:lstStyle/>
+          <a:p>
+            <a:r>
+              <a:rPr lang="en-US" sz="3600" dirty="0"/>
+              <a:t>Some giant planets </a:t>
+            </a:r>
+            <a:r>
+              <a:rPr lang="en-US" sz="3600" dirty="0">
+                <a:solidFill>
+                  <a:srgbClr val="FFFF00"/>
+                </a:solidFill>
+              </a:rPr>
+              <a:t>may</a:t>
+            </a:r>
+            <a:r>
+              <a:rPr lang="en-US" sz="3600" dirty="0"/>
+              <a:t> have C/O ratios different from the stellar value of 0.54</a:t>
+            </a:r>
+            <a:br>
+              <a:rPr lang="en-US" sz="3600" dirty="0"/>
+            </a:br>
+            <a:endParaRPr lang="en-US" sz="3400" dirty="0">
+              <a:solidFill>
+                <a:srgbClr val="FFFF00"/>
+              </a:solidFill>
+            </a:endParaRPr>
+          </a:p>
+        </p:txBody>
+      </p:sp>
+      <p:pic>
+        <p:nvPicPr>
+          <p:cNvPr id="4" name="Picture 3"/>
+          <p:cNvPicPr>
+            <a:picLocks noChangeAspect="1"/>
+          </p:cNvPicPr>
+          <p:nvPr/>
+        </p:nvPicPr>
+        <p:blipFill>
+          <a:blip r:embed="rId3"/>
+          <a:stretch>
+            <a:fillRect/>
+          </a:stretch>
+        </p:blipFill>
+        <p:spPr>
+          <a:xfrm>
+            <a:off x="691407" y="1417638"/>
+            <a:ext cx="7387593" cy="5200149"/>
+          </a:xfrm>
+          <a:prstGeom prst="rect">
+            <a:avLst/>
+          </a:prstGeom>
+        </p:spPr>
+      </p:pic>
+      <p:sp>
+        <p:nvSpPr>
+          <p:cNvPr id="5" name="TextBox 4"/>
+          <p:cNvSpPr txBox="1"/>
+          <p:nvPr/>
+        </p:nvSpPr>
+        <p:spPr>
+          <a:xfrm>
+            <a:off x="6136007" y="6308167"/>
+            <a:ext cx="1596881" cy="307777"/>
+          </a:xfrm>
+          <a:prstGeom prst="rect">
+            <a:avLst/>
+          </a:prstGeom>
+          <a:noFill/>
+        </p:spPr>
+        <p:txBody>
+          <a:bodyPr wrap="square" rtlCol="0">
+            <a:spAutoFit/>
+          </a:bodyPr>
+          <a:lstStyle/>
+          <a:p>
+            <a:r>
+              <a:rPr lang="en-US" sz="1400" dirty="0" smtClean="0">
+                <a:solidFill>
+                  <a:srgbClr val="000000"/>
+                </a:solidFill>
+              </a:rPr>
+              <a:t>Madhusudhan+11</a:t>
+            </a:r>
+            <a:endParaRPr lang="en-US" sz="1400" dirty="0">
+              <a:solidFill>
+                <a:srgbClr val="000000"/>
+              </a:solidFill>
+            </a:endParaRPr>
+          </a:p>
+        </p:txBody>
+      </p:sp>
+    </p:spTree>
+    <p:extLst>
+      <p:ext uri="{BB962C8B-B14F-4D97-AF65-F5344CB8AC3E}">
+        <p14:creationId xmlns:p14="http://schemas.microsoft.com/office/powerpoint/2010/main" val="3407719082"/>
+      </p:ext>
+    </p:extLst>
+  </p:cSld>
+  <p:clrMapOvr>
+    <a:masterClrMapping/>
+  </p:clrMapOvr>
+  <p:timing>
+    <p:tnLst>
+      <p:par>
+        <p:cTn xmlns:p14="http://schemas.microsoft.com/office/powerpoint/2010/main" id="1" dur="indefinite" restart="never" nodeType="tmRoot"/>
+      </p:par>
+    </p:tnLst>
+  </p:timing>
+</p:sld>
+</file>
+
+<file path=ppt/slides/slide28.xml><?xml version="1.0" encoding="utf-8"?>
+<p:sld xmlns:a="http://schemas.openxmlformats.org/drawingml/2006/main" xmlns:r="http://schemas.openxmlformats.org/officeDocument/2006/relationships" xmlns:p="http://schemas.openxmlformats.org/presentationml/2006/main">
+  <p:cSld>
+    <p:spTree>
+      <p:nvGrpSpPr>
+        <p:cNvPr id="1" name=""/>
+        <p:cNvGrpSpPr/>
+        <p:nvPr/>
+      </p:nvGrpSpPr>
+      <p:grpSpPr>
+        <a:xfrm>
+          <a:off x="0" y="0"/>
+          <a:ext cx="0" cy="0"/>
+          <a:chOff x="0" y="0"/>
+          <a:chExt cx="0" cy="0"/>
+        </a:xfrm>
+      </p:grpSpPr>
+      <p:sp>
+        <p:nvSpPr>
           <p:cNvPr id="4" name="Title 1"/>
           <p:cNvSpPr txBox="1">
             <a:spLocks/>
@@ -8429,7 +8418,7 @@
 </p:sld>
 </file>
 
-<file path=ppt/slides/slide28.xml><?xml version="1.0" encoding="utf-8"?>
+<file path=ppt/slides/slide29.xml><?xml version="1.0" encoding="utf-8"?>
 <p:sld xmlns:a="http://schemas.openxmlformats.org/drawingml/2006/main" xmlns:r="http://schemas.openxmlformats.org/officeDocument/2006/relationships" xmlns:p="http://schemas.openxmlformats.org/presentationml/2006/main">
   <p:cSld>
     <p:spTree>
@@ -8720,6 +8709,97 @@
 </file>
 
 <file path=ppt/slides/slide4.xml><?xml version="1.0" encoding="utf-8"?>
+<p:sld xmlns:a="http://schemas.openxmlformats.org/drawingml/2006/main" xmlns:r="http://schemas.openxmlformats.org/officeDocument/2006/relationships" xmlns:p="http://schemas.openxmlformats.org/presentationml/2006/main">
+  <p:cSld>
+    <p:spTree>
+      <p:nvGrpSpPr>
+        <p:cNvPr id="1" name=""/>
+        <p:cNvGrpSpPr/>
+        <p:nvPr/>
+      </p:nvGrpSpPr>
+      <p:grpSpPr>
+        <a:xfrm>
+          <a:off x="0" y="0"/>
+          <a:ext cx="0" cy="0"/>
+          <a:chOff x="0" y="0"/>
+          <a:chExt cx="0" cy="0"/>
+        </a:xfrm>
+      </p:grpSpPr>
+      <p:pic>
+        <p:nvPicPr>
+          <p:cNvPr id="5" name="Picture 4"/>
+          <p:cNvPicPr>
+            <a:picLocks noChangeAspect="1"/>
+          </p:cNvPicPr>
+          <p:nvPr/>
+        </p:nvPicPr>
+        <p:blipFill>
+          <a:blip r:embed="rId2"/>
+          <a:stretch>
+            <a:fillRect/>
+          </a:stretch>
+        </p:blipFill>
+        <p:spPr>
+          <a:xfrm>
+            <a:off x="0" y="1333500"/>
+            <a:ext cx="9144000" cy="4177011"/>
+          </a:xfrm>
+          <a:prstGeom prst="rect">
+            <a:avLst/>
+          </a:prstGeom>
+        </p:spPr>
+      </p:pic>
+      <p:sp>
+        <p:nvSpPr>
+          <p:cNvPr id="6" name="TextBox 5"/>
+          <p:cNvSpPr txBox="1"/>
+          <p:nvPr/>
+        </p:nvSpPr>
+        <p:spPr>
+          <a:xfrm>
+            <a:off x="7431410" y="5510511"/>
+            <a:ext cx="1810559" cy="430887"/>
+          </a:xfrm>
+          <a:prstGeom prst="rect">
+            <a:avLst/>
+          </a:prstGeom>
+          <a:noFill/>
+        </p:spPr>
+        <p:txBody>
+          <a:bodyPr wrap="square" rtlCol="0">
+            <a:spAutoFit/>
+          </a:bodyPr>
+          <a:lstStyle/>
+          <a:p>
+            <a:r>
+              <a:rPr lang="en-US" sz="2200" dirty="0" smtClean="0"/>
+              <a:t>Marois+2010</a:t>
+            </a:r>
+            <a:endParaRPr lang="en-US" sz="2200" dirty="0"/>
+          </a:p>
+        </p:txBody>
+      </p:sp>
+    </p:spTree>
+    <p:extLst>
+      <p:ext uri="{BB962C8B-B14F-4D97-AF65-F5344CB8AC3E}">
+        <p14:creationId xmlns:p14="http://schemas.microsoft.com/office/powerpoint/2010/main" val="2210196513"/>
+      </p:ext>
+    </p:extLst>
+  </p:cSld>
+  <p:clrMapOvr>
+    <a:masterClrMapping/>
+  </p:clrMapOvr>
+  <p:timing>
+    <p:tnLst>
+      <p:par>
+        <p:cTn xmlns:p14="http://schemas.microsoft.com/office/powerpoint/2010/main" id="1" dur="indefinite" restart="never" nodeType="tmRoot"/>
+      </p:par>
+    </p:tnLst>
+  </p:timing>
+</p:sld>
+</file>
+
+<file path=ppt/slides/slide5.xml><?xml version="1.0" encoding="utf-8"?>
 <p:sld xmlns:a="http://schemas.openxmlformats.org/drawingml/2006/main" xmlns:r="http://schemas.openxmlformats.org/officeDocument/2006/relationships" xmlns:p="http://schemas.openxmlformats.org/presentationml/2006/main">
   <p:cSld>
     <p:spTree>
@@ -10311,7 +10391,7 @@
 </p:sld>
 </file>
 
-<file path=ppt/slides/slide5.xml><?xml version="1.0" encoding="utf-8"?>
+<file path=ppt/slides/slide6.xml><?xml version="1.0" encoding="utf-8"?>
 <p:sld xmlns:a="http://schemas.openxmlformats.org/drawingml/2006/main" xmlns:r="http://schemas.openxmlformats.org/officeDocument/2006/relationships" xmlns:p="http://schemas.openxmlformats.org/presentationml/2006/main">
   <p:cSld>
     <p:spTree>
@@ -10556,7 +10636,7 @@
 </p:sld>
 </file>
 
-<file path=ppt/slides/slide6.xml><?xml version="1.0" encoding="utf-8"?>
+<file path=ppt/slides/slide7.xml><?xml version="1.0" encoding="utf-8"?>
 <p:sld xmlns:a="http://schemas.openxmlformats.org/drawingml/2006/main" xmlns:r="http://schemas.openxmlformats.org/officeDocument/2006/relationships" xmlns:p="http://schemas.openxmlformats.org/presentationml/2006/main">
   <p:cSld>
     <p:spTree>
@@ -10931,572 +11011,6 @@
           <a:p>
             <a:pPr algn="ctr"/>
             <a:endParaRPr lang="en-US"/>
-          </a:p>
-        </p:txBody>
-      </p:sp>
-    </p:spTree>
-    <p:extLst>
-      <p:ext uri="{BB962C8B-B14F-4D97-AF65-F5344CB8AC3E}">
-        <p14:creationId xmlns:p14="http://schemas.microsoft.com/office/powerpoint/2010/main" val="682636542"/>
-      </p:ext>
-    </p:extLst>
-  </p:cSld>
-  <p:clrMapOvr>
-    <a:masterClrMapping/>
-  </p:clrMapOvr>
-  <p:timing>
-    <p:tnLst>
-      <p:par>
-        <p:cTn xmlns:p14="http://schemas.microsoft.com/office/powerpoint/2010/main" id="1" dur="indefinite" restart="never" nodeType="tmRoot"/>
-      </p:par>
-    </p:tnLst>
-  </p:timing>
-</p:sld>
-</file>
-
-<file path=ppt/slides/slide7.xml><?xml version="1.0" encoding="utf-8"?>
-<p:sld xmlns:a="http://schemas.openxmlformats.org/drawingml/2006/main" xmlns:r="http://schemas.openxmlformats.org/officeDocument/2006/relationships" xmlns:p="http://schemas.openxmlformats.org/presentationml/2006/main">
-  <p:cSld>
-    <p:spTree>
-      <p:nvGrpSpPr>
-        <p:cNvPr id="1" name=""/>
-        <p:cNvGrpSpPr/>
-        <p:nvPr/>
-      </p:nvGrpSpPr>
-      <p:grpSpPr>
-        <a:xfrm>
-          <a:off x="0" y="0"/>
-          <a:ext cx="0" cy="0"/>
-          <a:chOff x="0" y="0"/>
-          <a:chExt cx="0" cy="0"/>
-        </a:xfrm>
-      </p:grpSpPr>
-      <p:sp>
-        <p:nvSpPr>
-          <p:cNvPr id="2" name="Title 1"/>
-          <p:cNvSpPr>
-            <a:spLocks noGrp="1"/>
-          </p:cNvSpPr>
-          <p:nvPr>
-            <p:ph type="title"/>
-          </p:nvPr>
-        </p:nvSpPr>
-        <p:spPr>
-          <a:xfrm>
-            <a:off x="457200" y="153048"/>
-            <a:ext cx="8229600" cy="1143000"/>
-          </a:xfrm>
-        </p:spPr>
-        <p:txBody>
-          <a:bodyPr>
-            <a:normAutofit fontScale="90000"/>
-          </a:bodyPr>
-          <a:lstStyle/>
-          <a:p>
-            <a:r>
-              <a:rPr lang="en-US" dirty="0" smtClean="0"/>
-              <a:t>Grain growth </a:t>
-            </a:r>
-            <a:r>
-              <a:rPr lang="en-US" dirty="0" smtClean="0"/>
-              <a:t>opacities </a:t>
-            </a:r>
-            <a:r>
-              <a:rPr lang="en-US" dirty="0" smtClean="0">
-                <a:solidFill>
-                  <a:srgbClr val="FFFF00"/>
-                </a:solidFill>
-              </a:rPr>
-              <a:t>DECREASE</a:t>
-            </a:r>
-            <a:r>
-              <a:rPr lang="en-US" dirty="0" smtClean="0"/>
-              <a:t> </a:t>
-            </a:r>
-            <a:r>
-              <a:rPr lang="en-US" dirty="0" err="1" smtClean="0"/>
-              <a:t>M</a:t>
-            </a:r>
-            <a:r>
-              <a:rPr lang="en-US" baseline="-25000" dirty="0" err="1" smtClean="0"/>
-              <a:t>crit</a:t>
-            </a:r>
-            <a:endParaRPr lang="en-US" dirty="0"/>
-          </a:p>
-        </p:txBody>
-      </p:sp>
-      <p:sp>
-        <p:nvSpPr>
-          <p:cNvPr id="6" name="TextBox 5"/>
-          <p:cNvSpPr txBox="1"/>
-          <p:nvPr/>
-        </p:nvSpPr>
-        <p:spPr>
-          <a:xfrm>
-            <a:off x="2580722" y="5546246"/>
-            <a:ext cx="2715840" cy="338554"/>
-          </a:xfrm>
-          <a:prstGeom prst="rect">
-            <a:avLst/>
-          </a:prstGeom>
-          <a:noFill/>
-        </p:spPr>
-        <p:txBody>
-          <a:bodyPr wrap="square" rtlCol="0">
-            <a:spAutoFit/>
-          </a:bodyPr>
-          <a:lstStyle/>
-          <a:p>
-            <a:r>
-              <a:rPr lang="en-US" sz="1600" dirty="0" err="1">
-                <a:solidFill>
-                  <a:srgbClr val="000000"/>
-                </a:solidFill>
-              </a:rPr>
-              <a:t>t_disk</a:t>
-            </a:r>
-            <a:r>
-              <a:rPr lang="en-US" sz="1600" dirty="0">
-                <a:solidFill>
-                  <a:srgbClr val="000000"/>
-                </a:solidFill>
-              </a:rPr>
-              <a:t> ~ 3 </a:t>
-            </a:r>
-            <a:r>
-              <a:rPr lang="en-US" sz="1600" dirty="0" err="1" smtClean="0">
-                <a:solidFill>
-                  <a:srgbClr val="000000"/>
-                </a:solidFill>
-              </a:rPr>
-              <a:t>Myr</a:t>
-            </a:r>
-            <a:r>
-              <a:rPr lang="en-US" sz="1600" dirty="0" smtClean="0">
-                <a:solidFill>
-                  <a:srgbClr val="000000"/>
-                </a:solidFill>
-              </a:rPr>
-              <a:t>, realistic EOS</a:t>
-            </a:r>
-            <a:endParaRPr lang="en-US" sz="1600" dirty="0">
-              <a:solidFill>
-                <a:srgbClr val="000000"/>
-              </a:solidFill>
-            </a:endParaRPr>
-          </a:p>
-        </p:txBody>
-      </p:sp>
-      <p:sp>
-        <p:nvSpPr>
-          <p:cNvPr id="7" name="TextBox 6"/>
-          <p:cNvSpPr txBox="1"/>
-          <p:nvPr/>
-        </p:nvSpPr>
-        <p:spPr>
-          <a:xfrm>
-            <a:off x="5958633" y="5663361"/>
-            <a:ext cx="2782215" cy="307777"/>
-          </a:xfrm>
-          <a:prstGeom prst="rect">
-            <a:avLst/>
-          </a:prstGeom>
-          <a:noFill/>
-        </p:spPr>
-        <p:txBody>
-          <a:bodyPr wrap="square" rtlCol="0">
-            <a:spAutoFit/>
-          </a:bodyPr>
-          <a:lstStyle/>
-          <a:p>
-            <a:r>
-              <a:rPr lang="en-US" sz="1400" dirty="0" smtClean="0">
-                <a:solidFill>
-                  <a:srgbClr val="000000"/>
-                </a:solidFill>
-              </a:rPr>
-              <a:t>Piso, </a:t>
-            </a:r>
-            <a:r>
-              <a:rPr lang="en-US" sz="1400" dirty="0" err="1" smtClean="0">
-                <a:solidFill>
-                  <a:srgbClr val="000000"/>
-                </a:solidFill>
-              </a:rPr>
-              <a:t>Youdin</a:t>
-            </a:r>
-            <a:r>
-              <a:rPr lang="en-US" sz="1400" dirty="0" smtClean="0">
-                <a:solidFill>
-                  <a:srgbClr val="000000"/>
-                </a:solidFill>
-              </a:rPr>
-              <a:t>, &amp; Murray-Clay (2015)</a:t>
-            </a:r>
-            <a:endParaRPr lang="en-US" sz="1400" dirty="0">
-              <a:solidFill>
-                <a:srgbClr val="000000"/>
-              </a:solidFill>
-            </a:endParaRPr>
-          </a:p>
-        </p:txBody>
-      </p:sp>
-      <p:pic>
-        <p:nvPicPr>
-          <p:cNvPr id="8" name="Picture 7" descr="Mcrit_vs_a_gg.pdf"/>
-          <p:cNvPicPr>
-            <a:picLocks noChangeAspect="1"/>
-          </p:cNvPicPr>
-          <p:nvPr/>
-        </p:nvPicPr>
-        <p:blipFill>
-          <a:blip r:embed="rId2">
-            <a:extLst>
-              <a:ext uri="{28A0092B-C50C-407E-A947-70E740481C1C}">
-                <a14:useLocalDpi xmlns:a14="http://schemas.microsoft.com/office/drawing/2010/main" val="0"/>
-              </a:ext>
-            </a:extLst>
-          </a:blip>
-          <a:stretch>
-            <a:fillRect/>
-          </a:stretch>
-        </p:blipFill>
-        <p:spPr>
-          <a:xfrm>
-            <a:off x="2664189" y="1296048"/>
-            <a:ext cx="6346899" cy="4765822"/>
-          </a:xfrm>
-          <a:prstGeom prst="rect">
-            <a:avLst/>
-          </a:prstGeom>
-        </p:spPr>
-      </p:pic>
-      <p:sp>
-        <p:nvSpPr>
-          <p:cNvPr id="11" name="TextBox 10"/>
-          <p:cNvSpPr txBox="1"/>
-          <p:nvPr/>
-        </p:nvSpPr>
-        <p:spPr>
-          <a:xfrm>
-            <a:off x="2729354" y="5546246"/>
-            <a:ext cx="2715840" cy="338554"/>
-          </a:xfrm>
-          <a:prstGeom prst="rect">
-            <a:avLst/>
-          </a:prstGeom>
-          <a:noFill/>
-        </p:spPr>
-        <p:txBody>
-          <a:bodyPr wrap="square" rtlCol="0">
-            <a:spAutoFit/>
-          </a:bodyPr>
-          <a:lstStyle/>
-          <a:p>
-            <a:r>
-              <a:rPr lang="en-US" sz="1600" dirty="0" err="1">
-                <a:solidFill>
-                  <a:srgbClr val="000000"/>
-                </a:solidFill>
-              </a:rPr>
-              <a:t>t_disk</a:t>
-            </a:r>
-            <a:r>
-              <a:rPr lang="en-US" sz="1600" dirty="0">
-                <a:solidFill>
-                  <a:srgbClr val="000000"/>
-                </a:solidFill>
-              </a:rPr>
-              <a:t> ~ 3 </a:t>
-            </a:r>
-            <a:r>
-              <a:rPr lang="en-US" sz="1600" dirty="0" err="1" smtClean="0">
-                <a:solidFill>
-                  <a:srgbClr val="000000"/>
-                </a:solidFill>
-              </a:rPr>
-              <a:t>Myr</a:t>
-            </a:r>
-            <a:r>
-              <a:rPr lang="en-US" sz="1600" dirty="0" smtClean="0">
-                <a:solidFill>
-                  <a:srgbClr val="000000"/>
-                </a:solidFill>
-              </a:rPr>
-              <a:t>, realistic EOS</a:t>
-            </a:r>
-            <a:endParaRPr lang="en-US" sz="1600" dirty="0">
-              <a:solidFill>
-                <a:srgbClr val="000000"/>
-              </a:solidFill>
-            </a:endParaRPr>
-          </a:p>
-        </p:txBody>
-      </p:sp>
-      <p:sp>
-        <p:nvSpPr>
-          <p:cNvPr id="12" name="TextBox 11"/>
-          <p:cNvSpPr txBox="1"/>
-          <p:nvPr/>
-        </p:nvSpPr>
-        <p:spPr>
-          <a:xfrm>
-            <a:off x="6336969" y="5703891"/>
-            <a:ext cx="2782215" cy="307777"/>
-          </a:xfrm>
-          <a:prstGeom prst="rect">
-            <a:avLst/>
-          </a:prstGeom>
-          <a:noFill/>
-        </p:spPr>
-        <p:txBody>
-          <a:bodyPr wrap="square" rtlCol="0">
-            <a:spAutoFit/>
-          </a:bodyPr>
-          <a:lstStyle/>
-          <a:p>
-            <a:r>
-              <a:rPr lang="en-US" sz="1400" dirty="0" smtClean="0">
-                <a:solidFill>
-                  <a:srgbClr val="000000"/>
-                </a:solidFill>
-              </a:rPr>
-              <a:t>Piso, </a:t>
-            </a:r>
-            <a:r>
-              <a:rPr lang="en-US" sz="1400" dirty="0" err="1" smtClean="0">
-                <a:solidFill>
-                  <a:srgbClr val="000000"/>
-                </a:solidFill>
-              </a:rPr>
-              <a:t>Youdin</a:t>
-            </a:r>
-            <a:r>
-              <a:rPr lang="en-US" sz="1400" dirty="0" smtClean="0">
-                <a:solidFill>
-                  <a:srgbClr val="000000"/>
-                </a:solidFill>
-              </a:rPr>
-              <a:t>, &amp; Murray-Clay (2015)</a:t>
-            </a:r>
-            <a:endParaRPr lang="en-US" sz="1400" dirty="0">
-              <a:solidFill>
-                <a:srgbClr val="000000"/>
-              </a:solidFill>
-            </a:endParaRPr>
-          </a:p>
-        </p:txBody>
-      </p:sp>
-      <p:sp>
-        <p:nvSpPr>
-          <p:cNvPr id="10" name="Rectangle 9"/>
-          <p:cNvSpPr/>
-          <p:nvPr/>
-        </p:nvSpPr>
-        <p:spPr>
-          <a:xfrm>
-            <a:off x="3814756" y="4120778"/>
-            <a:ext cx="4832699" cy="769831"/>
-          </a:xfrm>
-          <a:prstGeom prst="rect">
-            <a:avLst/>
-          </a:prstGeom>
-          <a:noFill/>
-          <a:ln w="38100">
-            <a:solidFill>
-              <a:srgbClr val="BD117E"/>
-            </a:solidFill>
-          </a:ln>
-          <a:effectLst/>
-        </p:spPr>
-        <p:style>
-          <a:lnRef idx="1">
-            <a:schemeClr val="accent1"/>
-          </a:lnRef>
-          <a:fillRef idx="3">
-            <a:schemeClr val="accent1"/>
-          </a:fillRef>
-          <a:effectRef idx="2">
-            <a:schemeClr val="accent1"/>
-          </a:effectRef>
-          <a:fontRef idx="minor">
-            <a:schemeClr val="lt1"/>
-          </a:fontRef>
-        </p:style>
-        <p:txBody>
-          <a:bodyPr rtlCol="0" anchor="ctr"/>
-          <a:lstStyle/>
-          <a:p>
-            <a:pPr algn="ctr"/>
-            <a:endParaRPr lang="en-US"/>
-          </a:p>
-        </p:txBody>
-      </p:sp>
-      <p:sp>
-        <p:nvSpPr>
-          <p:cNvPr id="13" name="TextBox 12"/>
-          <p:cNvSpPr txBox="1"/>
-          <p:nvPr/>
-        </p:nvSpPr>
-        <p:spPr>
-          <a:xfrm>
-            <a:off x="202677" y="2274119"/>
-            <a:ext cx="2310490" cy="1846659"/>
-          </a:xfrm>
-          <a:prstGeom prst="rect">
-            <a:avLst/>
-          </a:prstGeom>
-          <a:solidFill>
-            <a:srgbClr val="FFFF00"/>
-          </a:solidFill>
-          <a:ln w="38100">
-            <a:solidFill>
-              <a:srgbClr val="0000FF"/>
-            </a:solidFill>
-          </a:ln>
-        </p:spPr>
-        <p:txBody>
-          <a:bodyPr wrap="square" rtlCol="0">
-            <a:spAutoFit/>
-          </a:bodyPr>
-          <a:lstStyle/>
-          <a:p>
-            <a:pPr algn="ctr"/>
-            <a:r>
-              <a:rPr lang="en-US" sz="2400" dirty="0" err="1" smtClean="0">
-                <a:solidFill>
-                  <a:schemeClr val="bg1"/>
-                </a:solidFill>
-              </a:rPr>
-              <a:t>M</a:t>
-            </a:r>
-            <a:r>
-              <a:rPr lang="en-US" sz="2400" baseline="-25000" dirty="0" err="1" smtClean="0">
-                <a:solidFill>
-                  <a:schemeClr val="bg1"/>
-                </a:solidFill>
-              </a:rPr>
-              <a:t>crit</a:t>
-            </a:r>
-            <a:r>
-              <a:rPr lang="en-US" sz="2400" dirty="0">
-                <a:solidFill>
-                  <a:schemeClr val="bg1"/>
-                </a:solidFill>
-              </a:rPr>
-              <a:t>:</a:t>
-            </a:r>
-            <a:endParaRPr lang="en-US" sz="2400" dirty="0" smtClean="0">
-              <a:solidFill>
-                <a:schemeClr val="bg1"/>
-              </a:solidFill>
-            </a:endParaRPr>
-          </a:p>
-          <a:p>
-            <a:endParaRPr lang="en-US" sz="2400" dirty="0" smtClean="0">
-              <a:solidFill>
-                <a:schemeClr val="bg1"/>
-              </a:solidFill>
-            </a:endParaRPr>
-          </a:p>
-          <a:p>
-            <a:r>
-              <a:rPr lang="en-US" sz="2400" baseline="-25000" dirty="0" smtClean="0">
-                <a:solidFill>
-                  <a:schemeClr val="bg1"/>
-                </a:solidFill>
-              </a:rPr>
-              <a:t> </a:t>
-            </a:r>
-            <a:r>
-              <a:rPr lang="en-US" sz="2400" dirty="0" smtClean="0">
-                <a:solidFill>
-                  <a:schemeClr val="bg1"/>
-                </a:solidFill>
-              </a:rPr>
-              <a:t>~8 M</a:t>
-            </a:r>
-            <a:r>
-              <a:rPr lang="en-US" sz="2400" baseline="-25000" dirty="0" smtClean="0">
-                <a:solidFill>
-                  <a:schemeClr val="bg1"/>
-                </a:solidFill>
-              </a:rPr>
-              <a:t>E</a:t>
-            </a:r>
-            <a:r>
-              <a:rPr lang="en-US" sz="2400" dirty="0" smtClean="0">
-                <a:solidFill>
-                  <a:schemeClr val="bg1"/>
-                </a:solidFill>
-              </a:rPr>
-              <a:t> @ 5 AU</a:t>
-            </a:r>
-          </a:p>
-          <a:p>
-            <a:r>
-              <a:rPr lang="en-US" sz="2400" baseline="-25000" dirty="0" smtClean="0">
-                <a:solidFill>
-                  <a:schemeClr val="bg1"/>
-                </a:solidFill>
-              </a:rPr>
-              <a:t> </a:t>
-            </a:r>
-            <a:r>
-              <a:rPr lang="en-US" sz="2400" dirty="0" smtClean="0">
-                <a:solidFill>
-                  <a:schemeClr val="bg1"/>
-                </a:solidFill>
-              </a:rPr>
-              <a:t>~5 </a:t>
-            </a:r>
-            <a:r>
-              <a:rPr lang="en-US" sz="2400" dirty="0">
-                <a:solidFill>
-                  <a:schemeClr val="bg1"/>
-                </a:solidFill>
-              </a:rPr>
-              <a:t>M</a:t>
-            </a:r>
-            <a:r>
-              <a:rPr lang="en-US" sz="2400" baseline="-25000" dirty="0">
-                <a:solidFill>
-                  <a:schemeClr val="bg1"/>
-                </a:solidFill>
-              </a:rPr>
-              <a:t>E</a:t>
-            </a:r>
-            <a:r>
-              <a:rPr lang="en-US" sz="2400" dirty="0">
-                <a:solidFill>
-                  <a:schemeClr val="bg1"/>
-                </a:solidFill>
-              </a:rPr>
-              <a:t> @ </a:t>
-            </a:r>
-            <a:r>
-              <a:rPr lang="en-US" sz="2400" dirty="0" smtClean="0">
-                <a:solidFill>
-                  <a:schemeClr val="bg1"/>
-                </a:solidFill>
-              </a:rPr>
-              <a:t>100 </a:t>
-            </a:r>
-            <a:r>
-              <a:rPr lang="en-US" sz="2400" dirty="0">
-                <a:solidFill>
-                  <a:schemeClr val="bg1"/>
-                </a:solidFill>
-              </a:rPr>
-              <a:t>AU</a:t>
-            </a:r>
-          </a:p>
-          <a:p>
-            <a:endParaRPr lang="en-US" dirty="0">
-              <a:solidFill>
-                <a:srgbClr val="FFFF00"/>
-              </a:solidFill>
-            </a:endParaRPr>
           </a:p>
         </p:txBody>
       </p:sp>
@@ -11591,6 +11105,572 @@
           </a:p>
         </p:txBody>
       </p:sp>
+      <p:sp>
+        <p:nvSpPr>
+          <p:cNvPr id="6" name="TextBox 5"/>
+          <p:cNvSpPr txBox="1"/>
+          <p:nvPr/>
+        </p:nvSpPr>
+        <p:spPr>
+          <a:xfrm>
+            <a:off x="2580722" y="5546246"/>
+            <a:ext cx="2715840" cy="338554"/>
+          </a:xfrm>
+          <a:prstGeom prst="rect">
+            <a:avLst/>
+          </a:prstGeom>
+          <a:noFill/>
+        </p:spPr>
+        <p:txBody>
+          <a:bodyPr wrap="square" rtlCol="0">
+            <a:spAutoFit/>
+          </a:bodyPr>
+          <a:lstStyle/>
+          <a:p>
+            <a:r>
+              <a:rPr lang="en-US" sz="1600" dirty="0" err="1">
+                <a:solidFill>
+                  <a:srgbClr val="000000"/>
+                </a:solidFill>
+              </a:rPr>
+              <a:t>t_disk</a:t>
+            </a:r>
+            <a:r>
+              <a:rPr lang="en-US" sz="1600" dirty="0">
+                <a:solidFill>
+                  <a:srgbClr val="000000"/>
+                </a:solidFill>
+              </a:rPr>
+              <a:t> ~ 3 </a:t>
+            </a:r>
+            <a:r>
+              <a:rPr lang="en-US" sz="1600" dirty="0" err="1" smtClean="0">
+                <a:solidFill>
+                  <a:srgbClr val="000000"/>
+                </a:solidFill>
+              </a:rPr>
+              <a:t>Myr</a:t>
+            </a:r>
+            <a:r>
+              <a:rPr lang="en-US" sz="1600" dirty="0" smtClean="0">
+                <a:solidFill>
+                  <a:srgbClr val="000000"/>
+                </a:solidFill>
+              </a:rPr>
+              <a:t>, realistic EOS</a:t>
+            </a:r>
+            <a:endParaRPr lang="en-US" sz="1600" dirty="0">
+              <a:solidFill>
+                <a:srgbClr val="000000"/>
+              </a:solidFill>
+            </a:endParaRPr>
+          </a:p>
+        </p:txBody>
+      </p:sp>
+      <p:sp>
+        <p:nvSpPr>
+          <p:cNvPr id="7" name="TextBox 6"/>
+          <p:cNvSpPr txBox="1"/>
+          <p:nvPr/>
+        </p:nvSpPr>
+        <p:spPr>
+          <a:xfrm>
+            <a:off x="5958633" y="5663361"/>
+            <a:ext cx="2782215" cy="307777"/>
+          </a:xfrm>
+          <a:prstGeom prst="rect">
+            <a:avLst/>
+          </a:prstGeom>
+          <a:noFill/>
+        </p:spPr>
+        <p:txBody>
+          <a:bodyPr wrap="square" rtlCol="0">
+            <a:spAutoFit/>
+          </a:bodyPr>
+          <a:lstStyle/>
+          <a:p>
+            <a:r>
+              <a:rPr lang="en-US" sz="1400" dirty="0" smtClean="0">
+                <a:solidFill>
+                  <a:srgbClr val="000000"/>
+                </a:solidFill>
+              </a:rPr>
+              <a:t>Piso, </a:t>
+            </a:r>
+            <a:r>
+              <a:rPr lang="en-US" sz="1400" dirty="0" err="1" smtClean="0">
+                <a:solidFill>
+                  <a:srgbClr val="000000"/>
+                </a:solidFill>
+              </a:rPr>
+              <a:t>Youdin</a:t>
+            </a:r>
+            <a:r>
+              <a:rPr lang="en-US" sz="1400" dirty="0" smtClean="0">
+                <a:solidFill>
+                  <a:srgbClr val="000000"/>
+                </a:solidFill>
+              </a:rPr>
+              <a:t>, &amp; Murray-Clay (2015)</a:t>
+            </a:r>
+            <a:endParaRPr lang="en-US" sz="1400" dirty="0">
+              <a:solidFill>
+                <a:srgbClr val="000000"/>
+              </a:solidFill>
+            </a:endParaRPr>
+          </a:p>
+        </p:txBody>
+      </p:sp>
+      <p:pic>
+        <p:nvPicPr>
+          <p:cNvPr id="8" name="Picture 7" descr="Mcrit_vs_a_gg.pdf"/>
+          <p:cNvPicPr>
+            <a:picLocks noChangeAspect="1"/>
+          </p:cNvPicPr>
+          <p:nvPr/>
+        </p:nvPicPr>
+        <p:blipFill>
+          <a:blip r:embed="rId2">
+            <a:extLst>
+              <a:ext uri="{28A0092B-C50C-407E-A947-70E740481C1C}">
+                <a14:useLocalDpi xmlns:a14="http://schemas.microsoft.com/office/drawing/2010/main" val="0"/>
+              </a:ext>
+            </a:extLst>
+          </a:blip>
+          <a:stretch>
+            <a:fillRect/>
+          </a:stretch>
+        </p:blipFill>
+        <p:spPr>
+          <a:xfrm>
+            <a:off x="2664189" y="1296048"/>
+            <a:ext cx="6346899" cy="4765822"/>
+          </a:xfrm>
+          <a:prstGeom prst="rect">
+            <a:avLst/>
+          </a:prstGeom>
+        </p:spPr>
+      </p:pic>
+      <p:sp>
+        <p:nvSpPr>
+          <p:cNvPr id="11" name="TextBox 10"/>
+          <p:cNvSpPr txBox="1"/>
+          <p:nvPr/>
+        </p:nvSpPr>
+        <p:spPr>
+          <a:xfrm>
+            <a:off x="2729354" y="5546246"/>
+            <a:ext cx="2715840" cy="338554"/>
+          </a:xfrm>
+          <a:prstGeom prst="rect">
+            <a:avLst/>
+          </a:prstGeom>
+          <a:noFill/>
+        </p:spPr>
+        <p:txBody>
+          <a:bodyPr wrap="square" rtlCol="0">
+            <a:spAutoFit/>
+          </a:bodyPr>
+          <a:lstStyle/>
+          <a:p>
+            <a:r>
+              <a:rPr lang="en-US" sz="1600" dirty="0" err="1">
+                <a:solidFill>
+                  <a:srgbClr val="000000"/>
+                </a:solidFill>
+              </a:rPr>
+              <a:t>t_disk</a:t>
+            </a:r>
+            <a:r>
+              <a:rPr lang="en-US" sz="1600" dirty="0">
+                <a:solidFill>
+                  <a:srgbClr val="000000"/>
+                </a:solidFill>
+              </a:rPr>
+              <a:t> ~ 3 </a:t>
+            </a:r>
+            <a:r>
+              <a:rPr lang="en-US" sz="1600" dirty="0" err="1" smtClean="0">
+                <a:solidFill>
+                  <a:srgbClr val="000000"/>
+                </a:solidFill>
+              </a:rPr>
+              <a:t>Myr</a:t>
+            </a:r>
+            <a:r>
+              <a:rPr lang="en-US" sz="1600" dirty="0" smtClean="0">
+                <a:solidFill>
+                  <a:srgbClr val="000000"/>
+                </a:solidFill>
+              </a:rPr>
+              <a:t>, realistic EOS</a:t>
+            </a:r>
+            <a:endParaRPr lang="en-US" sz="1600" dirty="0">
+              <a:solidFill>
+                <a:srgbClr val="000000"/>
+              </a:solidFill>
+            </a:endParaRPr>
+          </a:p>
+        </p:txBody>
+      </p:sp>
+      <p:sp>
+        <p:nvSpPr>
+          <p:cNvPr id="12" name="TextBox 11"/>
+          <p:cNvSpPr txBox="1"/>
+          <p:nvPr/>
+        </p:nvSpPr>
+        <p:spPr>
+          <a:xfrm>
+            <a:off x="6336969" y="5703891"/>
+            <a:ext cx="2782215" cy="307777"/>
+          </a:xfrm>
+          <a:prstGeom prst="rect">
+            <a:avLst/>
+          </a:prstGeom>
+          <a:noFill/>
+        </p:spPr>
+        <p:txBody>
+          <a:bodyPr wrap="square" rtlCol="0">
+            <a:spAutoFit/>
+          </a:bodyPr>
+          <a:lstStyle/>
+          <a:p>
+            <a:r>
+              <a:rPr lang="en-US" sz="1400" dirty="0" smtClean="0">
+                <a:solidFill>
+                  <a:srgbClr val="000000"/>
+                </a:solidFill>
+              </a:rPr>
+              <a:t>Piso, </a:t>
+            </a:r>
+            <a:r>
+              <a:rPr lang="en-US" sz="1400" dirty="0" err="1" smtClean="0">
+                <a:solidFill>
+                  <a:srgbClr val="000000"/>
+                </a:solidFill>
+              </a:rPr>
+              <a:t>Youdin</a:t>
+            </a:r>
+            <a:r>
+              <a:rPr lang="en-US" sz="1400" dirty="0" smtClean="0">
+                <a:solidFill>
+                  <a:srgbClr val="000000"/>
+                </a:solidFill>
+              </a:rPr>
+              <a:t>, &amp; Murray-Clay (2015)</a:t>
+            </a:r>
+            <a:endParaRPr lang="en-US" sz="1400" dirty="0">
+              <a:solidFill>
+                <a:srgbClr val="000000"/>
+              </a:solidFill>
+            </a:endParaRPr>
+          </a:p>
+        </p:txBody>
+      </p:sp>
+      <p:sp>
+        <p:nvSpPr>
+          <p:cNvPr id="10" name="Rectangle 9"/>
+          <p:cNvSpPr/>
+          <p:nvPr/>
+        </p:nvSpPr>
+        <p:spPr>
+          <a:xfrm>
+            <a:off x="3814756" y="4120778"/>
+            <a:ext cx="4832699" cy="769831"/>
+          </a:xfrm>
+          <a:prstGeom prst="rect">
+            <a:avLst/>
+          </a:prstGeom>
+          <a:noFill/>
+          <a:ln w="38100">
+            <a:solidFill>
+              <a:srgbClr val="BD117E"/>
+            </a:solidFill>
+          </a:ln>
+          <a:effectLst/>
+        </p:spPr>
+        <p:style>
+          <a:lnRef idx="1">
+            <a:schemeClr val="accent1"/>
+          </a:lnRef>
+          <a:fillRef idx="3">
+            <a:schemeClr val="accent1"/>
+          </a:fillRef>
+          <a:effectRef idx="2">
+            <a:schemeClr val="accent1"/>
+          </a:effectRef>
+          <a:fontRef idx="minor">
+            <a:schemeClr val="lt1"/>
+          </a:fontRef>
+        </p:style>
+        <p:txBody>
+          <a:bodyPr rtlCol="0" anchor="ctr"/>
+          <a:lstStyle/>
+          <a:p>
+            <a:pPr algn="ctr"/>
+            <a:endParaRPr lang="en-US"/>
+          </a:p>
+        </p:txBody>
+      </p:sp>
+      <p:sp>
+        <p:nvSpPr>
+          <p:cNvPr id="13" name="TextBox 12"/>
+          <p:cNvSpPr txBox="1"/>
+          <p:nvPr/>
+        </p:nvSpPr>
+        <p:spPr>
+          <a:xfrm>
+            <a:off x="202677" y="2274119"/>
+            <a:ext cx="2310490" cy="1846659"/>
+          </a:xfrm>
+          <a:prstGeom prst="rect">
+            <a:avLst/>
+          </a:prstGeom>
+          <a:solidFill>
+            <a:srgbClr val="FFFF00"/>
+          </a:solidFill>
+          <a:ln w="38100">
+            <a:solidFill>
+              <a:srgbClr val="0000FF"/>
+            </a:solidFill>
+          </a:ln>
+        </p:spPr>
+        <p:txBody>
+          <a:bodyPr wrap="square" rtlCol="0">
+            <a:spAutoFit/>
+          </a:bodyPr>
+          <a:lstStyle/>
+          <a:p>
+            <a:pPr algn="ctr"/>
+            <a:r>
+              <a:rPr lang="en-US" sz="2400" dirty="0" err="1" smtClean="0">
+                <a:solidFill>
+                  <a:schemeClr val="bg1"/>
+                </a:solidFill>
+              </a:rPr>
+              <a:t>M</a:t>
+            </a:r>
+            <a:r>
+              <a:rPr lang="en-US" sz="2400" baseline="-25000" dirty="0" err="1" smtClean="0">
+                <a:solidFill>
+                  <a:schemeClr val="bg1"/>
+                </a:solidFill>
+              </a:rPr>
+              <a:t>crit</a:t>
+            </a:r>
+            <a:r>
+              <a:rPr lang="en-US" sz="2400" dirty="0">
+                <a:solidFill>
+                  <a:schemeClr val="bg1"/>
+                </a:solidFill>
+              </a:rPr>
+              <a:t>:</a:t>
+            </a:r>
+            <a:endParaRPr lang="en-US" sz="2400" dirty="0" smtClean="0">
+              <a:solidFill>
+                <a:schemeClr val="bg1"/>
+              </a:solidFill>
+            </a:endParaRPr>
+          </a:p>
+          <a:p>
+            <a:endParaRPr lang="en-US" sz="2400" dirty="0" smtClean="0">
+              <a:solidFill>
+                <a:schemeClr val="bg1"/>
+              </a:solidFill>
+            </a:endParaRPr>
+          </a:p>
+          <a:p>
+            <a:r>
+              <a:rPr lang="en-US" sz="2400" baseline="-25000" dirty="0" smtClean="0">
+                <a:solidFill>
+                  <a:schemeClr val="bg1"/>
+                </a:solidFill>
+              </a:rPr>
+              <a:t> </a:t>
+            </a:r>
+            <a:r>
+              <a:rPr lang="en-US" sz="2400" dirty="0" smtClean="0">
+                <a:solidFill>
+                  <a:schemeClr val="bg1"/>
+                </a:solidFill>
+              </a:rPr>
+              <a:t>~8 M</a:t>
+            </a:r>
+            <a:r>
+              <a:rPr lang="en-US" sz="2400" baseline="-25000" dirty="0" smtClean="0">
+                <a:solidFill>
+                  <a:schemeClr val="bg1"/>
+                </a:solidFill>
+              </a:rPr>
+              <a:t>E</a:t>
+            </a:r>
+            <a:r>
+              <a:rPr lang="en-US" sz="2400" dirty="0" smtClean="0">
+                <a:solidFill>
+                  <a:schemeClr val="bg1"/>
+                </a:solidFill>
+              </a:rPr>
+              <a:t> @ 5 AU</a:t>
+            </a:r>
+          </a:p>
+          <a:p>
+            <a:r>
+              <a:rPr lang="en-US" sz="2400" baseline="-25000" dirty="0" smtClean="0">
+                <a:solidFill>
+                  <a:schemeClr val="bg1"/>
+                </a:solidFill>
+              </a:rPr>
+              <a:t> </a:t>
+            </a:r>
+            <a:r>
+              <a:rPr lang="en-US" sz="2400" dirty="0" smtClean="0">
+                <a:solidFill>
+                  <a:schemeClr val="bg1"/>
+                </a:solidFill>
+              </a:rPr>
+              <a:t>~5 </a:t>
+            </a:r>
+            <a:r>
+              <a:rPr lang="en-US" sz="2400" dirty="0">
+                <a:solidFill>
+                  <a:schemeClr val="bg1"/>
+                </a:solidFill>
+              </a:rPr>
+              <a:t>M</a:t>
+            </a:r>
+            <a:r>
+              <a:rPr lang="en-US" sz="2400" baseline="-25000" dirty="0">
+                <a:solidFill>
+                  <a:schemeClr val="bg1"/>
+                </a:solidFill>
+              </a:rPr>
+              <a:t>E</a:t>
+            </a:r>
+            <a:r>
+              <a:rPr lang="en-US" sz="2400" dirty="0">
+                <a:solidFill>
+                  <a:schemeClr val="bg1"/>
+                </a:solidFill>
+              </a:rPr>
+              <a:t> @ </a:t>
+            </a:r>
+            <a:r>
+              <a:rPr lang="en-US" sz="2400" dirty="0" smtClean="0">
+                <a:solidFill>
+                  <a:schemeClr val="bg1"/>
+                </a:solidFill>
+              </a:rPr>
+              <a:t>100 </a:t>
+            </a:r>
+            <a:r>
+              <a:rPr lang="en-US" sz="2400" dirty="0">
+                <a:solidFill>
+                  <a:schemeClr val="bg1"/>
+                </a:solidFill>
+              </a:rPr>
+              <a:t>AU</a:t>
+            </a:r>
+          </a:p>
+          <a:p>
+            <a:endParaRPr lang="en-US" dirty="0">
+              <a:solidFill>
+                <a:srgbClr val="FFFF00"/>
+              </a:solidFill>
+            </a:endParaRPr>
+          </a:p>
+        </p:txBody>
+      </p:sp>
+    </p:spTree>
+    <p:extLst>
+      <p:ext uri="{BB962C8B-B14F-4D97-AF65-F5344CB8AC3E}">
+        <p14:creationId xmlns:p14="http://schemas.microsoft.com/office/powerpoint/2010/main" val="682636542"/>
+      </p:ext>
+    </p:extLst>
+  </p:cSld>
+  <p:clrMapOvr>
+    <a:masterClrMapping/>
+  </p:clrMapOvr>
+  <p:timing>
+    <p:tnLst>
+      <p:par>
+        <p:cTn xmlns:p14="http://schemas.microsoft.com/office/powerpoint/2010/main" id="1" dur="indefinite" restart="never" nodeType="tmRoot"/>
+      </p:par>
+    </p:tnLst>
+  </p:timing>
+</p:sld>
+</file>
+
+<file path=ppt/slides/slide9.xml><?xml version="1.0" encoding="utf-8"?>
+<p:sld xmlns:a="http://schemas.openxmlformats.org/drawingml/2006/main" xmlns:r="http://schemas.openxmlformats.org/officeDocument/2006/relationships" xmlns:p="http://schemas.openxmlformats.org/presentationml/2006/main">
+  <p:cSld>
+    <p:spTree>
+      <p:nvGrpSpPr>
+        <p:cNvPr id="1" name=""/>
+        <p:cNvGrpSpPr/>
+        <p:nvPr/>
+      </p:nvGrpSpPr>
+      <p:grpSpPr>
+        <a:xfrm>
+          <a:off x="0" y="0"/>
+          <a:ext cx="0" cy="0"/>
+          <a:chOff x="0" y="0"/>
+          <a:chExt cx="0" cy="0"/>
+        </a:xfrm>
+      </p:grpSpPr>
+      <p:sp>
+        <p:nvSpPr>
+          <p:cNvPr id="2" name="Title 1"/>
+          <p:cNvSpPr>
+            <a:spLocks noGrp="1"/>
+          </p:cNvSpPr>
+          <p:nvPr>
+            <p:ph type="title"/>
+          </p:nvPr>
+        </p:nvSpPr>
+        <p:spPr>
+          <a:xfrm>
+            <a:off x="457200" y="153048"/>
+            <a:ext cx="8229600" cy="1143000"/>
+          </a:xfrm>
+        </p:spPr>
+        <p:txBody>
+          <a:bodyPr>
+            <a:normAutofit fontScale="90000"/>
+          </a:bodyPr>
+          <a:lstStyle/>
+          <a:p>
+            <a:r>
+              <a:rPr lang="en-US" dirty="0" smtClean="0"/>
+              <a:t>Grain growth </a:t>
+            </a:r>
+            <a:r>
+              <a:rPr lang="en-US" dirty="0" smtClean="0"/>
+              <a:t>opacities </a:t>
+            </a:r>
+            <a:r>
+              <a:rPr lang="en-US" dirty="0" smtClean="0">
+                <a:solidFill>
+                  <a:srgbClr val="FFFF00"/>
+                </a:solidFill>
+              </a:rPr>
+              <a:t>DECREASE</a:t>
+            </a:r>
+            <a:r>
+              <a:rPr lang="en-US" dirty="0" smtClean="0"/>
+              <a:t> </a:t>
+            </a:r>
+            <a:r>
+              <a:rPr lang="en-US" dirty="0" err="1" smtClean="0"/>
+              <a:t>M</a:t>
+            </a:r>
+            <a:r>
+              <a:rPr lang="en-US" baseline="-25000" dirty="0" err="1" smtClean="0"/>
+              <a:t>crit</a:t>
+            </a:r>
+            <a:endParaRPr lang="en-US" dirty="0"/>
+          </a:p>
+        </p:txBody>
+      </p:sp>
       <p:pic>
         <p:nvPicPr>
           <p:cNvPr id="4" name="Picture 3" descr="Mcrit_vs_a_gg.pdf"/>
@@ -12037,159 +12117,6 @@
     <p:extLst>
       <p:ext uri="{BB962C8B-B14F-4D97-AF65-F5344CB8AC3E}">
         <p14:creationId xmlns:p14="http://schemas.microsoft.com/office/powerpoint/2010/main" val="1271148096"/>
-      </p:ext>
-    </p:extLst>
-  </p:cSld>
-  <p:clrMapOvr>
-    <a:masterClrMapping/>
-  </p:clrMapOvr>
-  <p:timing>
-    <p:tnLst>
-      <p:par>
-        <p:cTn xmlns:p14="http://schemas.microsoft.com/office/powerpoint/2010/main" id="1" dur="indefinite" restart="never" nodeType="tmRoot"/>
-      </p:par>
-    </p:tnLst>
-  </p:timing>
-</p:sld>
-</file>
-
-<file path=ppt/slides/slide9.xml><?xml version="1.0" encoding="utf-8"?>
-<p:sld xmlns:a="http://schemas.openxmlformats.org/drawingml/2006/main" xmlns:r="http://schemas.openxmlformats.org/officeDocument/2006/relationships" xmlns:p="http://schemas.openxmlformats.org/presentationml/2006/main">
-  <p:cSld>
-    <p:spTree>
-      <p:nvGrpSpPr>
-        <p:cNvPr id="1" name=""/>
-        <p:cNvGrpSpPr/>
-        <p:nvPr/>
-      </p:nvGrpSpPr>
-      <p:grpSpPr>
-        <a:xfrm>
-          <a:off x="0" y="0"/>
-          <a:ext cx="0" cy="0"/>
-          <a:chOff x="0" y="0"/>
-          <a:chExt cx="0" cy="0"/>
-        </a:xfrm>
-      </p:grpSpPr>
-      <p:sp>
-        <p:nvSpPr>
-          <p:cNvPr id="2" name="Title 1"/>
-          <p:cNvSpPr>
-            <a:spLocks noGrp="1"/>
-          </p:cNvSpPr>
-          <p:nvPr>
-            <p:ph type="title"/>
-          </p:nvPr>
-        </p:nvSpPr>
-        <p:spPr>
-          <a:xfrm>
-            <a:off x="243209" y="918678"/>
-            <a:ext cx="8782563" cy="1336579"/>
-          </a:xfrm>
-        </p:spPr>
-        <p:txBody>
-          <a:bodyPr>
-            <a:noAutofit/>
-          </a:bodyPr>
-          <a:lstStyle/>
-          <a:p>
-            <a:r>
-              <a:rPr lang="en-US" sz="4000" dirty="0" smtClean="0">
-                <a:solidFill>
-                  <a:srgbClr val="FFFF00"/>
-                </a:solidFill>
-              </a:rPr>
-              <a:t>Snowline Locations in </a:t>
-            </a:r>
-            <a:r>
-              <a:rPr lang="en-US" sz="4000" dirty="0" err="1" smtClean="0">
-                <a:solidFill>
-                  <a:srgbClr val="FFFF00"/>
-                </a:solidFill>
-              </a:rPr>
-              <a:t>Protoplanetary</a:t>
-            </a:r>
-            <a:r>
-              <a:rPr lang="en-US" sz="4000" dirty="0" smtClean="0">
-                <a:solidFill>
-                  <a:srgbClr val="FFFF00"/>
-                </a:solidFill>
-              </a:rPr>
-              <a:t> Disks and </a:t>
-            </a:r>
-            <a:r>
-              <a:rPr lang="en-US" sz="4000" dirty="0" smtClean="0">
-                <a:solidFill>
-                  <a:srgbClr val="FFFF00"/>
-                </a:solidFill>
-              </a:rPr>
-              <a:t>C</a:t>
-            </a:r>
-            <a:r>
-              <a:rPr lang="en-US" sz="4000" dirty="0" smtClean="0">
-                <a:solidFill>
-                  <a:srgbClr val="FFFF00"/>
-                </a:solidFill>
-              </a:rPr>
-              <a:t>/</a:t>
-            </a:r>
-            <a:r>
-              <a:rPr lang="en-US" sz="4000" dirty="0" smtClean="0">
-                <a:solidFill>
-                  <a:srgbClr val="FFFF00"/>
-                </a:solidFill>
-              </a:rPr>
-              <a:t>O/N </a:t>
-            </a:r>
-            <a:r>
-              <a:rPr lang="en-US" sz="4000" dirty="0" smtClean="0">
-                <a:solidFill>
-                  <a:srgbClr val="FFFF00"/>
-                </a:solidFill>
-              </a:rPr>
-              <a:t>ratios</a:t>
-            </a:r>
-            <a:endParaRPr lang="en-US" sz="4000" dirty="0">
-              <a:solidFill>
-                <a:srgbClr val="FFFF00"/>
-              </a:solidFill>
-            </a:endParaRPr>
-          </a:p>
-        </p:txBody>
-      </p:sp>
-      <p:pic>
-        <p:nvPicPr>
-          <p:cNvPr id="3" name="Picture 2" descr="2013_sciencealma_0009.jpg"/>
-          <p:cNvPicPr>
-            <a:picLocks noChangeAspect="1"/>
-          </p:cNvPicPr>
-          <p:nvPr/>
-        </p:nvPicPr>
-        <p:blipFill>
-          <a:blip r:embed="rId3" cstate="print">
-            <a:extLst>
-              <a:ext uri="{28A0092B-C50C-407E-A947-70E740481C1C}">
-                <a14:useLocalDpi xmlns:a14="http://schemas.microsoft.com/office/drawing/2010/main" val="0"/>
-              </a:ext>
-            </a:extLst>
-          </a:blip>
-          <a:stretch>
-            <a:fillRect/>
-          </a:stretch>
-        </p:blipFill>
-        <p:spPr>
-          <a:xfrm>
-            <a:off x="2952929" y="3052346"/>
-            <a:ext cx="3796140" cy="3805654"/>
-          </a:xfrm>
-          <a:prstGeom prst="rect">
-            <a:avLst/>
-          </a:prstGeom>
-        </p:spPr>
-      </p:pic>
-    </p:spTree>
-    <p:extLst>
-      <p:ext uri="{BB962C8B-B14F-4D97-AF65-F5344CB8AC3E}">
-        <p14:creationId xmlns:p14="http://schemas.microsoft.com/office/powerpoint/2010/main" val="3439874861"/>
       </p:ext>
     </p:extLst>
   </p:cSld>

--- a/slides/AAS_talk.pptx
+++ b/slides/AAS_talk.pptx
@@ -5,10 +5,10 @@
     <p:sldMasterId id="2147483648" r:id="rId1"/>
   </p:sldMasterIdLst>
   <p:notesMasterIdLst>
-    <p:notesMasterId r:id="rId31"/>
+    <p:notesMasterId r:id="rId24"/>
   </p:notesMasterIdLst>
   <p:handoutMasterIdLst>
-    <p:handoutMasterId r:id="rId32"/>
+    <p:handoutMasterId r:id="rId25"/>
   </p:handoutMasterIdLst>
   <p:sldIdLst>
     <p:sldId id="256" r:id="rId2"/>
@@ -33,13 +33,6 @@
     <p:sldId id="340" r:id="rId21"/>
     <p:sldId id="333" r:id="rId22"/>
     <p:sldId id="326" r:id="rId23"/>
-    <p:sldId id="352" r:id="rId24"/>
-    <p:sldId id="339" r:id="rId25"/>
-    <p:sldId id="345" r:id="rId26"/>
-    <p:sldId id="346" r:id="rId27"/>
-    <p:sldId id="347" r:id="rId28"/>
-    <p:sldId id="349" r:id="rId29"/>
-    <p:sldId id="351" r:id="rId30"/>
   </p:sldIdLst>
   <p:sldSz cx="9144000" cy="6858000" type="screen4x3"/>
   <p:notesSz cx="6858000" cy="9144000"/>
@@ -169,13 +162,6 @@
             <p14:sldId id="340"/>
             <p14:sldId id="333"/>
             <p14:sldId id="326"/>
-            <p14:sldId id="352"/>
-            <p14:sldId id="339"/>
-            <p14:sldId id="345"/>
-            <p14:sldId id="346"/>
-            <p14:sldId id="347"/>
-            <p14:sldId id="349"/>
-            <p14:sldId id="351"/>
           </p14:sldIdLst>
         </p14:section>
       </p14:sectionLst>
@@ -272,7 +258,7 @@
           <a:p>
             <a:fld id="{7E37B48D-A559-6F41-A85D-9198382D8E74}" type="datetime1">
               <a:rPr lang="en-US" smtClean="0"/>
-              <a:t>1/4/16</a:t>
+              <a:t>1/11/16</a:t>
             </a:fld>
             <a:endParaRPr lang="en-US"/>
           </a:p>
@@ -438,7 +424,7 @@
           <a:p>
             <a:fld id="{A07269D8-8511-224D-9EC2-608B032B74D9}" type="datetime1">
               <a:rPr lang="en-US" smtClean="0"/>
-              <a:t>1/4/16</a:t>
+              <a:t>1/11/16</a:t>
             </a:fld>
             <a:endParaRPr lang="en-US"/>
           </a:p>
@@ -1151,306 +1137,6 @@
 </p:notes>
 </file>
 
-<file path=ppt/notesSlides/notesSlide6.xml><?xml version="1.0" encoding="utf-8"?>
-<p:notes xmlns:a="http://schemas.openxmlformats.org/drawingml/2006/main" xmlns:r="http://schemas.openxmlformats.org/officeDocument/2006/relationships" xmlns:p="http://schemas.openxmlformats.org/presentationml/2006/main">
-  <p:cSld>
-    <p:spTree>
-      <p:nvGrpSpPr>
-        <p:cNvPr id="1" name=""/>
-        <p:cNvGrpSpPr/>
-        <p:nvPr/>
-      </p:nvGrpSpPr>
-      <p:grpSpPr>
-        <a:xfrm>
-          <a:off x="0" y="0"/>
-          <a:ext cx="0" cy="0"/>
-          <a:chOff x="0" y="0"/>
-          <a:chExt cx="0" cy="0"/>
-        </a:xfrm>
-      </p:grpSpPr>
-      <p:sp>
-        <p:nvSpPr>
-          <p:cNvPr id="2" name="Slide Image Placeholder 1"/>
-          <p:cNvSpPr>
-            <a:spLocks noGrp="1" noRot="1" noChangeAspect="1"/>
-          </p:cNvSpPr>
-          <p:nvPr>
-            <p:ph type="sldImg"/>
-          </p:nvPr>
-        </p:nvSpPr>
-        <p:spPr/>
-      </p:sp>
-      <p:sp>
-        <p:nvSpPr>
-          <p:cNvPr id="3" name="Notes Placeholder 2"/>
-          <p:cNvSpPr>
-            <a:spLocks noGrp="1"/>
-          </p:cNvSpPr>
-          <p:nvPr>
-            <p:ph type="body" idx="1"/>
-          </p:nvPr>
-        </p:nvSpPr>
-        <p:spPr/>
-        <p:txBody>
-          <a:bodyPr/>
-          <a:lstStyle/>
-          <a:p>
-            <a:r>
-              <a:rPr lang="en-US" dirty="0" smtClean="0"/>
-              <a:t>Cite </a:t>
-            </a:r>
-            <a:r>
-              <a:rPr lang="en-US" dirty="0" err="1" smtClean="0"/>
-              <a:t>TWHya</a:t>
-            </a:r>
-            <a:r>
-              <a:rPr lang="en-US" dirty="0" smtClean="0"/>
-              <a:t> paper</a:t>
-            </a:r>
-            <a:endParaRPr lang="en-US" dirty="0"/>
-          </a:p>
-        </p:txBody>
-      </p:sp>
-      <p:sp>
-        <p:nvSpPr>
-          <p:cNvPr id="4" name="Slide Number Placeholder 3"/>
-          <p:cNvSpPr>
-            <a:spLocks noGrp="1"/>
-          </p:cNvSpPr>
-          <p:nvPr>
-            <p:ph type="sldNum" sz="quarter" idx="10"/>
-          </p:nvPr>
-        </p:nvSpPr>
-        <p:spPr/>
-        <p:txBody>
-          <a:bodyPr/>
-          <a:lstStyle/>
-          <a:p>
-            <a:fld id="{08B4712D-D2CB-8747-9EC4-89869EAABFB2}" type="slidenum">
-              <a:rPr lang="en-US" smtClean="0"/>
-              <a:t>24</a:t>
-            </a:fld>
-            <a:endParaRPr lang="en-US"/>
-          </a:p>
-        </p:txBody>
-      </p:sp>
-    </p:spTree>
-    <p:extLst>
-      <p:ext uri="{BB962C8B-B14F-4D97-AF65-F5344CB8AC3E}">
-        <p14:creationId xmlns:p14="http://schemas.microsoft.com/office/powerpoint/2010/main" val="3741690119"/>
-      </p:ext>
-    </p:extLst>
-  </p:cSld>
-  <p:clrMapOvr>
-    <a:masterClrMapping/>
-  </p:clrMapOvr>
-</p:notes>
-</file>
-
-<file path=ppt/notesSlides/notesSlide7.xml><?xml version="1.0" encoding="utf-8"?>
-<p:notes xmlns:a="http://schemas.openxmlformats.org/drawingml/2006/main" xmlns:r="http://schemas.openxmlformats.org/officeDocument/2006/relationships" xmlns:p="http://schemas.openxmlformats.org/presentationml/2006/main">
-  <p:cSld>
-    <p:spTree>
-      <p:nvGrpSpPr>
-        <p:cNvPr id="1" name=""/>
-        <p:cNvGrpSpPr/>
-        <p:nvPr/>
-      </p:nvGrpSpPr>
-      <p:grpSpPr>
-        <a:xfrm>
-          <a:off x="0" y="0"/>
-          <a:ext cx="0" cy="0"/>
-          <a:chOff x="0" y="0"/>
-          <a:chExt cx="0" cy="0"/>
-        </a:xfrm>
-      </p:grpSpPr>
-      <p:sp>
-        <p:nvSpPr>
-          <p:cNvPr id="2" name="Slide Image Placeholder 1"/>
-          <p:cNvSpPr>
-            <a:spLocks noGrp="1" noRot="1" noChangeAspect="1"/>
-          </p:cNvSpPr>
-          <p:nvPr>
-            <p:ph type="sldImg"/>
-          </p:nvPr>
-        </p:nvSpPr>
-        <p:spPr/>
-      </p:sp>
-      <p:sp>
-        <p:nvSpPr>
-          <p:cNvPr id="3" name="Notes Placeholder 2"/>
-          <p:cNvSpPr>
-            <a:spLocks noGrp="1"/>
-          </p:cNvSpPr>
-          <p:nvPr>
-            <p:ph type="body" idx="1"/>
-          </p:nvPr>
-        </p:nvSpPr>
-        <p:spPr/>
-        <p:txBody>
-          <a:bodyPr/>
-          <a:lstStyle/>
-          <a:p>
-            <a:r>
-              <a:rPr lang="en-US" dirty="0" smtClean="0"/>
-              <a:t>Replace</a:t>
-            </a:r>
-            <a:r>
-              <a:rPr lang="en-US" baseline="0" dirty="0" smtClean="0"/>
-              <a:t> with </a:t>
-            </a:r>
-            <a:r>
-              <a:rPr lang="en-US" baseline="0" dirty="0" err="1" smtClean="0"/>
-              <a:t>spitzer</a:t>
-            </a:r>
-            <a:r>
-              <a:rPr lang="en-US" baseline="0" dirty="0" smtClean="0"/>
-              <a:t> water in disks spectrum image and  DCO+ image. </a:t>
-            </a:r>
-            <a:endParaRPr lang="en-US" dirty="0"/>
-          </a:p>
-        </p:txBody>
-      </p:sp>
-      <p:sp>
-        <p:nvSpPr>
-          <p:cNvPr id="4" name="Slide Number Placeholder 3"/>
-          <p:cNvSpPr>
-            <a:spLocks noGrp="1"/>
-          </p:cNvSpPr>
-          <p:nvPr>
-            <p:ph type="sldNum" sz="quarter" idx="10"/>
-          </p:nvPr>
-        </p:nvSpPr>
-        <p:spPr/>
-        <p:txBody>
-          <a:bodyPr/>
-          <a:lstStyle/>
-          <a:p>
-            <a:fld id="{08B4712D-D2CB-8747-9EC4-89869EAABFB2}" type="slidenum">
-              <a:rPr lang="en-US" smtClean="0"/>
-              <a:t>25</a:t>
-            </a:fld>
-            <a:endParaRPr lang="en-US"/>
-          </a:p>
-        </p:txBody>
-      </p:sp>
-    </p:spTree>
-    <p:extLst>
-      <p:ext uri="{BB962C8B-B14F-4D97-AF65-F5344CB8AC3E}">
-        <p14:creationId xmlns:p14="http://schemas.microsoft.com/office/powerpoint/2010/main" val="1098661459"/>
-      </p:ext>
-    </p:extLst>
-  </p:cSld>
-  <p:clrMapOvr>
-    <a:masterClrMapping/>
-  </p:clrMapOvr>
-</p:notes>
-</file>
-
-<file path=ppt/notesSlides/notesSlide8.xml><?xml version="1.0" encoding="utf-8"?>
-<p:notes xmlns:a="http://schemas.openxmlformats.org/drawingml/2006/main" xmlns:r="http://schemas.openxmlformats.org/officeDocument/2006/relationships" xmlns:p="http://schemas.openxmlformats.org/presentationml/2006/main">
-  <p:cSld>
-    <p:spTree>
-      <p:nvGrpSpPr>
-        <p:cNvPr id="1" name=""/>
-        <p:cNvGrpSpPr/>
-        <p:nvPr/>
-      </p:nvGrpSpPr>
-      <p:grpSpPr>
-        <a:xfrm>
-          <a:off x="0" y="0"/>
-          <a:ext cx="0" cy="0"/>
-          <a:chOff x="0" y="0"/>
-          <a:chExt cx="0" cy="0"/>
-        </a:xfrm>
-      </p:grpSpPr>
-      <p:sp>
-        <p:nvSpPr>
-          <p:cNvPr id="2" name="Slide Image Placeholder 1"/>
-          <p:cNvSpPr>
-            <a:spLocks noGrp="1" noRot="1" noChangeAspect="1"/>
-          </p:cNvSpPr>
-          <p:nvPr>
-            <p:ph type="sldImg"/>
-          </p:nvPr>
-        </p:nvSpPr>
-        <p:spPr/>
-      </p:sp>
-      <p:sp>
-        <p:nvSpPr>
-          <p:cNvPr id="3" name="Notes Placeholder 2"/>
-          <p:cNvSpPr>
-            <a:spLocks noGrp="1"/>
-          </p:cNvSpPr>
-          <p:nvPr>
-            <p:ph type="body" idx="1"/>
-          </p:nvPr>
-        </p:nvSpPr>
-        <p:spPr/>
-        <p:txBody>
-          <a:bodyPr/>
-          <a:lstStyle/>
-          <a:p>
-            <a:r>
-              <a:rPr lang="en-US" dirty="0" smtClean="0"/>
-              <a:t>Show a slide before this with model predictions. </a:t>
-            </a:r>
-            <a:r>
-              <a:rPr lang="en-US" dirty="0" err="1" smtClean="0"/>
-              <a:t>Arxiv</a:t>
-            </a:r>
-            <a:r>
-              <a:rPr lang="en-US" dirty="0" smtClean="0"/>
-              <a:t> paper by </a:t>
-            </a:r>
-            <a:r>
-              <a:rPr lang="en-US" dirty="0" err="1" smtClean="0"/>
-              <a:t>katherine</a:t>
-            </a:r>
-            <a:r>
-              <a:rPr lang="en-US" dirty="0" smtClean="0"/>
-              <a:t> lodders.2009 figure 1.8</a:t>
-            </a:r>
-            <a:endParaRPr lang="en-US" dirty="0"/>
-          </a:p>
-        </p:txBody>
-      </p:sp>
-      <p:sp>
-        <p:nvSpPr>
-          <p:cNvPr id="4" name="Slide Number Placeholder 3"/>
-          <p:cNvSpPr>
-            <a:spLocks noGrp="1"/>
-          </p:cNvSpPr>
-          <p:nvPr>
-            <p:ph type="sldNum" sz="quarter" idx="10"/>
-          </p:nvPr>
-        </p:nvSpPr>
-        <p:spPr/>
-        <p:txBody>
-          <a:bodyPr/>
-          <a:lstStyle/>
-          <a:p>
-            <a:fld id="{08B4712D-D2CB-8747-9EC4-89869EAABFB2}" type="slidenum">
-              <a:rPr lang="en-US" smtClean="0"/>
-              <a:t>27</a:t>
-            </a:fld>
-            <a:endParaRPr lang="en-US"/>
-          </a:p>
-        </p:txBody>
-      </p:sp>
-    </p:spTree>
-    <p:extLst>
-      <p:ext uri="{BB962C8B-B14F-4D97-AF65-F5344CB8AC3E}">
-        <p14:creationId xmlns:p14="http://schemas.microsoft.com/office/powerpoint/2010/main" val="24019049"/>
-      </p:ext>
-    </p:extLst>
-  </p:cSld>
-  <p:clrMapOvr>
-    <a:masterClrMapping/>
-  </p:clrMapOvr>
-</p:notes>
-</file>
-
 <file path=ppt/slideLayouts/slideLayout1.xml><?xml version="1.0" encoding="utf-8"?>
 <p:sldLayout xmlns:a="http://schemas.openxmlformats.org/drawingml/2006/main" xmlns:r="http://schemas.openxmlformats.org/officeDocument/2006/relationships" xmlns:p="http://schemas.openxmlformats.org/presentationml/2006/main" type="title" preserve="1">
   <p:cSld name="Title Slide">
@@ -1632,7 +1318,7 @@
           <a:p>
             <a:fld id="{6BFECD78-3C8E-49F2-8FAB-59489D168ABB}" type="datetimeFigureOut">
               <a:rPr lang="en-US" smtClean="0"/>
-              <a:t>1/4/16</a:t>
+              <a:t>1/11/16</a:t>
             </a:fld>
             <a:endParaRPr lang="en-US"/>
           </a:p>
@@ -1802,7 +1488,7 @@
           <a:p>
             <a:fld id="{6BFECD78-3C8E-49F2-8FAB-59489D168ABB}" type="datetimeFigureOut">
               <a:rPr lang="en-US" smtClean="0"/>
-              <a:t>1/4/16</a:t>
+              <a:t>1/11/16</a:t>
             </a:fld>
             <a:endParaRPr lang="en-US"/>
           </a:p>
@@ -1982,7 +1668,7 @@
           <a:p>
             <a:fld id="{6BFECD78-3C8E-49F2-8FAB-59489D168ABB}" type="datetimeFigureOut">
               <a:rPr lang="en-US" smtClean="0"/>
-              <a:t>1/4/16</a:t>
+              <a:t>1/11/16</a:t>
             </a:fld>
             <a:endParaRPr lang="en-US"/>
           </a:p>
@@ -2152,7 +1838,7 @@
           <a:p>
             <a:fld id="{6BFECD78-3C8E-49F2-8FAB-59489D168ABB}" type="datetimeFigureOut">
               <a:rPr lang="en-US" smtClean="0"/>
-              <a:t>1/4/16</a:t>
+              <a:t>1/11/16</a:t>
             </a:fld>
             <a:endParaRPr lang="en-US"/>
           </a:p>
@@ -2398,7 +2084,7 @@
           <a:p>
             <a:fld id="{6BFECD78-3C8E-49F2-8FAB-59489D168ABB}" type="datetimeFigureOut">
               <a:rPr lang="en-US" smtClean="0"/>
-              <a:t>1/4/16</a:t>
+              <a:t>1/11/16</a:t>
             </a:fld>
             <a:endParaRPr lang="en-US"/>
           </a:p>
@@ -2686,7 +2372,7 @@
           <a:p>
             <a:fld id="{6BFECD78-3C8E-49F2-8FAB-59489D168ABB}" type="datetimeFigureOut">
               <a:rPr lang="en-US" smtClean="0"/>
-              <a:t>1/4/16</a:t>
+              <a:t>1/11/16</a:t>
             </a:fld>
             <a:endParaRPr lang="en-US"/>
           </a:p>
@@ -3108,7 +2794,7 @@
           <a:p>
             <a:fld id="{6BFECD78-3C8E-49F2-8FAB-59489D168ABB}" type="datetimeFigureOut">
               <a:rPr lang="en-US" smtClean="0"/>
-              <a:t>1/4/16</a:t>
+              <a:t>1/11/16</a:t>
             </a:fld>
             <a:endParaRPr lang="en-US"/>
           </a:p>
@@ -3226,7 +2912,7 @@
           <a:p>
             <a:fld id="{6BFECD78-3C8E-49F2-8FAB-59489D168ABB}" type="datetimeFigureOut">
               <a:rPr lang="en-US" smtClean="0"/>
-              <a:t>1/4/16</a:t>
+              <a:t>1/11/16</a:t>
             </a:fld>
             <a:endParaRPr lang="en-US"/>
           </a:p>
@@ -3321,7 +3007,7 @@
           <a:p>
             <a:fld id="{6BFECD78-3C8E-49F2-8FAB-59489D168ABB}" type="datetimeFigureOut">
               <a:rPr lang="en-US" smtClean="0"/>
-              <a:t>1/4/16</a:t>
+              <a:t>1/11/16</a:t>
             </a:fld>
             <a:endParaRPr lang="en-US"/>
           </a:p>
@@ -3598,7 +3284,7 @@
           <a:p>
             <a:fld id="{6BFECD78-3C8E-49F2-8FAB-59489D168ABB}" type="datetimeFigureOut">
               <a:rPr lang="en-US" smtClean="0"/>
-              <a:t>1/4/16</a:t>
+              <a:t>1/11/16</a:t>
             </a:fld>
             <a:endParaRPr lang="en-US"/>
           </a:p>
@@ -3855,7 +3541,7 @@
           <a:p>
             <a:fld id="{6BFECD78-3C8E-49F2-8FAB-59489D168ABB}" type="datetimeFigureOut">
               <a:rPr lang="en-US" smtClean="0"/>
-              <a:t>1/4/16</a:t>
+              <a:t>1/11/16</a:t>
             </a:fld>
             <a:endParaRPr lang="en-US"/>
           </a:p>
@@ -4068,7 +3754,7 @@
           <a:p>
             <a:fld id="{6BFECD78-3C8E-49F2-8FAB-59489D168ABB}" type="datetimeFigureOut">
               <a:rPr lang="en-US" smtClean="0"/>
-              <a:t>1/4/16</a:t>
+              <a:t>1/11/16</a:t>
             </a:fld>
             <a:endParaRPr lang="en-US"/>
           </a:p>
@@ -4522,11 +4208,7 @@
           <a:p>
             <a:r>
               <a:rPr lang="en-US" sz="2600" dirty="0" smtClean="0"/>
-              <a:t>Karin </a:t>
-            </a:r>
-            <a:r>
-              <a:rPr lang="en-US" sz="2600" dirty="0" smtClean="0"/>
-              <a:t>Öberg</a:t>
+              <a:t>Karin Öberg</a:t>
             </a:r>
             <a:r>
               <a:rPr lang="en-US" sz="2600" baseline="30000" dirty="0" smtClean="0"/>
@@ -4534,11 +4216,7 @@
             </a:r>
             <a:r>
               <a:rPr lang="en-US" sz="2600" dirty="0" smtClean="0"/>
-              <a:t>, </a:t>
-            </a:r>
-            <a:r>
-              <a:rPr lang="en-US" sz="2600" dirty="0" smtClean="0"/>
-              <a:t>Ruth </a:t>
+              <a:t>, Ruth </a:t>
             </a:r>
             <a:r>
               <a:rPr lang="en-US" sz="2600" dirty="0"/>
@@ -4574,11 +4252,7 @@
             </a:r>
             <a:r>
               <a:rPr lang="en-US" sz="2600" dirty="0" smtClean="0"/>
-              <a:t>, </a:t>
-            </a:r>
-            <a:r>
-              <a:rPr lang="en-US" sz="2600" dirty="0" smtClean="0"/>
-              <a:t>Andrew Youdin</a:t>
+              <a:t>, Andrew Youdin</a:t>
             </a:r>
             <a:r>
               <a:rPr lang="en-US" sz="2600" baseline="30000" dirty="0" smtClean="0"/>
@@ -4639,15 +4313,7 @@
             </a:r>
             <a:r>
               <a:rPr lang="en-US" dirty="0" smtClean="0"/>
-              <a:t>University </a:t>
-            </a:r>
-            <a:r>
-              <a:rPr lang="en-US" dirty="0" smtClean="0"/>
-              <a:t>of California Santa </a:t>
-            </a:r>
-            <a:r>
-              <a:rPr lang="en-US" dirty="0" smtClean="0"/>
-              <a:t>Barbara</a:t>
+              <a:t>University of California Santa Barbara</a:t>
             </a:r>
           </a:p>
           <a:p>
@@ -4668,7 +4334,6 @@
               <a:rPr lang="en-US" dirty="0" smtClean="0"/>
               <a:t>Heidelberg</a:t>
             </a:r>
-            <a:endParaRPr lang="en-US" dirty="0" smtClean="0"/>
           </a:p>
           <a:p>
             <a:pPr algn="ctr"/>
@@ -4824,39 +4489,7 @@
                   <a:srgbClr val="FFFF00"/>
                 </a:solidFill>
               </a:rPr>
-              <a:t> Disks and </a:t>
-            </a:r>
-            <a:r>
-              <a:rPr lang="en-US" sz="4000" dirty="0" smtClean="0">
-                <a:solidFill>
-                  <a:srgbClr val="FFFF00"/>
-                </a:solidFill>
-              </a:rPr>
-              <a:t>C</a:t>
-            </a:r>
-            <a:r>
-              <a:rPr lang="en-US" sz="4000" dirty="0" smtClean="0">
-                <a:solidFill>
-                  <a:srgbClr val="FFFF00"/>
-                </a:solidFill>
-              </a:rPr>
-              <a:t>/</a:t>
-            </a:r>
-            <a:r>
-              <a:rPr lang="en-US" sz="4000" dirty="0" smtClean="0">
-                <a:solidFill>
-                  <a:srgbClr val="FFFF00"/>
-                </a:solidFill>
-              </a:rPr>
-              <a:t>O/N </a:t>
-            </a:r>
-            <a:r>
-              <a:rPr lang="en-US" sz="4000" dirty="0" smtClean="0">
-                <a:solidFill>
-                  <a:srgbClr val="FFFF00"/>
-                </a:solidFill>
-              </a:rPr>
-              <a:t>ratios</a:t>
+              <a:t> Disks and C/O/N ratios</a:t>
             </a:r>
             <a:endParaRPr lang="en-US" sz="4000" dirty="0">
               <a:solidFill>
@@ -5498,15 +5131,7 @@
                   <a:srgbClr val="000000"/>
                 </a:solidFill>
               </a:rPr>
-              <a:t>Molliere</a:t>
-            </a:r>
-            <a:r>
-              <a:rPr lang="en-US" sz="1400" dirty="0" smtClean="0">
-                <a:solidFill>
-                  <a:srgbClr val="000000"/>
-                </a:solidFill>
-              </a:rPr>
-              <a:t>+15</a:t>
+              <a:t>Molliere+15</a:t>
             </a:r>
             <a:endParaRPr lang="en-US" sz="1400" dirty="0">
               <a:solidFill>
@@ -5592,15 +5217,7 @@
                   <a:schemeClr val="bg1"/>
                 </a:solidFill>
               </a:rPr>
-              <a:t>Main carriers </a:t>
-            </a:r>
-            <a:r>
-              <a:rPr lang="en-US" dirty="0" smtClean="0">
-                <a:solidFill>
-                  <a:schemeClr val="bg1"/>
-                </a:solidFill>
-              </a:rPr>
-              <a:t>of C and O, i.e. H</a:t>
+              <a:t>Main carriers of C and O, i.e. H</a:t>
             </a:r>
             <a:r>
               <a:rPr lang="en-US" baseline="-25000" dirty="0" smtClean="0">
@@ -6904,15 +6521,7 @@
             </a:r>
             <a:r>
               <a:rPr lang="en-US" sz="4000" dirty="0" smtClean="0"/>
-              <a:t>may</a:t>
-            </a:r>
-            <a:r>
-              <a:rPr lang="en-US" sz="4000" dirty="0" smtClean="0"/>
-              <a:t> </a:t>
-            </a:r>
-            <a:r>
-              <a:rPr lang="en-US" sz="4000" dirty="0" smtClean="0"/>
-              <a:t>be used as </a:t>
+              <a:t>may be used as </a:t>
             </a:r>
             <a:r>
               <a:rPr lang="en-US" sz="4000" dirty="0" smtClean="0">
@@ -7199,15 +6808,7 @@
                   <a:srgbClr val="FFFF00"/>
                 </a:solidFill>
               </a:rPr>
-              <a:t>Radial </a:t>
-            </a:r>
-            <a:r>
-              <a:rPr lang="en-US" dirty="0" smtClean="0">
-                <a:solidFill>
-                  <a:srgbClr val="FFFF00"/>
-                </a:solidFill>
-              </a:rPr>
-              <a:t>drift</a:t>
+              <a:t>Radial drift</a:t>
             </a:r>
             <a:r>
               <a:rPr lang="en-US" dirty="0" smtClean="0"/>
@@ -7345,11 +6946,7 @@
             </a:r>
             <a:r>
               <a:rPr lang="en-US" dirty="0" smtClean="0"/>
-              <a:t>nowlines </a:t>
-            </a:r>
-            <a:r>
-              <a:rPr lang="en-US" dirty="0" smtClean="0"/>
-              <a:t>move </a:t>
+              <a:t>nowlines move </a:t>
             </a:r>
             <a:r>
               <a:rPr lang="en-US" dirty="0" smtClean="0">
@@ -7369,53 +6966,32 @@
                   <a:srgbClr val="FFFF00"/>
                 </a:solidFill>
               </a:rPr>
-              <a:t>particle size </a:t>
+              <a:t>particle size increases</a:t>
+            </a:r>
+            <a:r>
+              <a:rPr lang="en-US" dirty="0">
+                <a:solidFill>
+                  <a:srgbClr val="FFFFFF"/>
+                </a:solidFill>
+              </a:rPr>
+              <a:t> </a:t>
             </a:r>
             <a:r>
               <a:rPr lang="en-US" dirty="0" smtClean="0">
                 <a:solidFill>
+                  <a:srgbClr val="FFFFFF"/>
+                </a:solidFill>
+              </a:rPr>
+              <a:t>by up to </a:t>
+            </a:r>
+            <a:r>
+              <a:rPr lang="en-US" dirty="0" smtClean="0">
+                <a:solidFill>
                   <a:srgbClr val="FFFF00"/>
                 </a:solidFill>
               </a:rPr>
-              <a:t>increases</a:t>
-            </a:r>
-            <a:r>
-              <a:rPr lang="en-US" dirty="0">
-                <a:solidFill>
-                  <a:srgbClr val="FFFFFF"/>
-                </a:solidFill>
-              </a:rPr>
-              <a:t> </a:t>
-            </a:r>
-            <a:r>
-              <a:rPr lang="en-US" dirty="0" smtClean="0">
-                <a:solidFill>
-                  <a:srgbClr val="FFFFFF"/>
-                </a:solidFill>
-              </a:rPr>
-              <a:t>by up to </a:t>
-            </a:r>
-            <a:r>
-              <a:rPr lang="en-US" dirty="0" smtClean="0">
-                <a:solidFill>
-                  <a:srgbClr val="FFFF00"/>
-                </a:solidFill>
-              </a:rPr>
-              <a:t>50-60%</a:t>
-            </a:r>
-            <a:r>
-              <a:rPr lang="en-US" dirty="0" smtClean="0">
-                <a:solidFill>
-                  <a:srgbClr val="FFFF00"/>
-                </a:solidFill>
-              </a:rPr>
-              <a:t> </a:t>
-            </a:r>
-            <a:endParaRPr lang="en-US" dirty="0" smtClean="0">
-              <a:solidFill>
-                <a:srgbClr val="FFFF00"/>
-              </a:solidFill>
-            </a:endParaRPr>
+              <a:t>50-60% </a:t>
+            </a:r>
           </a:p>
           <a:p>
             <a:pPr marL="0" indent="0">
@@ -7513,1080 +7089,6 @@
     <p:extLst>
       <p:ext uri="{BB962C8B-B14F-4D97-AF65-F5344CB8AC3E}">
         <p14:creationId xmlns:p14="http://schemas.microsoft.com/office/powerpoint/2010/main" val="2696013150"/>
-      </p:ext>
-    </p:extLst>
-  </p:cSld>
-  <p:clrMapOvr>
-    <a:masterClrMapping/>
-  </p:clrMapOvr>
-  <p:timing>
-    <p:tnLst>
-      <p:par>
-        <p:cTn xmlns:p14="http://schemas.microsoft.com/office/powerpoint/2010/main" id="1" dur="indefinite" restart="never" nodeType="tmRoot"/>
-      </p:par>
-    </p:tnLst>
-  </p:timing>
-</p:sld>
-</file>
-
-<file path=ppt/slides/slide23.xml><?xml version="1.0" encoding="utf-8"?>
-<p:sld xmlns:a="http://schemas.openxmlformats.org/drawingml/2006/main" xmlns:r="http://schemas.openxmlformats.org/officeDocument/2006/relationships" xmlns:p="http://schemas.openxmlformats.org/presentationml/2006/main">
-  <p:cSld>
-    <p:spTree>
-      <p:nvGrpSpPr>
-        <p:cNvPr id="1" name=""/>
-        <p:cNvGrpSpPr/>
-        <p:nvPr/>
-      </p:nvGrpSpPr>
-      <p:grpSpPr>
-        <a:xfrm>
-          <a:off x="0" y="0"/>
-          <a:ext cx="0" cy="0"/>
-          <a:chOff x="0" y="0"/>
-          <a:chExt cx="0" cy="0"/>
-        </a:xfrm>
-      </p:grpSpPr>
-      <p:sp>
-        <p:nvSpPr>
-          <p:cNvPr id="2" name="Title 1"/>
-          <p:cNvSpPr>
-            <a:spLocks noGrp="1"/>
-          </p:cNvSpPr>
-          <p:nvPr>
-            <p:ph type="title"/>
-          </p:nvPr>
-        </p:nvSpPr>
-        <p:spPr/>
-        <p:txBody>
-          <a:bodyPr/>
-          <a:lstStyle/>
-          <a:p>
-            <a:endParaRPr lang="en-US"/>
-          </a:p>
-        </p:txBody>
-      </p:sp>
-      <p:sp>
-        <p:nvSpPr>
-          <p:cNvPr id="3" name="Content Placeholder 2"/>
-          <p:cNvSpPr>
-            <a:spLocks noGrp="1"/>
-          </p:cNvSpPr>
-          <p:nvPr>
-            <p:ph idx="1"/>
-          </p:nvPr>
-        </p:nvSpPr>
-        <p:spPr/>
-        <p:txBody>
-          <a:bodyPr/>
-          <a:lstStyle/>
-          <a:p>
-            <a:endParaRPr lang="en-US"/>
-          </a:p>
-        </p:txBody>
-      </p:sp>
-    </p:spTree>
-    <p:extLst>
-      <p:ext uri="{BB962C8B-B14F-4D97-AF65-F5344CB8AC3E}">
-        <p14:creationId xmlns:p14="http://schemas.microsoft.com/office/powerpoint/2010/main" val="2183123272"/>
-      </p:ext>
-    </p:extLst>
-  </p:cSld>
-  <p:clrMapOvr>
-    <a:masterClrMapping/>
-  </p:clrMapOvr>
-  <p:timing>
-    <p:tnLst>
-      <p:par>
-        <p:cTn xmlns:p14="http://schemas.microsoft.com/office/powerpoint/2010/main" id="1" dur="indefinite" restart="never" nodeType="tmRoot"/>
-      </p:par>
-    </p:tnLst>
-  </p:timing>
-</p:sld>
-</file>
-
-<file path=ppt/slides/slide24.xml><?xml version="1.0" encoding="utf-8"?>
-<p:sld xmlns:a="http://schemas.openxmlformats.org/drawingml/2006/main" xmlns:r="http://schemas.openxmlformats.org/officeDocument/2006/relationships" xmlns:p="http://schemas.openxmlformats.org/presentationml/2006/main">
-  <p:cSld>
-    <p:spTree>
-      <p:nvGrpSpPr>
-        <p:cNvPr id="1" name=""/>
-        <p:cNvGrpSpPr/>
-        <p:nvPr/>
-      </p:nvGrpSpPr>
-      <p:grpSpPr>
-        <a:xfrm>
-          <a:off x="0" y="0"/>
-          <a:ext cx="0" cy="0"/>
-          <a:chOff x="0" y="0"/>
-          <a:chExt cx="0" cy="0"/>
-        </a:xfrm>
-      </p:grpSpPr>
-      <p:sp>
-        <p:nvSpPr>
-          <p:cNvPr id="2" name="Title 1"/>
-          <p:cNvSpPr>
-            <a:spLocks noGrp="1"/>
-          </p:cNvSpPr>
-          <p:nvPr>
-            <p:ph type="title"/>
-          </p:nvPr>
-        </p:nvSpPr>
-        <p:spPr/>
-        <p:txBody>
-          <a:bodyPr>
-            <a:normAutofit fontScale="90000"/>
-          </a:bodyPr>
-          <a:lstStyle/>
-          <a:p>
-            <a:r>
-              <a:rPr lang="en-US" dirty="0" smtClean="0"/>
-              <a:t>The </a:t>
-            </a:r>
-            <a:r>
-              <a:rPr lang="en-US" dirty="0" smtClean="0">
-                <a:solidFill>
-                  <a:srgbClr val="FFFF00"/>
-                </a:solidFill>
-              </a:rPr>
-              <a:t>desorption distance </a:t>
-            </a:r>
-            <a:r>
-              <a:rPr lang="en-US" dirty="0" smtClean="0"/>
-              <a:t>for </a:t>
-            </a:r>
-            <a:r>
-              <a:rPr lang="en-US" dirty="0" smtClean="0">
-                <a:solidFill>
-                  <a:srgbClr val="FFFF00"/>
-                </a:solidFill>
-              </a:rPr>
-              <a:t>transition disks</a:t>
-            </a:r>
-            <a:r>
-              <a:rPr lang="en-US" dirty="0" smtClean="0"/>
-              <a:t> agrees with </a:t>
-            </a:r>
-            <a:r>
-              <a:rPr lang="en-US" dirty="0" smtClean="0">
-                <a:solidFill>
-                  <a:srgbClr val="FFFF00"/>
-                </a:solidFill>
-              </a:rPr>
-              <a:t>observations</a:t>
-            </a:r>
-            <a:endParaRPr lang="en-US" dirty="0">
-              <a:solidFill>
-                <a:srgbClr val="FFFF00"/>
-              </a:solidFill>
-            </a:endParaRPr>
-          </a:p>
-        </p:txBody>
-      </p:sp>
-      <p:pic>
-        <p:nvPicPr>
-          <p:cNvPr id="4" name="Picture 3" descr="desorption_distance_transition_disk_1000.pdf"/>
-          <p:cNvPicPr>
-            <a:picLocks noChangeAspect="1"/>
-          </p:cNvPicPr>
-          <p:nvPr/>
-        </p:nvPicPr>
-        <p:blipFill>
-          <a:blip r:embed="rId3">
-            <a:extLst>
-              <a:ext uri="{28A0092B-C50C-407E-A947-70E740481C1C}">
-                <a14:useLocalDpi xmlns:a14="http://schemas.microsoft.com/office/drawing/2010/main" val="0"/>
-              </a:ext>
-            </a:extLst>
-          </a:blip>
-          <a:stretch>
-            <a:fillRect/>
-          </a:stretch>
-        </p:blipFill>
-        <p:spPr>
-          <a:xfrm>
-            <a:off x="1628422" y="1761066"/>
-            <a:ext cx="6033911" cy="4525434"/>
-          </a:xfrm>
-          <a:prstGeom prst="rect">
-            <a:avLst/>
-          </a:prstGeom>
-        </p:spPr>
-      </p:pic>
-      <p:cxnSp>
-        <p:nvCxnSpPr>
-          <p:cNvPr id="6" name="Straight Connector 5"/>
-          <p:cNvCxnSpPr/>
-          <p:nvPr/>
-        </p:nvCxnSpPr>
-        <p:spPr>
-          <a:xfrm flipV="1">
-            <a:off x="5144100" y="2297619"/>
-            <a:ext cx="0" cy="3024675"/>
-          </a:xfrm>
-          <a:prstGeom prst="line">
-            <a:avLst/>
-          </a:prstGeom>
-          <a:ln w="12700">
-            <a:solidFill>
-              <a:schemeClr val="bg1">
-                <a:lumMod val="75000"/>
-                <a:lumOff val="25000"/>
-              </a:schemeClr>
-            </a:solidFill>
-            <a:prstDash val="sysDash"/>
-          </a:ln>
-          <a:effectLst/>
-          <a:scene3d>
-            <a:camera prst="orthographicFront">
-              <a:rot lat="0" lon="0" rev="0"/>
-            </a:camera>
-            <a:lightRig rig="threePt" dir="t"/>
-          </a:scene3d>
-        </p:spPr>
-        <p:style>
-          <a:lnRef idx="2">
-            <a:schemeClr val="accent1"/>
-          </a:lnRef>
-          <a:fillRef idx="0">
-            <a:schemeClr val="accent1"/>
-          </a:fillRef>
-          <a:effectRef idx="1">
-            <a:schemeClr val="accent1"/>
-          </a:effectRef>
-          <a:fontRef idx="minor">
-            <a:schemeClr val="tx1"/>
-          </a:fontRef>
-        </p:style>
-      </p:cxnSp>
-      <p:sp>
-        <p:nvSpPr>
-          <p:cNvPr id="8" name="TextBox 7"/>
-          <p:cNvSpPr txBox="1"/>
-          <p:nvPr/>
-        </p:nvSpPr>
-        <p:spPr>
-          <a:xfrm>
-            <a:off x="4538416" y="6013301"/>
-            <a:ext cx="3269817" cy="307777"/>
-          </a:xfrm>
-          <a:prstGeom prst="rect">
-            <a:avLst/>
-          </a:prstGeom>
-          <a:noFill/>
-        </p:spPr>
-        <p:txBody>
-          <a:bodyPr wrap="square" rtlCol="0">
-            <a:spAutoFit/>
-          </a:bodyPr>
-          <a:lstStyle/>
-          <a:p>
-            <a:r>
-              <a:rPr lang="en-US" sz="1400" dirty="0" smtClean="0">
-                <a:solidFill>
-                  <a:schemeClr val="bg1"/>
-                </a:solidFill>
-              </a:rPr>
-              <a:t>Piso, Oberg, </a:t>
-            </a:r>
-            <a:r>
-              <a:rPr lang="en-US" sz="1400" dirty="0" err="1" smtClean="0">
-                <a:solidFill>
-                  <a:schemeClr val="bg1"/>
-                </a:solidFill>
-              </a:rPr>
-              <a:t>Birnstiel</a:t>
-            </a:r>
-            <a:r>
-              <a:rPr lang="en-US" sz="1400" dirty="0" smtClean="0">
-                <a:solidFill>
-                  <a:schemeClr val="bg1"/>
-                </a:solidFill>
-              </a:rPr>
-              <a:t>, Murray-Clay  (2015)</a:t>
-            </a:r>
-            <a:endParaRPr lang="en-US" sz="1400" dirty="0">
-              <a:solidFill>
-                <a:schemeClr val="bg1"/>
-              </a:solidFill>
-            </a:endParaRPr>
-          </a:p>
-        </p:txBody>
-      </p:sp>
-    </p:spTree>
-    <p:extLst>
-      <p:ext uri="{BB962C8B-B14F-4D97-AF65-F5344CB8AC3E}">
-        <p14:creationId xmlns:p14="http://schemas.microsoft.com/office/powerpoint/2010/main" val="1898163493"/>
-      </p:ext>
-    </p:extLst>
-  </p:cSld>
-  <p:clrMapOvr>
-    <a:masterClrMapping/>
-  </p:clrMapOvr>
-  <p:timing>
-    <p:tnLst>
-      <p:par>
-        <p:cTn xmlns:p14="http://schemas.microsoft.com/office/powerpoint/2010/main" id="1" dur="indefinite" restart="never" nodeType="tmRoot"/>
-      </p:par>
-    </p:tnLst>
-  </p:timing>
-</p:sld>
-</file>
-
-<file path=ppt/slides/slide25.xml><?xml version="1.0" encoding="utf-8"?>
-<p:sld xmlns:a="http://schemas.openxmlformats.org/drawingml/2006/main" xmlns:r="http://schemas.openxmlformats.org/officeDocument/2006/relationships" xmlns:p="http://schemas.openxmlformats.org/presentationml/2006/main">
-  <p:cSld>
-    <p:spTree>
-      <p:nvGrpSpPr>
-        <p:cNvPr id="1" name=""/>
-        <p:cNvGrpSpPr/>
-        <p:nvPr/>
-      </p:nvGrpSpPr>
-      <p:grpSpPr>
-        <a:xfrm>
-          <a:off x="0" y="0"/>
-          <a:ext cx="0" cy="0"/>
-          <a:chOff x="0" y="0"/>
-          <a:chExt cx="0" cy="0"/>
-        </a:xfrm>
-      </p:grpSpPr>
-      <p:sp>
-        <p:nvSpPr>
-          <p:cNvPr id="2" name="Title 1"/>
-          <p:cNvSpPr>
-            <a:spLocks noGrp="1"/>
-          </p:cNvSpPr>
-          <p:nvPr>
-            <p:ph type="title"/>
-          </p:nvPr>
-        </p:nvSpPr>
-        <p:spPr>
-          <a:xfrm>
-            <a:off x="324556" y="45302"/>
-            <a:ext cx="8664222" cy="1489251"/>
-          </a:xfrm>
-        </p:spPr>
-        <p:txBody>
-          <a:bodyPr>
-            <a:noAutofit/>
-          </a:bodyPr>
-          <a:lstStyle/>
-          <a:p>
-            <a:r>
-              <a:rPr lang="en-US" sz="4000" dirty="0" smtClean="0"/>
-              <a:t>Volatile compounds have been detected in </a:t>
-            </a:r>
-            <a:r>
-              <a:rPr lang="en-US" sz="4000" dirty="0" err="1" smtClean="0"/>
-              <a:t>protoplanetary</a:t>
-            </a:r>
-            <a:r>
-              <a:rPr lang="en-US" sz="4000" dirty="0" smtClean="0"/>
-              <a:t> disks</a:t>
-            </a:r>
-            <a:endParaRPr lang="en-US" sz="4000" dirty="0"/>
-          </a:p>
-        </p:txBody>
-      </p:sp>
-      <p:sp>
-        <p:nvSpPr>
-          <p:cNvPr id="5" name="TextBox 4"/>
-          <p:cNvSpPr txBox="1"/>
-          <p:nvPr/>
-        </p:nvSpPr>
-        <p:spPr>
-          <a:xfrm>
-            <a:off x="8055119" y="4788609"/>
-            <a:ext cx="933659" cy="307777"/>
-          </a:xfrm>
-          <a:prstGeom prst="rect">
-            <a:avLst/>
-          </a:prstGeom>
-          <a:noFill/>
-        </p:spPr>
-        <p:txBody>
-          <a:bodyPr wrap="square" rtlCol="0">
-            <a:spAutoFit/>
-          </a:bodyPr>
-          <a:lstStyle/>
-          <a:p>
-            <a:r>
-              <a:rPr lang="en-US" sz="1400" dirty="0" smtClean="0">
-                <a:solidFill>
-                  <a:srgbClr val="000000"/>
-                </a:solidFill>
-              </a:rPr>
-              <a:t>Oberg+11</a:t>
-            </a:r>
-            <a:endParaRPr lang="en-US" sz="1400" dirty="0">
-              <a:solidFill>
-                <a:srgbClr val="000000"/>
-              </a:solidFill>
-            </a:endParaRPr>
-          </a:p>
-        </p:txBody>
-      </p:sp>
-      <p:pic>
-        <p:nvPicPr>
-          <p:cNvPr id="3" name="Picture 2" descr="217219main_20080312a-browse.jpg"/>
-          <p:cNvPicPr>
-            <a:picLocks noChangeAspect="1"/>
-          </p:cNvPicPr>
-          <p:nvPr/>
-        </p:nvPicPr>
-        <p:blipFill>
-          <a:blip r:embed="rId3" cstate="print">
-            <a:extLst>
-              <a:ext uri="{28A0092B-C50C-407E-A947-70E740481C1C}">
-                <a14:useLocalDpi xmlns:a14="http://schemas.microsoft.com/office/drawing/2010/main" val="0"/>
-              </a:ext>
-            </a:extLst>
-          </a:blip>
-          <a:stretch>
-            <a:fillRect/>
-          </a:stretch>
-        </p:blipFill>
-        <p:spPr>
-          <a:xfrm>
-            <a:off x="829068" y="1466764"/>
-            <a:ext cx="7549808" cy="5391236"/>
-          </a:xfrm>
-          <a:prstGeom prst="rect">
-            <a:avLst/>
-          </a:prstGeom>
-        </p:spPr>
-      </p:pic>
-    </p:spTree>
-    <p:extLst>
-      <p:ext uri="{BB962C8B-B14F-4D97-AF65-F5344CB8AC3E}">
-        <p14:creationId xmlns:p14="http://schemas.microsoft.com/office/powerpoint/2010/main" val="3913172559"/>
-      </p:ext>
-    </p:extLst>
-  </p:cSld>
-  <p:clrMapOvr>
-    <a:masterClrMapping/>
-  </p:clrMapOvr>
-  <p:timing>
-    <p:tnLst>
-      <p:par>
-        <p:cTn xmlns:p14="http://schemas.microsoft.com/office/powerpoint/2010/main" id="1" dur="indefinite" restart="never" nodeType="tmRoot"/>
-      </p:par>
-    </p:tnLst>
-  </p:timing>
-</p:sld>
-</file>
-
-<file path=ppt/slides/slide26.xml><?xml version="1.0" encoding="utf-8"?>
-<p:sld xmlns:a="http://schemas.openxmlformats.org/drawingml/2006/main" xmlns:r="http://schemas.openxmlformats.org/officeDocument/2006/relationships" xmlns:p="http://schemas.openxmlformats.org/presentationml/2006/main">
-  <p:cSld>
-    <p:spTree>
-      <p:nvGrpSpPr>
-        <p:cNvPr id="1" name=""/>
-        <p:cNvGrpSpPr/>
-        <p:nvPr/>
-      </p:nvGrpSpPr>
-      <p:grpSpPr>
-        <a:xfrm>
-          <a:off x="0" y="0"/>
-          <a:ext cx="0" cy="0"/>
-          <a:chOff x="0" y="0"/>
-          <a:chExt cx="0" cy="0"/>
-        </a:xfrm>
-      </p:grpSpPr>
-      <p:sp>
-        <p:nvSpPr>
-          <p:cNvPr id="2" name="Title 1"/>
-          <p:cNvSpPr>
-            <a:spLocks noGrp="1"/>
-          </p:cNvSpPr>
-          <p:nvPr>
-            <p:ph type="title"/>
-          </p:nvPr>
-        </p:nvSpPr>
-        <p:spPr>
-          <a:xfrm>
-            <a:off x="457200" y="-253998"/>
-            <a:ext cx="8229600" cy="1143000"/>
-          </a:xfrm>
-        </p:spPr>
-        <p:txBody>
-          <a:bodyPr>
-            <a:normAutofit fontScale="90000"/>
-          </a:bodyPr>
-          <a:lstStyle/>
-          <a:p>
-            <a:r>
-              <a:rPr lang="en-US" dirty="0" smtClean="0">
-                <a:solidFill>
-                  <a:srgbClr val="FFFF00"/>
-                </a:solidFill>
-              </a:rPr>
-              <a:t>Radial drift </a:t>
-            </a:r>
-            <a:r>
-              <a:rPr lang="en-US" dirty="0" smtClean="0"/>
-              <a:t>affects </a:t>
-            </a:r>
-            <a:r>
-              <a:rPr lang="en-US" dirty="0" smtClean="0">
-                <a:solidFill>
-                  <a:srgbClr val="FFFF00"/>
-                </a:solidFill>
-              </a:rPr>
-              <a:t>snowline location</a:t>
-            </a:r>
-            <a:endParaRPr lang="en-US" dirty="0">
-              <a:solidFill>
-                <a:srgbClr val="FFFF00"/>
-              </a:solidFill>
-            </a:endParaRPr>
-          </a:p>
-        </p:txBody>
-      </p:sp>
-      <p:pic>
-        <p:nvPicPr>
-          <p:cNvPr id="6" name="Picture 5" descr="desorption_distance_passive_active_colorbar_test2.pdf"/>
-          <p:cNvPicPr>
-            <a:picLocks noChangeAspect="1"/>
-          </p:cNvPicPr>
-          <p:nvPr/>
-        </p:nvPicPr>
-        <p:blipFill>
-          <a:blip r:embed="rId2">
-            <a:extLst>
-              <a:ext uri="{28A0092B-C50C-407E-A947-70E740481C1C}">
-                <a14:useLocalDpi xmlns:a14="http://schemas.microsoft.com/office/drawing/2010/main" val="0"/>
-              </a:ext>
-            </a:extLst>
-          </a:blip>
-          <a:stretch>
-            <a:fillRect/>
-          </a:stretch>
-        </p:blipFill>
-        <p:spPr>
-          <a:xfrm>
-            <a:off x="1890888" y="889002"/>
-            <a:ext cx="5418667" cy="5840119"/>
-          </a:xfrm>
-          <a:prstGeom prst="rect">
-            <a:avLst/>
-          </a:prstGeom>
-        </p:spPr>
-      </p:pic>
-      <p:sp>
-        <p:nvSpPr>
-          <p:cNvPr id="7" name="TextBox 6"/>
-          <p:cNvSpPr txBox="1"/>
-          <p:nvPr/>
-        </p:nvSpPr>
-        <p:spPr>
-          <a:xfrm>
-            <a:off x="4173592" y="6445621"/>
-            <a:ext cx="3269817" cy="307777"/>
-          </a:xfrm>
-          <a:prstGeom prst="rect">
-            <a:avLst/>
-          </a:prstGeom>
-          <a:noFill/>
-        </p:spPr>
-        <p:txBody>
-          <a:bodyPr wrap="square" rtlCol="0">
-            <a:spAutoFit/>
-          </a:bodyPr>
-          <a:lstStyle/>
-          <a:p>
-            <a:r>
-              <a:rPr lang="en-US" sz="1400" dirty="0" smtClean="0">
-                <a:solidFill>
-                  <a:schemeClr val="bg1"/>
-                </a:solidFill>
-              </a:rPr>
-              <a:t>Piso, Oberg, </a:t>
-            </a:r>
-            <a:r>
-              <a:rPr lang="en-US" sz="1400" dirty="0" err="1" smtClean="0">
-                <a:solidFill>
-                  <a:schemeClr val="bg1"/>
-                </a:solidFill>
-              </a:rPr>
-              <a:t>Birnstiel</a:t>
-            </a:r>
-            <a:r>
-              <a:rPr lang="en-US" sz="1400" dirty="0" smtClean="0">
-                <a:solidFill>
-                  <a:schemeClr val="bg1"/>
-                </a:solidFill>
-              </a:rPr>
-              <a:t>, Murray-Clay  (2015)</a:t>
-            </a:r>
-            <a:endParaRPr lang="en-US" sz="1400" dirty="0">
-              <a:solidFill>
-                <a:schemeClr val="bg1"/>
-              </a:solidFill>
-            </a:endParaRPr>
-          </a:p>
-        </p:txBody>
-      </p:sp>
-    </p:spTree>
-    <p:extLst>
-      <p:ext uri="{BB962C8B-B14F-4D97-AF65-F5344CB8AC3E}">
-        <p14:creationId xmlns:p14="http://schemas.microsoft.com/office/powerpoint/2010/main" val="2041754076"/>
-      </p:ext>
-    </p:extLst>
-  </p:cSld>
-  <p:clrMapOvr>
-    <a:masterClrMapping/>
-  </p:clrMapOvr>
-  <p:timing>
-    <p:tnLst>
-      <p:par>
-        <p:cTn xmlns:p14="http://schemas.microsoft.com/office/powerpoint/2010/main" id="1" dur="indefinite" restart="never" nodeType="tmRoot"/>
-      </p:par>
-    </p:tnLst>
-  </p:timing>
-</p:sld>
-</file>
-
-<file path=ppt/slides/slide27.xml><?xml version="1.0" encoding="utf-8"?>
-<p:sld xmlns:a="http://schemas.openxmlformats.org/drawingml/2006/main" xmlns:r="http://schemas.openxmlformats.org/officeDocument/2006/relationships" xmlns:p="http://schemas.openxmlformats.org/presentationml/2006/main">
-  <p:cSld>
-    <p:spTree>
-      <p:nvGrpSpPr>
-        <p:cNvPr id="1" name=""/>
-        <p:cNvGrpSpPr/>
-        <p:nvPr/>
-      </p:nvGrpSpPr>
-      <p:grpSpPr>
-        <a:xfrm>
-          <a:off x="0" y="0"/>
-          <a:ext cx="0" cy="0"/>
-          <a:chOff x="0" y="0"/>
-          <a:chExt cx="0" cy="0"/>
-        </a:xfrm>
-      </p:grpSpPr>
-      <p:sp>
-        <p:nvSpPr>
-          <p:cNvPr id="2" name="Title 1"/>
-          <p:cNvSpPr>
-            <a:spLocks noGrp="1"/>
-          </p:cNvSpPr>
-          <p:nvPr>
-            <p:ph type="title"/>
-          </p:nvPr>
-        </p:nvSpPr>
-        <p:spPr>
-          <a:xfrm>
-            <a:off x="457200" y="345202"/>
-            <a:ext cx="8229600" cy="1143000"/>
-          </a:xfrm>
-        </p:spPr>
-        <p:txBody>
-          <a:bodyPr>
-            <a:normAutofit fontScale="90000"/>
-          </a:bodyPr>
-          <a:lstStyle/>
-          <a:p>
-            <a:r>
-              <a:rPr lang="en-US" sz="3600" dirty="0"/>
-              <a:t>Some giant planets </a:t>
-            </a:r>
-            <a:r>
-              <a:rPr lang="en-US" sz="3600" dirty="0">
-                <a:solidFill>
-                  <a:srgbClr val="FFFF00"/>
-                </a:solidFill>
-              </a:rPr>
-              <a:t>may</a:t>
-            </a:r>
-            <a:r>
-              <a:rPr lang="en-US" sz="3600" dirty="0"/>
-              <a:t> have C/O ratios different from the stellar value of 0.54</a:t>
-            </a:r>
-            <a:br>
-              <a:rPr lang="en-US" sz="3600" dirty="0"/>
-            </a:br>
-            <a:endParaRPr lang="en-US" sz="3400" dirty="0">
-              <a:solidFill>
-                <a:srgbClr val="FFFF00"/>
-              </a:solidFill>
-            </a:endParaRPr>
-          </a:p>
-        </p:txBody>
-      </p:sp>
-      <p:pic>
-        <p:nvPicPr>
-          <p:cNvPr id="4" name="Picture 3"/>
-          <p:cNvPicPr>
-            <a:picLocks noChangeAspect="1"/>
-          </p:cNvPicPr>
-          <p:nvPr/>
-        </p:nvPicPr>
-        <p:blipFill>
-          <a:blip r:embed="rId3"/>
-          <a:stretch>
-            <a:fillRect/>
-          </a:stretch>
-        </p:blipFill>
-        <p:spPr>
-          <a:xfrm>
-            <a:off x="691407" y="1417638"/>
-            <a:ext cx="7387593" cy="5200149"/>
-          </a:xfrm>
-          <a:prstGeom prst="rect">
-            <a:avLst/>
-          </a:prstGeom>
-        </p:spPr>
-      </p:pic>
-      <p:sp>
-        <p:nvSpPr>
-          <p:cNvPr id="5" name="TextBox 4"/>
-          <p:cNvSpPr txBox="1"/>
-          <p:nvPr/>
-        </p:nvSpPr>
-        <p:spPr>
-          <a:xfrm>
-            <a:off x="6136007" y="6308167"/>
-            <a:ext cx="1596881" cy="307777"/>
-          </a:xfrm>
-          <a:prstGeom prst="rect">
-            <a:avLst/>
-          </a:prstGeom>
-          <a:noFill/>
-        </p:spPr>
-        <p:txBody>
-          <a:bodyPr wrap="square" rtlCol="0">
-            <a:spAutoFit/>
-          </a:bodyPr>
-          <a:lstStyle/>
-          <a:p>
-            <a:r>
-              <a:rPr lang="en-US" sz="1400" dirty="0" smtClean="0">
-                <a:solidFill>
-                  <a:srgbClr val="000000"/>
-                </a:solidFill>
-              </a:rPr>
-              <a:t>Madhusudhan+11</a:t>
-            </a:r>
-            <a:endParaRPr lang="en-US" sz="1400" dirty="0">
-              <a:solidFill>
-                <a:srgbClr val="000000"/>
-              </a:solidFill>
-            </a:endParaRPr>
-          </a:p>
-        </p:txBody>
-      </p:sp>
-    </p:spTree>
-    <p:extLst>
-      <p:ext uri="{BB962C8B-B14F-4D97-AF65-F5344CB8AC3E}">
-        <p14:creationId xmlns:p14="http://schemas.microsoft.com/office/powerpoint/2010/main" val="3407719082"/>
-      </p:ext>
-    </p:extLst>
-  </p:cSld>
-  <p:clrMapOvr>
-    <a:masterClrMapping/>
-  </p:clrMapOvr>
-  <p:timing>
-    <p:tnLst>
-      <p:par>
-        <p:cTn xmlns:p14="http://schemas.microsoft.com/office/powerpoint/2010/main" id="1" dur="indefinite" restart="never" nodeType="tmRoot"/>
-      </p:par>
-    </p:tnLst>
-  </p:timing>
-</p:sld>
-</file>
-
-<file path=ppt/slides/slide28.xml><?xml version="1.0" encoding="utf-8"?>
-<p:sld xmlns:a="http://schemas.openxmlformats.org/drawingml/2006/main" xmlns:r="http://schemas.openxmlformats.org/officeDocument/2006/relationships" xmlns:p="http://schemas.openxmlformats.org/presentationml/2006/main">
-  <p:cSld>
-    <p:spTree>
-      <p:nvGrpSpPr>
-        <p:cNvPr id="1" name=""/>
-        <p:cNvGrpSpPr/>
-        <p:nvPr/>
-      </p:nvGrpSpPr>
-      <p:grpSpPr>
-        <a:xfrm>
-          <a:off x="0" y="0"/>
-          <a:ext cx="0" cy="0"/>
-          <a:chOff x="0" y="0"/>
-          <a:chExt cx="0" cy="0"/>
-        </a:xfrm>
-      </p:grpSpPr>
-      <p:sp>
-        <p:nvSpPr>
-          <p:cNvPr id="4" name="Title 1"/>
-          <p:cNvSpPr txBox="1">
-            <a:spLocks/>
-          </p:cNvSpPr>
-          <p:nvPr/>
-        </p:nvSpPr>
-        <p:spPr>
-          <a:xfrm>
-            <a:off x="457200" y="2124402"/>
-            <a:ext cx="8229600" cy="1389809"/>
-          </a:xfrm>
-          <a:prstGeom prst="rect">
-            <a:avLst/>
-          </a:prstGeom>
-        </p:spPr>
-        <p:txBody>
-          <a:bodyPr vert="horz" lIns="91440" tIns="45720" rIns="91440" bIns="45720" rtlCol="0" anchor="ctr">
-            <a:noAutofit/>
-          </a:bodyPr>
-          <a:lstStyle>
-            <a:lvl1pPr algn="ctr" defTabSz="914400" rtl="0" eaLnBrk="1" latinLnBrk="0" hangingPunct="1">
-              <a:spcBef>
-                <a:spcPct val="0"/>
-              </a:spcBef>
-              <a:buNone/>
-              <a:defRPr sz="4400" kern="1200">
-                <a:solidFill>
-                  <a:schemeClr val="tx1"/>
-                </a:solidFill>
-                <a:latin typeface="+mj-lt"/>
-                <a:ea typeface="+mj-ea"/>
-                <a:cs typeface="+mj-cs"/>
-              </a:defRPr>
-            </a:lvl1pPr>
-          </a:lstStyle>
-          <a:p>
-            <a:r>
-              <a:rPr lang="en-US" sz="4200" dirty="0" smtClean="0"/>
-              <a:t>The </a:t>
-            </a:r>
-            <a:r>
-              <a:rPr lang="en-US" sz="4200" dirty="0" smtClean="0">
-                <a:solidFill>
-                  <a:srgbClr val="FFFF00"/>
-                </a:solidFill>
-              </a:rPr>
-              <a:t>Minimum Core Mass </a:t>
-            </a:r>
-            <a:r>
-              <a:rPr lang="en-US" sz="4200" dirty="0" smtClean="0"/>
-              <a:t>to form </a:t>
-            </a:r>
-            <a:r>
-              <a:rPr lang="en-US" sz="4200" dirty="0" smtClean="0">
-                <a:solidFill>
-                  <a:srgbClr val="FFFF00"/>
-                </a:solidFill>
-              </a:rPr>
-              <a:t>Gas Giants </a:t>
-            </a:r>
-            <a:r>
-              <a:rPr lang="en-US" sz="4200" dirty="0" smtClean="0"/>
-              <a:t>depends sensitively on </a:t>
-            </a:r>
-            <a:r>
-              <a:rPr lang="en-US" sz="4200" dirty="0" smtClean="0">
-                <a:solidFill>
-                  <a:srgbClr val="FFFF00"/>
-                </a:solidFill>
-              </a:rPr>
-              <a:t>disk physics </a:t>
-            </a:r>
-            <a:r>
-              <a:rPr lang="en-US" sz="4200" dirty="0" smtClean="0"/>
-              <a:t>and </a:t>
-            </a:r>
-            <a:r>
-              <a:rPr lang="en-US" sz="4200" dirty="0" smtClean="0">
-                <a:solidFill>
-                  <a:srgbClr val="FFFF00"/>
-                </a:solidFill>
-              </a:rPr>
-              <a:t>chemistry</a:t>
-            </a:r>
-            <a:endParaRPr lang="en-US" sz="4200" dirty="0">
-              <a:solidFill>
-                <a:srgbClr val="FFFF00"/>
-              </a:solidFill>
-            </a:endParaRPr>
-          </a:p>
-        </p:txBody>
-      </p:sp>
-    </p:spTree>
-    <p:extLst>
-      <p:ext uri="{BB962C8B-B14F-4D97-AF65-F5344CB8AC3E}">
-        <p14:creationId xmlns:p14="http://schemas.microsoft.com/office/powerpoint/2010/main" val="816127067"/>
-      </p:ext>
-    </p:extLst>
-  </p:cSld>
-  <p:clrMapOvr>
-    <a:masterClrMapping/>
-  </p:clrMapOvr>
-</p:sld>
-</file>
-
-<file path=ppt/slides/slide29.xml><?xml version="1.0" encoding="utf-8"?>
-<p:sld xmlns:a="http://schemas.openxmlformats.org/drawingml/2006/main" xmlns:r="http://schemas.openxmlformats.org/officeDocument/2006/relationships" xmlns:p="http://schemas.openxmlformats.org/presentationml/2006/main">
-  <p:cSld>
-    <p:spTree>
-      <p:nvGrpSpPr>
-        <p:cNvPr id="1" name=""/>
-        <p:cNvGrpSpPr/>
-        <p:nvPr/>
-      </p:nvGrpSpPr>
-      <p:grpSpPr>
-        <a:xfrm>
-          <a:off x="0" y="0"/>
-          <a:ext cx="0" cy="0"/>
-          <a:chOff x="0" y="0"/>
-          <a:chExt cx="0" cy="0"/>
-        </a:xfrm>
-      </p:grpSpPr>
-      <p:pic>
-        <p:nvPicPr>
-          <p:cNvPr id="4" name="Picture 3" descr="Screen Shot 2016-01-04 at 11.02.55 AM.png"/>
-          <p:cNvPicPr>
-            <a:picLocks noChangeAspect="1"/>
-          </p:cNvPicPr>
-          <p:nvPr/>
-        </p:nvPicPr>
-        <p:blipFill>
-          <a:blip r:embed="rId2">
-            <a:extLst>
-              <a:ext uri="{28A0092B-C50C-407E-A947-70E740481C1C}">
-                <a14:useLocalDpi xmlns:a14="http://schemas.microsoft.com/office/drawing/2010/main" val="0"/>
-              </a:ext>
-            </a:extLst>
-          </a:blip>
-          <a:stretch>
-            <a:fillRect/>
-          </a:stretch>
-        </p:blipFill>
-        <p:spPr>
-          <a:xfrm>
-            <a:off x="4851206" y="2074333"/>
-            <a:ext cx="4028913" cy="3922889"/>
-          </a:xfrm>
-          <a:prstGeom prst="rect">
-            <a:avLst/>
-          </a:prstGeom>
-        </p:spPr>
-      </p:pic>
-      <p:sp>
-        <p:nvSpPr>
-          <p:cNvPr id="2" name="Title 1"/>
-          <p:cNvSpPr>
-            <a:spLocks noGrp="1"/>
-          </p:cNvSpPr>
-          <p:nvPr>
-            <p:ph type="title"/>
-          </p:nvPr>
-        </p:nvSpPr>
-        <p:spPr>
-          <a:xfrm>
-            <a:off x="127000" y="155222"/>
-            <a:ext cx="9017000" cy="1693334"/>
-          </a:xfrm>
-        </p:spPr>
-        <p:txBody>
-          <a:bodyPr>
-            <a:noAutofit/>
-          </a:bodyPr>
-          <a:lstStyle/>
-          <a:p>
-            <a:r>
-              <a:rPr lang="en-US" sz="3400" dirty="0" smtClean="0">
-                <a:solidFill>
-                  <a:srgbClr val="FFFF00"/>
-                </a:solidFill>
-              </a:rPr>
-              <a:t>Snowlines</a:t>
-            </a:r>
-            <a:r>
-              <a:rPr lang="en-US" sz="3400" dirty="0" smtClean="0"/>
-              <a:t> of </a:t>
-            </a:r>
-            <a:r>
-              <a:rPr lang="en-US" sz="3400" dirty="0" smtClean="0">
-                <a:solidFill>
-                  <a:srgbClr val="FFFF00"/>
-                </a:solidFill>
-              </a:rPr>
-              <a:t>volatile molecules </a:t>
-            </a:r>
-            <a:r>
-              <a:rPr lang="en-US" sz="3400" dirty="0" smtClean="0"/>
-              <a:t>have been detected in disks</a:t>
-            </a:r>
-            <a:endParaRPr lang="en-US" sz="3400" dirty="0"/>
-          </a:p>
-        </p:txBody>
-      </p:sp>
-      <p:sp>
-        <p:nvSpPr>
-          <p:cNvPr id="6" name="TextBox 5"/>
-          <p:cNvSpPr txBox="1"/>
-          <p:nvPr/>
-        </p:nvSpPr>
-        <p:spPr>
-          <a:xfrm>
-            <a:off x="5543341" y="5524115"/>
-            <a:ext cx="933659" cy="307777"/>
-          </a:xfrm>
-          <a:prstGeom prst="rect">
-            <a:avLst/>
-          </a:prstGeom>
-          <a:noFill/>
-        </p:spPr>
-        <p:txBody>
-          <a:bodyPr wrap="square" rtlCol="0">
-            <a:spAutoFit/>
-          </a:bodyPr>
-          <a:lstStyle/>
-          <a:p>
-            <a:r>
-              <a:rPr lang="en-US" sz="1400" dirty="0" smtClean="0">
-                <a:solidFill>
-                  <a:srgbClr val="000000"/>
-                </a:solidFill>
-              </a:rPr>
-              <a:t>Qi+13</a:t>
-            </a:r>
-            <a:endParaRPr lang="en-US" sz="1400" dirty="0">
-              <a:solidFill>
-                <a:srgbClr val="000000"/>
-              </a:solidFill>
-            </a:endParaRPr>
-          </a:p>
-        </p:txBody>
-      </p:sp>
-      <p:pic>
-        <p:nvPicPr>
-          <p:cNvPr id="5" name="Picture 4" descr="2013_sciencealma_0009.jpg"/>
-          <p:cNvPicPr>
-            <a:picLocks noChangeAspect="1"/>
-          </p:cNvPicPr>
-          <p:nvPr/>
-        </p:nvPicPr>
-        <p:blipFill>
-          <a:blip r:embed="rId3" cstate="print">
-            <a:extLst>
-              <a:ext uri="{28A0092B-C50C-407E-A947-70E740481C1C}">
-                <a14:useLocalDpi xmlns:a14="http://schemas.microsoft.com/office/drawing/2010/main" val="0"/>
-              </a:ext>
-            </a:extLst>
-          </a:blip>
-          <a:stretch>
-            <a:fillRect/>
-          </a:stretch>
-        </p:blipFill>
-        <p:spPr>
-          <a:xfrm>
-            <a:off x="554040" y="1979902"/>
-            <a:ext cx="3796140" cy="3805654"/>
-          </a:xfrm>
-          <a:prstGeom prst="rect">
-            <a:avLst/>
-          </a:prstGeom>
-        </p:spPr>
-      </p:pic>
-    </p:spTree>
-    <p:extLst>
-      <p:ext uri="{BB962C8B-B14F-4D97-AF65-F5344CB8AC3E}">
-        <p14:creationId xmlns:p14="http://schemas.microsoft.com/office/powerpoint/2010/main" val="2296830270"/>
       </p:ext>
     </p:extLst>
   </p:cSld>
@@ -8968,23 +7470,7 @@
                   <a:srgbClr val="000000"/>
                 </a:solidFill>
               </a:rPr>
-              <a:t> </a:t>
-            </a:r>
-            <a:r>
-              <a:rPr lang="en-US" sz="1400" dirty="0" smtClean="0">
-                <a:solidFill>
-                  <a:srgbClr val="000000"/>
-                </a:solidFill>
-              </a:rPr>
-              <a:t>(</a:t>
-            </a:r>
-            <a:r>
-              <a:rPr lang="en-US" sz="1400" dirty="0" smtClean="0">
-                <a:solidFill>
-                  <a:srgbClr val="000000"/>
-                </a:solidFill>
-              </a:rPr>
-              <a:t>2014)</a:t>
+              <a:t> (2014)</a:t>
             </a:r>
             <a:endParaRPr lang="en-US" sz="1400" dirty="0">
               <a:solidFill>
@@ -10578,19 +9064,7 @@
           <a:p>
             <a:r>
               <a:rPr lang="en-US" sz="3200" dirty="0" smtClean="0"/>
-              <a:t>Non-</a:t>
-            </a:r>
-            <a:r>
-              <a:rPr lang="en-US" sz="3200" dirty="0" smtClean="0"/>
-              <a:t>ideal </a:t>
-            </a:r>
-            <a:r>
-              <a:rPr lang="en-US" sz="3200" dirty="0" smtClean="0"/>
-              <a:t>Equation Of State (EOS) </a:t>
-            </a:r>
-            <a:r>
-              <a:rPr lang="en-US" sz="3200" dirty="0" smtClean="0"/>
-              <a:t>effects </a:t>
+              <a:t>Non-ideal Equation Of State (EOS) effects </a:t>
             </a:r>
             <a:r>
               <a:rPr lang="en-US" sz="3200" dirty="0" smtClean="0">
@@ -10677,11 +9151,7 @@
           <a:p>
             <a:r>
               <a:rPr lang="en-US" dirty="0" smtClean="0"/>
-              <a:t>Grain growth </a:t>
-            </a:r>
-            <a:r>
-              <a:rPr lang="en-US" dirty="0" smtClean="0"/>
-              <a:t>opacities </a:t>
+              <a:t>Grain growth opacities </a:t>
             </a:r>
             <a:r>
               <a:rPr lang="en-US" dirty="0" smtClean="0">
@@ -11075,11 +9545,7 @@
           <a:p>
             <a:r>
               <a:rPr lang="en-US" dirty="0" smtClean="0"/>
-              <a:t>Grain growth </a:t>
-            </a:r>
-            <a:r>
-              <a:rPr lang="en-US" dirty="0" smtClean="0"/>
-              <a:t>opacities </a:t>
+              <a:t>Grain growth opacities </a:t>
             </a:r>
             <a:r>
               <a:rPr lang="en-US" dirty="0" smtClean="0">
@@ -11641,11 +10107,7 @@
           <a:p>
             <a:r>
               <a:rPr lang="en-US" dirty="0" smtClean="0"/>
-              <a:t>Grain growth </a:t>
-            </a:r>
-            <a:r>
-              <a:rPr lang="en-US" dirty="0" smtClean="0"/>
-              <a:t>opacities </a:t>
+              <a:t>Grain growth opacities </a:t>
             </a:r>
             <a:r>
               <a:rPr lang="en-US" dirty="0" smtClean="0">
